--- a/cocha-icons-source.pptx
+++ b/cocha-icons-source.pptx
@@ -1,6 +1,6 @@
 
 <file path=ppt/presentation.xml><?xml version="1.0" encoding="utf-8"?>
-<p:presentation xmlns:a="http://schemas.openxmlformats.org/drawingml/2006/main" xmlns:r="http://schemas.openxmlformats.org/officeDocument/2006/relationships" xmlns:p="http://schemas.openxmlformats.org/presentationml/2006/main" removePersonalInfoOnSave="1" saveSubsetFonts="1">
+<p:presentation xmlns:a="http://schemas.openxmlformats.org/drawingml/2006/main" xmlns:r="http://schemas.openxmlformats.org/officeDocument/2006/relationships" xmlns:p="http://schemas.openxmlformats.org/presentationml/2006/main" removePersonalInfoOnSave="1" embedTrueTypeFonts="1" saveSubsetFonts="1">
   <p:sldMasterIdLst>
     <p:sldMasterId id="2147483648" r:id="rId1"/>
   </p:sldMasterIdLst>
@@ -12,6 +12,26 @@
   </p:sldIdLst>
   <p:sldSz cx="9144000" cy="6858000" type="screen4x3"/>
   <p:notesSz cx="6858000" cy="9144000"/>
+  <p:embeddedFontLst>
+    <p:embeddedFont>
+      <p:font typeface="Calibri" panose="020F0502020204030204" pitchFamily="34" charset="0"/>
+      <p:regular r:id="rId4"/>
+      <p:bold r:id="rId5"/>
+      <p:italic r:id="rId6"/>
+      <p:boldItalic r:id="rId7"/>
+    </p:embeddedFont>
+    <p:embeddedFont>
+      <p:font typeface="アンニャントロマン" panose="02000600000000000000" pitchFamily="2" charset="-128"/>
+      <p:regular r:id="rId8"/>
+    </p:embeddedFont>
+    <p:embeddedFont>
+      <p:font typeface="メイリオ" panose="020B0604030504040204" pitchFamily="50" charset="-128"/>
+      <p:regular r:id="rId9"/>
+      <p:bold r:id="rId10"/>
+      <p:italic r:id="rId11"/>
+      <p:boldItalic r:id="rId12"/>
+    </p:embeddedFont>
+  </p:embeddedFontLst>
   <p:defaultTextStyle>
     <a:defPPr>
       <a:defRPr lang="ja-JP"/>
@@ -209,7 +229,7 @@
             <a:fld id="{0B3E0B61-2EC1-41A1-85D2-6BE8CC1CB3EF}" type="datetimeFigureOut">
               <a:rPr kumimoji="1" lang="ja-JP" altLang="en-US" smtClean="0"/>
               <a:pPr/>
-              <a:t>2017/11/1</a:t>
+              <a:t>2017/11/2</a:t>
             </a:fld>
             <a:endParaRPr kumimoji="1" lang="ja-JP" altLang="en-US"/>
           </a:p>
@@ -779,7 +799,7 @@
             <a:fld id="{3A117DF5-0C47-4C2D-A52B-28BE7B607343}" type="datetimeFigureOut">
               <a:rPr kumimoji="1" lang="ja-JP" altLang="en-US" smtClean="0"/>
               <a:pPr/>
-              <a:t>2017/11/1</a:t>
+              <a:t>2017/11/2</a:t>
             </a:fld>
             <a:endParaRPr kumimoji="1" lang="ja-JP" altLang="en-US"/>
           </a:p>
@@ -978,7 +998,7 @@
             <a:fld id="{3A117DF5-0C47-4C2D-A52B-28BE7B607343}" type="datetimeFigureOut">
               <a:rPr kumimoji="1" lang="ja-JP" altLang="en-US" smtClean="0"/>
               <a:pPr/>
-              <a:t>2017/11/1</a:t>
+              <a:t>2017/11/2</a:t>
             </a:fld>
             <a:endParaRPr kumimoji="1" lang="ja-JP" altLang="en-US"/>
           </a:p>
@@ -1194,7 +1214,7 @@
             <a:fld id="{3A117DF5-0C47-4C2D-A52B-28BE7B607343}" type="datetimeFigureOut">
               <a:rPr kumimoji="1" lang="ja-JP" altLang="en-US" smtClean="0"/>
               <a:pPr/>
-              <a:t>2017/11/1</a:t>
+              <a:t>2017/11/2</a:t>
             </a:fld>
             <a:endParaRPr kumimoji="1" lang="ja-JP" altLang="en-US"/>
           </a:p>
@@ -1400,7 +1420,7 @@
             <a:fld id="{3A117DF5-0C47-4C2D-A52B-28BE7B607343}" type="datetimeFigureOut">
               <a:rPr kumimoji="1" lang="ja-JP" altLang="en-US" smtClean="0"/>
               <a:pPr/>
-              <a:t>2017/11/1</a:t>
+              <a:t>2017/11/2</a:t>
             </a:fld>
             <a:endParaRPr kumimoji="1" lang="ja-JP" altLang="en-US"/>
           </a:p>
@@ -1650,7 +1670,7 @@
             <a:fld id="{3A117DF5-0C47-4C2D-A52B-28BE7B607343}" type="datetimeFigureOut">
               <a:rPr kumimoji="1" lang="ja-JP" altLang="en-US" smtClean="0"/>
               <a:pPr/>
-              <a:t>2017/11/1</a:t>
+              <a:t>2017/11/2</a:t>
             </a:fld>
             <a:endParaRPr kumimoji="1" lang="ja-JP" altLang="en-US"/>
           </a:p>
@@ -1999,7 +2019,7 @@
             <a:fld id="{3A117DF5-0C47-4C2D-A52B-28BE7B607343}" type="datetimeFigureOut">
               <a:rPr kumimoji="1" lang="ja-JP" altLang="en-US" smtClean="0"/>
               <a:pPr/>
-              <a:t>2017/11/1</a:t>
+              <a:t>2017/11/2</a:t>
             </a:fld>
             <a:endParaRPr kumimoji="1" lang="ja-JP" altLang="en-US"/>
           </a:p>
@@ -2489,7 +2509,7 @@
             <a:fld id="{3A117DF5-0C47-4C2D-A52B-28BE7B607343}" type="datetimeFigureOut">
               <a:rPr kumimoji="1" lang="ja-JP" altLang="en-US" smtClean="0"/>
               <a:pPr/>
-              <a:t>2017/11/1</a:t>
+              <a:t>2017/11/2</a:t>
             </a:fld>
             <a:endParaRPr kumimoji="1" lang="ja-JP" altLang="en-US"/>
           </a:p>
@@ -2611,7 +2631,7 @@
             <a:fld id="{3A117DF5-0C47-4C2D-A52B-28BE7B607343}" type="datetimeFigureOut">
               <a:rPr kumimoji="1" lang="ja-JP" altLang="en-US" smtClean="0"/>
               <a:pPr/>
-              <a:t>2017/11/1</a:t>
+              <a:t>2017/11/2</a:t>
             </a:fld>
             <a:endParaRPr kumimoji="1" lang="ja-JP" altLang="en-US"/>
           </a:p>
@@ -2710,7 +2730,7 @@
             <a:fld id="{3A117DF5-0C47-4C2D-A52B-28BE7B607343}" type="datetimeFigureOut">
               <a:rPr kumimoji="1" lang="ja-JP" altLang="en-US" smtClean="0"/>
               <a:pPr/>
-              <a:t>2017/11/1</a:t>
+              <a:t>2017/11/2</a:t>
             </a:fld>
             <a:endParaRPr kumimoji="1" lang="ja-JP" altLang="en-US"/>
           </a:p>
@@ -3023,7 +3043,7 @@
             <a:fld id="{3A117DF5-0C47-4C2D-A52B-28BE7B607343}" type="datetimeFigureOut">
               <a:rPr kumimoji="1" lang="ja-JP" altLang="en-US" smtClean="0"/>
               <a:pPr/>
-              <a:t>2017/11/1</a:t>
+              <a:t>2017/11/2</a:t>
             </a:fld>
             <a:endParaRPr kumimoji="1" lang="ja-JP" altLang="en-US"/>
           </a:p>
@@ -3273,7 +3293,7 @@
             <a:fld id="{3A117DF5-0C47-4C2D-A52B-28BE7B607343}" type="datetimeFigureOut">
               <a:rPr kumimoji="1" lang="ja-JP" altLang="en-US" smtClean="0"/>
               <a:pPr/>
-              <a:t>2017/11/1</a:t>
+              <a:t>2017/11/2</a:t>
             </a:fld>
             <a:endParaRPr kumimoji="1" lang="ja-JP" altLang="en-US"/>
           </a:p>
@@ -3522,7 +3542,7 @@
             <a:fld id="{3A117DF5-0C47-4C2D-A52B-28BE7B607343}" type="datetimeFigureOut">
               <a:rPr kumimoji="1" lang="ja-JP" altLang="en-US" smtClean="0"/>
               <a:pPr/>
-              <a:t>2017/11/1</a:t>
+              <a:t>2017/11/2</a:t>
             </a:fld>
             <a:endParaRPr kumimoji="1" lang="ja-JP" altLang="en-US"/>
           </a:p>
@@ -3900,6 +3920,58 @@
           <a:chExt cx="0" cy="0"/>
         </a:xfrm>
       </p:grpSpPr>
+      <p:sp>
+        <p:nvSpPr>
+          <p:cNvPr id="33" name="円/楕円 32"/>
+          <p:cNvSpPr/>
+          <p:nvPr/>
+        </p:nvSpPr>
+        <p:spPr>
+          <a:xfrm>
+            <a:off x="6245117" y="4219558"/>
+            <a:ext cx="987303" cy="528260"/>
+          </a:xfrm>
+          <a:prstGeom prst="ellipse">
+            <a:avLst/>
+          </a:prstGeom>
+          <a:solidFill>
+            <a:schemeClr val="bg1">
+              <a:lumMod val="75000"/>
+            </a:schemeClr>
+          </a:solidFill>
+          <a:ln>
+            <a:solidFill>
+              <a:schemeClr val="bg1">
+                <a:lumMod val="75000"/>
+              </a:schemeClr>
+            </a:solidFill>
+          </a:ln>
+        </p:spPr>
+        <p:style>
+          <a:lnRef idx="2">
+            <a:schemeClr val="accent1">
+              <a:shade val="50000"/>
+            </a:schemeClr>
+          </a:lnRef>
+          <a:fillRef idx="1">
+            <a:schemeClr val="accent1"/>
+          </a:fillRef>
+          <a:effectRef idx="0">
+            <a:schemeClr val="accent1"/>
+          </a:effectRef>
+          <a:fontRef idx="minor">
+            <a:schemeClr val="lt1"/>
+          </a:fontRef>
+        </p:style>
+        <p:txBody>
+          <a:bodyPr rtlCol="0" anchor="ctr"/>
+          <a:lstStyle/>
+          <a:p>
+            <a:pPr algn="ctr"/>
+            <a:endParaRPr kumimoji="1" lang="ja-JP" altLang="en-US"/>
+          </a:p>
+        </p:txBody>
+      </p:sp>
       <p:cxnSp>
         <p:nvCxnSpPr>
           <p:cNvPr id="90" name="カギ線コネクタ 34"/>
@@ -3978,131 +4050,116 @@
           </a:fontRef>
         </p:style>
       </p:cxnSp>
-      <p:grpSp>
-        <p:nvGrpSpPr>
-          <p:cNvPr id="2" name="グループ化 1"/>
-          <p:cNvGrpSpPr/>
+      <p:sp>
+        <p:nvSpPr>
+          <p:cNvPr id="278" name="平行四辺形 277"/>
+          <p:cNvSpPr/>
           <p:nvPr/>
-        </p:nvGrpSpPr>
-        <p:grpSpPr>
-          <a:xfrm>
-            <a:off x="3424259" y="2861016"/>
-            <a:ext cx="1349273" cy="795878"/>
-            <a:chOff x="5997437" y="1203725"/>
-            <a:chExt cx="1349273" cy="795878"/>
+        </p:nvSpPr>
+        <p:spPr>
+          <a:xfrm rot="1800000">
+            <a:off x="3424261" y="2889869"/>
+            <a:ext cx="1349271" cy="767025"/>
           </a:xfrm>
-        </p:grpSpPr>
-        <p:sp>
-          <p:nvSpPr>
-            <p:cNvPr id="278" name="平行四辺形 277"/>
-            <p:cNvSpPr/>
-            <p:nvPr/>
-          </p:nvSpPr>
-          <p:spPr>
-            <a:xfrm rot="1800000">
-              <a:off x="5997439" y="1232578"/>
-              <a:ext cx="1349271" cy="767025"/>
-            </a:xfrm>
-            <a:prstGeom prst="parallelogram">
-              <a:avLst>
-                <a:gd name="adj" fmla="val 56906"/>
-              </a:avLst>
-            </a:prstGeom>
+          <a:prstGeom prst="parallelogram">
+            <a:avLst>
+              <a:gd name="adj" fmla="val 56906"/>
+            </a:avLst>
+          </a:prstGeom>
+          <a:solidFill>
+            <a:schemeClr val="accent6">
+              <a:lumMod val="75000"/>
+            </a:schemeClr>
+          </a:solidFill>
+          <a:ln>
             <a:solidFill>
               <a:schemeClr val="accent6">
-                <a:lumMod val="75000"/>
+                <a:lumMod val="50000"/>
               </a:schemeClr>
             </a:solidFill>
-            <a:ln>
-              <a:solidFill>
-                <a:schemeClr val="accent6">
-                  <a:lumMod val="75000"/>
-                </a:schemeClr>
-              </a:solidFill>
-            </a:ln>
-          </p:spPr>
-          <p:style>
-            <a:lnRef idx="2">
-              <a:schemeClr val="accent1">
-                <a:shade val="50000"/>
-              </a:schemeClr>
-            </a:lnRef>
-            <a:fillRef idx="1">
-              <a:schemeClr val="accent1"/>
-            </a:fillRef>
-            <a:effectRef idx="0">
-              <a:schemeClr val="accent1"/>
-            </a:effectRef>
-            <a:fontRef idx="minor">
-              <a:schemeClr val="lt1"/>
-            </a:fontRef>
-          </p:style>
-          <p:txBody>
-            <a:bodyPr rtlCol="0" anchor="ctr"/>
-            <a:lstStyle/>
-            <a:p>
-              <a:pPr algn="ctr"/>
-              <a:endParaRPr kumimoji="1" lang="ja-JP" altLang="en-US"/>
-            </a:p>
-          </p:txBody>
-        </p:sp>
-        <p:sp>
-          <p:nvSpPr>
-            <p:cNvPr id="279" name="平行四辺形 278"/>
-            <p:cNvSpPr/>
-            <p:nvPr/>
-          </p:nvSpPr>
-          <p:spPr>
-            <a:xfrm rot="1800000">
-              <a:off x="5997437" y="1203725"/>
-              <a:ext cx="1349271" cy="767025"/>
-            </a:xfrm>
-            <a:prstGeom prst="parallelogram">
-              <a:avLst>
-                <a:gd name="adj" fmla="val 56906"/>
-              </a:avLst>
-            </a:prstGeom>
+          </a:ln>
+        </p:spPr>
+        <p:style>
+          <a:lnRef idx="2">
+            <a:schemeClr val="accent1">
+              <a:shade val="50000"/>
+            </a:schemeClr>
+          </a:lnRef>
+          <a:fillRef idx="1">
+            <a:schemeClr val="accent1"/>
+          </a:fillRef>
+          <a:effectRef idx="0">
+            <a:schemeClr val="accent1"/>
+          </a:effectRef>
+          <a:fontRef idx="minor">
+            <a:schemeClr val="lt1"/>
+          </a:fontRef>
+        </p:style>
+        <p:txBody>
+          <a:bodyPr rtlCol="0" anchor="ctr"/>
+          <a:lstStyle/>
+          <a:p>
+            <a:pPr algn="ctr"/>
+            <a:endParaRPr kumimoji="1" lang="ja-JP" altLang="en-US"/>
+          </a:p>
+        </p:txBody>
+      </p:sp>
+      <p:sp>
+        <p:nvSpPr>
+          <p:cNvPr id="279" name="平行四辺形 278"/>
+          <p:cNvSpPr/>
+          <p:nvPr/>
+        </p:nvSpPr>
+        <p:spPr>
+          <a:xfrm rot="1800000">
+            <a:off x="3424259" y="2861016"/>
+            <a:ext cx="1349271" cy="767025"/>
+          </a:xfrm>
+          <a:prstGeom prst="parallelogram">
+            <a:avLst>
+              <a:gd name="adj" fmla="val 56906"/>
+            </a:avLst>
+          </a:prstGeom>
+          <a:solidFill>
+            <a:schemeClr val="accent6">
+              <a:lumMod val="60000"/>
+              <a:lumOff val="40000"/>
+            </a:schemeClr>
+          </a:solidFill>
+          <a:ln>
             <a:solidFill>
               <a:schemeClr val="accent6">
                 <a:lumMod val="60000"/>
                 <a:lumOff val="40000"/>
               </a:schemeClr>
             </a:solidFill>
-            <a:ln>
-              <a:solidFill>
-                <a:schemeClr val="accent6">
-                  <a:lumMod val="60000"/>
-                  <a:lumOff val="40000"/>
-                </a:schemeClr>
-              </a:solidFill>
-            </a:ln>
-          </p:spPr>
-          <p:style>
-            <a:lnRef idx="2">
-              <a:schemeClr val="accent1">
-                <a:shade val="50000"/>
-              </a:schemeClr>
-            </a:lnRef>
-            <a:fillRef idx="1">
-              <a:schemeClr val="accent1"/>
-            </a:fillRef>
-            <a:effectRef idx="0">
-              <a:schemeClr val="accent1"/>
-            </a:effectRef>
-            <a:fontRef idx="minor">
-              <a:schemeClr val="lt1"/>
-            </a:fontRef>
-          </p:style>
-          <p:txBody>
-            <a:bodyPr rtlCol="0" anchor="ctr"/>
-            <a:lstStyle/>
-            <a:p>
-              <a:pPr algn="ctr"/>
-              <a:endParaRPr kumimoji="1" lang="ja-JP" altLang="en-US"/>
-            </a:p>
-          </p:txBody>
-        </p:sp>
-      </p:grpSp>
+          </a:ln>
+        </p:spPr>
+        <p:style>
+          <a:lnRef idx="2">
+            <a:schemeClr val="accent1">
+              <a:shade val="50000"/>
+            </a:schemeClr>
+          </a:lnRef>
+          <a:fillRef idx="1">
+            <a:schemeClr val="accent1"/>
+          </a:fillRef>
+          <a:effectRef idx="0">
+            <a:schemeClr val="accent1"/>
+          </a:effectRef>
+          <a:fontRef idx="minor">
+            <a:schemeClr val="lt1"/>
+          </a:fontRef>
+        </p:style>
+        <p:txBody>
+          <a:bodyPr rtlCol="0" anchor="ctr"/>
+          <a:lstStyle/>
+          <a:p>
+            <a:pPr algn="ctr"/>
+            <a:endParaRPr kumimoji="1" lang="ja-JP" altLang="en-US"/>
+          </a:p>
+        </p:txBody>
+      </p:sp>
       <p:cxnSp>
         <p:nvCxnSpPr>
           <p:cNvPr id="46" name="カギ線コネクタ 34"/>
@@ -5711,16 +5768,16 @@
       </p:grpSp>
       <p:grpSp>
         <p:nvGrpSpPr>
-          <p:cNvPr id="59" name="グループ化 58"/>
+          <p:cNvPr id="34" name="グループ化 33"/>
           <p:cNvGrpSpPr/>
           <p:nvPr/>
         </p:nvGrpSpPr>
         <p:grpSpPr>
           <a:xfrm>
-            <a:off x="3446531" y="2813938"/>
-            <a:ext cx="739820" cy="947795"/>
-            <a:chOff x="3446531" y="2813938"/>
-            <a:chExt cx="739820" cy="947795"/>
+            <a:off x="3481061" y="2813938"/>
+            <a:ext cx="705290" cy="947795"/>
+            <a:chOff x="3481061" y="2813938"/>
+            <a:chExt cx="705290" cy="947795"/>
           </a:xfrm>
         </p:grpSpPr>
         <p:grpSp>
@@ -6316,7 +6373,7 @@
           </p:nvSpPr>
           <p:spPr>
             <a:xfrm>
-              <a:off x="3560076" y="2872373"/>
+              <a:off x="3550711" y="2829515"/>
               <a:ext cx="229703" cy="310173"/>
             </a:xfrm>
             <a:custGeom>
@@ -6676,7 +6733,7 @@
                 <a:lumMod val="75000"/>
               </a:schemeClr>
             </a:solidFill>
-            <a:ln>
+            <a:ln w="19050">
               <a:solidFill>
                 <a:schemeClr val="accent6">
                   <a:lumMod val="75000"/>
@@ -6717,8 +6774,8 @@
           </p:nvSpPr>
           <p:spPr>
             <a:xfrm>
-              <a:off x="3446531" y="3150684"/>
-              <a:ext cx="386091" cy="611049"/>
+              <a:off x="3481061" y="3150684"/>
+              <a:ext cx="351561" cy="611049"/>
             </a:xfrm>
             <a:custGeom>
               <a:avLst/>
@@ -6868,8 +6925,8 @@
           </p:nvSpPr>
           <p:spPr>
             <a:xfrm>
-              <a:off x="3516623" y="2813938"/>
-              <a:ext cx="279182" cy="381766"/>
+              <a:off x="3542023" y="2813938"/>
+              <a:ext cx="251337" cy="381766"/>
             </a:xfrm>
             <a:custGeom>
               <a:avLst/>
@@ -7440,1207 +7497,16 @@
       </p:grpSp>
       <p:grpSp>
         <p:nvGrpSpPr>
-          <p:cNvPr id="316" name="グループ化 315"/>
+          <p:cNvPr id="7" name="グループ化 6"/>
           <p:cNvGrpSpPr/>
           <p:nvPr/>
         </p:nvGrpSpPr>
         <p:grpSpPr>
           <a:xfrm>
-            <a:off x="3365889" y="808596"/>
-            <a:ext cx="848810" cy="1194497"/>
-            <a:chOff x="2670772" y="1961021"/>
-            <a:chExt cx="848810" cy="1194497"/>
-          </a:xfrm>
-        </p:grpSpPr>
-        <p:sp>
-          <p:nvSpPr>
-            <p:cNvPr id="317" name="平行四辺形 316"/>
-            <p:cNvSpPr/>
-            <p:nvPr/>
-          </p:nvSpPr>
-          <p:spPr>
-            <a:xfrm rot="16200000">
-              <a:off x="2392014" y="2391342"/>
-              <a:ext cx="1042706" cy="485190"/>
-            </a:xfrm>
-            <a:prstGeom prst="parallelogram">
-              <a:avLst>
-                <a:gd name="adj" fmla="val 56906"/>
-              </a:avLst>
-            </a:prstGeom>
-            <a:solidFill>
-              <a:schemeClr val="bg2">
-                <a:lumMod val="90000"/>
-              </a:schemeClr>
-            </a:solidFill>
-            <a:ln w="3175" cap="rnd">
-              <a:solidFill>
-                <a:schemeClr val="bg2">
-                  <a:lumMod val="75000"/>
-                </a:schemeClr>
-              </a:solidFill>
-            </a:ln>
-          </p:spPr>
-          <p:style>
-            <a:lnRef idx="2">
-              <a:schemeClr val="accent1">
-                <a:shade val="50000"/>
-              </a:schemeClr>
-            </a:lnRef>
-            <a:fillRef idx="1">
-              <a:schemeClr val="accent1"/>
-            </a:fillRef>
-            <a:effectRef idx="0">
-              <a:schemeClr val="accent1"/>
-            </a:effectRef>
-            <a:fontRef idx="minor">
-              <a:schemeClr val="lt1"/>
-            </a:fontRef>
-          </p:style>
-          <p:txBody>
-            <a:bodyPr rtlCol="0" anchor="ctr"/>
-            <a:lstStyle/>
-            <a:p>
-              <a:pPr algn="ctr"/>
-              <a:endParaRPr kumimoji="1" lang="ja-JP" altLang="en-US"/>
-            </a:p>
-          </p:txBody>
-        </p:sp>
-        <p:sp>
-          <p:nvSpPr>
-            <p:cNvPr id="318" name="平行四辺形 317"/>
-            <p:cNvSpPr/>
-            <p:nvPr/>
-          </p:nvSpPr>
-          <p:spPr>
-            <a:xfrm rot="5400000" flipH="1">
-              <a:off x="2849547" y="2485483"/>
-              <a:ext cx="978117" cy="361953"/>
-            </a:xfrm>
-            <a:prstGeom prst="parallelogram">
-              <a:avLst>
-                <a:gd name="adj" fmla="val 56906"/>
-              </a:avLst>
-            </a:prstGeom>
-            <a:solidFill>
-              <a:schemeClr val="bg2">
-                <a:lumMod val="75000"/>
-              </a:schemeClr>
-            </a:solidFill>
-            <a:ln w="3175" cap="rnd">
-              <a:solidFill>
-                <a:schemeClr val="bg2">
-                  <a:lumMod val="75000"/>
-                </a:schemeClr>
-              </a:solidFill>
-            </a:ln>
-          </p:spPr>
-          <p:style>
-            <a:lnRef idx="2">
-              <a:schemeClr val="accent1">
-                <a:shade val="50000"/>
-              </a:schemeClr>
-            </a:lnRef>
-            <a:fillRef idx="1">
-              <a:schemeClr val="accent1"/>
-            </a:fillRef>
-            <a:effectRef idx="0">
-              <a:schemeClr val="accent1"/>
-            </a:effectRef>
-            <a:fontRef idx="minor">
-              <a:schemeClr val="lt1"/>
-            </a:fontRef>
-          </p:style>
-          <p:txBody>
-            <a:bodyPr rtlCol="0" anchor="ctr"/>
-            <a:lstStyle/>
-            <a:p>
-              <a:pPr algn="ctr"/>
-              <a:endParaRPr kumimoji="1" lang="ja-JP" altLang="en-US"/>
-            </a:p>
-          </p:txBody>
-        </p:sp>
-        <p:sp>
-          <p:nvSpPr>
-            <p:cNvPr id="319" name="平行四辺形 318"/>
-            <p:cNvSpPr/>
-            <p:nvPr/>
-          </p:nvSpPr>
-          <p:spPr>
-            <a:xfrm rot="1800000">
-              <a:off x="2716976" y="1961021"/>
-              <a:ext cx="760983" cy="367107"/>
-            </a:xfrm>
-            <a:prstGeom prst="parallelogram">
-              <a:avLst>
-                <a:gd name="adj" fmla="val 56906"/>
-              </a:avLst>
-            </a:prstGeom>
-            <a:solidFill>
-              <a:schemeClr val="bg2"/>
-            </a:solidFill>
-            <a:ln w="3175">
-              <a:solidFill>
-                <a:schemeClr val="bg2">
-                  <a:lumMod val="90000"/>
-                </a:schemeClr>
-              </a:solidFill>
-            </a:ln>
-          </p:spPr>
-          <p:style>
-            <a:lnRef idx="2">
-              <a:schemeClr val="accent1">
-                <a:shade val="50000"/>
-              </a:schemeClr>
-            </a:lnRef>
-            <a:fillRef idx="1">
-              <a:schemeClr val="accent1"/>
-            </a:fillRef>
-            <a:effectRef idx="0">
-              <a:schemeClr val="accent1"/>
-            </a:effectRef>
-            <a:fontRef idx="minor">
-              <a:schemeClr val="lt1"/>
-            </a:fontRef>
-          </p:style>
-          <p:txBody>
-            <a:bodyPr rtlCol="0" anchor="ctr"/>
-            <a:lstStyle/>
-            <a:p>
-              <a:pPr algn="ctr"/>
-              <a:endParaRPr kumimoji="1" lang="ja-JP" altLang="en-US"/>
-            </a:p>
-          </p:txBody>
-        </p:sp>
-        <p:cxnSp>
-          <p:nvCxnSpPr>
-            <p:cNvPr id="320" name="直線コネクタ 319"/>
-            <p:cNvCxnSpPr/>
-            <p:nvPr/>
-          </p:nvCxnSpPr>
-          <p:spPr>
-            <a:xfrm>
-              <a:off x="2690268" y="2153741"/>
-              <a:ext cx="135106" cy="78714"/>
-            </a:xfrm>
-            <a:prstGeom prst="line">
-              <a:avLst/>
-            </a:prstGeom>
-            <a:ln w="12700" cap="rnd">
-              <a:solidFill>
-                <a:schemeClr val="bg1">
-                  <a:lumMod val="65000"/>
-                </a:schemeClr>
-              </a:solidFill>
-              <a:headEnd type="none"/>
-              <a:tailEnd type="none"/>
-            </a:ln>
-          </p:spPr>
-          <p:style>
-            <a:lnRef idx="1">
-              <a:schemeClr val="accent1"/>
-            </a:lnRef>
-            <a:fillRef idx="0">
-              <a:schemeClr val="accent1"/>
-            </a:fillRef>
-            <a:effectRef idx="0">
-              <a:schemeClr val="accent1"/>
-            </a:effectRef>
-            <a:fontRef idx="minor">
-              <a:schemeClr val="tx1"/>
-            </a:fontRef>
-          </p:style>
-        </p:cxnSp>
-        <p:cxnSp>
-          <p:nvCxnSpPr>
-            <p:cNvPr id="321" name="直線コネクタ 320"/>
-            <p:cNvCxnSpPr/>
-            <p:nvPr/>
-          </p:nvCxnSpPr>
-          <p:spPr>
-            <a:xfrm>
-              <a:off x="2690268" y="2185608"/>
-              <a:ext cx="135106" cy="78714"/>
-            </a:xfrm>
-            <a:prstGeom prst="line">
-              <a:avLst/>
-            </a:prstGeom>
-            <a:ln w="12700" cap="rnd">
-              <a:solidFill>
-                <a:schemeClr val="bg1">
-                  <a:lumMod val="65000"/>
-                </a:schemeClr>
-              </a:solidFill>
-              <a:headEnd type="none"/>
-              <a:tailEnd type="none"/>
-            </a:ln>
-          </p:spPr>
-          <p:style>
-            <a:lnRef idx="1">
-              <a:schemeClr val="accent1"/>
-            </a:lnRef>
-            <a:fillRef idx="0">
-              <a:schemeClr val="accent1"/>
-            </a:fillRef>
-            <a:effectRef idx="0">
-              <a:schemeClr val="accent1"/>
-            </a:effectRef>
-            <a:fontRef idx="minor">
-              <a:schemeClr val="tx1"/>
-            </a:fontRef>
-          </p:style>
-        </p:cxnSp>
-        <p:cxnSp>
-          <p:nvCxnSpPr>
-            <p:cNvPr id="322" name="直線コネクタ 321"/>
-            <p:cNvCxnSpPr/>
-            <p:nvPr/>
-          </p:nvCxnSpPr>
-          <p:spPr>
-            <a:xfrm>
-              <a:off x="2690268" y="2217475"/>
-              <a:ext cx="135106" cy="78714"/>
-            </a:xfrm>
-            <a:prstGeom prst="line">
-              <a:avLst/>
-            </a:prstGeom>
-            <a:ln w="12700" cap="rnd">
-              <a:solidFill>
-                <a:schemeClr val="bg1">
-                  <a:lumMod val="65000"/>
-                </a:schemeClr>
-              </a:solidFill>
-              <a:headEnd type="none"/>
-              <a:tailEnd type="none"/>
-            </a:ln>
-          </p:spPr>
-          <p:style>
-            <a:lnRef idx="1">
-              <a:schemeClr val="accent1"/>
-            </a:lnRef>
-            <a:fillRef idx="0">
-              <a:schemeClr val="accent1"/>
-            </a:fillRef>
-            <a:effectRef idx="0">
-              <a:schemeClr val="accent1"/>
-            </a:effectRef>
-            <a:fontRef idx="minor">
-              <a:schemeClr val="tx1"/>
-            </a:fontRef>
-          </p:style>
-        </p:cxnSp>
-        <p:cxnSp>
-          <p:nvCxnSpPr>
-            <p:cNvPr id="323" name="直線コネクタ 322"/>
-            <p:cNvCxnSpPr/>
-            <p:nvPr/>
-          </p:nvCxnSpPr>
-          <p:spPr>
-            <a:xfrm>
-              <a:off x="2690268" y="2281209"/>
-              <a:ext cx="135106" cy="78714"/>
-            </a:xfrm>
-            <a:prstGeom prst="line">
-              <a:avLst/>
-            </a:prstGeom>
-            <a:ln w="12700" cap="rnd">
-              <a:solidFill>
-                <a:schemeClr val="bg1">
-                  <a:lumMod val="65000"/>
-                </a:schemeClr>
-              </a:solidFill>
-              <a:headEnd type="none"/>
-              <a:tailEnd type="none"/>
-            </a:ln>
-          </p:spPr>
-          <p:style>
-            <a:lnRef idx="1">
-              <a:schemeClr val="accent1"/>
-            </a:lnRef>
-            <a:fillRef idx="0">
-              <a:schemeClr val="accent1"/>
-            </a:fillRef>
-            <a:effectRef idx="0">
-              <a:schemeClr val="accent1"/>
-            </a:effectRef>
-            <a:fontRef idx="minor">
-              <a:schemeClr val="tx1"/>
-            </a:fontRef>
-          </p:style>
-        </p:cxnSp>
-        <p:cxnSp>
-          <p:nvCxnSpPr>
-            <p:cNvPr id="324" name="直線コネクタ 323"/>
-            <p:cNvCxnSpPr/>
-            <p:nvPr/>
-          </p:nvCxnSpPr>
-          <p:spPr>
-            <a:xfrm>
-              <a:off x="2690268" y="2313076"/>
-              <a:ext cx="135106" cy="78714"/>
-            </a:xfrm>
-            <a:prstGeom prst="line">
-              <a:avLst/>
-            </a:prstGeom>
-            <a:ln w="12700" cap="rnd">
-              <a:solidFill>
-                <a:schemeClr val="bg1">
-                  <a:lumMod val="65000"/>
-                </a:schemeClr>
-              </a:solidFill>
-              <a:headEnd type="none"/>
-              <a:tailEnd type="none"/>
-            </a:ln>
-          </p:spPr>
-          <p:style>
-            <a:lnRef idx="1">
-              <a:schemeClr val="accent1"/>
-            </a:lnRef>
-            <a:fillRef idx="0">
-              <a:schemeClr val="accent1"/>
-            </a:fillRef>
-            <a:effectRef idx="0">
-              <a:schemeClr val="accent1"/>
-            </a:effectRef>
-            <a:fontRef idx="minor">
-              <a:schemeClr val="tx1"/>
-            </a:fontRef>
-          </p:style>
-        </p:cxnSp>
-        <p:cxnSp>
-          <p:nvCxnSpPr>
-            <p:cNvPr id="325" name="直線コネクタ 324"/>
-            <p:cNvCxnSpPr/>
-            <p:nvPr/>
-          </p:nvCxnSpPr>
-          <p:spPr>
-            <a:xfrm>
-              <a:off x="2690268" y="2344943"/>
-              <a:ext cx="135106" cy="78714"/>
-            </a:xfrm>
-            <a:prstGeom prst="line">
-              <a:avLst/>
-            </a:prstGeom>
-            <a:ln w="12700" cap="rnd">
-              <a:solidFill>
-                <a:schemeClr val="bg1">
-                  <a:lumMod val="65000"/>
-                </a:schemeClr>
-              </a:solidFill>
-              <a:headEnd type="none"/>
-              <a:tailEnd type="none"/>
-            </a:ln>
-          </p:spPr>
-          <p:style>
-            <a:lnRef idx="1">
-              <a:schemeClr val="accent1"/>
-            </a:lnRef>
-            <a:fillRef idx="0">
-              <a:schemeClr val="accent1"/>
-            </a:fillRef>
-            <a:effectRef idx="0">
-              <a:schemeClr val="accent1"/>
-            </a:effectRef>
-            <a:fontRef idx="minor">
-              <a:schemeClr val="tx1"/>
-            </a:fontRef>
-          </p:style>
-        </p:cxnSp>
-        <p:cxnSp>
-          <p:nvCxnSpPr>
-            <p:cNvPr id="326" name="直線コネクタ 325"/>
-            <p:cNvCxnSpPr/>
-            <p:nvPr/>
-          </p:nvCxnSpPr>
-          <p:spPr>
-            <a:xfrm>
-              <a:off x="2690268" y="2376808"/>
-              <a:ext cx="135106" cy="78714"/>
-            </a:xfrm>
-            <a:prstGeom prst="line">
-              <a:avLst/>
-            </a:prstGeom>
-            <a:ln w="12700" cap="rnd">
-              <a:solidFill>
-                <a:schemeClr val="bg1">
-                  <a:lumMod val="65000"/>
-                </a:schemeClr>
-              </a:solidFill>
-              <a:headEnd type="none"/>
-              <a:tailEnd type="none"/>
-            </a:ln>
-          </p:spPr>
-          <p:style>
-            <a:lnRef idx="1">
-              <a:schemeClr val="accent1"/>
-            </a:lnRef>
-            <a:fillRef idx="0">
-              <a:schemeClr val="accent1"/>
-            </a:fillRef>
-            <a:effectRef idx="0">
-              <a:schemeClr val="accent1"/>
-            </a:effectRef>
-            <a:fontRef idx="minor">
-              <a:schemeClr val="tx1"/>
-            </a:fontRef>
-          </p:style>
-        </p:cxnSp>
-        <p:cxnSp>
-          <p:nvCxnSpPr>
-            <p:cNvPr id="327" name="直線コネクタ 326"/>
-            <p:cNvCxnSpPr/>
-            <p:nvPr/>
-          </p:nvCxnSpPr>
-          <p:spPr>
-            <a:xfrm>
-              <a:off x="2690268" y="2249342"/>
-              <a:ext cx="135106" cy="78714"/>
-            </a:xfrm>
-            <a:prstGeom prst="line">
-              <a:avLst/>
-            </a:prstGeom>
-            <a:ln w="12700" cap="rnd">
-              <a:solidFill>
-                <a:schemeClr val="bg1">
-                  <a:lumMod val="65000"/>
-                </a:schemeClr>
-              </a:solidFill>
-              <a:headEnd type="none"/>
-              <a:tailEnd type="none"/>
-            </a:ln>
-          </p:spPr>
-          <p:style>
-            <a:lnRef idx="1">
-              <a:schemeClr val="accent1"/>
-            </a:lnRef>
-            <a:fillRef idx="0">
-              <a:schemeClr val="accent1"/>
-            </a:fillRef>
-            <a:effectRef idx="0">
-              <a:schemeClr val="accent1"/>
-            </a:effectRef>
-            <a:fontRef idx="minor">
-              <a:schemeClr val="tx1"/>
-            </a:fontRef>
-          </p:style>
-        </p:cxnSp>
-        <p:cxnSp>
-          <p:nvCxnSpPr>
-            <p:cNvPr id="328" name="直線コネクタ 327"/>
-            <p:cNvCxnSpPr>
-              <a:cxnSpLocks noChangeAspect="1"/>
-            </p:cNvCxnSpPr>
-            <p:nvPr/>
-          </p:nvCxnSpPr>
-          <p:spPr>
-            <a:xfrm>
-              <a:off x="2936636" y="2296078"/>
-              <a:ext cx="185373" cy="108000"/>
-            </a:xfrm>
-            <a:prstGeom prst="line">
-              <a:avLst/>
-            </a:prstGeom>
-            <a:ln w="12700" cap="rnd">
-              <a:solidFill>
-                <a:schemeClr val="bg1">
-                  <a:lumMod val="65000"/>
-                </a:schemeClr>
-              </a:solidFill>
-              <a:headEnd type="none"/>
-              <a:tailEnd type="none"/>
-            </a:ln>
-          </p:spPr>
-          <p:style>
-            <a:lnRef idx="1">
-              <a:schemeClr val="accent1"/>
-            </a:lnRef>
-            <a:fillRef idx="0">
-              <a:schemeClr val="accent1"/>
-            </a:fillRef>
-            <a:effectRef idx="0">
-              <a:schemeClr val="accent1"/>
-            </a:effectRef>
-            <a:fontRef idx="minor">
-              <a:schemeClr val="tx1"/>
-            </a:fontRef>
-          </p:style>
-        </p:cxnSp>
-        <p:cxnSp>
-          <p:nvCxnSpPr>
-            <p:cNvPr id="329" name="直線コネクタ 328"/>
-            <p:cNvCxnSpPr>
-              <a:cxnSpLocks noChangeAspect="1"/>
-            </p:cNvCxnSpPr>
-            <p:nvPr/>
-          </p:nvCxnSpPr>
-          <p:spPr>
-            <a:xfrm>
-              <a:off x="2936636" y="2327945"/>
-              <a:ext cx="185373" cy="108000"/>
-            </a:xfrm>
-            <a:prstGeom prst="line">
-              <a:avLst/>
-            </a:prstGeom>
-            <a:ln w="12700" cap="rnd">
-              <a:solidFill>
-                <a:schemeClr val="bg1">
-                  <a:lumMod val="65000"/>
-                </a:schemeClr>
-              </a:solidFill>
-              <a:headEnd type="none"/>
-              <a:tailEnd type="none"/>
-            </a:ln>
-          </p:spPr>
-          <p:style>
-            <a:lnRef idx="1">
-              <a:schemeClr val="accent1"/>
-            </a:lnRef>
-            <a:fillRef idx="0">
-              <a:schemeClr val="accent1"/>
-            </a:fillRef>
-            <a:effectRef idx="0">
-              <a:schemeClr val="accent1"/>
-            </a:effectRef>
-            <a:fontRef idx="minor">
-              <a:schemeClr val="tx1"/>
-            </a:fontRef>
-          </p:style>
-        </p:cxnSp>
-        <p:cxnSp>
-          <p:nvCxnSpPr>
-            <p:cNvPr id="330" name="直線コネクタ 329"/>
-            <p:cNvCxnSpPr>
-              <a:cxnSpLocks noChangeAspect="1"/>
-            </p:cNvCxnSpPr>
-            <p:nvPr/>
-          </p:nvCxnSpPr>
-          <p:spPr>
-            <a:xfrm>
-              <a:off x="2936636" y="2359812"/>
-              <a:ext cx="185373" cy="108000"/>
-            </a:xfrm>
-            <a:prstGeom prst="line">
-              <a:avLst/>
-            </a:prstGeom>
-            <a:ln w="12700" cap="rnd">
-              <a:solidFill>
-                <a:schemeClr val="bg1">
-                  <a:lumMod val="65000"/>
-                </a:schemeClr>
-              </a:solidFill>
-              <a:headEnd type="none"/>
-              <a:tailEnd type="none"/>
-            </a:ln>
-          </p:spPr>
-          <p:style>
-            <a:lnRef idx="1">
-              <a:schemeClr val="accent1"/>
-            </a:lnRef>
-            <a:fillRef idx="0">
-              <a:schemeClr val="accent1"/>
-            </a:fillRef>
-            <a:effectRef idx="0">
-              <a:schemeClr val="accent1"/>
-            </a:effectRef>
-            <a:fontRef idx="minor">
-              <a:schemeClr val="tx1"/>
-            </a:fontRef>
-          </p:style>
-        </p:cxnSp>
-        <p:cxnSp>
-          <p:nvCxnSpPr>
-            <p:cNvPr id="331" name="直線コネクタ 330"/>
-            <p:cNvCxnSpPr>
-              <a:cxnSpLocks noChangeAspect="1"/>
-            </p:cNvCxnSpPr>
-            <p:nvPr/>
-          </p:nvCxnSpPr>
-          <p:spPr>
-            <a:xfrm>
-              <a:off x="2936636" y="2423546"/>
-              <a:ext cx="185373" cy="108000"/>
-            </a:xfrm>
-            <a:prstGeom prst="line">
-              <a:avLst/>
-            </a:prstGeom>
-            <a:ln w="12700" cap="rnd">
-              <a:solidFill>
-                <a:schemeClr val="bg1">
-                  <a:lumMod val="65000"/>
-                </a:schemeClr>
-              </a:solidFill>
-              <a:headEnd type="none"/>
-              <a:tailEnd type="none"/>
-            </a:ln>
-          </p:spPr>
-          <p:style>
-            <a:lnRef idx="1">
-              <a:schemeClr val="accent1"/>
-            </a:lnRef>
-            <a:fillRef idx="0">
-              <a:schemeClr val="accent1"/>
-            </a:fillRef>
-            <a:effectRef idx="0">
-              <a:schemeClr val="accent1"/>
-            </a:effectRef>
-            <a:fontRef idx="minor">
-              <a:schemeClr val="tx1"/>
-            </a:fontRef>
-          </p:style>
-        </p:cxnSp>
-        <p:cxnSp>
-          <p:nvCxnSpPr>
-            <p:cNvPr id="332" name="直線コネクタ 331"/>
-            <p:cNvCxnSpPr>
-              <a:cxnSpLocks noChangeAspect="1"/>
-            </p:cNvCxnSpPr>
-            <p:nvPr/>
-          </p:nvCxnSpPr>
-          <p:spPr>
-            <a:xfrm>
-              <a:off x="2936636" y="2455413"/>
-              <a:ext cx="185373" cy="108000"/>
-            </a:xfrm>
-            <a:prstGeom prst="line">
-              <a:avLst/>
-            </a:prstGeom>
-            <a:ln w="12700" cap="rnd">
-              <a:solidFill>
-                <a:schemeClr val="bg1">
-                  <a:lumMod val="65000"/>
-                </a:schemeClr>
-              </a:solidFill>
-              <a:headEnd type="none"/>
-              <a:tailEnd type="none"/>
-            </a:ln>
-          </p:spPr>
-          <p:style>
-            <a:lnRef idx="1">
-              <a:schemeClr val="accent1"/>
-            </a:lnRef>
-            <a:fillRef idx="0">
-              <a:schemeClr val="accent1"/>
-            </a:fillRef>
-            <a:effectRef idx="0">
-              <a:schemeClr val="accent1"/>
-            </a:effectRef>
-            <a:fontRef idx="minor">
-              <a:schemeClr val="tx1"/>
-            </a:fontRef>
-          </p:style>
-        </p:cxnSp>
-        <p:cxnSp>
-          <p:nvCxnSpPr>
-            <p:cNvPr id="333" name="直線コネクタ 332"/>
-            <p:cNvCxnSpPr>
-              <a:cxnSpLocks noChangeAspect="1"/>
-            </p:cNvCxnSpPr>
-            <p:nvPr/>
-          </p:nvCxnSpPr>
-          <p:spPr>
-            <a:xfrm>
-              <a:off x="2936636" y="2487280"/>
-              <a:ext cx="185373" cy="108000"/>
-            </a:xfrm>
-            <a:prstGeom prst="line">
-              <a:avLst/>
-            </a:prstGeom>
-            <a:ln w="12700" cap="rnd">
-              <a:solidFill>
-                <a:schemeClr val="bg1">
-                  <a:lumMod val="65000"/>
-                </a:schemeClr>
-              </a:solidFill>
-              <a:headEnd type="none"/>
-              <a:tailEnd type="none"/>
-            </a:ln>
-          </p:spPr>
-          <p:style>
-            <a:lnRef idx="1">
-              <a:schemeClr val="accent1"/>
-            </a:lnRef>
-            <a:fillRef idx="0">
-              <a:schemeClr val="accent1"/>
-            </a:fillRef>
-            <a:effectRef idx="0">
-              <a:schemeClr val="accent1"/>
-            </a:effectRef>
-            <a:fontRef idx="minor">
-              <a:schemeClr val="tx1"/>
-            </a:fontRef>
-          </p:style>
-        </p:cxnSp>
-        <p:cxnSp>
-          <p:nvCxnSpPr>
-            <p:cNvPr id="334" name="直線コネクタ 333"/>
-            <p:cNvCxnSpPr>
-              <a:cxnSpLocks noChangeAspect="1"/>
-            </p:cNvCxnSpPr>
-            <p:nvPr/>
-          </p:nvCxnSpPr>
-          <p:spPr>
-            <a:xfrm>
-              <a:off x="2936636" y="2519145"/>
-              <a:ext cx="185373" cy="108000"/>
-            </a:xfrm>
-            <a:prstGeom prst="line">
-              <a:avLst/>
-            </a:prstGeom>
-            <a:ln w="12700" cap="rnd">
-              <a:solidFill>
-                <a:schemeClr val="bg1">
-                  <a:lumMod val="65000"/>
-                </a:schemeClr>
-              </a:solidFill>
-              <a:headEnd type="none"/>
-              <a:tailEnd type="none"/>
-            </a:ln>
-          </p:spPr>
-          <p:style>
-            <a:lnRef idx="1">
-              <a:schemeClr val="accent1"/>
-            </a:lnRef>
-            <a:fillRef idx="0">
-              <a:schemeClr val="accent1"/>
-            </a:fillRef>
-            <a:effectRef idx="0">
-              <a:schemeClr val="accent1"/>
-            </a:effectRef>
-            <a:fontRef idx="minor">
-              <a:schemeClr val="tx1"/>
-            </a:fontRef>
-          </p:style>
-        </p:cxnSp>
-        <p:cxnSp>
-          <p:nvCxnSpPr>
-            <p:cNvPr id="335" name="直線コネクタ 334"/>
-            <p:cNvCxnSpPr>
-              <a:cxnSpLocks noChangeAspect="1"/>
-            </p:cNvCxnSpPr>
-            <p:nvPr/>
-          </p:nvCxnSpPr>
-          <p:spPr>
-            <a:xfrm>
-              <a:off x="2936636" y="2391679"/>
-              <a:ext cx="185373" cy="108000"/>
-            </a:xfrm>
-            <a:prstGeom prst="line">
-              <a:avLst/>
-            </a:prstGeom>
-            <a:ln w="12700" cap="rnd">
-              <a:solidFill>
-                <a:schemeClr val="bg1">
-                  <a:lumMod val="65000"/>
-                </a:schemeClr>
-              </a:solidFill>
-              <a:headEnd type="none"/>
-              <a:tailEnd type="none"/>
-            </a:ln>
-          </p:spPr>
-          <p:style>
-            <a:lnRef idx="1">
-              <a:schemeClr val="accent1"/>
-            </a:lnRef>
-            <a:fillRef idx="0">
-              <a:schemeClr val="accent1"/>
-            </a:fillRef>
-            <a:effectRef idx="0">
-              <a:schemeClr val="accent1"/>
-            </a:effectRef>
-            <a:fontRef idx="minor">
-              <a:schemeClr val="tx1"/>
-            </a:fontRef>
-          </p:style>
-        </p:cxnSp>
-        <p:sp>
-          <p:nvSpPr>
-            <p:cNvPr id="336" name="平行四辺形 335"/>
-            <p:cNvSpPr/>
-            <p:nvPr/>
-          </p:nvSpPr>
-          <p:spPr>
-            <a:xfrm rot="5400000" flipH="1">
-              <a:off x="2484641" y="2563863"/>
-              <a:ext cx="791075" cy="45719"/>
-            </a:xfrm>
-            <a:prstGeom prst="parallelogram">
-              <a:avLst>
-                <a:gd name="adj" fmla="val 56906"/>
-              </a:avLst>
-            </a:prstGeom>
-            <a:solidFill>
-              <a:schemeClr val="bg2">
-                <a:lumMod val="75000"/>
-              </a:schemeClr>
-            </a:solidFill>
-            <a:ln w="3175" cap="rnd">
-              <a:solidFill>
-                <a:schemeClr val="bg2">
-                  <a:lumMod val="75000"/>
-                </a:schemeClr>
-              </a:solidFill>
-            </a:ln>
-          </p:spPr>
-          <p:style>
-            <a:lnRef idx="2">
-              <a:schemeClr val="accent1">
-                <a:shade val="50000"/>
-              </a:schemeClr>
-            </a:lnRef>
-            <a:fillRef idx="1">
-              <a:schemeClr val="accent1"/>
-            </a:fillRef>
-            <a:effectRef idx="0">
-              <a:schemeClr val="accent1"/>
-            </a:effectRef>
-            <a:fontRef idx="minor">
-              <a:schemeClr val="lt1"/>
-            </a:fontRef>
-          </p:style>
-          <p:txBody>
-            <a:bodyPr rtlCol="0" anchor="ctr"/>
-            <a:lstStyle/>
-            <a:p>
-              <a:pPr algn="ctr"/>
-              <a:endParaRPr kumimoji="1" lang="ja-JP" altLang="en-US"/>
-            </a:p>
-          </p:txBody>
-        </p:sp>
-        <p:sp>
-          <p:nvSpPr>
-            <p:cNvPr id="337" name="平行四辺形 336"/>
-            <p:cNvSpPr/>
-            <p:nvPr/>
-          </p:nvSpPr>
-          <p:spPr>
-            <a:xfrm rot="1800000">
-              <a:off x="2867331" y="2195898"/>
-              <a:ext cx="74604" cy="45719"/>
-            </a:xfrm>
-            <a:prstGeom prst="parallelogram">
-              <a:avLst>
-                <a:gd name="adj" fmla="val 56906"/>
-              </a:avLst>
-            </a:prstGeom>
-            <a:solidFill>
-              <a:schemeClr val="bg2">
-                <a:lumMod val="75000"/>
-              </a:schemeClr>
-            </a:solidFill>
-            <a:ln w="3175">
-              <a:solidFill>
-                <a:schemeClr val="bg2">
-                  <a:lumMod val="75000"/>
-                </a:schemeClr>
-              </a:solidFill>
-            </a:ln>
-          </p:spPr>
-          <p:style>
-            <a:lnRef idx="2">
-              <a:schemeClr val="accent1">
-                <a:shade val="50000"/>
-              </a:schemeClr>
-            </a:lnRef>
-            <a:fillRef idx="1">
-              <a:schemeClr val="accent1"/>
-            </a:fillRef>
-            <a:effectRef idx="0">
-              <a:schemeClr val="accent1"/>
-            </a:effectRef>
-            <a:fontRef idx="minor">
-              <a:schemeClr val="lt1"/>
-            </a:fontRef>
-          </p:style>
-          <p:txBody>
-            <a:bodyPr rtlCol="0" anchor="ctr"/>
-            <a:lstStyle/>
-            <a:p>
-              <a:pPr algn="ctr"/>
-              <a:endParaRPr kumimoji="1" lang="ja-JP" altLang="en-US"/>
-            </a:p>
-          </p:txBody>
-        </p:sp>
-        <p:sp>
-          <p:nvSpPr>
-            <p:cNvPr id="338" name="平行四辺形 337"/>
-            <p:cNvSpPr/>
-            <p:nvPr/>
-          </p:nvSpPr>
-          <p:spPr>
-            <a:xfrm rot="5400000" flipH="1">
-              <a:off x="2818281" y="3000469"/>
-              <a:ext cx="123548" cy="45719"/>
-            </a:xfrm>
-            <a:prstGeom prst="parallelogram">
-              <a:avLst>
-                <a:gd name="adj" fmla="val 56906"/>
-              </a:avLst>
-            </a:prstGeom>
-            <a:solidFill>
-              <a:schemeClr val="bg1"/>
-            </a:solidFill>
-            <a:ln w="3175" cap="rnd">
-              <a:solidFill>
-                <a:schemeClr val="bg1"/>
-              </a:solidFill>
-            </a:ln>
-          </p:spPr>
-          <p:style>
-            <a:lnRef idx="2">
-              <a:schemeClr val="accent1">
-                <a:shade val="50000"/>
-              </a:schemeClr>
-            </a:lnRef>
-            <a:fillRef idx="1">
-              <a:schemeClr val="accent1"/>
-            </a:fillRef>
-            <a:effectRef idx="0">
-              <a:schemeClr val="accent1"/>
-            </a:effectRef>
-            <a:fontRef idx="minor">
-              <a:schemeClr val="lt1"/>
-            </a:fontRef>
-          </p:style>
-          <p:txBody>
-            <a:bodyPr rtlCol="0" anchor="ctr"/>
-            <a:lstStyle/>
-            <a:p>
-              <a:pPr algn="ctr"/>
-              <a:endParaRPr kumimoji="1" lang="ja-JP" altLang="en-US"/>
-            </a:p>
-          </p:txBody>
-        </p:sp>
-        <p:sp>
-          <p:nvSpPr>
-            <p:cNvPr id="339" name="平行四辺形 338"/>
-            <p:cNvSpPr/>
-            <p:nvPr/>
-          </p:nvSpPr>
-          <p:spPr>
-            <a:xfrm rot="16200000">
-              <a:off x="2918969" y="2585263"/>
-              <a:ext cx="212970" cy="178358"/>
-            </a:xfrm>
-            <a:prstGeom prst="parallelogram">
-              <a:avLst>
-                <a:gd name="adj" fmla="val 56906"/>
-              </a:avLst>
-            </a:prstGeom>
-            <a:solidFill>
-              <a:schemeClr val="bg2">
-                <a:lumMod val="75000"/>
-              </a:schemeClr>
-            </a:solidFill>
-            <a:ln w="3175" cap="rnd">
-              <a:solidFill>
-                <a:schemeClr val="bg2">
-                  <a:lumMod val="75000"/>
-                </a:schemeClr>
-              </a:solidFill>
-            </a:ln>
-          </p:spPr>
-          <p:style>
-            <a:lnRef idx="2">
-              <a:schemeClr val="accent1">
-                <a:shade val="50000"/>
-              </a:schemeClr>
-            </a:lnRef>
-            <a:fillRef idx="1">
-              <a:schemeClr val="accent1"/>
-            </a:fillRef>
-            <a:effectRef idx="0">
-              <a:schemeClr val="accent1"/>
-            </a:effectRef>
-            <a:fontRef idx="minor">
-              <a:schemeClr val="lt1"/>
-            </a:fontRef>
-          </p:style>
-          <p:txBody>
-            <a:bodyPr rtlCol="0" anchor="ctr"/>
-            <a:lstStyle/>
-            <a:p>
-              <a:pPr algn="ctr"/>
-              <a:endParaRPr kumimoji="1" lang="ja-JP" altLang="en-US"/>
-            </a:p>
-          </p:txBody>
-        </p:sp>
-        <p:sp>
-          <p:nvSpPr>
-            <p:cNvPr id="340" name="円/楕円 339"/>
-            <p:cNvSpPr/>
-            <p:nvPr/>
-          </p:nvSpPr>
-          <p:spPr>
-            <a:xfrm>
-              <a:off x="2958018" y="2624315"/>
-              <a:ext cx="45719" cy="45719"/>
-            </a:xfrm>
-            <a:prstGeom prst="ellipse">
-              <a:avLst/>
-            </a:prstGeom>
-            <a:ln w="12700"/>
-          </p:spPr>
-          <p:style>
-            <a:lnRef idx="2">
-              <a:schemeClr val="accent1">
-                <a:shade val="50000"/>
-              </a:schemeClr>
-            </a:lnRef>
-            <a:fillRef idx="1">
-              <a:schemeClr val="accent1"/>
-            </a:fillRef>
-            <a:effectRef idx="0">
-              <a:schemeClr val="accent1"/>
-            </a:effectRef>
-            <a:fontRef idx="minor">
-              <a:schemeClr val="lt1"/>
-            </a:fontRef>
-          </p:style>
-          <p:txBody>
-            <a:bodyPr rtlCol="0" anchor="ctr"/>
-            <a:lstStyle/>
-            <a:p>
-              <a:pPr algn="ctr"/>
-              <a:endParaRPr kumimoji="1" lang="ja-JP" altLang="en-US"/>
-            </a:p>
-          </p:txBody>
-        </p:sp>
-        <p:sp>
-          <p:nvSpPr>
-            <p:cNvPr id="341" name="円/楕円 340"/>
-            <p:cNvSpPr/>
-            <p:nvPr/>
-          </p:nvSpPr>
-          <p:spPr>
-            <a:xfrm>
-              <a:off x="3019030" y="2657887"/>
-              <a:ext cx="45719" cy="45719"/>
-            </a:xfrm>
-            <a:prstGeom prst="ellipse">
-              <a:avLst/>
-            </a:prstGeom>
-            <a:ln w="12700"/>
-          </p:spPr>
-          <p:style>
-            <a:lnRef idx="2">
-              <a:schemeClr val="accent1">
-                <a:shade val="50000"/>
-              </a:schemeClr>
-            </a:lnRef>
-            <a:fillRef idx="1">
-              <a:schemeClr val="accent1"/>
-            </a:fillRef>
-            <a:effectRef idx="0">
-              <a:schemeClr val="accent1"/>
-            </a:effectRef>
-            <a:fontRef idx="minor">
-              <a:schemeClr val="lt1"/>
-            </a:fontRef>
-          </p:style>
-          <p:txBody>
-            <a:bodyPr rtlCol="0" anchor="ctr"/>
-            <a:lstStyle/>
-            <a:p>
-              <a:pPr algn="ctr"/>
-              <a:endParaRPr kumimoji="1" lang="ja-JP" altLang="en-US"/>
-            </a:p>
-          </p:txBody>
-        </p:sp>
-        <p:cxnSp>
-          <p:nvCxnSpPr>
-            <p:cNvPr id="342" name="直線コネクタ 341"/>
-            <p:cNvCxnSpPr>
-              <a:cxnSpLocks noChangeAspect="1"/>
-            </p:cNvCxnSpPr>
-            <p:nvPr/>
-          </p:nvCxnSpPr>
-          <p:spPr>
-            <a:xfrm>
-              <a:off x="2934325" y="2956719"/>
-              <a:ext cx="185373" cy="108000"/>
-            </a:xfrm>
-            <a:prstGeom prst="line">
-              <a:avLst/>
-            </a:prstGeom>
-            <a:ln w="12700" cap="rnd">
-              <a:solidFill>
-                <a:schemeClr val="bg1">
-                  <a:lumMod val="65000"/>
-                </a:schemeClr>
-              </a:solidFill>
-              <a:headEnd type="none"/>
-              <a:tailEnd type="none"/>
-            </a:ln>
-          </p:spPr>
-          <p:style>
-            <a:lnRef idx="1">
-              <a:schemeClr val="accent1"/>
-            </a:lnRef>
-            <a:fillRef idx="0">
-              <a:schemeClr val="accent1"/>
-            </a:fillRef>
-            <a:effectRef idx="0">
-              <a:schemeClr val="accent1"/>
-            </a:effectRef>
-            <a:fontRef idx="minor">
-              <a:schemeClr val="tx1"/>
-            </a:fontRef>
-          </p:style>
-        </p:cxnSp>
-        <p:cxnSp>
-          <p:nvCxnSpPr>
-            <p:cNvPr id="343" name="直線コネクタ 342"/>
-            <p:cNvCxnSpPr>
-              <a:cxnSpLocks noChangeAspect="1"/>
-            </p:cNvCxnSpPr>
-            <p:nvPr/>
-          </p:nvCxnSpPr>
-          <p:spPr>
-            <a:xfrm>
-              <a:off x="2934325" y="2988584"/>
-              <a:ext cx="185373" cy="108000"/>
-            </a:xfrm>
-            <a:prstGeom prst="line">
-              <a:avLst/>
-            </a:prstGeom>
-            <a:ln w="12700" cap="rnd">
-              <a:solidFill>
-                <a:schemeClr val="bg1">
-                  <a:lumMod val="65000"/>
-                </a:schemeClr>
-              </a:solidFill>
-              <a:headEnd type="none"/>
-              <a:tailEnd type="none"/>
-            </a:ln>
-          </p:spPr>
-          <p:style>
-            <a:lnRef idx="1">
-              <a:schemeClr val="accent1"/>
-            </a:lnRef>
-            <a:fillRef idx="0">
-              <a:schemeClr val="accent1"/>
-            </a:fillRef>
-            <a:effectRef idx="0">
-              <a:schemeClr val="accent1"/>
-            </a:effectRef>
-            <a:fontRef idx="minor">
-              <a:schemeClr val="tx1"/>
-            </a:fontRef>
-          </p:style>
-        </p:cxnSp>
-      </p:grpSp>
-      <p:grpSp>
-        <p:nvGrpSpPr>
-          <p:cNvPr id="4" name="グループ化 3"/>
-          <p:cNvGrpSpPr/>
-          <p:nvPr/>
-        </p:nvGrpSpPr>
-        <p:grpSpPr>
-          <a:xfrm>
-            <a:off x="3443606" y="5270518"/>
-            <a:ext cx="676569" cy="892729"/>
-            <a:chOff x="4846522" y="374219"/>
-            <a:chExt cx="676569" cy="892729"/>
+            <a:off x="3443606" y="5144328"/>
+            <a:ext cx="676569" cy="1018919"/>
+            <a:chOff x="3443606" y="5144328"/>
+            <a:chExt cx="676569" cy="1018919"/>
           </a:xfrm>
         </p:grpSpPr>
         <p:sp>
@@ -8651,8 +7517,8 @@
           </p:nvSpPr>
           <p:spPr>
             <a:xfrm>
-              <a:off x="4846522" y="1033868"/>
-              <a:ext cx="676569" cy="233080"/>
+              <a:off x="3443606" y="5803977"/>
+              <a:ext cx="676569" cy="359270"/>
             </a:xfrm>
             <a:prstGeom prst="ellipse">
               <a:avLst/>
@@ -8703,8 +7569,8 @@
           </p:nvSpPr>
           <p:spPr>
             <a:xfrm>
-              <a:off x="4846522" y="984104"/>
-              <a:ext cx="676569" cy="154001"/>
+              <a:off x="3452809" y="5797027"/>
+              <a:ext cx="651824" cy="185881"/>
             </a:xfrm>
             <a:prstGeom prst="rect">
               <a:avLst/>
@@ -8755,8 +7621,8 @@
           </p:nvSpPr>
           <p:spPr>
             <a:xfrm>
-              <a:off x="4846522" y="850867"/>
-              <a:ext cx="676569" cy="233080"/>
+              <a:off x="3443606" y="5620976"/>
+              <a:ext cx="676569" cy="359270"/>
             </a:xfrm>
             <a:prstGeom prst="ellipse">
               <a:avLst/>
@@ -8807,8 +7673,8 @@
           </p:nvSpPr>
           <p:spPr>
             <a:xfrm>
-              <a:off x="4914941" y="867611"/>
-              <a:ext cx="539731" cy="185939"/>
+              <a:off x="3512025" y="5663242"/>
+              <a:ext cx="539731" cy="286607"/>
             </a:xfrm>
             <a:prstGeom prst="ellipse">
               <a:avLst/>
@@ -8859,8 +7725,8 @@
           </p:nvSpPr>
           <p:spPr>
             <a:xfrm>
-              <a:off x="4846522" y="795501"/>
-              <a:ext cx="676569" cy="233080"/>
+              <a:off x="3443606" y="5565610"/>
+              <a:ext cx="676569" cy="359270"/>
             </a:xfrm>
             <a:prstGeom prst="ellipse">
               <a:avLst/>
@@ -8911,8 +7777,8 @@
           </p:nvSpPr>
           <p:spPr>
             <a:xfrm>
-              <a:off x="4846522" y="745737"/>
-              <a:ext cx="676569" cy="154001"/>
+              <a:off x="3452809" y="5558660"/>
+              <a:ext cx="651824" cy="185881"/>
             </a:xfrm>
             <a:prstGeom prst="rect">
               <a:avLst/>
@@ -8963,8 +7829,8 @@
           </p:nvSpPr>
           <p:spPr>
             <a:xfrm>
-              <a:off x="4846522" y="612500"/>
-              <a:ext cx="676569" cy="233080"/>
+              <a:off x="3443606" y="5382609"/>
+              <a:ext cx="676569" cy="359270"/>
             </a:xfrm>
             <a:prstGeom prst="ellipse">
               <a:avLst/>
@@ -9015,8 +7881,8 @@
           </p:nvSpPr>
           <p:spPr>
             <a:xfrm>
-              <a:off x="4914941" y="629244"/>
-              <a:ext cx="539731" cy="185939"/>
+              <a:off x="3512025" y="5424875"/>
+              <a:ext cx="539731" cy="286607"/>
             </a:xfrm>
             <a:prstGeom prst="ellipse">
               <a:avLst/>
@@ -9067,8 +7933,8 @@
           </p:nvSpPr>
           <p:spPr>
             <a:xfrm>
-              <a:off x="4846522" y="557220"/>
-              <a:ext cx="676569" cy="233080"/>
+              <a:off x="3443606" y="5327329"/>
+              <a:ext cx="676569" cy="359270"/>
             </a:xfrm>
             <a:prstGeom prst="ellipse">
               <a:avLst/>
@@ -9119,8 +7985,8 @@
           </p:nvSpPr>
           <p:spPr>
             <a:xfrm>
-              <a:off x="4846522" y="507456"/>
-              <a:ext cx="676569" cy="154001"/>
+              <a:off x="3452809" y="5320379"/>
+              <a:ext cx="651824" cy="185881"/>
             </a:xfrm>
             <a:prstGeom prst="rect">
               <a:avLst/>
@@ -9171,8 +8037,8 @@
           </p:nvSpPr>
           <p:spPr>
             <a:xfrm>
-              <a:off x="4846522" y="374219"/>
-              <a:ext cx="676569" cy="233080"/>
+              <a:off x="3443606" y="5144328"/>
+              <a:ext cx="676569" cy="359270"/>
             </a:xfrm>
             <a:prstGeom prst="ellipse">
               <a:avLst/>
@@ -9223,8 +8089,8 @@
           </p:nvSpPr>
           <p:spPr>
             <a:xfrm>
-              <a:off x="4914941" y="390963"/>
-              <a:ext cx="539731" cy="185939"/>
+              <a:off x="3512025" y="5186594"/>
+              <a:ext cx="539731" cy="286607"/>
             </a:xfrm>
             <a:prstGeom prst="ellipse">
               <a:avLst/>
@@ -9453,7 +8319,7 @@
         </p:nvGrpSpPr>
         <p:grpSpPr>
           <a:xfrm>
-            <a:off x="1098153" y="3800223"/>
+            <a:off x="726508" y="3243083"/>
             <a:ext cx="1104514" cy="1009121"/>
             <a:chOff x="3293856" y="3402605"/>
             <a:chExt cx="1104514" cy="1009121"/>
@@ -10853,8 +9719,8 @@
         </p:nvGrpSpPr>
         <p:grpSpPr>
           <a:xfrm>
-            <a:off x="2878071" y="3893677"/>
-            <a:ext cx="547291" cy="991165"/>
+            <a:off x="2878072" y="3989287"/>
+            <a:ext cx="494498" cy="895555"/>
             <a:chOff x="2296517" y="1196753"/>
             <a:chExt cx="547291" cy="991165"/>
           </a:xfrm>
@@ -13204,16 +12070,16 @@
       </p:grpSp>
       <p:grpSp>
         <p:nvGrpSpPr>
-          <p:cNvPr id="551" name="グループ化 550"/>
+          <p:cNvPr id="9" name="グループ化 8"/>
           <p:cNvGrpSpPr/>
           <p:nvPr/>
         </p:nvGrpSpPr>
         <p:grpSpPr>
           <a:xfrm>
-            <a:off x="5264851" y="467678"/>
-            <a:ext cx="1151920" cy="1045681"/>
-            <a:chOff x="3883487" y="1893105"/>
-            <a:chExt cx="1151920" cy="1045681"/>
+            <a:off x="5174363" y="510583"/>
+            <a:ext cx="1151920" cy="1029270"/>
+            <a:chOff x="5264851" y="457624"/>
+            <a:chExt cx="1151920" cy="1029270"/>
           </a:xfrm>
         </p:grpSpPr>
         <p:grpSp>
@@ -13224,7 +12090,7 @@
           </p:nvGrpSpPr>
           <p:grpSpPr>
             <a:xfrm>
-              <a:off x="3883487" y="1924332"/>
+              <a:off x="5264851" y="457624"/>
               <a:ext cx="1085677" cy="1014454"/>
               <a:chOff x="3792312" y="1924332"/>
               <a:chExt cx="1085677" cy="1014454"/>
@@ -13436,7 +12302,7 @@
           </p:nvGrpSpPr>
           <p:grpSpPr>
             <a:xfrm>
-              <a:off x="3923928" y="1893105"/>
+              <a:off x="5305292" y="467678"/>
               <a:ext cx="1085677" cy="1014454"/>
               <a:chOff x="3792312" y="1924332"/>
               <a:chExt cx="1085677" cy="1014454"/>
@@ -13648,7 +12514,7 @@
           </p:nvGrpSpPr>
           <p:grpSpPr>
             <a:xfrm>
-              <a:off x="3949730" y="1897867"/>
+              <a:off x="5331094" y="472440"/>
               <a:ext cx="1085677" cy="1014454"/>
               <a:chOff x="3792312" y="1924332"/>
               <a:chExt cx="1085677" cy="1014454"/>
@@ -13872,7 +12738,7 @@
         </p:nvGrpSpPr>
         <p:grpSpPr>
           <a:xfrm>
-            <a:off x="6743101" y="4654057"/>
+            <a:off x="7515730" y="4071213"/>
             <a:ext cx="826735" cy="948539"/>
             <a:chOff x="6743101" y="4654057"/>
             <a:chExt cx="826735" cy="948539"/>
@@ -15525,16 +14391,16 @@
       </p:grpSp>
       <p:grpSp>
         <p:nvGrpSpPr>
-          <p:cNvPr id="60" name="グループ化 59"/>
+          <p:cNvPr id="17" name="グループ化 16"/>
           <p:cNvGrpSpPr/>
           <p:nvPr/>
         </p:nvGrpSpPr>
         <p:grpSpPr>
           <a:xfrm>
             <a:off x="6176988" y="3597846"/>
-            <a:ext cx="739820" cy="947795"/>
+            <a:ext cx="739819" cy="947795"/>
             <a:chOff x="6176988" y="3597846"/>
-            <a:chExt cx="739820" cy="947795"/>
+            <a:chExt cx="739819" cy="947795"/>
           </a:xfrm>
         </p:grpSpPr>
         <p:grpSp>
@@ -16536,8 +15402,8 @@
           </p:nvSpPr>
           <p:spPr>
             <a:xfrm flipH="1">
-              <a:off x="6530717" y="3934592"/>
-              <a:ext cx="386091" cy="611049"/>
+              <a:off x="6565246" y="3934592"/>
+              <a:ext cx="351561" cy="611049"/>
             </a:xfrm>
             <a:custGeom>
               <a:avLst/>
@@ -16690,7 +15556,7 @@
           <p:spPr>
             <a:xfrm flipH="1">
               <a:off x="6567534" y="3597846"/>
-              <a:ext cx="279182" cy="381766"/>
+              <a:ext cx="251337" cy="381766"/>
             </a:xfrm>
             <a:custGeom>
               <a:avLst/>
@@ -17424,203 +16290,188 @@
           </p:txBody>
         </p:sp>
       </p:grpSp>
-      <p:grpSp>
-        <p:nvGrpSpPr>
-          <p:cNvPr id="32" name="グループ化 31"/>
-          <p:cNvGrpSpPr/>
+      <p:sp>
+        <p:nvSpPr>
+          <p:cNvPr id="380" name="直角三角形 379"/>
+          <p:cNvSpPr/>
           <p:nvPr/>
-        </p:nvGrpSpPr>
-        <p:grpSpPr>
-          <a:xfrm>
-            <a:off x="6657996" y="1243328"/>
-            <a:ext cx="637621" cy="485461"/>
-            <a:chOff x="6674567" y="2081203"/>
-            <a:chExt cx="637621" cy="485461"/>
+        </p:nvSpPr>
+        <p:spPr>
+          <a:xfrm rot="18003624">
+            <a:off x="7020955" y="1227502"/>
+            <a:ext cx="246915" cy="302408"/>
           </a:xfrm>
-        </p:grpSpPr>
-        <p:sp>
-          <p:nvSpPr>
-            <p:cNvPr id="380" name="直角三角形 379"/>
-            <p:cNvSpPr/>
-            <p:nvPr/>
-          </p:nvSpPr>
-          <p:spPr>
-            <a:xfrm rot="18003624">
-              <a:off x="7037526" y="2065377"/>
-              <a:ext cx="246915" cy="302408"/>
-            </a:xfrm>
-            <a:prstGeom prst="rtTriangle">
-              <a:avLst/>
-            </a:prstGeom>
+          <a:prstGeom prst="rtTriangle">
+            <a:avLst/>
+          </a:prstGeom>
+          <a:solidFill>
+            <a:schemeClr val="bg1">
+              <a:lumMod val="65000"/>
+            </a:schemeClr>
+          </a:solidFill>
+          <a:ln>
             <a:solidFill>
               <a:schemeClr val="bg1">
                 <a:lumMod val="65000"/>
               </a:schemeClr>
             </a:solidFill>
-            <a:ln>
-              <a:solidFill>
-                <a:schemeClr val="bg1">
-                  <a:lumMod val="65000"/>
-                </a:schemeClr>
-              </a:solidFill>
-            </a:ln>
-          </p:spPr>
-          <p:style>
-            <a:lnRef idx="2">
-              <a:schemeClr val="accent1">
-                <a:shade val="50000"/>
-              </a:schemeClr>
-            </a:lnRef>
-            <a:fillRef idx="1">
-              <a:schemeClr val="accent1"/>
-            </a:fillRef>
-            <a:effectRef idx="0">
-              <a:schemeClr val="accent1"/>
-            </a:effectRef>
-            <a:fontRef idx="minor">
-              <a:schemeClr val="lt1"/>
-            </a:fontRef>
-          </p:style>
-          <p:txBody>
-            <a:bodyPr rtlCol="0" anchor="ctr"/>
-            <a:lstStyle/>
-            <a:p>
-              <a:pPr algn="ctr"/>
-              <a:endParaRPr kumimoji="1" lang="ja-JP" altLang="en-US"/>
-            </a:p>
-          </p:txBody>
-        </p:sp>
-        <p:cxnSp>
-          <p:nvCxnSpPr>
-            <p:cNvPr id="381" name="カギ線コネクタ 34"/>
-            <p:cNvCxnSpPr/>
-            <p:nvPr/>
-          </p:nvCxnSpPr>
-          <p:spPr>
-            <a:xfrm flipH="1">
-              <a:off x="6680620" y="2237999"/>
-              <a:ext cx="569265" cy="328665"/>
-            </a:xfrm>
-            <a:prstGeom prst="straightConnector1">
-              <a:avLst/>
-            </a:prstGeom>
-            <a:ln w="76200" cap="rnd">
-              <a:solidFill>
-                <a:schemeClr val="bg1">
-                  <a:lumMod val="65000"/>
-                </a:schemeClr>
-              </a:solidFill>
-              <a:prstDash val="sysDash"/>
-              <a:tailEnd type="none"/>
-            </a:ln>
-          </p:spPr>
-          <p:style>
-            <a:lnRef idx="1">
-              <a:schemeClr val="accent1"/>
-            </a:lnRef>
-            <a:fillRef idx="0">
-              <a:schemeClr val="accent1"/>
-            </a:fillRef>
-            <a:effectRef idx="0">
-              <a:schemeClr val="accent1"/>
-            </a:effectRef>
-            <a:fontRef idx="minor">
-              <a:schemeClr val="tx1"/>
-            </a:fontRef>
-          </p:style>
-        </p:cxnSp>
-        <p:sp>
-          <p:nvSpPr>
-            <p:cNvPr id="5" name="直角三角形 4"/>
-            <p:cNvSpPr/>
-            <p:nvPr/>
-          </p:nvSpPr>
-          <p:spPr>
-            <a:xfrm rot="18003624">
-              <a:off x="7031473" y="2053457"/>
-              <a:ext cx="246915" cy="302408"/>
-            </a:xfrm>
-            <a:prstGeom prst="rtTriangle">
-              <a:avLst/>
-            </a:prstGeom>
+          </a:ln>
+        </p:spPr>
+        <p:style>
+          <a:lnRef idx="2">
+            <a:schemeClr val="accent1">
+              <a:shade val="50000"/>
+            </a:schemeClr>
+          </a:lnRef>
+          <a:fillRef idx="1">
+            <a:schemeClr val="accent1"/>
+          </a:fillRef>
+          <a:effectRef idx="0">
+            <a:schemeClr val="accent1"/>
+          </a:effectRef>
+          <a:fontRef idx="minor">
+            <a:schemeClr val="lt1"/>
+          </a:fontRef>
+        </p:style>
+        <p:txBody>
+          <a:bodyPr rtlCol="0" anchor="ctr"/>
+          <a:lstStyle/>
+          <a:p>
+            <a:pPr algn="ctr"/>
+            <a:endParaRPr kumimoji="1" lang="ja-JP" altLang="en-US"/>
+          </a:p>
+        </p:txBody>
+      </p:sp>
+      <p:cxnSp>
+        <p:nvCxnSpPr>
+          <p:cNvPr id="381" name="カギ線コネクタ 34"/>
+          <p:cNvCxnSpPr/>
+          <p:nvPr/>
+        </p:nvCxnSpPr>
+        <p:spPr>
+          <a:xfrm flipH="1">
+            <a:off x="6664049" y="1400124"/>
+            <a:ext cx="569265" cy="328665"/>
+          </a:xfrm>
+          <a:prstGeom prst="straightConnector1">
+            <a:avLst/>
+          </a:prstGeom>
+          <a:ln w="76200" cap="rnd">
+            <a:solidFill>
+              <a:schemeClr val="bg1">
+                <a:lumMod val="65000"/>
+              </a:schemeClr>
+            </a:solidFill>
+            <a:prstDash val="sysDash"/>
+            <a:tailEnd type="none"/>
+          </a:ln>
+        </p:spPr>
+        <p:style>
+          <a:lnRef idx="1">
+            <a:schemeClr val="accent1"/>
+          </a:lnRef>
+          <a:fillRef idx="0">
+            <a:schemeClr val="accent1"/>
+          </a:fillRef>
+          <a:effectRef idx="0">
+            <a:schemeClr val="accent1"/>
+          </a:effectRef>
+          <a:fontRef idx="minor">
+            <a:schemeClr val="tx1"/>
+          </a:fontRef>
+        </p:style>
+      </p:cxnSp>
+      <p:sp>
+        <p:nvSpPr>
+          <p:cNvPr id="5" name="直角三角形 4"/>
+          <p:cNvSpPr/>
+          <p:nvPr/>
+        </p:nvSpPr>
+        <p:spPr>
+          <a:xfrm rot="18003624">
+            <a:off x="7014902" y="1215582"/>
+            <a:ext cx="246915" cy="302408"/>
+          </a:xfrm>
+          <a:prstGeom prst="rtTriangle">
+            <a:avLst/>
+          </a:prstGeom>
+          <a:solidFill>
+            <a:schemeClr val="bg1">
+              <a:lumMod val="75000"/>
+            </a:schemeClr>
+          </a:solidFill>
+          <a:ln>
             <a:solidFill>
               <a:schemeClr val="bg1">
                 <a:lumMod val="75000"/>
               </a:schemeClr>
             </a:solidFill>
-            <a:ln>
-              <a:solidFill>
-                <a:schemeClr val="bg1">
-                  <a:lumMod val="75000"/>
-                </a:schemeClr>
-              </a:solidFill>
-            </a:ln>
-          </p:spPr>
-          <p:style>
-            <a:lnRef idx="2">
-              <a:schemeClr val="accent1">
-                <a:shade val="50000"/>
-              </a:schemeClr>
-            </a:lnRef>
-            <a:fillRef idx="1">
-              <a:schemeClr val="accent1"/>
-            </a:fillRef>
-            <a:effectRef idx="0">
-              <a:schemeClr val="accent1"/>
-            </a:effectRef>
-            <a:fontRef idx="minor">
-              <a:schemeClr val="lt1"/>
-            </a:fontRef>
-          </p:style>
-          <p:txBody>
-            <a:bodyPr rtlCol="0" anchor="ctr"/>
-            <a:lstStyle/>
-            <a:p>
-              <a:pPr algn="ctr"/>
-              <a:endParaRPr kumimoji="1" lang="ja-JP" altLang="en-US"/>
-            </a:p>
-          </p:txBody>
-        </p:sp>
-        <p:cxnSp>
-          <p:nvCxnSpPr>
-            <p:cNvPr id="379" name="カギ線コネクタ 34"/>
-            <p:cNvCxnSpPr/>
-            <p:nvPr/>
-          </p:nvCxnSpPr>
-          <p:spPr>
-            <a:xfrm flipH="1">
-              <a:off x="6674567" y="2226079"/>
-              <a:ext cx="569265" cy="328665"/>
-            </a:xfrm>
-            <a:prstGeom prst="straightConnector1">
-              <a:avLst/>
-            </a:prstGeom>
-            <a:ln w="76200" cap="rnd">
-              <a:solidFill>
-                <a:schemeClr val="bg1">
-                  <a:lumMod val="75000"/>
-                </a:schemeClr>
-              </a:solidFill>
-              <a:prstDash val="sysDash"/>
-              <a:tailEnd type="none"/>
-            </a:ln>
-          </p:spPr>
-          <p:style>
-            <a:lnRef idx="1">
-              <a:schemeClr val="accent1"/>
-            </a:lnRef>
-            <a:fillRef idx="0">
-              <a:schemeClr val="accent1"/>
-            </a:fillRef>
-            <a:effectRef idx="0">
-              <a:schemeClr val="accent1"/>
-            </a:effectRef>
-            <a:fontRef idx="minor">
-              <a:schemeClr val="tx1"/>
-            </a:fontRef>
-          </p:style>
-        </p:cxnSp>
-      </p:grpSp>
+          </a:ln>
+        </p:spPr>
+        <p:style>
+          <a:lnRef idx="2">
+            <a:schemeClr val="accent1">
+              <a:shade val="50000"/>
+            </a:schemeClr>
+          </a:lnRef>
+          <a:fillRef idx="1">
+            <a:schemeClr val="accent1"/>
+          </a:fillRef>
+          <a:effectRef idx="0">
+            <a:schemeClr val="accent1"/>
+          </a:effectRef>
+          <a:fontRef idx="minor">
+            <a:schemeClr val="lt1"/>
+          </a:fontRef>
+        </p:style>
+        <p:txBody>
+          <a:bodyPr rtlCol="0" anchor="ctr"/>
+          <a:lstStyle/>
+          <a:p>
+            <a:pPr algn="ctr"/>
+            <a:endParaRPr kumimoji="1" lang="ja-JP" altLang="en-US"/>
+          </a:p>
+        </p:txBody>
+      </p:sp>
+      <p:cxnSp>
+        <p:nvCxnSpPr>
+          <p:cNvPr id="379" name="カギ線コネクタ 34"/>
+          <p:cNvCxnSpPr/>
+          <p:nvPr/>
+        </p:nvCxnSpPr>
+        <p:spPr>
+          <a:xfrm flipH="1">
+            <a:off x="6657996" y="1388204"/>
+            <a:ext cx="569265" cy="328665"/>
+          </a:xfrm>
+          <a:prstGeom prst="straightConnector1">
+            <a:avLst/>
+          </a:prstGeom>
+          <a:ln w="76200" cap="rnd">
+            <a:solidFill>
+              <a:schemeClr val="bg1">
+                <a:lumMod val="75000"/>
+              </a:schemeClr>
+            </a:solidFill>
+            <a:prstDash val="sysDash"/>
+            <a:tailEnd type="none"/>
+          </a:ln>
+        </p:spPr>
+        <p:style>
+          <a:lnRef idx="1">
+            <a:schemeClr val="accent1"/>
+          </a:lnRef>
+          <a:fillRef idx="0">
+            <a:schemeClr val="accent1"/>
+          </a:fillRef>
+          <a:effectRef idx="0">
+            <a:schemeClr val="accent1"/>
+          </a:effectRef>
+          <a:fontRef idx="minor">
+            <a:schemeClr val="tx1"/>
+          </a:fontRef>
+        </p:style>
+      </p:cxnSp>
       <p:grpSp>
         <p:nvGrpSpPr>
           <p:cNvPr id="24" name="グループ化 23"/>
@@ -20171,616 +19022,630 @@
       </p:grpSp>
       <p:grpSp>
         <p:nvGrpSpPr>
-          <p:cNvPr id="694" name="グループ化 693"/>
+          <p:cNvPr id="35" name="グループ化 34"/>
           <p:cNvGrpSpPr/>
           <p:nvPr/>
         </p:nvGrpSpPr>
         <p:grpSpPr>
           <a:xfrm>
-            <a:off x="5319401" y="2213182"/>
-            <a:ext cx="739820" cy="911723"/>
-            <a:chOff x="4881750" y="2001966"/>
-            <a:chExt cx="739820" cy="911723"/>
+            <a:off x="5319400" y="2201992"/>
+            <a:ext cx="739820" cy="922913"/>
+            <a:chOff x="5319400" y="2201992"/>
+            <a:chExt cx="739820" cy="922913"/>
           </a:xfrm>
         </p:grpSpPr>
-        <p:grpSp>
-          <p:nvGrpSpPr>
-            <p:cNvPr id="695" name="グループ化 694"/>
-            <p:cNvGrpSpPr/>
+        <p:sp>
+          <p:nvSpPr>
+            <p:cNvPr id="705" name="フリーフォーム 704"/>
+            <p:cNvSpPr/>
             <p:nvPr/>
-          </p:nvGrpSpPr>
-          <p:grpSpPr>
+          </p:nvSpPr>
+          <p:spPr>
             <a:xfrm flipH="1">
-              <a:off x="4881750" y="2400336"/>
-              <a:ext cx="143197" cy="162731"/>
-              <a:chOff x="2358561" y="5628164"/>
-              <a:chExt cx="143197" cy="162731"/>
+              <a:off x="5433826" y="2634758"/>
+              <a:ext cx="7426" cy="66717"/>
             </a:xfrm>
+            <a:custGeom>
+              <a:avLst/>
+              <a:gdLst>
+                <a:gd name="connsiteX0" fmla="*/ 7426 w 7426"/>
+                <a:gd name="connsiteY0" fmla="*/ 66717 h 66717"/>
+                <a:gd name="connsiteX1" fmla="*/ 282 w 7426"/>
+                <a:gd name="connsiteY1" fmla="*/ 42 h 66717"/>
+                <a:gd name="connsiteX2" fmla="*/ 7426 w 7426"/>
+                <a:gd name="connsiteY2" fmla="*/ 66717 h 66717"/>
+              </a:gdLst>
+              <a:ahLst/>
+              <a:cxnLst>
+                <a:cxn ang="0">
+                  <a:pos x="connsiteX0" y="connsiteY0"/>
+                </a:cxn>
+                <a:cxn ang="0">
+                  <a:pos x="connsiteX1" y="connsiteY1"/>
+                </a:cxn>
+                <a:cxn ang="0">
+                  <a:pos x="connsiteX2" y="connsiteY2"/>
+                </a:cxn>
+              </a:cxnLst>
+              <a:rect l="l" t="t" r="r" b="b"/>
+              <a:pathLst>
+                <a:path w="7426" h="66717">
+                  <a:moveTo>
+                    <a:pt x="7426" y="66717"/>
+                  </a:moveTo>
+                  <a:cubicBezTo>
+                    <a:pt x="7426" y="66717"/>
+                    <a:pt x="-1702" y="-1942"/>
+                    <a:pt x="282" y="42"/>
+                  </a:cubicBezTo>
+                  <a:cubicBezTo>
+                    <a:pt x="2266" y="2026"/>
+                    <a:pt x="7426" y="66717"/>
+                    <a:pt x="7426" y="66717"/>
+                  </a:cubicBezTo>
+                  <a:close/>
+                </a:path>
+              </a:pathLst>
+            </a:custGeom>
             <a:solidFill>
               <a:schemeClr val="accent6">
                 <a:lumMod val="60000"/>
                 <a:lumOff val="40000"/>
               </a:schemeClr>
             </a:solidFill>
-          </p:grpSpPr>
-          <p:sp>
-            <p:nvSpPr>
-              <p:cNvPr id="705" name="フリーフォーム 704"/>
-              <p:cNvSpPr/>
-              <p:nvPr/>
-            </p:nvSpPr>
-            <p:spPr>
-              <a:xfrm>
-                <a:off x="2379907" y="5651370"/>
-                <a:ext cx="7426" cy="66717"/>
-              </a:xfrm>
-              <a:custGeom>
-                <a:avLst/>
-                <a:gdLst>
-                  <a:gd name="connsiteX0" fmla="*/ 7426 w 7426"/>
-                  <a:gd name="connsiteY0" fmla="*/ 66717 h 66717"/>
-                  <a:gd name="connsiteX1" fmla="*/ 282 w 7426"/>
-                  <a:gd name="connsiteY1" fmla="*/ 42 h 66717"/>
-                  <a:gd name="connsiteX2" fmla="*/ 7426 w 7426"/>
-                  <a:gd name="connsiteY2" fmla="*/ 66717 h 66717"/>
-                </a:gdLst>
-                <a:ahLst/>
-                <a:cxnLst>
-                  <a:cxn ang="0">
-                    <a:pos x="connsiteX0" y="connsiteY0"/>
-                  </a:cxn>
-                  <a:cxn ang="0">
-                    <a:pos x="connsiteX1" y="connsiteY1"/>
-                  </a:cxn>
-                  <a:cxn ang="0">
-                    <a:pos x="connsiteX2" y="connsiteY2"/>
-                  </a:cxn>
-                </a:cxnLst>
-                <a:rect l="l" t="t" r="r" b="b"/>
-                <a:pathLst>
-                  <a:path w="7426" h="66717">
-                    <a:moveTo>
-                      <a:pt x="7426" y="66717"/>
-                    </a:moveTo>
-                    <a:cubicBezTo>
-                      <a:pt x="7426" y="66717"/>
-                      <a:pt x="-1702" y="-1942"/>
-                      <a:pt x="282" y="42"/>
-                    </a:cubicBezTo>
-                    <a:cubicBezTo>
-                      <a:pt x="2266" y="2026"/>
-                      <a:pt x="7426" y="66717"/>
-                      <a:pt x="7426" y="66717"/>
-                    </a:cubicBezTo>
-                    <a:close/>
-                  </a:path>
-                </a:pathLst>
-              </a:custGeom>
-              <a:grpFill/>
-              <a:ln w="15875">
-                <a:solidFill>
-                  <a:schemeClr val="accent6">
-                    <a:lumMod val="60000"/>
-                    <a:lumOff val="40000"/>
-                  </a:schemeClr>
-                </a:solidFill>
-              </a:ln>
-            </p:spPr>
-            <p:style>
-              <a:lnRef idx="2">
-                <a:schemeClr val="accent1">
-                  <a:shade val="50000"/>
-                </a:schemeClr>
-              </a:lnRef>
-              <a:fillRef idx="1">
-                <a:schemeClr val="accent1"/>
-              </a:fillRef>
-              <a:effectRef idx="0">
-                <a:schemeClr val="accent1"/>
-              </a:effectRef>
-              <a:fontRef idx="minor">
-                <a:schemeClr val="lt1"/>
-              </a:fontRef>
-            </p:style>
-            <p:txBody>
-              <a:bodyPr rtlCol="0" anchor="ctr"/>
-              <a:lstStyle/>
-              <a:p>
-                <a:pPr algn="ctr"/>
-                <a:endParaRPr kumimoji="1" lang="ja-JP" altLang="en-US"/>
-              </a:p>
-            </p:txBody>
-          </p:sp>
-          <p:sp>
-            <p:nvSpPr>
-              <p:cNvPr id="706" name="フリーフォーム 705"/>
-              <p:cNvSpPr/>
-              <p:nvPr/>
-            </p:nvSpPr>
-            <p:spPr>
-              <a:xfrm rot="16822714">
-                <a:off x="2368579" y="5658825"/>
-                <a:ext cx="119182" cy="66717"/>
-              </a:xfrm>
-              <a:custGeom>
-                <a:avLst/>
-                <a:gdLst>
-                  <a:gd name="connsiteX0" fmla="*/ 7426 w 7426"/>
-                  <a:gd name="connsiteY0" fmla="*/ 66717 h 66717"/>
-                  <a:gd name="connsiteX1" fmla="*/ 282 w 7426"/>
-                  <a:gd name="connsiteY1" fmla="*/ 42 h 66717"/>
-                  <a:gd name="connsiteX2" fmla="*/ 7426 w 7426"/>
-                  <a:gd name="connsiteY2" fmla="*/ 66717 h 66717"/>
-                </a:gdLst>
-                <a:ahLst/>
-                <a:cxnLst>
-                  <a:cxn ang="0">
-                    <a:pos x="connsiteX0" y="connsiteY0"/>
-                  </a:cxn>
-                  <a:cxn ang="0">
-                    <a:pos x="connsiteX1" y="connsiteY1"/>
-                  </a:cxn>
-                  <a:cxn ang="0">
-                    <a:pos x="connsiteX2" y="connsiteY2"/>
-                  </a:cxn>
-                </a:cxnLst>
-                <a:rect l="l" t="t" r="r" b="b"/>
-                <a:pathLst>
-                  <a:path w="7426" h="66717">
-                    <a:moveTo>
-                      <a:pt x="7426" y="66717"/>
-                    </a:moveTo>
-                    <a:cubicBezTo>
-                      <a:pt x="7426" y="66717"/>
-                      <a:pt x="-1702" y="-1942"/>
-                      <a:pt x="282" y="42"/>
-                    </a:cubicBezTo>
-                    <a:cubicBezTo>
-                      <a:pt x="2266" y="2026"/>
-                      <a:pt x="7426" y="66717"/>
-                      <a:pt x="7426" y="66717"/>
-                    </a:cubicBezTo>
-                    <a:close/>
-                  </a:path>
-                </a:pathLst>
-              </a:custGeom>
-              <a:grpFill/>
-              <a:ln w="15875">
-                <a:solidFill>
-                  <a:schemeClr val="accent6">
-                    <a:lumMod val="60000"/>
-                    <a:lumOff val="40000"/>
-                  </a:schemeClr>
-                </a:solidFill>
-              </a:ln>
-            </p:spPr>
-            <p:style>
-              <a:lnRef idx="2">
-                <a:schemeClr val="accent1">
-                  <a:shade val="50000"/>
-                </a:schemeClr>
-              </a:lnRef>
-              <a:fillRef idx="1">
-                <a:schemeClr val="accent1"/>
-              </a:fillRef>
-              <a:effectRef idx="0">
-                <a:schemeClr val="accent1"/>
-              </a:effectRef>
-              <a:fontRef idx="minor">
-                <a:schemeClr val="lt1"/>
-              </a:fontRef>
-            </p:style>
-            <p:txBody>
-              <a:bodyPr rtlCol="0" anchor="ctr"/>
-              <a:lstStyle/>
-              <a:p>
-                <a:pPr algn="ctr"/>
-                <a:endParaRPr kumimoji="1" lang="ja-JP" altLang="en-US"/>
-              </a:p>
-            </p:txBody>
-          </p:sp>
-          <p:sp>
-            <p:nvSpPr>
-              <p:cNvPr id="707" name="フリーフォーム 706"/>
-              <p:cNvSpPr/>
-              <p:nvPr/>
-            </p:nvSpPr>
-            <p:spPr>
-              <a:xfrm rot="17676872">
-                <a:off x="2398846" y="5654396"/>
-                <a:ext cx="119182" cy="66717"/>
-              </a:xfrm>
-              <a:custGeom>
-                <a:avLst/>
-                <a:gdLst>
-                  <a:gd name="connsiteX0" fmla="*/ 7426 w 7426"/>
-                  <a:gd name="connsiteY0" fmla="*/ 66717 h 66717"/>
-                  <a:gd name="connsiteX1" fmla="*/ 282 w 7426"/>
-                  <a:gd name="connsiteY1" fmla="*/ 42 h 66717"/>
-                  <a:gd name="connsiteX2" fmla="*/ 7426 w 7426"/>
-                  <a:gd name="connsiteY2" fmla="*/ 66717 h 66717"/>
-                </a:gdLst>
-                <a:ahLst/>
-                <a:cxnLst>
-                  <a:cxn ang="0">
-                    <a:pos x="connsiteX0" y="connsiteY0"/>
-                  </a:cxn>
-                  <a:cxn ang="0">
-                    <a:pos x="connsiteX1" y="connsiteY1"/>
-                  </a:cxn>
-                  <a:cxn ang="0">
-                    <a:pos x="connsiteX2" y="connsiteY2"/>
-                  </a:cxn>
-                </a:cxnLst>
-                <a:rect l="l" t="t" r="r" b="b"/>
-                <a:pathLst>
-                  <a:path w="7426" h="66717">
-                    <a:moveTo>
-                      <a:pt x="7426" y="66717"/>
-                    </a:moveTo>
-                    <a:cubicBezTo>
-                      <a:pt x="7426" y="66717"/>
-                      <a:pt x="-1702" y="-1942"/>
-                      <a:pt x="282" y="42"/>
-                    </a:cubicBezTo>
-                    <a:cubicBezTo>
-                      <a:pt x="2266" y="2026"/>
-                      <a:pt x="7426" y="66717"/>
-                      <a:pt x="7426" y="66717"/>
-                    </a:cubicBezTo>
-                    <a:close/>
-                  </a:path>
-                </a:pathLst>
-              </a:custGeom>
-              <a:grpFill/>
-              <a:ln w="15875">
-                <a:solidFill>
-                  <a:schemeClr val="accent6">
-                    <a:lumMod val="60000"/>
-                    <a:lumOff val="40000"/>
-                  </a:schemeClr>
-                </a:solidFill>
-              </a:ln>
-            </p:spPr>
-            <p:style>
-              <a:lnRef idx="2">
-                <a:schemeClr val="accent1">
-                  <a:shade val="50000"/>
-                </a:schemeClr>
-              </a:lnRef>
-              <a:fillRef idx="1">
-                <a:schemeClr val="accent1"/>
-              </a:fillRef>
-              <a:effectRef idx="0">
-                <a:schemeClr val="accent1"/>
-              </a:effectRef>
-              <a:fontRef idx="minor">
-                <a:schemeClr val="lt1"/>
-              </a:fontRef>
-            </p:style>
-            <p:txBody>
-              <a:bodyPr rtlCol="0" anchor="ctr"/>
-              <a:lstStyle/>
-              <a:p>
-                <a:pPr algn="ctr"/>
-                <a:endParaRPr kumimoji="1" lang="ja-JP" altLang="en-US"/>
-              </a:p>
-            </p:txBody>
-          </p:sp>
-          <p:sp>
-            <p:nvSpPr>
-              <p:cNvPr id="708" name="フリーフォーム 707"/>
-              <p:cNvSpPr/>
-              <p:nvPr/>
-            </p:nvSpPr>
-            <p:spPr>
-              <a:xfrm rot="17742150">
-                <a:off x="2406483" y="5677227"/>
-                <a:ext cx="119182" cy="66717"/>
-              </a:xfrm>
-              <a:custGeom>
-                <a:avLst/>
-                <a:gdLst>
-                  <a:gd name="connsiteX0" fmla="*/ 7426 w 7426"/>
-                  <a:gd name="connsiteY0" fmla="*/ 66717 h 66717"/>
-                  <a:gd name="connsiteX1" fmla="*/ 282 w 7426"/>
-                  <a:gd name="connsiteY1" fmla="*/ 42 h 66717"/>
-                  <a:gd name="connsiteX2" fmla="*/ 7426 w 7426"/>
-                  <a:gd name="connsiteY2" fmla="*/ 66717 h 66717"/>
-                </a:gdLst>
-                <a:ahLst/>
-                <a:cxnLst>
-                  <a:cxn ang="0">
-                    <a:pos x="connsiteX0" y="connsiteY0"/>
-                  </a:cxn>
-                  <a:cxn ang="0">
-                    <a:pos x="connsiteX1" y="connsiteY1"/>
-                  </a:cxn>
-                  <a:cxn ang="0">
-                    <a:pos x="connsiteX2" y="connsiteY2"/>
-                  </a:cxn>
-                </a:cxnLst>
-                <a:rect l="l" t="t" r="r" b="b"/>
-                <a:pathLst>
-                  <a:path w="7426" h="66717">
-                    <a:moveTo>
-                      <a:pt x="7426" y="66717"/>
-                    </a:moveTo>
-                    <a:cubicBezTo>
-                      <a:pt x="7426" y="66717"/>
-                      <a:pt x="-1702" y="-1942"/>
-                      <a:pt x="282" y="42"/>
-                    </a:cubicBezTo>
-                    <a:cubicBezTo>
-                      <a:pt x="2266" y="2026"/>
-                      <a:pt x="7426" y="66717"/>
-                      <a:pt x="7426" y="66717"/>
-                    </a:cubicBezTo>
-                    <a:close/>
-                  </a:path>
-                </a:pathLst>
-              </a:custGeom>
-              <a:grpFill/>
-              <a:ln w="15875">
-                <a:solidFill>
-                  <a:schemeClr val="accent6">
-                    <a:lumMod val="60000"/>
-                    <a:lumOff val="40000"/>
-                  </a:schemeClr>
-                </a:solidFill>
-              </a:ln>
-            </p:spPr>
-            <p:style>
-              <a:lnRef idx="2">
-                <a:schemeClr val="accent1">
-                  <a:shade val="50000"/>
-                </a:schemeClr>
-              </a:lnRef>
-              <a:fillRef idx="1">
-                <a:schemeClr val="accent1"/>
-              </a:fillRef>
-              <a:effectRef idx="0">
-                <a:schemeClr val="accent1"/>
-              </a:effectRef>
-              <a:fontRef idx="minor">
-                <a:schemeClr val="lt1"/>
-              </a:fontRef>
-            </p:style>
-            <p:txBody>
-              <a:bodyPr rtlCol="0" anchor="ctr"/>
-              <a:lstStyle/>
-              <a:p>
-                <a:pPr algn="ctr"/>
-                <a:endParaRPr kumimoji="1" lang="ja-JP" altLang="en-US"/>
-              </a:p>
-            </p:txBody>
-          </p:sp>
-          <p:sp>
-            <p:nvSpPr>
-              <p:cNvPr id="709" name="フリーフォーム 708"/>
-              <p:cNvSpPr/>
-              <p:nvPr/>
-            </p:nvSpPr>
-            <p:spPr>
-              <a:xfrm rot="18093678">
-                <a:off x="2408809" y="5697945"/>
-                <a:ext cx="119182" cy="66717"/>
-              </a:xfrm>
-              <a:custGeom>
-                <a:avLst/>
-                <a:gdLst>
-                  <a:gd name="connsiteX0" fmla="*/ 7426 w 7426"/>
-                  <a:gd name="connsiteY0" fmla="*/ 66717 h 66717"/>
-                  <a:gd name="connsiteX1" fmla="*/ 282 w 7426"/>
-                  <a:gd name="connsiteY1" fmla="*/ 42 h 66717"/>
-                  <a:gd name="connsiteX2" fmla="*/ 7426 w 7426"/>
-                  <a:gd name="connsiteY2" fmla="*/ 66717 h 66717"/>
-                </a:gdLst>
-                <a:ahLst/>
-                <a:cxnLst>
-                  <a:cxn ang="0">
-                    <a:pos x="connsiteX0" y="connsiteY0"/>
-                  </a:cxn>
-                  <a:cxn ang="0">
-                    <a:pos x="connsiteX1" y="connsiteY1"/>
-                  </a:cxn>
-                  <a:cxn ang="0">
-                    <a:pos x="connsiteX2" y="connsiteY2"/>
-                  </a:cxn>
-                </a:cxnLst>
-                <a:rect l="l" t="t" r="r" b="b"/>
-                <a:pathLst>
-                  <a:path w="7426" h="66717">
-                    <a:moveTo>
-                      <a:pt x="7426" y="66717"/>
-                    </a:moveTo>
-                    <a:cubicBezTo>
-                      <a:pt x="7426" y="66717"/>
-                      <a:pt x="-1702" y="-1942"/>
-                      <a:pt x="282" y="42"/>
-                    </a:cubicBezTo>
-                    <a:cubicBezTo>
-                      <a:pt x="2266" y="2026"/>
-                      <a:pt x="7426" y="66717"/>
-                      <a:pt x="7426" y="66717"/>
-                    </a:cubicBezTo>
-                    <a:close/>
-                  </a:path>
-                </a:pathLst>
-              </a:custGeom>
-              <a:grpFill/>
-              <a:ln w="15875">
-                <a:solidFill>
-                  <a:schemeClr val="accent6">
-                    <a:lumMod val="60000"/>
-                    <a:lumOff val="40000"/>
-                  </a:schemeClr>
-                </a:solidFill>
-              </a:ln>
-            </p:spPr>
-            <p:style>
-              <a:lnRef idx="2">
-                <a:schemeClr val="accent1">
-                  <a:shade val="50000"/>
-                </a:schemeClr>
-              </a:lnRef>
-              <a:fillRef idx="1">
-                <a:schemeClr val="accent1"/>
-              </a:fillRef>
-              <a:effectRef idx="0">
-                <a:schemeClr val="accent1"/>
-              </a:effectRef>
-              <a:fontRef idx="minor">
-                <a:schemeClr val="lt1"/>
-              </a:fontRef>
-            </p:style>
-            <p:txBody>
-              <a:bodyPr rtlCol="0" anchor="ctr"/>
-              <a:lstStyle/>
-              <a:p>
-                <a:pPr algn="ctr"/>
-                <a:endParaRPr kumimoji="1" lang="ja-JP" altLang="en-US"/>
-              </a:p>
-            </p:txBody>
-          </p:sp>
-          <p:sp>
-            <p:nvSpPr>
-              <p:cNvPr id="710" name="円/楕円 709"/>
-              <p:cNvSpPr/>
-              <p:nvPr/>
-            </p:nvSpPr>
-            <p:spPr>
-              <a:xfrm>
-                <a:off x="2379907" y="5723242"/>
-                <a:ext cx="48263" cy="48263"/>
-              </a:xfrm>
-              <a:prstGeom prst="ellipse">
-                <a:avLst/>
-              </a:prstGeom>
-              <a:grpFill/>
-              <a:ln>
-                <a:solidFill>
-                  <a:schemeClr val="accent6">
-                    <a:lumMod val="60000"/>
-                    <a:lumOff val="40000"/>
-                  </a:schemeClr>
-                </a:solidFill>
-              </a:ln>
-            </p:spPr>
-            <p:style>
-              <a:lnRef idx="2">
-                <a:schemeClr val="accent1">
-                  <a:shade val="50000"/>
-                </a:schemeClr>
-              </a:lnRef>
-              <a:fillRef idx="1">
-                <a:schemeClr val="accent1"/>
-              </a:fillRef>
-              <a:effectRef idx="0">
-                <a:schemeClr val="accent1"/>
-              </a:effectRef>
-              <a:fontRef idx="minor">
-                <a:schemeClr val="lt1"/>
-              </a:fontRef>
-            </p:style>
-            <p:txBody>
-              <a:bodyPr rtlCol="0" anchor="ctr"/>
-              <a:lstStyle/>
-              <a:p>
-                <a:pPr algn="ctr"/>
-                <a:endParaRPr kumimoji="1" lang="ja-JP" altLang="en-US"/>
-              </a:p>
-            </p:txBody>
-          </p:sp>
-          <p:sp>
-            <p:nvSpPr>
-              <p:cNvPr id="711" name="フリーフォーム 710"/>
-              <p:cNvSpPr/>
-              <p:nvPr/>
-            </p:nvSpPr>
-            <p:spPr>
-              <a:xfrm rot="13773179">
-                <a:off x="2348708" y="5687948"/>
-                <a:ext cx="65425" cy="45719"/>
-              </a:xfrm>
-              <a:custGeom>
-                <a:avLst/>
-                <a:gdLst>
-                  <a:gd name="connsiteX0" fmla="*/ 7426 w 7426"/>
-                  <a:gd name="connsiteY0" fmla="*/ 66717 h 66717"/>
-                  <a:gd name="connsiteX1" fmla="*/ 282 w 7426"/>
-                  <a:gd name="connsiteY1" fmla="*/ 42 h 66717"/>
-                  <a:gd name="connsiteX2" fmla="*/ 7426 w 7426"/>
-                  <a:gd name="connsiteY2" fmla="*/ 66717 h 66717"/>
-                </a:gdLst>
-                <a:ahLst/>
-                <a:cxnLst>
-                  <a:cxn ang="0">
-                    <a:pos x="connsiteX0" y="connsiteY0"/>
-                  </a:cxn>
-                  <a:cxn ang="0">
-                    <a:pos x="connsiteX1" y="connsiteY1"/>
-                  </a:cxn>
-                  <a:cxn ang="0">
-                    <a:pos x="connsiteX2" y="connsiteY2"/>
-                  </a:cxn>
-                </a:cxnLst>
-                <a:rect l="l" t="t" r="r" b="b"/>
-                <a:pathLst>
-                  <a:path w="7426" h="66717">
-                    <a:moveTo>
-                      <a:pt x="7426" y="66717"/>
-                    </a:moveTo>
-                    <a:cubicBezTo>
-                      <a:pt x="7426" y="66717"/>
-                      <a:pt x="-1702" y="-1942"/>
-                      <a:pt x="282" y="42"/>
-                    </a:cubicBezTo>
-                    <a:cubicBezTo>
-                      <a:pt x="2266" y="2026"/>
-                      <a:pt x="7426" y="66717"/>
-                      <a:pt x="7426" y="66717"/>
-                    </a:cubicBezTo>
-                    <a:close/>
-                  </a:path>
-                </a:pathLst>
-              </a:custGeom>
-              <a:grpFill/>
-              <a:ln w="15875">
-                <a:solidFill>
-                  <a:schemeClr val="accent6">
-                    <a:lumMod val="60000"/>
-                    <a:lumOff val="40000"/>
-                  </a:schemeClr>
-                </a:solidFill>
-              </a:ln>
-            </p:spPr>
-            <p:style>
-              <a:lnRef idx="2">
-                <a:schemeClr val="accent1">
-                  <a:shade val="50000"/>
-                </a:schemeClr>
-              </a:lnRef>
-              <a:fillRef idx="1">
-                <a:schemeClr val="accent1"/>
-              </a:fillRef>
-              <a:effectRef idx="0">
-                <a:schemeClr val="accent1"/>
-              </a:effectRef>
-              <a:fontRef idx="minor">
-                <a:schemeClr val="lt1"/>
-              </a:fontRef>
-            </p:style>
-            <p:txBody>
-              <a:bodyPr rtlCol="0" anchor="ctr"/>
-              <a:lstStyle/>
-              <a:p>
-                <a:pPr algn="ctr"/>
-                <a:endParaRPr kumimoji="1" lang="ja-JP" altLang="en-US"/>
-              </a:p>
-            </p:txBody>
-          </p:sp>
-        </p:grpSp>
+            <a:ln w="15875">
+              <a:solidFill>
+                <a:schemeClr val="accent6">
+                  <a:lumMod val="60000"/>
+                  <a:lumOff val="40000"/>
+                </a:schemeClr>
+              </a:solidFill>
+            </a:ln>
+          </p:spPr>
+          <p:style>
+            <a:lnRef idx="2">
+              <a:schemeClr val="accent1">
+                <a:shade val="50000"/>
+              </a:schemeClr>
+            </a:lnRef>
+            <a:fillRef idx="1">
+              <a:schemeClr val="accent1"/>
+            </a:fillRef>
+            <a:effectRef idx="0">
+              <a:schemeClr val="accent1"/>
+            </a:effectRef>
+            <a:fontRef idx="minor">
+              <a:schemeClr val="lt1"/>
+            </a:fontRef>
+          </p:style>
+          <p:txBody>
+            <a:bodyPr rtlCol="0" anchor="ctr"/>
+            <a:lstStyle/>
+            <a:p>
+              <a:pPr algn="ctr"/>
+              <a:endParaRPr kumimoji="1" lang="ja-JP" altLang="en-US"/>
+            </a:p>
+          </p:txBody>
+        </p:sp>
+        <p:sp>
+          <p:nvSpPr>
+            <p:cNvPr id="706" name="フリーフォーム 705"/>
+            <p:cNvSpPr/>
+            <p:nvPr/>
+          </p:nvSpPr>
+          <p:spPr>
+            <a:xfrm rot="4777286" flipH="1">
+              <a:off x="5333398" y="2642213"/>
+              <a:ext cx="119182" cy="66717"/>
+            </a:xfrm>
+            <a:custGeom>
+              <a:avLst/>
+              <a:gdLst>
+                <a:gd name="connsiteX0" fmla="*/ 7426 w 7426"/>
+                <a:gd name="connsiteY0" fmla="*/ 66717 h 66717"/>
+                <a:gd name="connsiteX1" fmla="*/ 282 w 7426"/>
+                <a:gd name="connsiteY1" fmla="*/ 42 h 66717"/>
+                <a:gd name="connsiteX2" fmla="*/ 7426 w 7426"/>
+                <a:gd name="connsiteY2" fmla="*/ 66717 h 66717"/>
+              </a:gdLst>
+              <a:ahLst/>
+              <a:cxnLst>
+                <a:cxn ang="0">
+                  <a:pos x="connsiteX0" y="connsiteY0"/>
+                </a:cxn>
+                <a:cxn ang="0">
+                  <a:pos x="connsiteX1" y="connsiteY1"/>
+                </a:cxn>
+                <a:cxn ang="0">
+                  <a:pos x="connsiteX2" y="connsiteY2"/>
+                </a:cxn>
+              </a:cxnLst>
+              <a:rect l="l" t="t" r="r" b="b"/>
+              <a:pathLst>
+                <a:path w="7426" h="66717">
+                  <a:moveTo>
+                    <a:pt x="7426" y="66717"/>
+                  </a:moveTo>
+                  <a:cubicBezTo>
+                    <a:pt x="7426" y="66717"/>
+                    <a:pt x="-1702" y="-1942"/>
+                    <a:pt x="282" y="42"/>
+                  </a:cubicBezTo>
+                  <a:cubicBezTo>
+                    <a:pt x="2266" y="2026"/>
+                    <a:pt x="7426" y="66717"/>
+                    <a:pt x="7426" y="66717"/>
+                  </a:cubicBezTo>
+                  <a:close/>
+                </a:path>
+              </a:pathLst>
+            </a:custGeom>
+            <a:solidFill>
+              <a:schemeClr val="accent6">
+                <a:lumMod val="60000"/>
+                <a:lumOff val="40000"/>
+              </a:schemeClr>
+            </a:solidFill>
+            <a:ln w="15875">
+              <a:solidFill>
+                <a:schemeClr val="accent6">
+                  <a:lumMod val="60000"/>
+                  <a:lumOff val="40000"/>
+                </a:schemeClr>
+              </a:solidFill>
+            </a:ln>
+          </p:spPr>
+          <p:style>
+            <a:lnRef idx="2">
+              <a:schemeClr val="accent1">
+                <a:shade val="50000"/>
+              </a:schemeClr>
+            </a:lnRef>
+            <a:fillRef idx="1">
+              <a:schemeClr val="accent1"/>
+            </a:fillRef>
+            <a:effectRef idx="0">
+              <a:schemeClr val="accent1"/>
+            </a:effectRef>
+            <a:fontRef idx="minor">
+              <a:schemeClr val="lt1"/>
+            </a:fontRef>
+          </p:style>
+          <p:txBody>
+            <a:bodyPr rtlCol="0" anchor="ctr"/>
+            <a:lstStyle/>
+            <a:p>
+              <a:pPr algn="ctr"/>
+              <a:endParaRPr kumimoji="1" lang="ja-JP" altLang="en-US"/>
+            </a:p>
+          </p:txBody>
+        </p:sp>
+        <p:sp>
+          <p:nvSpPr>
+            <p:cNvPr id="707" name="フリーフォーム 706"/>
+            <p:cNvSpPr/>
+            <p:nvPr/>
+          </p:nvSpPr>
+          <p:spPr>
+            <a:xfrm rot="3923128" flipH="1">
+              <a:off x="5303131" y="2637784"/>
+              <a:ext cx="119182" cy="66717"/>
+            </a:xfrm>
+            <a:custGeom>
+              <a:avLst/>
+              <a:gdLst>
+                <a:gd name="connsiteX0" fmla="*/ 7426 w 7426"/>
+                <a:gd name="connsiteY0" fmla="*/ 66717 h 66717"/>
+                <a:gd name="connsiteX1" fmla="*/ 282 w 7426"/>
+                <a:gd name="connsiteY1" fmla="*/ 42 h 66717"/>
+                <a:gd name="connsiteX2" fmla="*/ 7426 w 7426"/>
+                <a:gd name="connsiteY2" fmla="*/ 66717 h 66717"/>
+              </a:gdLst>
+              <a:ahLst/>
+              <a:cxnLst>
+                <a:cxn ang="0">
+                  <a:pos x="connsiteX0" y="connsiteY0"/>
+                </a:cxn>
+                <a:cxn ang="0">
+                  <a:pos x="connsiteX1" y="connsiteY1"/>
+                </a:cxn>
+                <a:cxn ang="0">
+                  <a:pos x="connsiteX2" y="connsiteY2"/>
+                </a:cxn>
+              </a:cxnLst>
+              <a:rect l="l" t="t" r="r" b="b"/>
+              <a:pathLst>
+                <a:path w="7426" h="66717">
+                  <a:moveTo>
+                    <a:pt x="7426" y="66717"/>
+                  </a:moveTo>
+                  <a:cubicBezTo>
+                    <a:pt x="7426" y="66717"/>
+                    <a:pt x="-1702" y="-1942"/>
+                    <a:pt x="282" y="42"/>
+                  </a:cubicBezTo>
+                  <a:cubicBezTo>
+                    <a:pt x="2266" y="2026"/>
+                    <a:pt x="7426" y="66717"/>
+                    <a:pt x="7426" y="66717"/>
+                  </a:cubicBezTo>
+                  <a:close/>
+                </a:path>
+              </a:pathLst>
+            </a:custGeom>
+            <a:solidFill>
+              <a:schemeClr val="accent6">
+                <a:lumMod val="60000"/>
+                <a:lumOff val="40000"/>
+              </a:schemeClr>
+            </a:solidFill>
+            <a:ln w="15875">
+              <a:solidFill>
+                <a:schemeClr val="accent6">
+                  <a:lumMod val="60000"/>
+                  <a:lumOff val="40000"/>
+                </a:schemeClr>
+              </a:solidFill>
+            </a:ln>
+          </p:spPr>
+          <p:style>
+            <a:lnRef idx="2">
+              <a:schemeClr val="accent1">
+                <a:shade val="50000"/>
+              </a:schemeClr>
+            </a:lnRef>
+            <a:fillRef idx="1">
+              <a:schemeClr val="accent1"/>
+            </a:fillRef>
+            <a:effectRef idx="0">
+              <a:schemeClr val="accent1"/>
+            </a:effectRef>
+            <a:fontRef idx="minor">
+              <a:schemeClr val="lt1"/>
+            </a:fontRef>
+          </p:style>
+          <p:txBody>
+            <a:bodyPr rtlCol="0" anchor="ctr"/>
+            <a:lstStyle/>
+            <a:p>
+              <a:pPr algn="ctr"/>
+              <a:endParaRPr kumimoji="1" lang="ja-JP" altLang="en-US"/>
+            </a:p>
+          </p:txBody>
+        </p:sp>
+        <p:sp>
+          <p:nvSpPr>
+            <p:cNvPr id="708" name="フリーフォーム 707"/>
+            <p:cNvSpPr/>
+            <p:nvPr/>
+          </p:nvSpPr>
+          <p:spPr>
+            <a:xfrm rot="3857850" flipH="1">
+              <a:off x="5295494" y="2660615"/>
+              <a:ext cx="119182" cy="66717"/>
+            </a:xfrm>
+            <a:custGeom>
+              <a:avLst/>
+              <a:gdLst>
+                <a:gd name="connsiteX0" fmla="*/ 7426 w 7426"/>
+                <a:gd name="connsiteY0" fmla="*/ 66717 h 66717"/>
+                <a:gd name="connsiteX1" fmla="*/ 282 w 7426"/>
+                <a:gd name="connsiteY1" fmla="*/ 42 h 66717"/>
+                <a:gd name="connsiteX2" fmla="*/ 7426 w 7426"/>
+                <a:gd name="connsiteY2" fmla="*/ 66717 h 66717"/>
+              </a:gdLst>
+              <a:ahLst/>
+              <a:cxnLst>
+                <a:cxn ang="0">
+                  <a:pos x="connsiteX0" y="connsiteY0"/>
+                </a:cxn>
+                <a:cxn ang="0">
+                  <a:pos x="connsiteX1" y="connsiteY1"/>
+                </a:cxn>
+                <a:cxn ang="0">
+                  <a:pos x="connsiteX2" y="connsiteY2"/>
+                </a:cxn>
+              </a:cxnLst>
+              <a:rect l="l" t="t" r="r" b="b"/>
+              <a:pathLst>
+                <a:path w="7426" h="66717">
+                  <a:moveTo>
+                    <a:pt x="7426" y="66717"/>
+                  </a:moveTo>
+                  <a:cubicBezTo>
+                    <a:pt x="7426" y="66717"/>
+                    <a:pt x="-1702" y="-1942"/>
+                    <a:pt x="282" y="42"/>
+                  </a:cubicBezTo>
+                  <a:cubicBezTo>
+                    <a:pt x="2266" y="2026"/>
+                    <a:pt x="7426" y="66717"/>
+                    <a:pt x="7426" y="66717"/>
+                  </a:cubicBezTo>
+                  <a:close/>
+                </a:path>
+              </a:pathLst>
+            </a:custGeom>
+            <a:solidFill>
+              <a:schemeClr val="accent6">
+                <a:lumMod val="60000"/>
+                <a:lumOff val="40000"/>
+              </a:schemeClr>
+            </a:solidFill>
+            <a:ln w="15875">
+              <a:solidFill>
+                <a:schemeClr val="accent6">
+                  <a:lumMod val="60000"/>
+                  <a:lumOff val="40000"/>
+                </a:schemeClr>
+              </a:solidFill>
+            </a:ln>
+          </p:spPr>
+          <p:style>
+            <a:lnRef idx="2">
+              <a:schemeClr val="accent1">
+                <a:shade val="50000"/>
+              </a:schemeClr>
+            </a:lnRef>
+            <a:fillRef idx="1">
+              <a:schemeClr val="accent1"/>
+            </a:fillRef>
+            <a:effectRef idx="0">
+              <a:schemeClr val="accent1"/>
+            </a:effectRef>
+            <a:fontRef idx="minor">
+              <a:schemeClr val="lt1"/>
+            </a:fontRef>
+          </p:style>
+          <p:txBody>
+            <a:bodyPr rtlCol="0" anchor="ctr"/>
+            <a:lstStyle/>
+            <a:p>
+              <a:pPr algn="ctr"/>
+              <a:endParaRPr kumimoji="1" lang="ja-JP" altLang="en-US"/>
+            </a:p>
+          </p:txBody>
+        </p:sp>
+        <p:sp>
+          <p:nvSpPr>
+            <p:cNvPr id="709" name="フリーフォーム 708"/>
+            <p:cNvSpPr/>
+            <p:nvPr/>
+          </p:nvSpPr>
+          <p:spPr>
+            <a:xfrm rot="3506322" flipH="1">
+              <a:off x="5293168" y="2681333"/>
+              <a:ext cx="119182" cy="66717"/>
+            </a:xfrm>
+            <a:custGeom>
+              <a:avLst/>
+              <a:gdLst>
+                <a:gd name="connsiteX0" fmla="*/ 7426 w 7426"/>
+                <a:gd name="connsiteY0" fmla="*/ 66717 h 66717"/>
+                <a:gd name="connsiteX1" fmla="*/ 282 w 7426"/>
+                <a:gd name="connsiteY1" fmla="*/ 42 h 66717"/>
+                <a:gd name="connsiteX2" fmla="*/ 7426 w 7426"/>
+                <a:gd name="connsiteY2" fmla="*/ 66717 h 66717"/>
+              </a:gdLst>
+              <a:ahLst/>
+              <a:cxnLst>
+                <a:cxn ang="0">
+                  <a:pos x="connsiteX0" y="connsiteY0"/>
+                </a:cxn>
+                <a:cxn ang="0">
+                  <a:pos x="connsiteX1" y="connsiteY1"/>
+                </a:cxn>
+                <a:cxn ang="0">
+                  <a:pos x="connsiteX2" y="connsiteY2"/>
+                </a:cxn>
+              </a:cxnLst>
+              <a:rect l="l" t="t" r="r" b="b"/>
+              <a:pathLst>
+                <a:path w="7426" h="66717">
+                  <a:moveTo>
+                    <a:pt x="7426" y="66717"/>
+                  </a:moveTo>
+                  <a:cubicBezTo>
+                    <a:pt x="7426" y="66717"/>
+                    <a:pt x="-1702" y="-1942"/>
+                    <a:pt x="282" y="42"/>
+                  </a:cubicBezTo>
+                  <a:cubicBezTo>
+                    <a:pt x="2266" y="2026"/>
+                    <a:pt x="7426" y="66717"/>
+                    <a:pt x="7426" y="66717"/>
+                  </a:cubicBezTo>
+                  <a:close/>
+                </a:path>
+              </a:pathLst>
+            </a:custGeom>
+            <a:solidFill>
+              <a:schemeClr val="accent6">
+                <a:lumMod val="60000"/>
+                <a:lumOff val="40000"/>
+              </a:schemeClr>
+            </a:solidFill>
+            <a:ln w="15875">
+              <a:solidFill>
+                <a:schemeClr val="accent6">
+                  <a:lumMod val="60000"/>
+                  <a:lumOff val="40000"/>
+                </a:schemeClr>
+              </a:solidFill>
+            </a:ln>
+          </p:spPr>
+          <p:style>
+            <a:lnRef idx="2">
+              <a:schemeClr val="accent1">
+                <a:shade val="50000"/>
+              </a:schemeClr>
+            </a:lnRef>
+            <a:fillRef idx="1">
+              <a:schemeClr val="accent1"/>
+            </a:fillRef>
+            <a:effectRef idx="0">
+              <a:schemeClr val="accent1"/>
+            </a:effectRef>
+            <a:fontRef idx="minor">
+              <a:schemeClr val="lt1"/>
+            </a:fontRef>
+          </p:style>
+          <p:txBody>
+            <a:bodyPr rtlCol="0" anchor="ctr"/>
+            <a:lstStyle/>
+            <a:p>
+              <a:pPr algn="ctr"/>
+              <a:endParaRPr kumimoji="1" lang="ja-JP" altLang="en-US"/>
+            </a:p>
+          </p:txBody>
+        </p:sp>
+        <p:sp>
+          <p:nvSpPr>
+            <p:cNvPr id="710" name="円/楕円 709"/>
+            <p:cNvSpPr/>
+            <p:nvPr/>
+          </p:nvSpPr>
+          <p:spPr>
+            <a:xfrm flipH="1">
+              <a:off x="5392989" y="2706630"/>
+              <a:ext cx="48263" cy="48263"/>
+            </a:xfrm>
+            <a:prstGeom prst="ellipse">
+              <a:avLst/>
+            </a:prstGeom>
+            <a:solidFill>
+              <a:schemeClr val="accent6">
+                <a:lumMod val="60000"/>
+                <a:lumOff val="40000"/>
+              </a:schemeClr>
+            </a:solidFill>
+            <a:ln>
+              <a:solidFill>
+                <a:schemeClr val="accent6">
+                  <a:lumMod val="60000"/>
+                  <a:lumOff val="40000"/>
+                </a:schemeClr>
+              </a:solidFill>
+            </a:ln>
+          </p:spPr>
+          <p:style>
+            <a:lnRef idx="2">
+              <a:schemeClr val="accent1">
+                <a:shade val="50000"/>
+              </a:schemeClr>
+            </a:lnRef>
+            <a:fillRef idx="1">
+              <a:schemeClr val="accent1"/>
+            </a:fillRef>
+            <a:effectRef idx="0">
+              <a:schemeClr val="accent1"/>
+            </a:effectRef>
+            <a:fontRef idx="minor">
+              <a:schemeClr val="lt1"/>
+            </a:fontRef>
+          </p:style>
+          <p:txBody>
+            <a:bodyPr rtlCol="0" anchor="ctr"/>
+            <a:lstStyle/>
+            <a:p>
+              <a:pPr algn="ctr"/>
+              <a:endParaRPr kumimoji="1" lang="ja-JP" altLang="en-US"/>
+            </a:p>
+          </p:txBody>
+        </p:sp>
+        <p:sp>
+          <p:nvSpPr>
+            <p:cNvPr id="711" name="フリーフォーム 710"/>
+            <p:cNvSpPr/>
+            <p:nvPr/>
+          </p:nvSpPr>
+          <p:spPr>
+            <a:xfrm rot="7826821" flipH="1">
+              <a:off x="5407026" y="2671336"/>
+              <a:ext cx="65425" cy="45719"/>
+            </a:xfrm>
+            <a:custGeom>
+              <a:avLst/>
+              <a:gdLst>
+                <a:gd name="connsiteX0" fmla="*/ 7426 w 7426"/>
+                <a:gd name="connsiteY0" fmla="*/ 66717 h 66717"/>
+                <a:gd name="connsiteX1" fmla="*/ 282 w 7426"/>
+                <a:gd name="connsiteY1" fmla="*/ 42 h 66717"/>
+                <a:gd name="connsiteX2" fmla="*/ 7426 w 7426"/>
+                <a:gd name="connsiteY2" fmla="*/ 66717 h 66717"/>
+              </a:gdLst>
+              <a:ahLst/>
+              <a:cxnLst>
+                <a:cxn ang="0">
+                  <a:pos x="connsiteX0" y="connsiteY0"/>
+                </a:cxn>
+                <a:cxn ang="0">
+                  <a:pos x="connsiteX1" y="connsiteY1"/>
+                </a:cxn>
+                <a:cxn ang="0">
+                  <a:pos x="connsiteX2" y="connsiteY2"/>
+                </a:cxn>
+              </a:cxnLst>
+              <a:rect l="l" t="t" r="r" b="b"/>
+              <a:pathLst>
+                <a:path w="7426" h="66717">
+                  <a:moveTo>
+                    <a:pt x="7426" y="66717"/>
+                  </a:moveTo>
+                  <a:cubicBezTo>
+                    <a:pt x="7426" y="66717"/>
+                    <a:pt x="-1702" y="-1942"/>
+                    <a:pt x="282" y="42"/>
+                  </a:cubicBezTo>
+                  <a:cubicBezTo>
+                    <a:pt x="2266" y="2026"/>
+                    <a:pt x="7426" y="66717"/>
+                    <a:pt x="7426" y="66717"/>
+                  </a:cubicBezTo>
+                  <a:close/>
+                </a:path>
+              </a:pathLst>
+            </a:custGeom>
+            <a:solidFill>
+              <a:schemeClr val="accent6">
+                <a:lumMod val="60000"/>
+                <a:lumOff val="40000"/>
+              </a:schemeClr>
+            </a:solidFill>
+            <a:ln w="15875">
+              <a:solidFill>
+                <a:schemeClr val="accent6">
+                  <a:lumMod val="60000"/>
+                  <a:lumOff val="40000"/>
+                </a:schemeClr>
+              </a:solidFill>
+            </a:ln>
+          </p:spPr>
+          <p:style>
+            <a:lnRef idx="2">
+              <a:schemeClr val="accent1">
+                <a:shade val="50000"/>
+              </a:schemeClr>
+            </a:lnRef>
+            <a:fillRef idx="1">
+              <a:schemeClr val="accent1"/>
+            </a:fillRef>
+            <a:effectRef idx="0">
+              <a:schemeClr val="accent1"/>
+            </a:effectRef>
+            <a:fontRef idx="minor">
+              <a:schemeClr val="lt1"/>
+            </a:fontRef>
+          </p:style>
+          <p:txBody>
+            <a:bodyPr rtlCol="0" anchor="ctr"/>
+            <a:lstStyle/>
+            <a:p>
+              <a:pPr algn="ctr"/>
+              <a:endParaRPr kumimoji="1" lang="ja-JP" altLang="en-US"/>
+            </a:p>
+          </p:txBody>
+        </p:sp>
         <p:sp>
           <p:nvSpPr>
             <p:cNvPr id="696" name="フリーフォーム 695"/>
@@ -20789,7 +19654,7 @@
           </p:nvSpPr>
           <p:spPr>
             <a:xfrm flipH="1">
-              <a:off x="5278322" y="2024329"/>
+              <a:off x="5720735" y="2223640"/>
               <a:ext cx="229703" cy="310173"/>
             </a:xfrm>
             <a:custGeom>
@@ -20952,7 +19817,7 @@
           </p:nvSpPr>
           <p:spPr>
             <a:xfrm flipH="1">
-              <a:off x="4983588" y="2352504"/>
+              <a:off x="5421239" y="2563720"/>
               <a:ext cx="384844" cy="356451"/>
             </a:xfrm>
             <a:custGeom>
@@ -21148,16 +20013,16 @@
               </a:pathLst>
             </a:custGeom>
             <a:solidFill>
-              <a:schemeClr val="accent5">
-                <a:lumMod val="40000"/>
-                <a:lumOff val="60000"/>
+              <a:schemeClr val="tx2">
+                <a:lumMod val="60000"/>
+                <a:lumOff val="40000"/>
               </a:schemeClr>
             </a:solidFill>
-            <a:ln>
-              <a:solidFill>
-                <a:schemeClr val="accent5">
-                  <a:lumMod val="40000"/>
-                  <a:lumOff val="60000"/>
+            <a:ln w="19050">
+              <a:solidFill>
+                <a:schemeClr val="tx2">
+                  <a:lumMod val="60000"/>
+                  <a:lumOff val="40000"/>
                 </a:schemeClr>
               </a:solidFill>
             </a:ln>
@@ -21195,8 +20060,8 @@
           </p:nvSpPr>
           <p:spPr>
             <a:xfrm flipH="1">
-              <a:off x="5235479" y="2302640"/>
-              <a:ext cx="386091" cy="611049"/>
+              <a:off x="5707659" y="2513856"/>
+              <a:ext cx="351561" cy="611049"/>
             </a:xfrm>
             <a:custGeom>
               <a:avLst/>
@@ -21301,16 +20166,16 @@
               </a:pathLst>
             </a:custGeom>
             <a:solidFill>
-              <a:schemeClr val="accent5">
-                <a:lumMod val="40000"/>
-                <a:lumOff val="60000"/>
+              <a:schemeClr val="tx2">
+                <a:lumMod val="60000"/>
+                <a:lumOff val="40000"/>
               </a:schemeClr>
             </a:solidFill>
             <a:ln>
               <a:solidFill>
-                <a:schemeClr val="accent5">
-                  <a:lumMod val="40000"/>
-                  <a:lumOff val="60000"/>
+                <a:schemeClr val="tx2">
+                  <a:lumMod val="60000"/>
+                  <a:lumOff val="40000"/>
                 </a:schemeClr>
               </a:solidFill>
             </a:ln>
@@ -21348,23 +20213,23 @@
           </p:nvSpPr>
           <p:spPr>
             <a:xfrm rot="2458621" flipH="1">
-              <a:off x="5201610" y="2325961"/>
+              <a:off x="5639261" y="2537177"/>
               <a:ext cx="129629" cy="240034"/>
             </a:xfrm>
             <a:prstGeom prst="ellipse">
               <a:avLst/>
             </a:prstGeom>
             <a:solidFill>
-              <a:schemeClr val="accent5">
-                <a:lumMod val="40000"/>
-                <a:lumOff val="60000"/>
+              <a:schemeClr val="tx2">
+                <a:lumMod val="60000"/>
+                <a:lumOff val="40000"/>
               </a:schemeClr>
             </a:solidFill>
             <a:ln>
               <a:solidFill>
-                <a:schemeClr val="accent5">
-                  <a:lumMod val="40000"/>
-                  <a:lumOff val="60000"/>
+                <a:schemeClr val="tx2">
+                  <a:lumMod val="60000"/>
+                  <a:lumOff val="40000"/>
                 </a:schemeClr>
               </a:solidFill>
             </a:ln>
@@ -21402,7 +20267,7 @@
           </p:nvSpPr>
           <p:spPr>
             <a:xfrm flipH="1">
-              <a:off x="5095880" y="2295196"/>
+              <a:off x="5533531" y="2506412"/>
               <a:ext cx="127384" cy="72794"/>
             </a:xfrm>
             <a:custGeom>
@@ -21615,7 +20480,7 @@
           </p:nvSpPr>
           <p:spPr>
             <a:xfrm flipH="1">
-              <a:off x="5224192" y="2344304"/>
+              <a:off x="5661843" y="2555520"/>
               <a:ext cx="57307" cy="68988"/>
             </a:xfrm>
             <a:custGeom>
@@ -21681,16 +20546,16 @@
               </a:pathLst>
             </a:custGeom>
             <a:solidFill>
-              <a:schemeClr val="accent5">
-                <a:lumMod val="40000"/>
-                <a:lumOff val="60000"/>
+              <a:schemeClr val="tx2">
+                <a:lumMod val="60000"/>
+                <a:lumOff val="40000"/>
               </a:schemeClr>
             </a:solidFill>
             <a:ln>
               <a:solidFill>
-                <a:schemeClr val="accent5">
-                  <a:lumMod val="40000"/>
-                  <a:lumOff val="60000"/>
+                <a:schemeClr val="tx2">
+                  <a:lumMod val="60000"/>
+                  <a:lumOff val="40000"/>
                 </a:schemeClr>
               </a:solidFill>
             </a:ln>
@@ -21728,8 +20593,8 @@
           </p:nvSpPr>
           <p:spPr>
             <a:xfrm flipH="1">
-              <a:off x="5276957" y="2001966"/>
-              <a:ext cx="228698" cy="307578"/>
+              <a:off x="5724132" y="2201992"/>
+              <a:ext cx="237018" cy="318768"/>
             </a:xfrm>
             <a:custGeom>
               <a:avLst/>
@@ -21944,9 +20809,9 @@
             <p:nvPr/>
           </p:nvSpPr>
           <p:spPr>
-            <a:xfrm rot="19065943" flipH="1">
-              <a:off x="5321303" y="2212079"/>
-              <a:ext cx="59758" cy="38930"/>
+            <a:xfrm rot="18704418" flipH="1">
+              <a:off x="5760049" y="2415420"/>
+              <a:ext cx="75917" cy="49457"/>
             </a:xfrm>
             <a:custGeom>
               <a:avLst/>
@@ -22047,9 +20912,9 @@
             <p:nvPr/>
           </p:nvSpPr>
           <p:spPr>
-            <a:xfrm>
-              <a:off x="5310062" y="2118570"/>
-              <a:ext cx="31095" cy="108150"/>
+            <a:xfrm rot="20733585">
+              <a:off x="5743080" y="2258314"/>
+              <a:ext cx="79773" cy="178266"/>
             </a:xfrm>
             <a:custGeom>
               <a:avLst/>
@@ -22171,7 +21036,7 @@
         </p:blipFill>
         <p:spPr>
           <a:xfrm>
-            <a:off x="2868911" y="2409297"/>
+            <a:off x="2815646" y="3250509"/>
             <a:ext cx="447675" cy="266700"/>
           </a:xfrm>
           <a:prstGeom prst="rect">
@@ -22515,6 +21380,5720 @@
           </a:prstGeom>
         </p:spPr>
       </p:pic>
+      <p:grpSp>
+        <p:nvGrpSpPr>
+          <p:cNvPr id="12" name="グループ化 11"/>
+          <p:cNvGrpSpPr/>
+          <p:nvPr/>
+        </p:nvGrpSpPr>
+        <p:grpSpPr>
+          <a:xfrm>
+            <a:off x="2700063" y="390903"/>
+            <a:ext cx="848810" cy="1194497"/>
+            <a:chOff x="2700063" y="390903"/>
+            <a:chExt cx="848810" cy="1194497"/>
+          </a:xfrm>
+        </p:grpSpPr>
+        <p:sp>
+          <p:nvSpPr>
+            <p:cNvPr id="383" name="平行四辺形 382"/>
+            <p:cNvSpPr/>
+            <p:nvPr/>
+          </p:nvSpPr>
+          <p:spPr>
+            <a:xfrm rot="16200000">
+              <a:off x="2421305" y="821224"/>
+              <a:ext cx="1042706" cy="485190"/>
+            </a:xfrm>
+            <a:prstGeom prst="parallelogram">
+              <a:avLst>
+                <a:gd name="adj" fmla="val 56906"/>
+              </a:avLst>
+            </a:prstGeom>
+            <a:solidFill>
+              <a:schemeClr val="bg2">
+                <a:lumMod val="90000"/>
+              </a:schemeClr>
+            </a:solidFill>
+            <a:ln w="3175" cap="rnd">
+              <a:solidFill>
+                <a:schemeClr val="bg2">
+                  <a:lumMod val="75000"/>
+                </a:schemeClr>
+              </a:solidFill>
+            </a:ln>
+          </p:spPr>
+          <p:style>
+            <a:lnRef idx="2">
+              <a:schemeClr val="accent1">
+                <a:shade val="50000"/>
+              </a:schemeClr>
+            </a:lnRef>
+            <a:fillRef idx="1">
+              <a:schemeClr val="accent1"/>
+            </a:fillRef>
+            <a:effectRef idx="0">
+              <a:schemeClr val="accent1"/>
+            </a:effectRef>
+            <a:fontRef idx="minor">
+              <a:schemeClr val="lt1"/>
+            </a:fontRef>
+          </p:style>
+          <p:txBody>
+            <a:bodyPr rtlCol="0" anchor="ctr"/>
+            <a:lstStyle/>
+            <a:p>
+              <a:pPr algn="ctr"/>
+              <a:endParaRPr kumimoji="1" lang="ja-JP" altLang="en-US"/>
+            </a:p>
+          </p:txBody>
+        </p:sp>
+        <p:sp>
+          <p:nvSpPr>
+            <p:cNvPr id="385" name="平行四辺形 384"/>
+            <p:cNvSpPr/>
+            <p:nvPr/>
+          </p:nvSpPr>
+          <p:spPr>
+            <a:xfrm rot="5400000" flipH="1">
+              <a:off x="2878838" y="915365"/>
+              <a:ext cx="978117" cy="361953"/>
+            </a:xfrm>
+            <a:prstGeom prst="parallelogram">
+              <a:avLst>
+                <a:gd name="adj" fmla="val 56906"/>
+              </a:avLst>
+            </a:prstGeom>
+            <a:solidFill>
+              <a:schemeClr val="bg2">
+                <a:lumMod val="75000"/>
+              </a:schemeClr>
+            </a:solidFill>
+            <a:ln w="3175" cap="rnd">
+              <a:solidFill>
+                <a:schemeClr val="bg2">
+                  <a:lumMod val="75000"/>
+                </a:schemeClr>
+              </a:solidFill>
+            </a:ln>
+          </p:spPr>
+          <p:style>
+            <a:lnRef idx="2">
+              <a:schemeClr val="accent1">
+                <a:shade val="50000"/>
+              </a:schemeClr>
+            </a:lnRef>
+            <a:fillRef idx="1">
+              <a:schemeClr val="accent1"/>
+            </a:fillRef>
+            <a:effectRef idx="0">
+              <a:schemeClr val="accent1"/>
+            </a:effectRef>
+            <a:fontRef idx="minor">
+              <a:schemeClr val="lt1"/>
+            </a:fontRef>
+          </p:style>
+          <p:txBody>
+            <a:bodyPr rtlCol="0" anchor="ctr"/>
+            <a:lstStyle/>
+            <a:p>
+              <a:pPr algn="ctr"/>
+              <a:endParaRPr kumimoji="1" lang="ja-JP" altLang="en-US"/>
+            </a:p>
+          </p:txBody>
+        </p:sp>
+        <p:sp>
+          <p:nvSpPr>
+            <p:cNvPr id="387" name="平行四辺形 386"/>
+            <p:cNvSpPr/>
+            <p:nvPr/>
+          </p:nvSpPr>
+          <p:spPr>
+            <a:xfrm rot="1800000">
+              <a:off x="2746267" y="390903"/>
+              <a:ext cx="760983" cy="367107"/>
+            </a:xfrm>
+            <a:prstGeom prst="parallelogram">
+              <a:avLst>
+                <a:gd name="adj" fmla="val 56906"/>
+              </a:avLst>
+            </a:prstGeom>
+            <a:solidFill>
+              <a:schemeClr val="bg2"/>
+            </a:solidFill>
+            <a:ln w="3175">
+              <a:solidFill>
+                <a:schemeClr val="bg2">
+                  <a:lumMod val="90000"/>
+                </a:schemeClr>
+              </a:solidFill>
+            </a:ln>
+          </p:spPr>
+          <p:style>
+            <a:lnRef idx="2">
+              <a:schemeClr val="accent1">
+                <a:shade val="50000"/>
+              </a:schemeClr>
+            </a:lnRef>
+            <a:fillRef idx="1">
+              <a:schemeClr val="accent1"/>
+            </a:fillRef>
+            <a:effectRef idx="0">
+              <a:schemeClr val="accent1"/>
+            </a:effectRef>
+            <a:fontRef idx="minor">
+              <a:schemeClr val="lt1"/>
+            </a:fontRef>
+          </p:style>
+          <p:txBody>
+            <a:bodyPr rtlCol="0" anchor="ctr"/>
+            <a:lstStyle/>
+            <a:p>
+              <a:pPr algn="ctr"/>
+              <a:endParaRPr kumimoji="1" lang="ja-JP" altLang="en-US"/>
+            </a:p>
+          </p:txBody>
+        </p:sp>
+        <p:cxnSp>
+          <p:nvCxnSpPr>
+            <p:cNvPr id="388" name="直線コネクタ 387"/>
+            <p:cNvCxnSpPr/>
+            <p:nvPr/>
+          </p:nvCxnSpPr>
+          <p:spPr>
+            <a:xfrm>
+              <a:off x="2719559" y="583623"/>
+              <a:ext cx="135106" cy="78714"/>
+            </a:xfrm>
+            <a:prstGeom prst="line">
+              <a:avLst/>
+            </a:prstGeom>
+            <a:ln w="12700" cap="rnd">
+              <a:solidFill>
+                <a:schemeClr val="bg1">
+                  <a:lumMod val="65000"/>
+                </a:schemeClr>
+              </a:solidFill>
+              <a:headEnd type="none"/>
+              <a:tailEnd type="none"/>
+            </a:ln>
+          </p:spPr>
+          <p:style>
+            <a:lnRef idx="1">
+              <a:schemeClr val="accent1"/>
+            </a:lnRef>
+            <a:fillRef idx="0">
+              <a:schemeClr val="accent1"/>
+            </a:fillRef>
+            <a:effectRef idx="0">
+              <a:schemeClr val="accent1"/>
+            </a:effectRef>
+            <a:fontRef idx="minor">
+              <a:schemeClr val="tx1"/>
+            </a:fontRef>
+          </p:style>
+        </p:cxnSp>
+        <p:cxnSp>
+          <p:nvCxnSpPr>
+            <p:cNvPr id="389" name="直線コネクタ 388"/>
+            <p:cNvCxnSpPr/>
+            <p:nvPr/>
+          </p:nvCxnSpPr>
+          <p:spPr>
+            <a:xfrm>
+              <a:off x="2719559" y="615490"/>
+              <a:ext cx="135106" cy="78714"/>
+            </a:xfrm>
+            <a:prstGeom prst="line">
+              <a:avLst/>
+            </a:prstGeom>
+            <a:ln w="12700" cap="rnd">
+              <a:solidFill>
+                <a:schemeClr val="bg1">
+                  <a:lumMod val="65000"/>
+                </a:schemeClr>
+              </a:solidFill>
+              <a:headEnd type="none"/>
+              <a:tailEnd type="none"/>
+            </a:ln>
+          </p:spPr>
+          <p:style>
+            <a:lnRef idx="1">
+              <a:schemeClr val="accent1"/>
+            </a:lnRef>
+            <a:fillRef idx="0">
+              <a:schemeClr val="accent1"/>
+            </a:fillRef>
+            <a:effectRef idx="0">
+              <a:schemeClr val="accent1"/>
+            </a:effectRef>
+            <a:fontRef idx="minor">
+              <a:schemeClr val="tx1"/>
+            </a:fontRef>
+          </p:style>
+        </p:cxnSp>
+        <p:cxnSp>
+          <p:nvCxnSpPr>
+            <p:cNvPr id="395" name="直線コネクタ 394"/>
+            <p:cNvCxnSpPr/>
+            <p:nvPr/>
+          </p:nvCxnSpPr>
+          <p:spPr>
+            <a:xfrm>
+              <a:off x="2719559" y="647357"/>
+              <a:ext cx="135106" cy="78714"/>
+            </a:xfrm>
+            <a:prstGeom prst="line">
+              <a:avLst/>
+            </a:prstGeom>
+            <a:ln w="12700" cap="rnd">
+              <a:solidFill>
+                <a:schemeClr val="bg1">
+                  <a:lumMod val="65000"/>
+                </a:schemeClr>
+              </a:solidFill>
+              <a:headEnd type="none"/>
+              <a:tailEnd type="none"/>
+            </a:ln>
+          </p:spPr>
+          <p:style>
+            <a:lnRef idx="1">
+              <a:schemeClr val="accent1"/>
+            </a:lnRef>
+            <a:fillRef idx="0">
+              <a:schemeClr val="accent1"/>
+            </a:fillRef>
+            <a:effectRef idx="0">
+              <a:schemeClr val="accent1"/>
+            </a:effectRef>
+            <a:fontRef idx="minor">
+              <a:schemeClr val="tx1"/>
+            </a:fontRef>
+          </p:style>
+        </p:cxnSp>
+        <p:cxnSp>
+          <p:nvCxnSpPr>
+            <p:cNvPr id="402" name="直線コネクタ 401"/>
+            <p:cNvCxnSpPr/>
+            <p:nvPr/>
+          </p:nvCxnSpPr>
+          <p:spPr>
+            <a:xfrm>
+              <a:off x="2719559" y="711091"/>
+              <a:ext cx="135106" cy="78714"/>
+            </a:xfrm>
+            <a:prstGeom prst="line">
+              <a:avLst/>
+            </a:prstGeom>
+            <a:ln w="12700" cap="rnd">
+              <a:solidFill>
+                <a:schemeClr val="bg1">
+                  <a:lumMod val="65000"/>
+                </a:schemeClr>
+              </a:solidFill>
+              <a:headEnd type="none"/>
+              <a:tailEnd type="none"/>
+            </a:ln>
+          </p:spPr>
+          <p:style>
+            <a:lnRef idx="1">
+              <a:schemeClr val="accent1"/>
+            </a:lnRef>
+            <a:fillRef idx="0">
+              <a:schemeClr val="accent1"/>
+            </a:fillRef>
+            <a:effectRef idx="0">
+              <a:schemeClr val="accent1"/>
+            </a:effectRef>
+            <a:fontRef idx="minor">
+              <a:schemeClr val="tx1"/>
+            </a:fontRef>
+          </p:style>
+        </p:cxnSp>
+        <p:cxnSp>
+          <p:nvCxnSpPr>
+            <p:cNvPr id="403" name="直線コネクタ 402"/>
+            <p:cNvCxnSpPr/>
+            <p:nvPr/>
+          </p:nvCxnSpPr>
+          <p:spPr>
+            <a:xfrm>
+              <a:off x="2719559" y="742958"/>
+              <a:ext cx="135106" cy="78714"/>
+            </a:xfrm>
+            <a:prstGeom prst="line">
+              <a:avLst/>
+            </a:prstGeom>
+            <a:ln w="12700" cap="rnd">
+              <a:solidFill>
+                <a:schemeClr val="bg1">
+                  <a:lumMod val="65000"/>
+                </a:schemeClr>
+              </a:solidFill>
+              <a:headEnd type="none"/>
+              <a:tailEnd type="none"/>
+            </a:ln>
+          </p:spPr>
+          <p:style>
+            <a:lnRef idx="1">
+              <a:schemeClr val="accent1"/>
+            </a:lnRef>
+            <a:fillRef idx="0">
+              <a:schemeClr val="accent1"/>
+            </a:fillRef>
+            <a:effectRef idx="0">
+              <a:schemeClr val="accent1"/>
+            </a:effectRef>
+            <a:fontRef idx="minor">
+              <a:schemeClr val="tx1"/>
+            </a:fontRef>
+          </p:style>
+        </p:cxnSp>
+        <p:cxnSp>
+          <p:nvCxnSpPr>
+            <p:cNvPr id="404" name="直線コネクタ 403"/>
+            <p:cNvCxnSpPr/>
+            <p:nvPr/>
+          </p:nvCxnSpPr>
+          <p:spPr>
+            <a:xfrm>
+              <a:off x="2719559" y="774825"/>
+              <a:ext cx="135106" cy="78714"/>
+            </a:xfrm>
+            <a:prstGeom prst="line">
+              <a:avLst/>
+            </a:prstGeom>
+            <a:ln w="12700" cap="rnd">
+              <a:solidFill>
+                <a:schemeClr val="bg1">
+                  <a:lumMod val="65000"/>
+                </a:schemeClr>
+              </a:solidFill>
+              <a:headEnd type="none"/>
+              <a:tailEnd type="none"/>
+            </a:ln>
+          </p:spPr>
+          <p:style>
+            <a:lnRef idx="1">
+              <a:schemeClr val="accent1"/>
+            </a:lnRef>
+            <a:fillRef idx="0">
+              <a:schemeClr val="accent1"/>
+            </a:fillRef>
+            <a:effectRef idx="0">
+              <a:schemeClr val="accent1"/>
+            </a:effectRef>
+            <a:fontRef idx="minor">
+              <a:schemeClr val="tx1"/>
+            </a:fontRef>
+          </p:style>
+        </p:cxnSp>
+        <p:cxnSp>
+          <p:nvCxnSpPr>
+            <p:cNvPr id="405" name="直線コネクタ 404"/>
+            <p:cNvCxnSpPr/>
+            <p:nvPr/>
+          </p:nvCxnSpPr>
+          <p:spPr>
+            <a:xfrm>
+              <a:off x="2719559" y="806690"/>
+              <a:ext cx="135106" cy="78714"/>
+            </a:xfrm>
+            <a:prstGeom prst="line">
+              <a:avLst/>
+            </a:prstGeom>
+            <a:ln w="12700" cap="rnd">
+              <a:solidFill>
+                <a:schemeClr val="bg1">
+                  <a:lumMod val="65000"/>
+                </a:schemeClr>
+              </a:solidFill>
+              <a:headEnd type="none"/>
+              <a:tailEnd type="none"/>
+            </a:ln>
+          </p:spPr>
+          <p:style>
+            <a:lnRef idx="1">
+              <a:schemeClr val="accent1"/>
+            </a:lnRef>
+            <a:fillRef idx="0">
+              <a:schemeClr val="accent1"/>
+            </a:fillRef>
+            <a:effectRef idx="0">
+              <a:schemeClr val="accent1"/>
+            </a:effectRef>
+            <a:fontRef idx="minor">
+              <a:schemeClr val="tx1"/>
+            </a:fontRef>
+          </p:style>
+        </p:cxnSp>
+        <p:cxnSp>
+          <p:nvCxnSpPr>
+            <p:cNvPr id="426" name="直線コネクタ 425"/>
+            <p:cNvCxnSpPr/>
+            <p:nvPr/>
+          </p:nvCxnSpPr>
+          <p:spPr>
+            <a:xfrm>
+              <a:off x="2719559" y="679224"/>
+              <a:ext cx="135106" cy="78714"/>
+            </a:xfrm>
+            <a:prstGeom prst="line">
+              <a:avLst/>
+            </a:prstGeom>
+            <a:ln w="12700" cap="rnd">
+              <a:solidFill>
+                <a:schemeClr val="bg1">
+                  <a:lumMod val="65000"/>
+                </a:schemeClr>
+              </a:solidFill>
+              <a:headEnd type="none"/>
+              <a:tailEnd type="none"/>
+            </a:ln>
+          </p:spPr>
+          <p:style>
+            <a:lnRef idx="1">
+              <a:schemeClr val="accent1"/>
+            </a:lnRef>
+            <a:fillRef idx="0">
+              <a:schemeClr val="accent1"/>
+            </a:fillRef>
+            <a:effectRef idx="0">
+              <a:schemeClr val="accent1"/>
+            </a:effectRef>
+            <a:fontRef idx="minor">
+              <a:schemeClr val="tx1"/>
+            </a:fontRef>
+          </p:style>
+        </p:cxnSp>
+        <p:cxnSp>
+          <p:nvCxnSpPr>
+            <p:cNvPr id="466" name="直線コネクタ 465"/>
+            <p:cNvCxnSpPr>
+              <a:cxnSpLocks noChangeAspect="1"/>
+            </p:cNvCxnSpPr>
+            <p:nvPr/>
+          </p:nvCxnSpPr>
+          <p:spPr>
+            <a:xfrm>
+              <a:off x="2965927" y="725960"/>
+              <a:ext cx="185373" cy="108000"/>
+            </a:xfrm>
+            <a:prstGeom prst="line">
+              <a:avLst/>
+            </a:prstGeom>
+            <a:ln w="12700" cap="rnd">
+              <a:solidFill>
+                <a:schemeClr val="bg1">
+                  <a:lumMod val="65000"/>
+                </a:schemeClr>
+              </a:solidFill>
+              <a:headEnd type="none"/>
+              <a:tailEnd type="none"/>
+            </a:ln>
+          </p:spPr>
+          <p:style>
+            <a:lnRef idx="1">
+              <a:schemeClr val="accent1"/>
+            </a:lnRef>
+            <a:fillRef idx="0">
+              <a:schemeClr val="accent1"/>
+            </a:fillRef>
+            <a:effectRef idx="0">
+              <a:schemeClr val="accent1"/>
+            </a:effectRef>
+            <a:fontRef idx="minor">
+              <a:schemeClr val="tx1"/>
+            </a:fontRef>
+          </p:style>
+        </p:cxnSp>
+        <p:cxnSp>
+          <p:nvCxnSpPr>
+            <p:cNvPr id="483" name="直線コネクタ 482"/>
+            <p:cNvCxnSpPr>
+              <a:cxnSpLocks noChangeAspect="1"/>
+            </p:cNvCxnSpPr>
+            <p:nvPr/>
+          </p:nvCxnSpPr>
+          <p:spPr>
+            <a:xfrm>
+              <a:off x="2965927" y="757827"/>
+              <a:ext cx="185373" cy="108000"/>
+            </a:xfrm>
+            <a:prstGeom prst="line">
+              <a:avLst/>
+            </a:prstGeom>
+            <a:ln w="12700" cap="rnd">
+              <a:solidFill>
+                <a:schemeClr val="bg1">
+                  <a:lumMod val="65000"/>
+                </a:schemeClr>
+              </a:solidFill>
+              <a:headEnd type="none"/>
+              <a:tailEnd type="none"/>
+            </a:ln>
+          </p:spPr>
+          <p:style>
+            <a:lnRef idx="1">
+              <a:schemeClr val="accent1"/>
+            </a:lnRef>
+            <a:fillRef idx="0">
+              <a:schemeClr val="accent1"/>
+            </a:fillRef>
+            <a:effectRef idx="0">
+              <a:schemeClr val="accent1"/>
+            </a:effectRef>
+            <a:fontRef idx="minor">
+              <a:schemeClr val="tx1"/>
+            </a:fontRef>
+          </p:style>
+        </p:cxnSp>
+        <p:cxnSp>
+          <p:nvCxnSpPr>
+            <p:cNvPr id="484" name="直線コネクタ 483"/>
+            <p:cNvCxnSpPr>
+              <a:cxnSpLocks noChangeAspect="1"/>
+            </p:cNvCxnSpPr>
+            <p:nvPr/>
+          </p:nvCxnSpPr>
+          <p:spPr>
+            <a:xfrm>
+              <a:off x="2965927" y="789694"/>
+              <a:ext cx="185373" cy="108000"/>
+            </a:xfrm>
+            <a:prstGeom prst="line">
+              <a:avLst/>
+            </a:prstGeom>
+            <a:ln w="12700" cap="rnd">
+              <a:solidFill>
+                <a:schemeClr val="bg1">
+                  <a:lumMod val="65000"/>
+                </a:schemeClr>
+              </a:solidFill>
+              <a:headEnd type="none"/>
+              <a:tailEnd type="none"/>
+            </a:ln>
+          </p:spPr>
+          <p:style>
+            <a:lnRef idx="1">
+              <a:schemeClr val="accent1"/>
+            </a:lnRef>
+            <a:fillRef idx="0">
+              <a:schemeClr val="accent1"/>
+            </a:fillRef>
+            <a:effectRef idx="0">
+              <a:schemeClr val="accent1"/>
+            </a:effectRef>
+            <a:fontRef idx="minor">
+              <a:schemeClr val="tx1"/>
+            </a:fontRef>
+          </p:style>
+        </p:cxnSp>
+        <p:cxnSp>
+          <p:nvCxnSpPr>
+            <p:cNvPr id="488" name="直線コネクタ 487"/>
+            <p:cNvCxnSpPr>
+              <a:cxnSpLocks noChangeAspect="1"/>
+            </p:cNvCxnSpPr>
+            <p:nvPr/>
+          </p:nvCxnSpPr>
+          <p:spPr>
+            <a:xfrm>
+              <a:off x="2965927" y="853428"/>
+              <a:ext cx="185373" cy="108000"/>
+            </a:xfrm>
+            <a:prstGeom prst="line">
+              <a:avLst/>
+            </a:prstGeom>
+            <a:ln w="12700" cap="rnd">
+              <a:solidFill>
+                <a:schemeClr val="bg1">
+                  <a:lumMod val="65000"/>
+                </a:schemeClr>
+              </a:solidFill>
+              <a:headEnd type="none"/>
+              <a:tailEnd type="none"/>
+            </a:ln>
+          </p:spPr>
+          <p:style>
+            <a:lnRef idx="1">
+              <a:schemeClr val="accent1"/>
+            </a:lnRef>
+            <a:fillRef idx="0">
+              <a:schemeClr val="accent1"/>
+            </a:fillRef>
+            <a:effectRef idx="0">
+              <a:schemeClr val="accent1"/>
+            </a:effectRef>
+            <a:fontRef idx="minor">
+              <a:schemeClr val="tx1"/>
+            </a:fontRef>
+          </p:style>
+        </p:cxnSp>
+        <p:cxnSp>
+          <p:nvCxnSpPr>
+            <p:cNvPr id="489" name="直線コネクタ 488"/>
+            <p:cNvCxnSpPr>
+              <a:cxnSpLocks noChangeAspect="1"/>
+            </p:cNvCxnSpPr>
+            <p:nvPr/>
+          </p:nvCxnSpPr>
+          <p:spPr>
+            <a:xfrm>
+              <a:off x="2965927" y="885295"/>
+              <a:ext cx="185373" cy="108000"/>
+            </a:xfrm>
+            <a:prstGeom prst="line">
+              <a:avLst/>
+            </a:prstGeom>
+            <a:ln w="12700" cap="rnd">
+              <a:solidFill>
+                <a:schemeClr val="bg1">
+                  <a:lumMod val="65000"/>
+                </a:schemeClr>
+              </a:solidFill>
+              <a:headEnd type="none"/>
+              <a:tailEnd type="none"/>
+            </a:ln>
+          </p:spPr>
+          <p:style>
+            <a:lnRef idx="1">
+              <a:schemeClr val="accent1"/>
+            </a:lnRef>
+            <a:fillRef idx="0">
+              <a:schemeClr val="accent1"/>
+            </a:fillRef>
+            <a:effectRef idx="0">
+              <a:schemeClr val="accent1"/>
+            </a:effectRef>
+            <a:fontRef idx="minor">
+              <a:schemeClr val="tx1"/>
+            </a:fontRef>
+          </p:style>
+        </p:cxnSp>
+        <p:cxnSp>
+          <p:nvCxnSpPr>
+            <p:cNvPr id="490" name="直線コネクタ 489"/>
+            <p:cNvCxnSpPr>
+              <a:cxnSpLocks noChangeAspect="1"/>
+            </p:cNvCxnSpPr>
+            <p:nvPr/>
+          </p:nvCxnSpPr>
+          <p:spPr>
+            <a:xfrm>
+              <a:off x="2965927" y="917162"/>
+              <a:ext cx="185373" cy="108000"/>
+            </a:xfrm>
+            <a:prstGeom prst="line">
+              <a:avLst/>
+            </a:prstGeom>
+            <a:ln w="12700" cap="rnd">
+              <a:solidFill>
+                <a:schemeClr val="bg1">
+                  <a:lumMod val="65000"/>
+                </a:schemeClr>
+              </a:solidFill>
+              <a:headEnd type="none"/>
+              <a:tailEnd type="none"/>
+            </a:ln>
+          </p:spPr>
+          <p:style>
+            <a:lnRef idx="1">
+              <a:schemeClr val="accent1"/>
+            </a:lnRef>
+            <a:fillRef idx="0">
+              <a:schemeClr val="accent1"/>
+            </a:fillRef>
+            <a:effectRef idx="0">
+              <a:schemeClr val="accent1"/>
+            </a:effectRef>
+            <a:fontRef idx="minor">
+              <a:schemeClr val="tx1"/>
+            </a:fontRef>
+          </p:style>
+        </p:cxnSp>
+        <p:cxnSp>
+          <p:nvCxnSpPr>
+            <p:cNvPr id="491" name="直線コネクタ 490"/>
+            <p:cNvCxnSpPr>
+              <a:cxnSpLocks noChangeAspect="1"/>
+            </p:cNvCxnSpPr>
+            <p:nvPr/>
+          </p:nvCxnSpPr>
+          <p:spPr>
+            <a:xfrm>
+              <a:off x="2965927" y="949027"/>
+              <a:ext cx="185373" cy="108000"/>
+            </a:xfrm>
+            <a:prstGeom prst="line">
+              <a:avLst/>
+            </a:prstGeom>
+            <a:ln w="12700" cap="rnd">
+              <a:solidFill>
+                <a:schemeClr val="bg1">
+                  <a:lumMod val="65000"/>
+                </a:schemeClr>
+              </a:solidFill>
+              <a:headEnd type="none"/>
+              <a:tailEnd type="none"/>
+            </a:ln>
+          </p:spPr>
+          <p:style>
+            <a:lnRef idx="1">
+              <a:schemeClr val="accent1"/>
+            </a:lnRef>
+            <a:fillRef idx="0">
+              <a:schemeClr val="accent1"/>
+            </a:fillRef>
+            <a:effectRef idx="0">
+              <a:schemeClr val="accent1"/>
+            </a:effectRef>
+            <a:fontRef idx="minor">
+              <a:schemeClr val="tx1"/>
+            </a:fontRef>
+          </p:style>
+        </p:cxnSp>
+        <p:cxnSp>
+          <p:nvCxnSpPr>
+            <p:cNvPr id="492" name="直線コネクタ 491"/>
+            <p:cNvCxnSpPr>
+              <a:cxnSpLocks noChangeAspect="1"/>
+            </p:cNvCxnSpPr>
+            <p:nvPr/>
+          </p:nvCxnSpPr>
+          <p:spPr>
+            <a:xfrm>
+              <a:off x="2965927" y="821561"/>
+              <a:ext cx="185373" cy="108000"/>
+            </a:xfrm>
+            <a:prstGeom prst="line">
+              <a:avLst/>
+            </a:prstGeom>
+            <a:ln w="12700" cap="rnd">
+              <a:solidFill>
+                <a:schemeClr val="bg1">
+                  <a:lumMod val="65000"/>
+                </a:schemeClr>
+              </a:solidFill>
+              <a:headEnd type="none"/>
+              <a:tailEnd type="none"/>
+            </a:ln>
+          </p:spPr>
+          <p:style>
+            <a:lnRef idx="1">
+              <a:schemeClr val="accent1"/>
+            </a:lnRef>
+            <a:fillRef idx="0">
+              <a:schemeClr val="accent1"/>
+            </a:fillRef>
+            <a:effectRef idx="0">
+              <a:schemeClr val="accent1"/>
+            </a:effectRef>
+            <a:fontRef idx="minor">
+              <a:schemeClr val="tx1"/>
+            </a:fontRef>
+          </p:style>
+        </p:cxnSp>
+        <p:sp>
+          <p:nvSpPr>
+            <p:cNvPr id="493" name="平行四辺形 492"/>
+            <p:cNvSpPr/>
+            <p:nvPr/>
+          </p:nvSpPr>
+          <p:spPr>
+            <a:xfrm rot="5400000" flipH="1">
+              <a:off x="2513932" y="993745"/>
+              <a:ext cx="791075" cy="45719"/>
+            </a:xfrm>
+            <a:prstGeom prst="parallelogram">
+              <a:avLst>
+                <a:gd name="adj" fmla="val 56906"/>
+              </a:avLst>
+            </a:prstGeom>
+            <a:solidFill>
+              <a:schemeClr val="bg2">
+                <a:lumMod val="75000"/>
+              </a:schemeClr>
+            </a:solidFill>
+            <a:ln w="3175" cap="rnd">
+              <a:solidFill>
+                <a:schemeClr val="bg2">
+                  <a:lumMod val="75000"/>
+                </a:schemeClr>
+              </a:solidFill>
+            </a:ln>
+          </p:spPr>
+          <p:style>
+            <a:lnRef idx="2">
+              <a:schemeClr val="accent1">
+                <a:shade val="50000"/>
+              </a:schemeClr>
+            </a:lnRef>
+            <a:fillRef idx="1">
+              <a:schemeClr val="accent1"/>
+            </a:fillRef>
+            <a:effectRef idx="0">
+              <a:schemeClr val="accent1"/>
+            </a:effectRef>
+            <a:fontRef idx="minor">
+              <a:schemeClr val="lt1"/>
+            </a:fontRef>
+          </p:style>
+          <p:txBody>
+            <a:bodyPr rtlCol="0" anchor="ctr"/>
+            <a:lstStyle/>
+            <a:p>
+              <a:pPr algn="ctr"/>
+              <a:endParaRPr kumimoji="1" lang="ja-JP" altLang="en-US"/>
+            </a:p>
+          </p:txBody>
+        </p:sp>
+        <p:sp>
+          <p:nvSpPr>
+            <p:cNvPr id="494" name="平行四辺形 493"/>
+            <p:cNvSpPr/>
+            <p:nvPr/>
+          </p:nvSpPr>
+          <p:spPr>
+            <a:xfrm rot="1800000">
+              <a:off x="2896622" y="625780"/>
+              <a:ext cx="74604" cy="45719"/>
+            </a:xfrm>
+            <a:prstGeom prst="parallelogram">
+              <a:avLst>
+                <a:gd name="adj" fmla="val 56906"/>
+              </a:avLst>
+            </a:prstGeom>
+            <a:solidFill>
+              <a:schemeClr val="bg2">
+                <a:lumMod val="75000"/>
+              </a:schemeClr>
+            </a:solidFill>
+            <a:ln w="3175">
+              <a:solidFill>
+                <a:schemeClr val="bg2">
+                  <a:lumMod val="75000"/>
+                </a:schemeClr>
+              </a:solidFill>
+            </a:ln>
+          </p:spPr>
+          <p:style>
+            <a:lnRef idx="2">
+              <a:schemeClr val="accent1">
+                <a:shade val="50000"/>
+              </a:schemeClr>
+            </a:lnRef>
+            <a:fillRef idx="1">
+              <a:schemeClr val="accent1"/>
+            </a:fillRef>
+            <a:effectRef idx="0">
+              <a:schemeClr val="accent1"/>
+            </a:effectRef>
+            <a:fontRef idx="minor">
+              <a:schemeClr val="lt1"/>
+            </a:fontRef>
+          </p:style>
+          <p:txBody>
+            <a:bodyPr rtlCol="0" anchor="ctr"/>
+            <a:lstStyle/>
+            <a:p>
+              <a:pPr algn="ctr"/>
+              <a:endParaRPr kumimoji="1" lang="ja-JP" altLang="en-US"/>
+            </a:p>
+          </p:txBody>
+        </p:sp>
+        <p:sp>
+          <p:nvSpPr>
+            <p:cNvPr id="495" name="平行四辺形 494"/>
+            <p:cNvSpPr/>
+            <p:nvPr/>
+          </p:nvSpPr>
+          <p:spPr>
+            <a:xfrm rot="5400000" flipH="1">
+              <a:off x="2847572" y="1430351"/>
+              <a:ext cx="123548" cy="45719"/>
+            </a:xfrm>
+            <a:prstGeom prst="parallelogram">
+              <a:avLst>
+                <a:gd name="adj" fmla="val 56906"/>
+              </a:avLst>
+            </a:prstGeom>
+            <a:solidFill>
+              <a:schemeClr val="bg1"/>
+            </a:solidFill>
+            <a:ln w="3175" cap="rnd">
+              <a:solidFill>
+                <a:schemeClr val="bg1"/>
+              </a:solidFill>
+            </a:ln>
+          </p:spPr>
+          <p:style>
+            <a:lnRef idx="2">
+              <a:schemeClr val="accent1">
+                <a:shade val="50000"/>
+              </a:schemeClr>
+            </a:lnRef>
+            <a:fillRef idx="1">
+              <a:schemeClr val="accent1"/>
+            </a:fillRef>
+            <a:effectRef idx="0">
+              <a:schemeClr val="accent1"/>
+            </a:effectRef>
+            <a:fontRef idx="minor">
+              <a:schemeClr val="lt1"/>
+            </a:fontRef>
+          </p:style>
+          <p:txBody>
+            <a:bodyPr rtlCol="0" anchor="ctr"/>
+            <a:lstStyle/>
+            <a:p>
+              <a:pPr algn="ctr"/>
+              <a:endParaRPr kumimoji="1" lang="ja-JP" altLang="en-US"/>
+            </a:p>
+          </p:txBody>
+        </p:sp>
+        <p:sp>
+          <p:nvSpPr>
+            <p:cNvPr id="496" name="平行四辺形 495"/>
+            <p:cNvSpPr/>
+            <p:nvPr/>
+          </p:nvSpPr>
+          <p:spPr>
+            <a:xfrm rot="16200000">
+              <a:off x="2948260" y="1015145"/>
+              <a:ext cx="212970" cy="178358"/>
+            </a:xfrm>
+            <a:prstGeom prst="parallelogram">
+              <a:avLst>
+                <a:gd name="adj" fmla="val 56906"/>
+              </a:avLst>
+            </a:prstGeom>
+            <a:solidFill>
+              <a:schemeClr val="bg2">
+                <a:lumMod val="75000"/>
+              </a:schemeClr>
+            </a:solidFill>
+            <a:ln w="3175" cap="rnd">
+              <a:solidFill>
+                <a:schemeClr val="bg2">
+                  <a:lumMod val="75000"/>
+                </a:schemeClr>
+              </a:solidFill>
+            </a:ln>
+          </p:spPr>
+          <p:style>
+            <a:lnRef idx="2">
+              <a:schemeClr val="accent1">
+                <a:shade val="50000"/>
+              </a:schemeClr>
+            </a:lnRef>
+            <a:fillRef idx="1">
+              <a:schemeClr val="accent1"/>
+            </a:fillRef>
+            <a:effectRef idx="0">
+              <a:schemeClr val="accent1"/>
+            </a:effectRef>
+            <a:fontRef idx="minor">
+              <a:schemeClr val="lt1"/>
+            </a:fontRef>
+          </p:style>
+          <p:txBody>
+            <a:bodyPr rtlCol="0" anchor="ctr"/>
+            <a:lstStyle/>
+            <a:p>
+              <a:pPr algn="ctr"/>
+              <a:endParaRPr kumimoji="1" lang="ja-JP" altLang="en-US"/>
+            </a:p>
+          </p:txBody>
+        </p:sp>
+        <p:sp>
+          <p:nvSpPr>
+            <p:cNvPr id="497" name="円/楕円 496"/>
+            <p:cNvSpPr/>
+            <p:nvPr/>
+          </p:nvSpPr>
+          <p:spPr>
+            <a:xfrm>
+              <a:off x="2999214" y="1058959"/>
+              <a:ext cx="45719" cy="49451"/>
+            </a:xfrm>
+            <a:prstGeom prst="ellipse">
+              <a:avLst/>
+            </a:prstGeom>
+            <a:ln w="12700"/>
+          </p:spPr>
+          <p:style>
+            <a:lnRef idx="2">
+              <a:schemeClr val="accent1">
+                <a:shade val="50000"/>
+              </a:schemeClr>
+            </a:lnRef>
+            <a:fillRef idx="1">
+              <a:schemeClr val="accent1"/>
+            </a:fillRef>
+            <a:effectRef idx="0">
+              <a:schemeClr val="accent1"/>
+            </a:effectRef>
+            <a:fontRef idx="minor">
+              <a:schemeClr val="lt1"/>
+            </a:fontRef>
+          </p:style>
+          <p:txBody>
+            <a:bodyPr rtlCol="0" anchor="ctr"/>
+            <a:lstStyle/>
+            <a:p>
+              <a:pPr algn="ctr"/>
+              <a:endParaRPr kumimoji="1" lang="ja-JP" altLang="en-US"/>
+            </a:p>
+          </p:txBody>
+        </p:sp>
+        <p:sp>
+          <p:nvSpPr>
+            <p:cNvPr id="498" name="円/楕円 497"/>
+            <p:cNvSpPr/>
+            <p:nvPr/>
+          </p:nvSpPr>
+          <p:spPr>
+            <a:xfrm>
+              <a:off x="3060226" y="1092531"/>
+              <a:ext cx="45719" cy="49451"/>
+            </a:xfrm>
+            <a:prstGeom prst="ellipse">
+              <a:avLst/>
+            </a:prstGeom>
+            <a:ln w="12700"/>
+          </p:spPr>
+          <p:style>
+            <a:lnRef idx="2">
+              <a:schemeClr val="accent1">
+                <a:shade val="50000"/>
+              </a:schemeClr>
+            </a:lnRef>
+            <a:fillRef idx="1">
+              <a:schemeClr val="accent1"/>
+            </a:fillRef>
+            <a:effectRef idx="0">
+              <a:schemeClr val="accent1"/>
+            </a:effectRef>
+            <a:fontRef idx="minor">
+              <a:schemeClr val="lt1"/>
+            </a:fontRef>
+          </p:style>
+          <p:txBody>
+            <a:bodyPr rtlCol="0" anchor="ctr"/>
+            <a:lstStyle/>
+            <a:p>
+              <a:pPr algn="ctr"/>
+              <a:endParaRPr kumimoji="1" lang="ja-JP" altLang="en-US"/>
+            </a:p>
+          </p:txBody>
+        </p:sp>
+        <p:cxnSp>
+          <p:nvCxnSpPr>
+            <p:cNvPr id="499" name="直線コネクタ 498"/>
+            <p:cNvCxnSpPr>
+              <a:cxnSpLocks noChangeAspect="1"/>
+            </p:cNvCxnSpPr>
+            <p:nvPr/>
+          </p:nvCxnSpPr>
+          <p:spPr>
+            <a:xfrm>
+              <a:off x="2963616" y="1386601"/>
+              <a:ext cx="185373" cy="108000"/>
+            </a:xfrm>
+            <a:prstGeom prst="line">
+              <a:avLst/>
+            </a:prstGeom>
+            <a:ln w="12700" cap="rnd">
+              <a:solidFill>
+                <a:schemeClr val="bg1">
+                  <a:lumMod val="65000"/>
+                </a:schemeClr>
+              </a:solidFill>
+              <a:headEnd type="none"/>
+              <a:tailEnd type="none"/>
+            </a:ln>
+          </p:spPr>
+          <p:style>
+            <a:lnRef idx="1">
+              <a:schemeClr val="accent1"/>
+            </a:lnRef>
+            <a:fillRef idx="0">
+              <a:schemeClr val="accent1"/>
+            </a:fillRef>
+            <a:effectRef idx="0">
+              <a:schemeClr val="accent1"/>
+            </a:effectRef>
+            <a:fontRef idx="minor">
+              <a:schemeClr val="tx1"/>
+            </a:fontRef>
+          </p:style>
+        </p:cxnSp>
+        <p:cxnSp>
+          <p:nvCxnSpPr>
+            <p:cNvPr id="500" name="直線コネクタ 499"/>
+            <p:cNvCxnSpPr>
+              <a:cxnSpLocks noChangeAspect="1"/>
+            </p:cNvCxnSpPr>
+            <p:nvPr/>
+          </p:nvCxnSpPr>
+          <p:spPr>
+            <a:xfrm>
+              <a:off x="2963616" y="1418466"/>
+              <a:ext cx="185373" cy="108000"/>
+            </a:xfrm>
+            <a:prstGeom prst="line">
+              <a:avLst/>
+            </a:prstGeom>
+            <a:ln w="12700" cap="rnd">
+              <a:solidFill>
+                <a:schemeClr val="bg1">
+                  <a:lumMod val="65000"/>
+                </a:schemeClr>
+              </a:solidFill>
+              <a:headEnd type="none"/>
+              <a:tailEnd type="none"/>
+            </a:ln>
+          </p:spPr>
+          <p:style>
+            <a:lnRef idx="1">
+              <a:schemeClr val="accent1"/>
+            </a:lnRef>
+            <a:fillRef idx="0">
+              <a:schemeClr val="accent1"/>
+            </a:fillRef>
+            <a:effectRef idx="0">
+              <a:schemeClr val="accent1"/>
+            </a:effectRef>
+            <a:fontRef idx="minor">
+              <a:schemeClr val="tx1"/>
+            </a:fontRef>
+          </p:style>
+        </p:cxnSp>
+      </p:grpSp>
+      <p:grpSp>
+        <p:nvGrpSpPr>
+          <p:cNvPr id="25" name="グループ化 24"/>
+          <p:cNvGrpSpPr/>
+          <p:nvPr/>
+        </p:nvGrpSpPr>
+        <p:grpSpPr>
+          <a:xfrm>
+            <a:off x="3402101" y="754278"/>
+            <a:ext cx="848810" cy="1194497"/>
+            <a:chOff x="3365889" y="808596"/>
+            <a:chExt cx="848810" cy="1194497"/>
+          </a:xfrm>
+        </p:grpSpPr>
+        <p:sp>
+          <p:nvSpPr>
+            <p:cNvPr id="317" name="平行四辺形 316"/>
+            <p:cNvSpPr/>
+            <p:nvPr/>
+          </p:nvSpPr>
+          <p:spPr>
+            <a:xfrm rot="5400000" flipH="1">
+              <a:off x="3450751" y="1238917"/>
+              <a:ext cx="1042706" cy="485190"/>
+            </a:xfrm>
+            <a:prstGeom prst="parallelogram">
+              <a:avLst>
+                <a:gd name="adj" fmla="val 56906"/>
+              </a:avLst>
+            </a:prstGeom>
+            <a:solidFill>
+              <a:schemeClr val="bg2">
+                <a:lumMod val="75000"/>
+              </a:schemeClr>
+            </a:solidFill>
+            <a:ln w="3175" cap="rnd">
+              <a:solidFill>
+                <a:schemeClr val="bg2">
+                  <a:lumMod val="75000"/>
+                </a:schemeClr>
+              </a:solidFill>
+            </a:ln>
+          </p:spPr>
+          <p:style>
+            <a:lnRef idx="2">
+              <a:schemeClr val="accent1">
+                <a:shade val="50000"/>
+              </a:schemeClr>
+            </a:lnRef>
+            <a:fillRef idx="1">
+              <a:schemeClr val="accent1"/>
+            </a:fillRef>
+            <a:effectRef idx="0">
+              <a:schemeClr val="accent1"/>
+            </a:effectRef>
+            <a:fontRef idx="minor">
+              <a:schemeClr val="lt1"/>
+            </a:fontRef>
+          </p:style>
+          <p:txBody>
+            <a:bodyPr rtlCol="0" anchor="ctr"/>
+            <a:lstStyle/>
+            <a:p>
+              <a:pPr algn="ctr"/>
+              <a:endParaRPr kumimoji="1" lang="ja-JP" altLang="en-US"/>
+            </a:p>
+          </p:txBody>
+        </p:sp>
+        <p:sp>
+          <p:nvSpPr>
+            <p:cNvPr id="318" name="平行四辺形 317"/>
+            <p:cNvSpPr/>
+            <p:nvPr/>
+          </p:nvSpPr>
+          <p:spPr>
+            <a:xfrm rot="16200000">
+              <a:off x="3057807" y="1333058"/>
+              <a:ext cx="978117" cy="361953"/>
+            </a:xfrm>
+            <a:prstGeom prst="parallelogram">
+              <a:avLst>
+                <a:gd name="adj" fmla="val 56906"/>
+              </a:avLst>
+            </a:prstGeom>
+            <a:solidFill>
+              <a:schemeClr val="bg2">
+                <a:lumMod val="90000"/>
+              </a:schemeClr>
+            </a:solidFill>
+            <a:ln w="3175" cap="rnd">
+              <a:solidFill>
+                <a:schemeClr val="bg2">
+                  <a:lumMod val="90000"/>
+                </a:schemeClr>
+              </a:solidFill>
+            </a:ln>
+          </p:spPr>
+          <p:style>
+            <a:lnRef idx="2">
+              <a:schemeClr val="accent1">
+                <a:shade val="50000"/>
+              </a:schemeClr>
+            </a:lnRef>
+            <a:fillRef idx="1">
+              <a:schemeClr val="accent1"/>
+            </a:fillRef>
+            <a:effectRef idx="0">
+              <a:schemeClr val="accent1"/>
+            </a:effectRef>
+            <a:fontRef idx="minor">
+              <a:schemeClr val="lt1"/>
+            </a:fontRef>
+          </p:style>
+          <p:txBody>
+            <a:bodyPr rtlCol="0" anchor="ctr"/>
+            <a:lstStyle/>
+            <a:p>
+              <a:pPr algn="ctr"/>
+              <a:endParaRPr kumimoji="1" lang="ja-JP" altLang="en-US"/>
+            </a:p>
+          </p:txBody>
+        </p:sp>
+        <p:sp>
+          <p:nvSpPr>
+            <p:cNvPr id="319" name="平行四辺形 318"/>
+            <p:cNvSpPr/>
+            <p:nvPr/>
+          </p:nvSpPr>
+          <p:spPr>
+            <a:xfrm rot="19800000" flipH="1">
+              <a:off x="3407512" y="808596"/>
+              <a:ext cx="760983" cy="367107"/>
+            </a:xfrm>
+            <a:prstGeom prst="parallelogram">
+              <a:avLst>
+                <a:gd name="adj" fmla="val 56906"/>
+              </a:avLst>
+            </a:prstGeom>
+            <a:solidFill>
+              <a:schemeClr val="bg2"/>
+            </a:solidFill>
+            <a:ln w="3175">
+              <a:solidFill>
+                <a:schemeClr val="bg2">
+                  <a:lumMod val="90000"/>
+                </a:schemeClr>
+              </a:solidFill>
+            </a:ln>
+          </p:spPr>
+          <p:style>
+            <a:lnRef idx="2">
+              <a:schemeClr val="accent1">
+                <a:shade val="50000"/>
+              </a:schemeClr>
+            </a:lnRef>
+            <a:fillRef idx="1">
+              <a:schemeClr val="accent1"/>
+            </a:fillRef>
+            <a:effectRef idx="0">
+              <a:schemeClr val="accent1"/>
+            </a:effectRef>
+            <a:fontRef idx="minor">
+              <a:schemeClr val="lt1"/>
+            </a:fontRef>
+          </p:style>
+          <p:txBody>
+            <a:bodyPr rtlCol="0" anchor="ctr"/>
+            <a:lstStyle/>
+            <a:p>
+              <a:pPr algn="ctr"/>
+              <a:endParaRPr kumimoji="1" lang="ja-JP" altLang="en-US"/>
+            </a:p>
+          </p:txBody>
+        </p:sp>
+        <p:cxnSp>
+          <p:nvCxnSpPr>
+            <p:cNvPr id="320" name="直線コネクタ 319"/>
+            <p:cNvCxnSpPr/>
+            <p:nvPr/>
+          </p:nvCxnSpPr>
+          <p:spPr>
+            <a:xfrm flipH="1">
+              <a:off x="4060097" y="1001316"/>
+              <a:ext cx="135106" cy="78714"/>
+            </a:xfrm>
+            <a:prstGeom prst="line">
+              <a:avLst/>
+            </a:prstGeom>
+            <a:ln w="12700" cap="rnd">
+              <a:solidFill>
+                <a:schemeClr val="bg1">
+                  <a:lumMod val="65000"/>
+                </a:schemeClr>
+              </a:solidFill>
+              <a:headEnd type="none"/>
+              <a:tailEnd type="none"/>
+            </a:ln>
+          </p:spPr>
+          <p:style>
+            <a:lnRef idx="1">
+              <a:schemeClr val="accent1"/>
+            </a:lnRef>
+            <a:fillRef idx="0">
+              <a:schemeClr val="accent1"/>
+            </a:fillRef>
+            <a:effectRef idx="0">
+              <a:schemeClr val="accent1"/>
+            </a:effectRef>
+            <a:fontRef idx="minor">
+              <a:schemeClr val="tx1"/>
+            </a:fontRef>
+          </p:style>
+        </p:cxnSp>
+        <p:cxnSp>
+          <p:nvCxnSpPr>
+            <p:cNvPr id="321" name="直線コネクタ 320"/>
+            <p:cNvCxnSpPr/>
+            <p:nvPr/>
+          </p:nvCxnSpPr>
+          <p:spPr>
+            <a:xfrm flipH="1">
+              <a:off x="4060097" y="1033183"/>
+              <a:ext cx="135106" cy="78714"/>
+            </a:xfrm>
+            <a:prstGeom prst="line">
+              <a:avLst/>
+            </a:prstGeom>
+            <a:ln w="12700" cap="rnd">
+              <a:solidFill>
+                <a:schemeClr val="bg1">
+                  <a:lumMod val="65000"/>
+                </a:schemeClr>
+              </a:solidFill>
+              <a:headEnd type="none"/>
+              <a:tailEnd type="none"/>
+            </a:ln>
+          </p:spPr>
+          <p:style>
+            <a:lnRef idx="1">
+              <a:schemeClr val="accent1"/>
+            </a:lnRef>
+            <a:fillRef idx="0">
+              <a:schemeClr val="accent1"/>
+            </a:fillRef>
+            <a:effectRef idx="0">
+              <a:schemeClr val="accent1"/>
+            </a:effectRef>
+            <a:fontRef idx="minor">
+              <a:schemeClr val="tx1"/>
+            </a:fontRef>
+          </p:style>
+        </p:cxnSp>
+        <p:cxnSp>
+          <p:nvCxnSpPr>
+            <p:cNvPr id="322" name="直線コネクタ 321"/>
+            <p:cNvCxnSpPr/>
+            <p:nvPr/>
+          </p:nvCxnSpPr>
+          <p:spPr>
+            <a:xfrm flipH="1">
+              <a:off x="4060097" y="1065050"/>
+              <a:ext cx="135106" cy="78714"/>
+            </a:xfrm>
+            <a:prstGeom prst="line">
+              <a:avLst/>
+            </a:prstGeom>
+            <a:ln w="12700" cap="rnd">
+              <a:solidFill>
+                <a:schemeClr val="bg1">
+                  <a:lumMod val="65000"/>
+                </a:schemeClr>
+              </a:solidFill>
+              <a:headEnd type="none"/>
+              <a:tailEnd type="none"/>
+            </a:ln>
+          </p:spPr>
+          <p:style>
+            <a:lnRef idx="1">
+              <a:schemeClr val="accent1"/>
+            </a:lnRef>
+            <a:fillRef idx="0">
+              <a:schemeClr val="accent1"/>
+            </a:fillRef>
+            <a:effectRef idx="0">
+              <a:schemeClr val="accent1"/>
+            </a:effectRef>
+            <a:fontRef idx="minor">
+              <a:schemeClr val="tx1"/>
+            </a:fontRef>
+          </p:style>
+        </p:cxnSp>
+        <p:cxnSp>
+          <p:nvCxnSpPr>
+            <p:cNvPr id="323" name="直線コネクタ 322"/>
+            <p:cNvCxnSpPr/>
+            <p:nvPr/>
+          </p:nvCxnSpPr>
+          <p:spPr>
+            <a:xfrm flipH="1">
+              <a:off x="4060097" y="1128784"/>
+              <a:ext cx="135106" cy="78714"/>
+            </a:xfrm>
+            <a:prstGeom prst="line">
+              <a:avLst/>
+            </a:prstGeom>
+            <a:ln w="12700" cap="rnd">
+              <a:solidFill>
+                <a:schemeClr val="bg1">
+                  <a:lumMod val="65000"/>
+                </a:schemeClr>
+              </a:solidFill>
+              <a:headEnd type="none"/>
+              <a:tailEnd type="none"/>
+            </a:ln>
+          </p:spPr>
+          <p:style>
+            <a:lnRef idx="1">
+              <a:schemeClr val="accent1"/>
+            </a:lnRef>
+            <a:fillRef idx="0">
+              <a:schemeClr val="accent1"/>
+            </a:fillRef>
+            <a:effectRef idx="0">
+              <a:schemeClr val="accent1"/>
+            </a:effectRef>
+            <a:fontRef idx="minor">
+              <a:schemeClr val="tx1"/>
+            </a:fontRef>
+          </p:style>
+        </p:cxnSp>
+        <p:cxnSp>
+          <p:nvCxnSpPr>
+            <p:cNvPr id="324" name="直線コネクタ 323"/>
+            <p:cNvCxnSpPr/>
+            <p:nvPr/>
+          </p:nvCxnSpPr>
+          <p:spPr>
+            <a:xfrm flipH="1">
+              <a:off x="4060097" y="1160651"/>
+              <a:ext cx="135106" cy="78714"/>
+            </a:xfrm>
+            <a:prstGeom prst="line">
+              <a:avLst/>
+            </a:prstGeom>
+            <a:ln w="12700" cap="rnd">
+              <a:solidFill>
+                <a:schemeClr val="bg1">
+                  <a:lumMod val="65000"/>
+                </a:schemeClr>
+              </a:solidFill>
+              <a:headEnd type="none"/>
+              <a:tailEnd type="none"/>
+            </a:ln>
+          </p:spPr>
+          <p:style>
+            <a:lnRef idx="1">
+              <a:schemeClr val="accent1"/>
+            </a:lnRef>
+            <a:fillRef idx="0">
+              <a:schemeClr val="accent1"/>
+            </a:fillRef>
+            <a:effectRef idx="0">
+              <a:schemeClr val="accent1"/>
+            </a:effectRef>
+            <a:fontRef idx="minor">
+              <a:schemeClr val="tx1"/>
+            </a:fontRef>
+          </p:style>
+        </p:cxnSp>
+        <p:cxnSp>
+          <p:nvCxnSpPr>
+            <p:cNvPr id="325" name="直線コネクタ 324"/>
+            <p:cNvCxnSpPr/>
+            <p:nvPr/>
+          </p:nvCxnSpPr>
+          <p:spPr>
+            <a:xfrm flipH="1">
+              <a:off x="4060097" y="1192518"/>
+              <a:ext cx="135106" cy="78714"/>
+            </a:xfrm>
+            <a:prstGeom prst="line">
+              <a:avLst/>
+            </a:prstGeom>
+            <a:ln w="12700" cap="rnd">
+              <a:solidFill>
+                <a:schemeClr val="bg1">
+                  <a:lumMod val="65000"/>
+                </a:schemeClr>
+              </a:solidFill>
+              <a:headEnd type="none"/>
+              <a:tailEnd type="none"/>
+            </a:ln>
+          </p:spPr>
+          <p:style>
+            <a:lnRef idx="1">
+              <a:schemeClr val="accent1"/>
+            </a:lnRef>
+            <a:fillRef idx="0">
+              <a:schemeClr val="accent1"/>
+            </a:fillRef>
+            <a:effectRef idx="0">
+              <a:schemeClr val="accent1"/>
+            </a:effectRef>
+            <a:fontRef idx="minor">
+              <a:schemeClr val="tx1"/>
+            </a:fontRef>
+          </p:style>
+        </p:cxnSp>
+        <p:cxnSp>
+          <p:nvCxnSpPr>
+            <p:cNvPr id="326" name="直線コネクタ 325"/>
+            <p:cNvCxnSpPr/>
+            <p:nvPr/>
+          </p:nvCxnSpPr>
+          <p:spPr>
+            <a:xfrm flipH="1">
+              <a:off x="4060097" y="1224383"/>
+              <a:ext cx="135106" cy="78714"/>
+            </a:xfrm>
+            <a:prstGeom prst="line">
+              <a:avLst/>
+            </a:prstGeom>
+            <a:ln w="12700" cap="rnd">
+              <a:solidFill>
+                <a:schemeClr val="bg1">
+                  <a:lumMod val="65000"/>
+                </a:schemeClr>
+              </a:solidFill>
+              <a:headEnd type="none"/>
+              <a:tailEnd type="none"/>
+            </a:ln>
+          </p:spPr>
+          <p:style>
+            <a:lnRef idx="1">
+              <a:schemeClr val="accent1"/>
+            </a:lnRef>
+            <a:fillRef idx="0">
+              <a:schemeClr val="accent1"/>
+            </a:fillRef>
+            <a:effectRef idx="0">
+              <a:schemeClr val="accent1"/>
+            </a:effectRef>
+            <a:fontRef idx="minor">
+              <a:schemeClr val="tx1"/>
+            </a:fontRef>
+          </p:style>
+        </p:cxnSp>
+        <p:cxnSp>
+          <p:nvCxnSpPr>
+            <p:cNvPr id="327" name="直線コネクタ 326"/>
+            <p:cNvCxnSpPr/>
+            <p:nvPr/>
+          </p:nvCxnSpPr>
+          <p:spPr>
+            <a:xfrm flipH="1">
+              <a:off x="4060097" y="1096917"/>
+              <a:ext cx="135106" cy="78714"/>
+            </a:xfrm>
+            <a:prstGeom prst="line">
+              <a:avLst/>
+            </a:prstGeom>
+            <a:ln w="12700" cap="rnd">
+              <a:solidFill>
+                <a:schemeClr val="bg1">
+                  <a:lumMod val="65000"/>
+                </a:schemeClr>
+              </a:solidFill>
+              <a:headEnd type="none"/>
+              <a:tailEnd type="none"/>
+            </a:ln>
+          </p:spPr>
+          <p:style>
+            <a:lnRef idx="1">
+              <a:schemeClr val="accent1"/>
+            </a:lnRef>
+            <a:fillRef idx="0">
+              <a:schemeClr val="accent1"/>
+            </a:fillRef>
+            <a:effectRef idx="0">
+              <a:schemeClr val="accent1"/>
+            </a:effectRef>
+            <a:fontRef idx="minor">
+              <a:schemeClr val="tx1"/>
+            </a:fontRef>
+          </p:style>
+        </p:cxnSp>
+        <p:cxnSp>
+          <p:nvCxnSpPr>
+            <p:cNvPr id="328" name="直線コネクタ 327"/>
+            <p:cNvCxnSpPr>
+              <a:cxnSpLocks noChangeAspect="1"/>
+            </p:cNvCxnSpPr>
+            <p:nvPr/>
+          </p:nvCxnSpPr>
+          <p:spPr>
+            <a:xfrm flipH="1">
+              <a:off x="3763462" y="1143653"/>
+              <a:ext cx="185373" cy="108000"/>
+            </a:xfrm>
+            <a:prstGeom prst="line">
+              <a:avLst/>
+            </a:prstGeom>
+            <a:ln w="12700" cap="rnd">
+              <a:solidFill>
+                <a:schemeClr val="bg1">
+                  <a:lumMod val="65000"/>
+                </a:schemeClr>
+              </a:solidFill>
+              <a:headEnd type="none"/>
+              <a:tailEnd type="none"/>
+            </a:ln>
+          </p:spPr>
+          <p:style>
+            <a:lnRef idx="1">
+              <a:schemeClr val="accent1"/>
+            </a:lnRef>
+            <a:fillRef idx="0">
+              <a:schemeClr val="accent1"/>
+            </a:fillRef>
+            <a:effectRef idx="0">
+              <a:schemeClr val="accent1"/>
+            </a:effectRef>
+            <a:fontRef idx="minor">
+              <a:schemeClr val="tx1"/>
+            </a:fontRef>
+          </p:style>
+        </p:cxnSp>
+        <p:cxnSp>
+          <p:nvCxnSpPr>
+            <p:cNvPr id="329" name="直線コネクタ 328"/>
+            <p:cNvCxnSpPr>
+              <a:cxnSpLocks noChangeAspect="1"/>
+            </p:cNvCxnSpPr>
+            <p:nvPr/>
+          </p:nvCxnSpPr>
+          <p:spPr>
+            <a:xfrm flipH="1">
+              <a:off x="3763462" y="1175520"/>
+              <a:ext cx="185373" cy="108000"/>
+            </a:xfrm>
+            <a:prstGeom prst="line">
+              <a:avLst/>
+            </a:prstGeom>
+            <a:ln w="12700" cap="rnd">
+              <a:solidFill>
+                <a:schemeClr val="bg1">
+                  <a:lumMod val="65000"/>
+                </a:schemeClr>
+              </a:solidFill>
+              <a:headEnd type="none"/>
+              <a:tailEnd type="none"/>
+            </a:ln>
+          </p:spPr>
+          <p:style>
+            <a:lnRef idx="1">
+              <a:schemeClr val="accent1"/>
+            </a:lnRef>
+            <a:fillRef idx="0">
+              <a:schemeClr val="accent1"/>
+            </a:fillRef>
+            <a:effectRef idx="0">
+              <a:schemeClr val="accent1"/>
+            </a:effectRef>
+            <a:fontRef idx="minor">
+              <a:schemeClr val="tx1"/>
+            </a:fontRef>
+          </p:style>
+        </p:cxnSp>
+        <p:cxnSp>
+          <p:nvCxnSpPr>
+            <p:cNvPr id="330" name="直線コネクタ 329"/>
+            <p:cNvCxnSpPr>
+              <a:cxnSpLocks noChangeAspect="1"/>
+            </p:cNvCxnSpPr>
+            <p:nvPr/>
+          </p:nvCxnSpPr>
+          <p:spPr>
+            <a:xfrm flipH="1">
+              <a:off x="3763462" y="1207387"/>
+              <a:ext cx="185373" cy="108000"/>
+            </a:xfrm>
+            <a:prstGeom prst="line">
+              <a:avLst/>
+            </a:prstGeom>
+            <a:ln w="12700" cap="rnd">
+              <a:solidFill>
+                <a:schemeClr val="bg1">
+                  <a:lumMod val="65000"/>
+                </a:schemeClr>
+              </a:solidFill>
+              <a:headEnd type="none"/>
+              <a:tailEnd type="none"/>
+            </a:ln>
+          </p:spPr>
+          <p:style>
+            <a:lnRef idx="1">
+              <a:schemeClr val="accent1"/>
+            </a:lnRef>
+            <a:fillRef idx="0">
+              <a:schemeClr val="accent1"/>
+            </a:fillRef>
+            <a:effectRef idx="0">
+              <a:schemeClr val="accent1"/>
+            </a:effectRef>
+            <a:fontRef idx="minor">
+              <a:schemeClr val="tx1"/>
+            </a:fontRef>
+          </p:style>
+        </p:cxnSp>
+        <p:cxnSp>
+          <p:nvCxnSpPr>
+            <p:cNvPr id="331" name="直線コネクタ 330"/>
+            <p:cNvCxnSpPr>
+              <a:cxnSpLocks noChangeAspect="1"/>
+            </p:cNvCxnSpPr>
+            <p:nvPr/>
+          </p:nvCxnSpPr>
+          <p:spPr>
+            <a:xfrm flipH="1">
+              <a:off x="3763462" y="1271121"/>
+              <a:ext cx="185373" cy="108000"/>
+            </a:xfrm>
+            <a:prstGeom prst="line">
+              <a:avLst/>
+            </a:prstGeom>
+            <a:ln w="12700" cap="rnd">
+              <a:solidFill>
+                <a:schemeClr val="bg1">
+                  <a:lumMod val="65000"/>
+                </a:schemeClr>
+              </a:solidFill>
+              <a:headEnd type="none"/>
+              <a:tailEnd type="none"/>
+            </a:ln>
+          </p:spPr>
+          <p:style>
+            <a:lnRef idx="1">
+              <a:schemeClr val="accent1"/>
+            </a:lnRef>
+            <a:fillRef idx="0">
+              <a:schemeClr val="accent1"/>
+            </a:fillRef>
+            <a:effectRef idx="0">
+              <a:schemeClr val="accent1"/>
+            </a:effectRef>
+            <a:fontRef idx="minor">
+              <a:schemeClr val="tx1"/>
+            </a:fontRef>
+          </p:style>
+        </p:cxnSp>
+        <p:cxnSp>
+          <p:nvCxnSpPr>
+            <p:cNvPr id="332" name="直線コネクタ 331"/>
+            <p:cNvCxnSpPr>
+              <a:cxnSpLocks noChangeAspect="1"/>
+            </p:cNvCxnSpPr>
+            <p:nvPr/>
+          </p:nvCxnSpPr>
+          <p:spPr>
+            <a:xfrm flipH="1">
+              <a:off x="3763462" y="1302988"/>
+              <a:ext cx="185373" cy="108000"/>
+            </a:xfrm>
+            <a:prstGeom prst="line">
+              <a:avLst/>
+            </a:prstGeom>
+            <a:ln w="12700" cap="rnd">
+              <a:solidFill>
+                <a:schemeClr val="bg1">
+                  <a:lumMod val="65000"/>
+                </a:schemeClr>
+              </a:solidFill>
+              <a:headEnd type="none"/>
+              <a:tailEnd type="none"/>
+            </a:ln>
+          </p:spPr>
+          <p:style>
+            <a:lnRef idx="1">
+              <a:schemeClr val="accent1"/>
+            </a:lnRef>
+            <a:fillRef idx="0">
+              <a:schemeClr val="accent1"/>
+            </a:fillRef>
+            <a:effectRef idx="0">
+              <a:schemeClr val="accent1"/>
+            </a:effectRef>
+            <a:fontRef idx="minor">
+              <a:schemeClr val="tx1"/>
+            </a:fontRef>
+          </p:style>
+        </p:cxnSp>
+        <p:cxnSp>
+          <p:nvCxnSpPr>
+            <p:cNvPr id="333" name="直線コネクタ 332"/>
+            <p:cNvCxnSpPr>
+              <a:cxnSpLocks noChangeAspect="1"/>
+            </p:cNvCxnSpPr>
+            <p:nvPr/>
+          </p:nvCxnSpPr>
+          <p:spPr>
+            <a:xfrm flipH="1">
+              <a:off x="3763462" y="1334855"/>
+              <a:ext cx="185373" cy="108000"/>
+            </a:xfrm>
+            <a:prstGeom prst="line">
+              <a:avLst/>
+            </a:prstGeom>
+            <a:ln w="12700" cap="rnd">
+              <a:solidFill>
+                <a:schemeClr val="bg1">
+                  <a:lumMod val="65000"/>
+                </a:schemeClr>
+              </a:solidFill>
+              <a:headEnd type="none"/>
+              <a:tailEnd type="none"/>
+            </a:ln>
+          </p:spPr>
+          <p:style>
+            <a:lnRef idx="1">
+              <a:schemeClr val="accent1"/>
+            </a:lnRef>
+            <a:fillRef idx="0">
+              <a:schemeClr val="accent1"/>
+            </a:fillRef>
+            <a:effectRef idx="0">
+              <a:schemeClr val="accent1"/>
+            </a:effectRef>
+            <a:fontRef idx="minor">
+              <a:schemeClr val="tx1"/>
+            </a:fontRef>
+          </p:style>
+        </p:cxnSp>
+        <p:cxnSp>
+          <p:nvCxnSpPr>
+            <p:cNvPr id="334" name="直線コネクタ 333"/>
+            <p:cNvCxnSpPr>
+              <a:cxnSpLocks noChangeAspect="1"/>
+            </p:cNvCxnSpPr>
+            <p:nvPr/>
+          </p:nvCxnSpPr>
+          <p:spPr>
+            <a:xfrm flipH="1">
+              <a:off x="3763462" y="1366720"/>
+              <a:ext cx="185373" cy="108000"/>
+            </a:xfrm>
+            <a:prstGeom prst="line">
+              <a:avLst/>
+            </a:prstGeom>
+            <a:ln w="12700" cap="rnd">
+              <a:solidFill>
+                <a:schemeClr val="bg1">
+                  <a:lumMod val="65000"/>
+                </a:schemeClr>
+              </a:solidFill>
+              <a:headEnd type="none"/>
+              <a:tailEnd type="none"/>
+            </a:ln>
+          </p:spPr>
+          <p:style>
+            <a:lnRef idx="1">
+              <a:schemeClr val="accent1"/>
+            </a:lnRef>
+            <a:fillRef idx="0">
+              <a:schemeClr val="accent1"/>
+            </a:fillRef>
+            <a:effectRef idx="0">
+              <a:schemeClr val="accent1"/>
+            </a:effectRef>
+            <a:fontRef idx="minor">
+              <a:schemeClr val="tx1"/>
+            </a:fontRef>
+          </p:style>
+        </p:cxnSp>
+        <p:cxnSp>
+          <p:nvCxnSpPr>
+            <p:cNvPr id="335" name="直線コネクタ 334"/>
+            <p:cNvCxnSpPr>
+              <a:cxnSpLocks noChangeAspect="1"/>
+            </p:cNvCxnSpPr>
+            <p:nvPr/>
+          </p:nvCxnSpPr>
+          <p:spPr>
+            <a:xfrm flipH="1">
+              <a:off x="3763462" y="1239254"/>
+              <a:ext cx="185373" cy="108000"/>
+            </a:xfrm>
+            <a:prstGeom prst="line">
+              <a:avLst/>
+            </a:prstGeom>
+            <a:ln w="12700" cap="rnd">
+              <a:solidFill>
+                <a:schemeClr val="bg1">
+                  <a:lumMod val="65000"/>
+                </a:schemeClr>
+              </a:solidFill>
+              <a:headEnd type="none"/>
+              <a:tailEnd type="none"/>
+            </a:ln>
+          </p:spPr>
+          <p:style>
+            <a:lnRef idx="1">
+              <a:schemeClr val="accent1"/>
+            </a:lnRef>
+            <a:fillRef idx="0">
+              <a:schemeClr val="accent1"/>
+            </a:fillRef>
+            <a:effectRef idx="0">
+              <a:schemeClr val="accent1"/>
+            </a:effectRef>
+            <a:fontRef idx="minor">
+              <a:schemeClr val="tx1"/>
+            </a:fontRef>
+          </p:style>
+        </p:cxnSp>
+        <p:sp>
+          <p:nvSpPr>
+            <p:cNvPr id="336" name="平行四辺形 335"/>
+            <p:cNvSpPr/>
+            <p:nvPr/>
+          </p:nvSpPr>
+          <p:spPr>
+            <a:xfrm rot="16200000">
+              <a:off x="3609755" y="1411438"/>
+              <a:ext cx="791075" cy="45719"/>
+            </a:xfrm>
+            <a:prstGeom prst="parallelogram">
+              <a:avLst>
+                <a:gd name="adj" fmla="val 56906"/>
+              </a:avLst>
+            </a:prstGeom>
+            <a:solidFill>
+              <a:schemeClr val="bg2">
+                <a:lumMod val="50000"/>
+              </a:schemeClr>
+            </a:solidFill>
+            <a:ln w="3175" cap="rnd">
+              <a:solidFill>
+                <a:schemeClr val="bg2">
+                  <a:lumMod val="50000"/>
+                </a:schemeClr>
+              </a:solidFill>
+            </a:ln>
+          </p:spPr>
+          <p:style>
+            <a:lnRef idx="2">
+              <a:schemeClr val="accent1">
+                <a:shade val="50000"/>
+              </a:schemeClr>
+            </a:lnRef>
+            <a:fillRef idx="1">
+              <a:schemeClr val="accent1"/>
+            </a:fillRef>
+            <a:effectRef idx="0">
+              <a:schemeClr val="accent1"/>
+            </a:effectRef>
+            <a:fontRef idx="minor">
+              <a:schemeClr val="lt1"/>
+            </a:fontRef>
+          </p:style>
+          <p:txBody>
+            <a:bodyPr rtlCol="0" anchor="ctr"/>
+            <a:lstStyle/>
+            <a:p>
+              <a:pPr algn="ctr"/>
+              <a:endParaRPr kumimoji="1" lang="ja-JP" altLang="en-US"/>
+            </a:p>
+          </p:txBody>
+        </p:sp>
+        <p:sp>
+          <p:nvSpPr>
+            <p:cNvPr id="337" name="平行四辺形 336"/>
+            <p:cNvSpPr/>
+            <p:nvPr/>
+          </p:nvSpPr>
+          <p:spPr>
+            <a:xfrm rot="19800000" flipH="1">
+              <a:off x="3943536" y="1043473"/>
+              <a:ext cx="74604" cy="45719"/>
+            </a:xfrm>
+            <a:prstGeom prst="parallelogram">
+              <a:avLst>
+                <a:gd name="adj" fmla="val 56906"/>
+              </a:avLst>
+            </a:prstGeom>
+            <a:solidFill>
+              <a:schemeClr val="bg2">
+                <a:lumMod val="50000"/>
+              </a:schemeClr>
+            </a:solidFill>
+            <a:ln w="3175">
+              <a:solidFill>
+                <a:schemeClr val="bg2">
+                  <a:lumMod val="50000"/>
+                </a:schemeClr>
+              </a:solidFill>
+            </a:ln>
+          </p:spPr>
+          <p:style>
+            <a:lnRef idx="2">
+              <a:schemeClr val="accent1">
+                <a:shade val="50000"/>
+              </a:schemeClr>
+            </a:lnRef>
+            <a:fillRef idx="1">
+              <a:schemeClr val="accent1"/>
+            </a:fillRef>
+            <a:effectRef idx="0">
+              <a:schemeClr val="accent1"/>
+            </a:effectRef>
+            <a:fontRef idx="minor">
+              <a:schemeClr val="lt1"/>
+            </a:fontRef>
+          </p:style>
+          <p:txBody>
+            <a:bodyPr rtlCol="0" anchor="ctr"/>
+            <a:lstStyle/>
+            <a:p>
+              <a:pPr algn="ctr"/>
+              <a:endParaRPr kumimoji="1" lang="ja-JP" altLang="en-US"/>
+            </a:p>
+          </p:txBody>
+        </p:sp>
+        <p:sp>
+          <p:nvSpPr>
+            <p:cNvPr id="338" name="平行四辺形 337"/>
+            <p:cNvSpPr/>
+            <p:nvPr/>
+          </p:nvSpPr>
+          <p:spPr>
+            <a:xfrm rot="16200000">
+              <a:off x="3943642" y="1848044"/>
+              <a:ext cx="123548" cy="45719"/>
+            </a:xfrm>
+            <a:prstGeom prst="parallelogram">
+              <a:avLst>
+                <a:gd name="adj" fmla="val 56906"/>
+              </a:avLst>
+            </a:prstGeom>
+            <a:solidFill>
+              <a:schemeClr val="bg1"/>
+            </a:solidFill>
+            <a:ln w="3175" cap="rnd">
+              <a:solidFill>
+                <a:schemeClr val="bg1"/>
+              </a:solidFill>
+            </a:ln>
+          </p:spPr>
+          <p:style>
+            <a:lnRef idx="2">
+              <a:schemeClr val="accent1">
+                <a:shade val="50000"/>
+              </a:schemeClr>
+            </a:lnRef>
+            <a:fillRef idx="1">
+              <a:schemeClr val="accent1"/>
+            </a:fillRef>
+            <a:effectRef idx="0">
+              <a:schemeClr val="accent1"/>
+            </a:effectRef>
+            <a:fontRef idx="minor">
+              <a:schemeClr val="lt1"/>
+            </a:fontRef>
+          </p:style>
+          <p:txBody>
+            <a:bodyPr rtlCol="0" anchor="ctr"/>
+            <a:lstStyle/>
+            <a:p>
+              <a:pPr algn="ctr"/>
+              <a:endParaRPr kumimoji="1" lang="ja-JP" altLang="en-US"/>
+            </a:p>
+          </p:txBody>
+        </p:sp>
+        <p:sp>
+          <p:nvSpPr>
+            <p:cNvPr id="339" name="平行四辺形 338"/>
+            <p:cNvSpPr/>
+            <p:nvPr/>
+          </p:nvSpPr>
+          <p:spPr>
+            <a:xfrm rot="5400000" flipH="1">
+              <a:off x="3753532" y="1432838"/>
+              <a:ext cx="212970" cy="178358"/>
+            </a:xfrm>
+            <a:prstGeom prst="parallelogram">
+              <a:avLst>
+                <a:gd name="adj" fmla="val 56906"/>
+              </a:avLst>
+            </a:prstGeom>
+            <a:solidFill>
+              <a:schemeClr val="bg2">
+                <a:lumMod val="50000"/>
+              </a:schemeClr>
+            </a:solidFill>
+            <a:ln w="3175" cap="rnd">
+              <a:solidFill>
+                <a:schemeClr val="bg2">
+                  <a:lumMod val="50000"/>
+                </a:schemeClr>
+              </a:solidFill>
+            </a:ln>
+          </p:spPr>
+          <p:style>
+            <a:lnRef idx="2">
+              <a:schemeClr val="accent1">
+                <a:shade val="50000"/>
+              </a:schemeClr>
+            </a:lnRef>
+            <a:fillRef idx="1">
+              <a:schemeClr val="accent1"/>
+            </a:fillRef>
+            <a:effectRef idx="0">
+              <a:schemeClr val="accent1"/>
+            </a:effectRef>
+            <a:fontRef idx="minor">
+              <a:schemeClr val="lt1"/>
+            </a:fontRef>
+          </p:style>
+          <p:txBody>
+            <a:bodyPr rtlCol="0" anchor="ctr"/>
+            <a:lstStyle/>
+            <a:p>
+              <a:pPr algn="ctr"/>
+              <a:endParaRPr kumimoji="1" lang="ja-JP" altLang="en-US"/>
+            </a:p>
+          </p:txBody>
+        </p:sp>
+        <p:sp>
+          <p:nvSpPr>
+            <p:cNvPr id="340" name="円/楕円 339"/>
+            <p:cNvSpPr/>
+            <p:nvPr/>
+          </p:nvSpPr>
+          <p:spPr>
+            <a:xfrm flipH="1">
+              <a:off x="3874591" y="1474271"/>
+              <a:ext cx="45719" cy="49451"/>
+            </a:xfrm>
+            <a:prstGeom prst="ellipse">
+              <a:avLst/>
+            </a:prstGeom>
+            <a:ln w="12700"/>
+          </p:spPr>
+          <p:style>
+            <a:lnRef idx="2">
+              <a:schemeClr val="accent1">
+                <a:shade val="50000"/>
+              </a:schemeClr>
+            </a:lnRef>
+            <a:fillRef idx="1">
+              <a:schemeClr val="accent1"/>
+            </a:fillRef>
+            <a:effectRef idx="0">
+              <a:schemeClr val="accent1"/>
+            </a:effectRef>
+            <a:fontRef idx="minor">
+              <a:schemeClr val="lt1"/>
+            </a:fontRef>
+          </p:style>
+          <p:txBody>
+            <a:bodyPr rtlCol="0" anchor="ctr"/>
+            <a:lstStyle/>
+            <a:p>
+              <a:pPr algn="ctr"/>
+              <a:endParaRPr kumimoji="1" lang="ja-JP" altLang="en-US"/>
+            </a:p>
+          </p:txBody>
+        </p:sp>
+        <p:sp>
+          <p:nvSpPr>
+            <p:cNvPr id="341" name="円/楕円 340"/>
+            <p:cNvSpPr/>
+            <p:nvPr/>
+          </p:nvSpPr>
+          <p:spPr>
+            <a:xfrm flipH="1">
+              <a:off x="3813579" y="1507843"/>
+              <a:ext cx="45719" cy="49451"/>
+            </a:xfrm>
+            <a:prstGeom prst="ellipse">
+              <a:avLst/>
+            </a:prstGeom>
+            <a:ln w="12700"/>
+          </p:spPr>
+          <p:style>
+            <a:lnRef idx="2">
+              <a:schemeClr val="accent1">
+                <a:shade val="50000"/>
+              </a:schemeClr>
+            </a:lnRef>
+            <a:fillRef idx="1">
+              <a:schemeClr val="accent1"/>
+            </a:fillRef>
+            <a:effectRef idx="0">
+              <a:schemeClr val="accent1"/>
+            </a:effectRef>
+            <a:fontRef idx="minor">
+              <a:schemeClr val="lt1"/>
+            </a:fontRef>
+          </p:style>
+          <p:txBody>
+            <a:bodyPr rtlCol="0" anchor="ctr"/>
+            <a:lstStyle/>
+            <a:p>
+              <a:pPr algn="ctr"/>
+              <a:endParaRPr kumimoji="1" lang="ja-JP" altLang="en-US"/>
+            </a:p>
+          </p:txBody>
+        </p:sp>
+        <p:cxnSp>
+          <p:nvCxnSpPr>
+            <p:cNvPr id="342" name="直線コネクタ 341"/>
+            <p:cNvCxnSpPr>
+              <a:cxnSpLocks noChangeAspect="1"/>
+            </p:cNvCxnSpPr>
+            <p:nvPr/>
+          </p:nvCxnSpPr>
+          <p:spPr>
+            <a:xfrm flipH="1">
+              <a:off x="3765773" y="1804294"/>
+              <a:ext cx="185373" cy="108000"/>
+            </a:xfrm>
+            <a:prstGeom prst="line">
+              <a:avLst/>
+            </a:prstGeom>
+            <a:ln w="12700" cap="rnd">
+              <a:solidFill>
+                <a:schemeClr val="bg1">
+                  <a:lumMod val="65000"/>
+                </a:schemeClr>
+              </a:solidFill>
+              <a:headEnd type="none"/>
+              <a:tailEnd type="none"/>
+            </a:ln>
+          </p:spPr>
+          <p:style>
+            <a:lnRef idx="1">
+              <a:schemeClr val="accent1"/>
+            </a:lnRef>
+            <a:fillRef idx="0">
+              <a:schemeClr val="accent1"/>
+            </a:fillRef>
+            <a:effectRef idx="0">
+              <a:schemeClr val="accent1"/>
+            </a:effectRef>
+            <a:fontRef idx="minor">
+              <a:schemeClr val="tx1"/>
+            </a:fontRef>
+          </p:style>
+        </p:cxnSp>
+        <p:cxnSp>
+          <p:nvCxnSpPr>
+            <p:cNvPr id="343" name="直線コネクタ 342"/>
+            <p:cNvCxnSpPr>
+              <a:cxnSpLocks noChangeAspect="1"/>
+            </p:cNvCxnSpPr>
+            <p:nvPr/>
+          </p:nvCxnSpPr>
+          <p:spPr>
+            <a:xfrm flipH="1">
+              <a:off x="3765773" y="1836159"/>
+              <a:ext cx="185373" cy="108000"/>
+            </a:xfrm>
+            <a:prstGeom prst="line">
+              <a:avLst/>
+            </a:prstGeom>
+            <a:ln w="12700" cap="rnd">
+              <a:solidFill>
+                <a:schemeClr val="bg1">
+                  <a:lumMod val="65000"/>
+                </a:schemeClr>
+              </a:solidFill>
+              <a:headEnd type="none"/>
+              <a:tailEnd type="none"/>
+            </a:ln>
+          </p:spPr>
+          <p:style>
+            <a:lnRef idx="1">
+              <a:schemeClr val="accent1"/>
+            </a:lnRef>
+            <a:fillRef idx="0">
+              <a:schemeClr val="accent1"/>
+            </a:fillRef>
+            <a:effectRef idx="0">
+              <a:schemeClr val="accent1"/>
+            </a:effectRef>
+            <a:fontRef idx="minor">
+              <a:schemeClr val="tx1"/>
+            </a:fontRef>
+          </p:style>
+        </p:cxnSp>
+      </p:grpSp>
+      <p:grpSp>
+        <p:nvGrpSpPr>
+          <p:cNvPr id="13" name="グループ化 12"/>
+          <p:cNvGrpSpPr/>
+          <p:nvPr/>
+        </p:nvGrpSpPr>
+        <p:grpSpPr>
+          <a:xfrm>
+            <a:off x="4710822" y="4478130"/>
+            <a:ext cx="735496" cy="578897"/>
+            <a:chOff x="4710822" y="4478130"/>
+            <a:chExt cx="735496" cy="578897"/>
+          </a:xfrm>
+        </p:grpSpPr>
+        <p:sp>
+          <p:nvSpPr>
+            <p:cNvPr id="502" name="平行四辺形 501"/>
+            <p:cNvSpPr/>
+            <p:nvPr/>
+          </p:nvSpPr>
+          <p:spPr>
+            <a:xfrm rot="5400000" flipH="1">
+              <a:off x="5012326" y="4623034"/>
+              <a:ext cx="447566" cy="420419"/>
+            </a:xfrm>
+            <a:prstGeom prst="parallelogram">
+              <a:avLst>
+                <a:gd name="adj" fmla="val 56906"/>
+              </a:avLst>
+            </a:prstGeom>
+            <a:solidFill>
+              <a:schemeClr val="tx1">
+                <a:lumMod val="75000"/>
+                <a:lumOff val="25000"/>
+              </a:schemeClr>
+            </a:solidFill>
+            <a:ln w="3175" cap="rnd">
+              <a:solidFill>
+                <a:schemeClr val="tx1">
+                  <a:lumMod val="75000"/>
+                  <a:lumOff val="25000"/>
+                </a:schemeClr>
+              </a:solidFill>
+            </a:ln>
+          </p:spPr>
+          <p:style>
+            <a:lnRef idx="2">
+              <a:schemeClr val="accent1">
+                <a:shade val="50000"/>
+              </a:schemeClr>
+            </a:lnRef>
+            <a:fillRef idx="1">
+              <a:schemeClr val="accent1"/>
+            </a:fillRef>
+            <a:effectRef idx="0">
+              <a:schemeClr val="accent1"/>
+            </a:effectRef>
+            <a:fontRef idx="minor">
+              <a:schemeClr val="lt1"/>
+            </a:fontRef>
+          </p:style>
+          <p:txBody>
+            <a:bodyPr rtlCol="0" anchor="ctr"/>
+            <a:lstStyle/>
+            <a:p>
+              <a:pPr algn="ctr"/>
+              <a:endParaRPr kumimoji="1" lang="ja-JP" altLang="en-US"/>
+            </a:p>
+          </p:txBody>
+        </p:sp>
+        <p:sp>
+          <p:nvSpPr>
+            <p:cNvPr id="503" name="平行四辺形 502"/>
+            <p:cNvSpPr/>
+            <p:nvPr/>
+          </p:nvSpPr>
+          <p:spPr>
+            <a:xfrm rot="16200000">
+              <a:off x="4671937" y="4704508"/>
+              <a:ext cx="391403" cy="313634"/>
+            </a:xfrm>
+            <a:prstGeom prst="parallelogram">
+              <a:avLst>
+                <a:gd name="adj" fmla="val 56906"/>
+              </a:avLst>
+            </a:prstGeom>
+            <a:solidFill>
+              <a:schemeClr val="tx1">
+                <a:lumMod val="65000"/>
+                <a:lumOff val="35000"/>
+              </a:schemeClr>
+            </a:solidFill>
+            <a:ln w="3175" cap="rnd">
+              <a:solidFill>
+                <a:schemeClr val="tx1">
+                  <a:lumMod val="65000"/>
+                  <a:lumOff val="35000"/>
+                </a:schemeClr>
+              </a:solidFill>
+            </a:ln>
+          </p:spPr>
+          <p:style>
+            <a:lnRef idx="2">
+              <a:schemeClr val="accent1">
+                <a:shade val="50000"/>
+              </a:schemeClr>
+            </a:lnRef>
+            <a:fillRef idx="1">
+              <a:schemeClr val="accent1"/>
+            </a:fillRef>
+            <a:effectRef idx="0">
+              <a:schemeClr val="accent1"/>
+            </a:effectRef>
+            <a:fontRef idx="minor">
+              <a:schemeClr val="lt1"/>
+            </a:fontRef>
+          </p:style>
+          <p:txBody>
+            <a:bodyPr rtlCol="0" anchor="ctr"/>
+            <a:lstStyle/>
+            <a:p>
+              <a:pPr algn="ctr"/>
+              <a:endParaRPr kumimoji="1" lang="ja-JP" altLang="en-US"/>
+            </a:p>
+          </p:txBody>
+        </p:sp>
+        <p:sp>
+          <p:nvSpPr>
+            <p:cNvPr id="504" name="平行四辺形 503"/>
+            <p:cNvSpPr/>
+            <p:nvPr/>
+          </p:nvSpPr>
+          <p:spPr>
+            <a:xfrm rot="19800000" flipH="1">
+              <a:off x="4746887" y="4478130"/>
+              <a:ext cx="659395" cy="318100"/>
+            </a:xfrm>
+            <a:prstGeom prst="parallelogram">
+              <a:avLst>
+                <a:gd name="adj" fmla="val 56906"/>
+              </a:avLst>
+            </a:prstGeom>
+            <a:solidFill>
+              <a:schemeClr val="tx1">
+                <a:lumMod val="50000"/>
+                <a:lumOff val="50000"/>
+              </a:schemeClr>
+            </a:solidFill>
+            <a:ln w="3175">
+              <a:solidFill>
+                <a:schemeClr val="tx1">
+                  <a:lumMod val="50000"/>
+                  <a:lumOff val="50000"/>
+                </a:schemeClr>
+              </a:solidFill>
+            </a:ln>
+          </p:spPr>
+          <p:style>
+            <a:lnRef idx="2">
+              <a:schemeClr val="accent1">
+                <a:shade val="50000"/>
+              </a:schemeClr>
+            </a:lnRef>
+            <a:fillRef idx="1">
+              <a:schemeClr val="accent1"/>
+            </a:fillRef>
+            <a:effectRef idx="0">
+              <a:schemeClr val="accent1"/>
+            </a:effectRef>
+            <a:fontRef idx="minor">
+              <a:schemeClr val="lt1"/>
+            </a:fontRef>
+          </p:style>
+          <p:txBody>
+            <a:bodyPr rtlCol="0" anchor="ctr"/>
+            <a:lstStyle/>
+            <a:p>
+              <a:pPr algn="ctr"/>
+              <a:endParaRPr kumimoji="1" lang="ja-JP" altLang="en-US"/>
+            </a:p>
+          </p:txBody>
+        </p:sp>
+        <p:sp>
+          <p:nvSpPr>
+            <p:cNvPr id="505" name="円/楕円 504"/>
+            <p:cNvSpPr/>
+            <p:nvPr/>
+          </p:nvSpPr>
+          <p:spPr>
+            <a:xfrm rot="16200000" flipH="1">
+              <a:off x="5051533" y="4847979"/>
+              <a:ext cx="72964" cy="64124"/>
+            </a:xfrm>
+            <a:prstGeom prst="ellipse">
+              <a:avLst/>
+            </a:prstGeom>
+            <a:solidFill>
+              <a:srgbClr val="FF9900"/>
+            </a:solidFill>
+            <a:ln>
+              <a:solidFill>
+                <a:schemeClr val="tx1">
+                  <a:lumMod val="75000"/>
+                  <a:lumOff val="25000"/>
+                </a:schemeClr>
+              </a:solidFill>
+            </a:ln>
+          </p:spPr>
+          <p:style>
+            <a:lnRef idx="2">
+              <a:schemeClr val="accent1">
+                <a:shade val="50000"/>
+              </a:schemeClr>
+            </a:lnRef>
+            <a:fillRef idx="1">
+              <a:schemeClr val="accent1"/>
+            </a:fillRef>
+            <a:effectRef idx="0">
+              <a:schemeClr val="accent1"/>
+            </a:effectRef>
+            <a:fontRef idx="minor">
+              <a:schemeClr val="lt1"/>
+            </a:fontRef>
+          </p:style>
+          <p:txBody>
+            <a:bodyPr rtlCol="0" anchor="ctr"/>
+            <a:lstStyle/>
+            <a:p>
+              <a:pPr algn="ctr"/>
+              <a:endParaRPr kumimoji="1" lang="ja-JP" altLang="en-US"/>
+            </a:p>
+          </p:txBody>
+        </p:sp>
+        <p:sp>
+          <p:nvSpPr>
+            <p:cNvPr id="506" name="円/楕円 505"/>
+            <p:cNvSpPr/>
+            <p:nvPr/>
+          </p:nvSpPr>
+          <p:spPr>
+            <a:xfrm rot="16200000" flipH="1">
+              <a:off x="5052977" y="4920943"/>
+              <a:ext cx="72964" cy="64124"/>
+            </a:xfrm>
+            <a:prstGeom prst="ellipse">
+              <a:avLst/>
+            </a:prstGeom>
+            <a:solidFill>
+              <a:srgbClr val="A6D870"/>
+            </a:solidFill>
+            <a:ln>
+              <a:solidFill>
+                <a:schemeClr val="tx1">
+                  <a:lumMod val="75000"/>
+                  <a:lumOff val="25000"/>
+                </a:schemeClr>
+              </a:solidFill>
+            </a:ln>
+          </p:spPr>
+          <p:style>
+            <a:lnRef idx="2">
+              <a:schemeClr val="accent1">
+                <a:shade val="50000"/>
+              </a:schemeClr>
+            </a:lnRef>
+            <a:fillRef idx="1">
+              <a:schemeClr val="accent1"/>
+            </a:fillRef>
+            <a:effectRef idx="0">
+              <a:schemeClr val="accent1"/>
+            </a:effectRef>
+            <a:fontRef idx="minor">
+              <a:schemeClr val="lt1"/>
+            </a:fontRef>
+          </p:style>
+          <p:txBody>
+            <a:bodyPr rtlCol="0" anchor="ctr"/>
+            <a:lstStyle/>
+            <a:p>
+              <a:pPr algn="ctr"/>
+              <a:endParaRPr kumimoji="1" lang="ja-JP" altLang="en-US"/>
+            </a:p>
+          </p:txBody>
+        </p:sp>
+        <p:sp>
+          <p:nvSpPr>
+            <p:cNvPr id="507" name="平行四辺形 506"/>
+            <p:cNvSpPr/>
+            <p:nvPr/>
+          </p:nvSpPr>
+          <p:spPr>
+            <a:xfrm rot="5400000" flipH="1">
+              <a:off x="5372184" y="4674674"/>
+              <a:ext cx="63094" cy="39616"/>
+            </a:xfrm>
+            <a:prstGeom prst="parallelogram">
+              <a:avLst>
+                <a:gd name="adj" fmla="val 56906"/>
+              </a:avLst>
+            </a:prstGeom>
+            <a:solidFill>
+              <a:schemeClr val="tx1">
+                <a:lumMod val="85000"/>
+                <a:lumOff val="15000"/>
+              </a:schemeClr>
+            </a:solidFill>
+            <a:ln w="3175" cap="rnd">
+              <a:solidFill>
+                <a:schemeClr val="tx1">
+                  <a:lumMod val="85000"/>
+                  <a:lumOff val="15000"/>
+                </a:schemeClr>
+              </a:solidFill>
+            </a:ln>
+          </p:spPr>
+          <p:style>
+            <a:lnRef idx="2">
+              <a:schemeClr val="accent1">
+                <a:shade val="50000"/>
+              </a:schemeClr>
+            </a:lnRef>
+            <a:fillRef idx="1">
+              <a:schemeClr val="accent1"/>
+            </a:fillRef>
+            <a:effectRef idx="0">
+              <a:schemeClr val="accent1"/>
+            </a:effectRef>
+            <a:fontRef idx="minor">
+              <a:schemeClr val="lt1"/>
+            </a:fontRef>
+          </p:style>
+          <p:txBody>
+            <a:bodyPr rtlCol="0" anchor="ctr"/>
+            <a:lstStyle/>
+            <a:p>
+              <a:pPr algn="ctr"/>
+              <a:endParaRPr kumimoji="1" lang="ja-JP" altLang="en-US"/>
+            </a:p>
+          </p:txBody>
+        </p:sp>
+        <p:sp>
+          <p:nvSpPr>
+            <p:cNvPr id="527" name="平行四辺形 526"/>
+            <p:cNvSpPr/>
+            <p:nvPr/>
+          </p:nvSpPr>
+          <p:spPr>
+            <a:xfrm rot="5400000" flipH="1">
+              <a:off x="5198763" y="4777371"/>
+              <a:ext cx="63094" cy="39616"/>
+            </a:xfrm>
+            <a:prstGeom prst="parallelogram">
+              <a:avLst>
+                <a:gd name="adj" fmla="val 56906"/>
+              </a:avLst>
+            </a:prstGeom>
+            <a:solidFill>
+              <a:schemeClr val="tx1">
+                <a:lumMod val="85000"/>
+                <a:lumOff val="15000"/>
+              </a:schemeClr>
+            </a:solidFill>
+            <a:ln w="3175" cap="rnd">
+              <a:solidFill>
+                <a:schemeClr val="tx1">
+                  <a:lumMod val="85000"/>
+                  <a:lumOff val="15000"/>
+                </a:schemeClr>
+              </a:solidFill>
+            </a:ln>
+          </p:spPr>
+          <p:style>
+            <a:lnRef idx="2">
+              <a:schemeClr val="accent1">
+                <a:shade val="50000"/>
+              </a:schemeClr>
+            </a:lnRef>
+            <a:fillRef idx="1">
+              <a:schemeClr val="accent1"/>
+            </a:fillRef>
+            <a:effectRef idx="0">
+              <a:schemeClr val="accent1"/>
+            </a:effectRef>
+            <a:fontRef idx="minor">
+              <a:schemeClr val="lt1"/>
+            </a:fontRef>
+          </p:style>
+          <p:txBody>
+            <a:bodyPr rtlCol="0" anchor="ctr"/>
+            <a:lstStyle/>
+            <a:p>
+              <a:pPr algn="ctr"/>
+              <a:endParaRPr kumimoji="1" lang="ja-JP" altLang="en-US"/>
+            </a:p>
+          </p:txBody>
+        </p:sp>
+        <p:sp>
+          <p:nvSpPr>
+            <p:cNvPr id="528" name="平行四辺形 527"/>
+            <p:cNvSpPr/>
+            <p:nvPr/>
+          </p:nvSpPr>
+          <p:spPr>
+            <a:xfrm rot="5400000" flipH="1">
+              <a:off x="5140956" y="4810230"/>
+              <a:ext cx="63094" cy="39616"/>
+            </a:xfrm>
+            <a:prstGeom prst="parallelogram">
+              <a:avLst>
+                <a:gd name="adj" fmla="val 56906"/>
+              </a:avLst>
+            </a:prstGeom>
+            <a:solidFill>
+              <a:schemeClr val="tx1">
+                <a:lumMod val="85000"/>
+                <a:lumOff val="15000"/>
+              </a:schemeClr>
+            </a:solidFill>
+            <a:ln w="3175" cap="rnd">
+              <a:solidFill>
+                <a:schemeClr val="tx1">
+                  <a:lumMod val="85000"/>
+                  <a:lumOff val="15000"/>
+                </a:schemeClr>
+              </a:solidFill>
+            </a:ln>
+          </p:spPr>
+          <p:style>
+            <a:lnRef idx="2">
+              <a:schemeClr val="accent1">
+                <a:shade val="50000"/>
+              </a:schemeClr>
+            </a:lnRef>
+            <a:fillRef idx="1">
+              <a:schemeClr val="accent1"/>
+            </a:fillRef>
+            <a:effectRef idx="0">
+              <a:schemeClr val="accent1"/>
+            </a:effectRef>
+            <a:fontRef idx="minor">
+              <a:schemeClr val="lt1"/>
+            </a:fontRef>
+          </p:style>
+          <p:txBody>
+            <a:bodyPr rtlCol="0" anchor="ctr"/>
+            <a:lstStyle/>
+            <a:p>
+              <a:pPr algn="ctr"/>
+              <a:endParaRPr kumimoji="1" lang="ja-JP" altLang="en-US"/>
+            </a:p>
+          </p:txBody>
+        </p:sp>
+        <p:sp>
+          <p:nvSpPr>
+            <p:cNvPr id="529" name="平行四辺形 528"/>
+            <p:cNvSpPr/>
+            <p:nvPr/>
+          </p:nvSpPr>
+          <p:spPr>
+            <a:xfrm rot="5400000" flipH="1">
+              <a:off x="5314377" y="4709594"/>
+              <a:ext cx="63094" cy="39616"/>
+            </a:xfrm>
+            <a:prstGeom prst="parallelogram">
+              <a:avLst>
+                <a:gd name="adj" fmla="val 56906"/>
+              </a:avLst>
+            </a:prstGeom>
+            <a:solidFill>
+              <a:schemeClr val="tx1">
+                <a:lumMod val="85000"/>
+                <a:lumOff val="15000"/>
+              </a:schemeClr>
+            </a:solidFill>
+            <a:ln w="3175" cap="rnd">
+              <a:solidFill>
+                <a:schemeClr val="tx1">
+                  <a:lumMod val="85000"/>
+                  <a:lumOff val="15000"/>
+                </a:schemeClr>
+              </a:solidFill>
+            </a:ln>
+          </p:spPr>
+          <p:style>
+            <a:lnRef idx="2">
+              <a:schemeClr val="accent1">
+                <a:shade val="50000"/>
+              </a:schemeClr>
+            </a:lnRef>
+            <a:fillRef idx="1">
+              <a:schemeClr val="accent1"/>
+            </a:fillRef>
+            <a:effectRef idx="0">
+              <a:schemeClr val="accent1"/>
+            </a:effectRef>
+            <a:fontRef idx="minor">
+              <a:schemeClr val="lt1"/>
+            </a:fontRef>
+          </p:style>
+          <p:txBody>
+            <a:bodyPr rtlCol="0" anchor="ctr"/>
+            <a:lstStyle/>
+            <a:p>
+              <a:pPr algn="ctr"/>
+              <a:endParaRPr kumimoji="1" lang="ja-JP" altLang="en-US"/>
+            </a:p>
+          </p:txBody>
+        </p:sp>
+        <p:sp>
+          <p:nvSpPr>
+            <p:cNvPr id="530" name="平行四辺形 529"/>
+            <p:cNvSpPr/>
+            <p:nvPr/>
+          </p:nvSpPr>
+          <p:spPr>
+            <a:xfrm rot="5400000" flipH="1">
+              <a:off x="5256570" y="4742451"/>
+              <a:ext cx="63094" cy="39616"/>
+            </a:xfrm>
+            <a:prstGeom prst="parallelogram">
+              <a:avLst>
+                <a:gd name="adj" fmla="val 56906"/>
+              </a:avLst>
+            </a:prstGeom>
+            <a:solidFill>
+              <a:schemeClr val="tx1">
+                <a:lumMod val="85000"/>
+                <a:lumOff val="15000"/>
+              </a:schemeClr>
+            </a:solidFill>
+            <a:ln w="3175" cap="rnd">
+              <a:solidFill>
+                <a:schemeClr val="tx1">
+                  <a:lumMod val="85000"/>
+                  <a:lumOff val="15000"/>
+                </a:schemeClr>
+              </a:solidFill>
+            </a:ln>
+          </p:spPr>
+          <p:style>
+            <a:lnRef idx="2">
+              <a:schemeClr val="accent1">
+                <a:shade val="50000"/>
+              </a:schemeClr>
+            </a:lnRef>
+            <a:fillRef idx="1">
+              <a:schemeClr val="accent1"/>
+            </a:fillRef>
+            <a:effectRef idx="0">
+              <a:schemeClr val="accent1"/>
+            </a:effectRef>
+            <a:fontRef idx="minor">
+              <a:schemeClr val="lt1"/>
+            </a:fontRef>
+          </p:style>
+          <p:txBody>
+            <a:bodyPr rtlCol="0" anchor="ctr"/>
+            <a:lstStyle/>
+            <a:p>
+              <a:pPr algn="ctr"/>
+              <a:endParaRPr kumimoji="1" lang="ja-JP" altLang="en-US"/>
+            </a:p>
+          </p:txBody>
+        </p:sp>
+        <p:sp>
+          <p:nvSpPr>
+            <p:cNvPr id="531" name="平行四辺形 530"/>
+            <p:cNvSpPr/>
+            <p:nvPr/>
+          </p:nvSpPr>
+          <p:spPr>
+            <a:xfrm rot="5400000" flipH="1">
+              <a:off x="5370205" y="4744410"/>
+              <a:ext cx="63094" cy="39616"/>
+            </a:xfrm>
+            <a:prstGeom prst="parallelogram">
+              <a:avLst>
+                <a:gd name="adj" fmla="val 56906"/>
+              </a:avLst>
+            </a:prstGeom>
+            <a:solidFill>
+              <a:schemeClr val="tx1">
+                <a:lumMod val="85000"/>
+                <a:lumOff val="15000"/>
+              </a:schemeClr>
+            </a:solidFill>
+            <a:ln w="3175" cap="rnd">
+              <a:solidFill>
+                <a:schemeClr val="tx1">
+                  <a:lumMod val="85000"/>
+                  <a:lumOff val="15000"/>
+                </a:schemeClr>
+              </a:solidFill>
+            </a:ln>
+          </p:spPr>
+          <p:style>
+            <a:lnRef idx="2">
+              <a:schemeClr val="accent1">
+                <a:shade val="50000"/>
+              </a:schemeClr>
+            </a:lnRef>
+            <a:fillRef idx="1">
+              <a:schemeClr val="accent1"/>
+            </a:fillRef>
+            <a:effectRef idx="0">
+              <a:schemeClr val="accent1"/>
+            </a:effectRef>
+            <a:fontRef idx="minor">
+              <a:schemeClr val="lt1"/>
+            </a:fontRef>
+          </p:style>
+          <p:txBody>
+            <a:bodyPr rtlCol="0" anchor="ctr"/>
+            <a:lstStyle/>
+            <a:p>
+              <a:pPr algn="ctr"/>
+              <a:endParaRPr kumimoji="1" lang="ja-JP" altLang="en-US"/>
+            </a:p>
+          </p:txBody>
+        </p:sp>
+        <p:sp>
+          <p:nvSpPr>
+            <p:cNvPr id="532" name="平行四辺形 531"/>
+            <p:cNvSpPr/>
+            <p:nvPr/>
+          </p:nvSpPr>
+          <p:spPr>
+            <a:xfrm rot="5400000" flipH="1">
+              <a:off x="5196784" y="4847108"/>
+              <a:ext cx="63094" cy="39616"/>
+            </a:xfrm>
+            <a:prstGeom prst="parallelogram">
+              <a:avLst>
+                <a:gd name="adj" fmla="val 56906"/>
+              </a:avLst>
+            </a:prstGeom>
+            <a:solidFill>
+              <a:schemeClr val="tx1">
+                <a:lumMod val="85000"/>
+                <a:lumOff val="15000"/>
+              </a:schemeClr>
+            </a:solidFill>
+            <a:ln w="3175" cap="rnd">
+              <a:solidFill>
+                <a:schemeClr val="tx1">
+                  <a:lumMod val="85000"/>
+                  <a:lumOff val="15000"/>
+                </a:schemeClr>
+              </a:solidFill>
+            </a:ln>
+          </p:spPr>
+          <p:style>
+            <a:lnRef idx="2">
+              <a:schemeClr val="accent1">
+                <a:shade val="50000"/>
+              </a:schemeClr>
+            </a:lnRef>
+            <a:fillRef idx="1">
+              <a:schemeClr val="accent1"/>
+            </a:fillRef>
+            <a:effectRef idx="0">
+              <a:schemeClr val="accent1"/>
+            </a:effectRef>
+            <a:fontRef idx="minor">
+              <a:schemeClr val="lt1"/>
+            </a:fontRef>
+          </p:style>
+          <p:txBody>
+            <a:bodyPr rtlCol="0" anchor="ctr"/>
+            <a:lstStyle/>
+            <a:p>
+              <a:pPr algn="ctr"/>
+              <a:endParaRPr kumimoji="1" lang="ja-JP" altLang="en-US"/>
+            </a:p>
+          </p:txBody>
+        </p:sp>
+        <p:sp>
+          <p:nvSpPr>
+            <p:cNvPr id="533" name="平行四辺形 532"/>
+            <p:cNvSpPr/>
+            <p:nvPr/>
+          </p:nvSpPr>
+          <p:spPr>
+            <a:xfrm rot="5400000" flipH="1">
+              <a:off x="5138977" y="4879966"/>
+              <a:ext cx="63094" cy="39616"/>
+            </a:xfrm>
+            <a:prstGeom prst="parallelogram">
+              <a:avLst>
+                <a:gd name="adj" fmla="val 56906"/>
+              </a:avLst>
+            </a:prstGeom>
+            <a:solidFill>
+              <a:schemeClr val="tx1">
+                <a:lumMod val="85000"/>
+                <a:lumOff val="15000"/>
+              </a:schemeClr>
+            </a:solidFill>
+            <a:ln w="3175" cap="rnd">
+              <a:solidFill>
+                <a:schemeClr val="tx1">
+                  <a:lumMod val="85000"/>
+                  <a:lumOff val="15000"/>
+                </a:schemeClr>
+              </a:solidFill>
+            </a:ln>
+          </p:spPr>
+          <p:style>
+            <a:lnRef idx="2">
+              <a:schemeClr val="accent1">
+                <a:shade val="50000"/>
+              </a:schemeClr>
+            </a:lnRef>
+            <a:fillRef idx="1">
+              <a:schemeClr val="accent1"/>
+            </a:fillRef>
+            <a:effectRef idx="0">
+              <a:schemeClr val="accent1"/>
+            </a:effectRef>
+            <a:fontRef idx="minor">
+              <a:schemeClr val="lt1"/>
+            </a:fontRef>
+          </p:style>
+          <p:txBody>
+            <a:bodyPr rtlCol="0" anchor="ctr"/>
+            <a:lstStyle/>
+            <a:p>
+              <a:pPr algn="ctr"/>
+              <a:endParaRPr kumimoji="1" lang="ja-JP" altLang="en-US"/>
+            </a:p>
+          </p:txBody>
+        </p:sp>
+        <p:sp>
+          <p:nvSpPr>
+            <p:cNvPr id="534" name="平行四辺形 533"/>
+            <p:cNvSpPr/>
+            <p:nvPr/>
+          </p:nvSpPr>
+          <p:spPr>
+            <a:xfrm rot="5400000" flipH="1">
+              <a:off x="5312398" y="4779330"/>
+              <a:ext cx="63094" cy="39616"/>
+            </a:xfrm>
+            <a:prstGeom prst="parallelogram">
+              <a:avLst>
+                <a:gd name="adj" fmla="val 56906"/>
+              </a:avLst>
+            </a:prstGeom>
+            <a:solidFill>
+              <a:schemeClr val="tx1">
+                <a:lumMod val="85000"/>
+                <a:lumOff val="15000"/>
+              </a:schemeClr>
+            </a:solidFill>
+            <a:ln w="3175" cap="rnd">
+              <a:solidFill>
+                <a:schemeClr val="tx1">
+                  <a:lumMod val="85000"/>
+                  <a:lumOff val="15000"/>
+                </a:schemeClr>
+              </a:solidFill>
+            </a:ln>
+          </p:spPr>
+          <p:style>
+            <a:lnRef idx="2">
+              <a:schemeClr val="accent1">
+                <a:shade val="50000"/>
+              </a:schemeClr>
+            </a:lnRef>
+            <a:fillRef idx="1">
+              <a:schemeClr val="accent1"/>
+            </a:fillRef>
+            <a:effectRef idx="0">
+              <a:schemeClr val="accent1"/>
+            </a:effectRef>
+            <a:fontRef idx="minor">
+              <a:schemeClr val="lt1"/>
+            </a:fontRef>
+          </p:style>
+          <p:txBody>
+            <a:bodyPr rtlCol="0" anchor="ctr"/>
+            <a:lstStyle/>
+            <a:p>
+              <a:pPr algn="ctr"/>
+              <a:endParaRPr kumimoji="1" lang="ja-JP" altLang="en-US"/>
+            </a:p>
+          </p:txBody>
+        </p:sp>
+        <p:sp>
+          <p:nvSpPr>
+            <p:cNvPr id="535" name="平行四辺形 534"/>
+            <p:cNvSpPr/>
+            <p:nvPr/>
+          </p:nvSpPr>
+          <p:spPr>
+            <a:xfrm rot="5400000" flipH="1">
+              <a:off x="5254591" y="4812187"/>
+              <a:ext cx="63094" cy="39616"/>
+            </a:xfrm>
+            <a:prstGeom prst="parallelogram">
+              <a:avLst>
+                <a:gd name="adj" fmla="val 56906"/>
+              </a:avLst>
+            </a:prstGeom>
+            <a:solidFill>
+              <a:schemeClr val="tx1">
+                <a:lumMod val="85000"/>
+                <a:lumOff val="15000"/>
+              </a:schemeClr>
+            </a:solidFill>
+            <a:ln w="3175" cap="rnd">
+              <a:solidFill>
+                <a:schemeClr val="tx1">
+                  <a:lumMod val="85000"/>
+                  <a:lumOff val="15000"/>
+                </a:schemeClr>
+              </a:solidFill>
+            </a:ln>
+          </p:spPr>
+          <p:style>
+            <a:lnRef idx="2">
+              <a:schemeClr val="accent1">
+                <a:shade val="50000"/>
+              </a:schemeClr>
+            </a:lnRef>
+            <a:fillRef idx="1">
+              <a:schemeClr val="accent1"/>
+            </a:fillRef>
+            <a:effectRef idx="0">
+              <a:schemeClr val="accent1"/>
+            </a:effectRef>
+            <a:fontRef idx="minor">
+              <a:schemeClr val="lt1"/>
+            </a:fontRef>
+          </p:style>
+          <p:txBody>
+            <a:bodyPr rtlCol="0" anchor="ctr"/>
+            <a:lstStyle/>
+            <a:p>
+              <a:pPr algn="ctr"/>
+              <a:endParaRPr kumimoji="1" lang="ja-JP" altLang="en-US"/>
+            </a:p>
+          </p:txBody>
+        </p:sp>
+      </p:grpSp>
+      <p:grpSp>
+        <p:nvGrpSpPr>
+          <p:cNvPr id="18" name="グループ化 17"/>
+          <p:cNvGrpSpPr/>
+          <p:nvPr/>
+        </p:nvGrpSpPr>
+        <p:grpSpPr>
+          <a:xfrm>
+            <a:off x="1563253" y="3819223"/>
+            <a:ext cx="1104514" cy="1009121"/>
+            <a:chOff x="1430444" y="3723853"/>
+            <a:chExt cx="1104514" cy="1009121"/>
+          </a:xfrm>
+        </p:grpSpPr>
+        <p:grpSp>
+          <p:nvGrpSpPr>
+            <p:cNvPr id="537" name="グループ化 536"/>
+            <p:cNvGrpSpPr/>
+            <p:nvPr/>
+          </p:nvGrpSpPr>
+          <p:grpSpPr>
+            <a:xfrm flipH="1">
+              <a:off x="1430444" y="4208880"/>
+              <a:ext cx="1060256" cy="524094"/>
+              <a:chOff x="3328878" y="3933812"/>
+              <a:chExt cx="1060256" cy="524094"/>
+            </a:xfrm>
+          </p:grpSpPr>
+          <p:sp>
+            <p:nvSpPr>
+              <p:cNvPr id="597" name="平行四辺形 596"/>
+              <p:cNvSpPr/>
+              <p:nvPr/>
+            </p:nvSpPr>
+            <p:spPr>
+              <a:xfrm rot="1734465">
+                <a:off x="3337075" y="4074747"/>
+                <a:ext cx="1052059" cy="241289"/>
+              </a:xfrm>
+              <a:prstGeom prst="parallelogram">
+                <a:avLst>
+                  <a:gd name="adj" fmla="val 56906"/>
+                </a:avLst>
+              </a:prstGeom>
+              <a:solidFill>
+                <a:schemeClr val="bg1">
+                  <a:lumMod val="65000"/>
+                </a:schemeClr>
+              </a:solidFill>
+              <a:ln w="12700">
+                <a:solidFill>
+                  <a:schemeClr val="bg1">
+                    <a:lumMod val="65000"/>
+                  </a:schemeClr>
+                </a:solidFill>
+              </a:ln>
+            </p:spPr>
+            <p:style>
+              <a:lnRef idx="2">
+                <a:schemeClr val="accent1">
+                  <a:shade val="50000"/>
+                </a:schemeClr>
+              </a:lnRef>
+              <a:fillRef idx="1">
+                <a:schemeClr val="accent1"/>
+              </a:fillRef>
+              <a:effectRef idx="0">
+                <a:schemeClr val="accent1"/>
+              </a:effectRef>
+              <a:fontRef idx="minor">
+                <a:schemeClr val="lt1"/>
+              </a:fontRef>
+            </p:style>
+            <p:txBody>
+              <a:bodyPr rtlCol="0" anchor="ctr"/>
+              <a:lstStyle/>
+              <a:p>
+                <a:pPr algn="ctr"/>
+                <a:endParaRPr kumimoji="1" lang="ja-JP" altLang="en-US"/>
+              </a:p>
+            </p:txBody>
+          </p:sp>
+          <p:sp>
+            <p:nvSpPr>
+              <p:cNvPr id="598" name="平行四辺形 597"/>
+              <p:cNvSpPr/>
+              <p:nvPr/>
+            </p:nvSpPr>
+            <p:spPr>
+              <a:xfrm rot="5400000" flipH="1">
+                <a:off x="4139514" y="4235201"/>
+                <a:ext cx="238155" cy="207256"/>
+              </a:xfrm>
+              <a:prstGeom prst="parallelogram">
+                <a:avLst>
+                  <a:gd name="adj" fmla="val 56906"/>
+                </a:avLst>
+              </a:prstGeom>
+              <a:solidFill>
+                <a:schemeClr val="bg1">
+                  <a:lumMod val="75000"/>
+                </a:schemeClr>
+              </a:solidFill>
+              <a:ln w="0" cap="rnd">
+                <a:solidFill>
+                  <a:schemeClr val="bg1">
+                    <a:lumMod val="75000"/>
+                  </a:schemeClr>
+                </a:solidFill>
+              </a:ln>
+            </p:spPr>
+            <p:style>
+              <a:lnRef idx="2">
+                <a:schemeClr val="accent1">
+                  <a:shade val="50000"/>
+                </a:schemeClr>
+              </a:lnRef>
+              <a:fillRef idx="1">
+                <a:schemeClr val="accent1"/>
+              </a:fillRef>
+              <a:effectRef idx="0">
+                <a:schemeClr val="accent1"/>
+              </a:effectRef>
+              <a:fontRef idx="minor">
+                <a:schemeClr val="lt1"/>
+              </a:fontRef>
+            </p:style>
+            <p:txBody>
+              <a:bodyPr rtlCol="0" anchor="ctr"/>
+              <a:lstStyle/>
+              <a:p>
+                <a:pPr algn="ctr"/>
+                <a:endParaRPr kumimoji="1" lang="ja-JP" altLang="en-US"/>
+              </a:p>
+            </p:txBody>
+          </p:sp>
+          <p:sp>
+            <p:nvSpPr>
+              <p:cNvPr id="599" name="正方形/長方形 598"/>
+              <p:cNvSpPr/>
+              <p:nvPr/>
+            </p:nvSpPr>
+            <p:spPr>
+              <a:xfrm>
+                <a:off x="3365902" y="3933812"/>
+                <a:ext cx="63702" cy="96970"/>
+              </a:xfrm>
+              <a:prstGeom prst="rect">
+                <a:avLst/>
+              </a:prstGeom>
+              <a:solidFill>
+                <a:schemeClr val="bg1">
+                  <a:lumMod val="65000"/>
+                </a:schemeClr>
+              </a:solidFill>
+              <a:ln>
+                <a:solidFill>
+                  <a:schemeClr val="bg1">
+                    <a:lumMod val="65000"/>
+                  </a:schemeClr>
+                </a:solidFill>
+              </a:ln>
+            </p:spPr>
+            <p:style>
+              <a:lnRef idx="2">
+                <a:schemeClr val="accent1">
+                  <a:shade val="50000"/>
+                </a:schemeClr>
+              </a:lnRef>
+              <a:fillRef idx="1">
+                <a:schemeClr val="accent1"/>
+              </a:fillRef>
+              <a:effectRef idx="0">
+                <a:schemeClr val="accent1"/>
+              </a:effectRef>
+              <a:fontRef idx="minor">
+                <a:schemeClr val="lt1"/>
+              </a:fontRef>
+            </p:style>
+            <p:txBody>
+              <a:bodyPr rtlCol="0" anchor="ctr"/>
+              <a:lstStyle/>
+              <a:p>
+                <a:pPr algn="ctr"/>
+                <a:endParaRPr kumimoji="1" lang="ja-JP" altLang="en-US"/>
+              </a:p>
+            </p:txBody>
+          </p:sp>
+          <p:sp>
+            <p:nvSpPr>
+              <p:cNvPr id="600" name="平行四辺形 599"/>
+              <p:cNvSpPr/>
+              <p:nvPr/>
+            </p:nvSpPr>
+            <p:spPr>
+              <a:xfrm rot="1734465">
+                <a:off x="3328878" y="3981986"/>
+                <a:ext cx="1029189" cy="206557"/>
+              </a:xfrm>
+              <a:prstGeom prst="parallelogram">
+                <a:avLst>
+                  <a:gd name="adj" fmla="val 56906"/>
+                </a:avLst>
+              </a:prstGeom>
+              <a:solidFill>
+                <a:schemeClr val="bg1">
+                  <a:lumMod val="85000"/>
+                </a:schemeClr>
+              </a:solidFill>
+              <a:ln>
+                <a:solidFill>
+                  <a:schemeClr val="bg1">
+                    <a:lumMod val="75000"/>
+                  </a:schemeClr>
+                </a:solidFill>
+              </a:ln>
+            </p:spPr>
+            <p:style>
+              <a:lnRef idx="2">
+                <a:schemeClr val="accent1">
+                  <a:shade val="50000"/>
+                </a:schemeClr>
+              </a:lnRef>
+              <a:fillRef idx="1">
+                <a:schemeClr val="accent1"/>
+              </a:fillRef>
+              <a:effectRef idx="0">
+                <a:schemeClr val="accent1"/>
+              </a:effectRef>
+              <a:fontRef idx="minor">
+                <a:schemeClr val="lt1"/>
+              </a:fontRef>
+            </p:style>
+            <p:txBody>
+              <a:bodyPr rtlCol="0" anchor="ctr"/>
+              <a:lstStyle/>
+              <a:p>
+                <a:pPr algn="ctr"/>
+                <a:endParaRPr kumimoji="1" lang="ja-JP" altLang="en-US"/>
+              </a:p>
+            </p:txBody>
+          </p:sp>
+        </p:grpSp>
+        <p:grpSp>
+          <p:nvGrpSpPr>
+            <p:cNvPr id="538" name="グループ化 537"/>
+            <p:cNvGrpSpPr/>
+            <p:nvPr/>
+          </p:nvGrpSpPr>
+          <p:grpSpPr>
+            <a:xfrm flipH="1">
+              <a:off x="1956888" y="3868998"/>
+              <a:ext cx="504503" cy="362054"/>
+              <a:chOff x="3333629" y="3300761"/>
+              <a:chExt cx="881069" cy="632294"/>
+            </a:xfrm>
+          </p:grpSpPr>
+          <p:sp>
+            <p:nvSpPr>
+              <p:cNvPr id="594" name="平行四辺形 593"/>
+              <p:cNvSpPr/>
+              <p:nvPr/>
+            </p:nvSpPr>
+            <p:spPr>
+              <a:xfrm rot="16200000">
+                <a:off x="3335858" y="3433966"/>
+                <a:ext cx="480731" cy="485189"/>
+              </a:xfrm>
+              <a:prstGeom prst="parallelogram">
+                <a:avLst>
+                  <a:gd name="adj" fmla="val 56906"/>
+                </a:avLst>
+              </a:prstGeom>
+              <a:solidFill>
+                <a:schemeClr val="accent6">
+                  <a:lumMod val="50000"/>
+                </a:schemeClr>
+              </a:solidFill>
+              <a:ln w="38100" cap="rnd">
+                <a:solidFill>
+                  <a:schemeClr val="bg1"/>
+                </a:solidFill>
+              </a:ln>
+            </p:spPr>
+            <p:style>
+              <a:lnRef idx="2">
+                <a:schemeClr val="accent1">
+                  <a:shade val="50000"/>
+                </a:schemeClr>
+              </a:lnRef>
+              <a:fillRef idx="1">
+                <a:schemeClr val="accent1"/>
+              </a:fillRef>
+              <a:effectRef idx="0">
+                <a:schemeClr val="accent1"/>
+              </a:effectRef>
+              <a:fontRef idx="minor">
+                <a:schemeClr val="lt1"/>
+              </a:fontRef>
+            </p:style>
+            <p:txBody>
+              <a:bodyPr rtlCol="0" anchor="ctr"/>
+              <a:lstStyle/>
+              <a:p>
+                <a:pPr algn="ctr"/>
+                <a:endParaRPr kumimoji="1" lang="ja-JP" altLang="en-US"/>
+              </a:p>
+            </p:txBody>
+          </p:sp>
+          <p:sp>
+            <p:nvSpPr>
+              <p:cNvPr id="595" name="平行四辺形 594"/>
+              <p:cNvSpPr/>
+              <p:nvPr/>
+            </p:nvSpPr>
+            <p:spPr>
+              <a:xfrm rot="5400000" flipH="1">
+                <a:off x="3825764" y="3544121"/>
+                <a:ext cx="415915" cy="361953"/>
+              </a:xfrm>
+              <a:prstGeom prst="parallelogram">
+                <a:avLst>
+                  <a:gd name="adj" fmla="val 56906"/>
+                </a:avLst>
+              </a:prstGeom>
+              <a:solidFill>
+                <a:schemeClr val="accent6">
+                  <a:lumMod val="50000"/>
+                </a:schemeClr>
+              </a:solidFill>
+              <a:ln w="38100" cap="rnd">
+                <a:solidFill>
+                  <a:schemeClr val="bg1"/>
+                </a:solidFill>
+              </a:ln>
+            </p:spPr>
+            <p:style>
+              <a:lnRef idx="2">
+                <a:schemeClr val="accent1">
+                  <a:shade val="50000"/>
+                </a:schemeClr>
+              </a:lnRef>
+              <a:fillRef idx="1">
+                <a:schemeClr val="accent1"/>
+              </a:fillRef>
+              <a:effectRef idx="0">
+                <a:schemeClr val="accent1"/>
+              </a:effectRef>
+              <a:fontRef idx="minor">
+                <a:schemeClr val="lt1"/>
+              </a:fontRef>
+            </p:style>
+            <p:txBody>
+              <a:bodyPr rtlCol="0" anchor="ctr"/>
+              <a:lstStyle/>
+              <a:p>
+                <a:pPr algn="ctr"/>
+                <a:endParaRPr kumimoji="1" lang="ja-JP" altLang="en-US"/>
+              </a:p>
+            </p:txBody>
+          </p:sp>
+          <p:sp>
+            <p:nvSpPr>
+              <p:cNvPr id="596" name="平行四辺形 595"/>
+              <p:cNvSpPr/>
+              <p:nvPr/>
+            </p:nvSpPr>
+            <p:spPr>
+              <a:xfrm rot="1800000">
+                <a:off x="3412093" y="3300761"/>
+                <a:ext cx="760983" cy="367107"/>
+              </a:xfrm>
+              <a:prstGeom prst="parallelogram">
+                <a:avLst>
+                  <a:gd name="adj" fmla="val 56906"/>
+                </a:avLst>
+              </a:prstGeom>
+              <a:solidFill>
+                <a:schemeClr val="accent6">
+                  <a:lumMod val="60000"/>
+                  <a:lumOff val="40000"/>
+                </a:schemeClr>
+              </a:solidFill>
+              <a:ln w="38100">
+                <a:solidFill>
+                  <a:schemeClr val="bg1"/>
+                </a:solidFill>
+              </a:ln>
+            </p:spPr>
+            <p:style>
+              <a:lnRef idx="2">
+                <a:schemeClr val="accent1">
+                  <a:shade val="50000"/>
+                </a:schemeClr>
+              </a:lnRef>
+              <a:fillRef idx="1">
+                <a:schemeClr val="accent1"/>
+              </a:fillRef>
+              <a:effectRef idx="0">
+                <a:schemeClr val="accent1"/>
+              </a:effectRef>
+              <a:fontRef idx="minor">
+                <a:schemeClr val="lt1"/>
+              </a:fontRef>
+            </p:style>
+            <p:txBody>
+              <a:bodyPr rtlCol="0" anchor="ctr"/>
+              <a:lstStyle/>
+              <a:p>
+                <a:pPr algn="ctr"/>
+                <a:endParaRPr kumimoji="1" lang="ja-JP" altLang="en-US"/>
+              </a:p>
+            </p:txBody>
+          </p:sp>
+        </p:grpSp>
+        <p:grpSp>
+          <p:nvGrpSpPr>
+            <p:cNvPr id="539" name="グループ化 538"/>
+            <p:cNvGrpSpPr/>
+            <p:nvPr/>
+          </p:nvGrpSpPr>
+          <p:grpSpPr>
+            <a:xfrm flipH="1">
+              <a:off x="1676825" y="4002661"/>
+              <a:ext cx="486032" cy="395659"/>
+              <a:chOff x="3365888" y="3300761"/>
+              <a:chExt cx="848810" cy="641901"/>
+            </a:xfrm>
+          </p:grpSpPr>
+          <p:sp>
+            <p:nvSpPr>
+              <p:cNvPr id="591" name="平行四辺形 590"/>
+              <p:cNvSpPr/>
+              <p:nvPr/>
+            </p:nvSpPr>
+            <p:spPr>
+              <a:xfrm rot="16200000">
+                <a:off x="3368118" y="3459702"/>
+                <a:ext cx="480730" cy="485189"/>
+              </a:xfrm>
+              <a:prstGeom prst="parallelogram">
+                <a:avLst>
+                  <a:gd name="adj" fmla="val 56906"/>
+                </a:avLst>
+              </a:prstGeom>
+              <a:solidFill>
+                <a:schemeClr val="accent6">
+                  <a:lumMod val="50000"/>
+                </a:schemeClr>
+              </a:solidFill>
+              <a:ln w="38100" cap="rnd">
+                <a:solidFill>
+                  <a:schemeClr val="bg1"/>
+                </a:solidFill>
+              </a:ln>
+            </p:spPr>
+            <p:style>
+              <a:lnRef idx="2">
+                <a:schemeClr val="accent1">
+                  <a:shade val="50000"/>
+                </a:schemeClr>
+              </a:lnRef>
+              <a:fillRef idx="1">
+                <a:schemeClr val="accent1"/>
+              </a:fillRef>
+              <a:effectRef idx="0">
+                <a:schemeClr val="accent1"/>
+              </a:effectRef>
+              <a:fontRef idx="minor">
+                <a:schemeClr val="lt1"/>
+              </a:fontRef>
+            </p:style>
+            <p:txBody>
+              <a:bodyPr rtlCol="0" anchor="ctr"/>
+              <a:lstStyle/>
+              <a:p>
+                <a:pPr algn="ctr"/>
+                <a:endParaRPr kumimoji="1" lang="ja-JP" altLang="en-US"/>
+              </a:p>
+            </p:txBody>
+          </p:sp>
+          <p:sp>
+            <p:nvSpPr>
+              <p:cNvPr id="592" name="平行四辺形 591"/>
+              <p:cNvSpPr/>
+              <p:nvPr/>
+            </p:nvSpPr>
+            <p:spPr>
+              <a:xfrm rot="5400000" flipH="1">
+                <a:off x="3825764" y="3544121"/>
+                <a:ext cx="415915" cy="361953"/>
+              </a:xfrm>
+              <a:prstGeom prst="parallelogram">
+                <a:avLst>
+                  <a:gd name="adj" fmla="val 56906"/>
+                </a:avLst>
+              </a:prstGeom>
+              <a:solidFill>
+                <a:schemeClr val="accent6">
+                  <a:lumMod val="50000"/>
+                </a:schemeClr>
+              </a:solidFill>
+              <a:ln w="38100" cap="rnd">
+                <a:solidFill>
+                  <a:schemeClr val="bg1"/>
+                </a:solidFill>
+              </a:ln>
+            </p:spPr>
+            <p:style>
+              <a:lnRef idx="2">
+                <a:schemeClr val="accent1">
+                  <a:shade val="50000"/>
+                </a:schemeClr>
+              </a:lnRef>
+              <a:fillRef idx="1">
+                <a:schemeClr val="accent1"/>
+              </a:fillRef>
+              <a:effectRef idx="0">
+                <a:schemeClr val="accent1"/>
+              </a:effectRef>
+              <a:fontRef idx="minor">
+                <a:schemeClr val="lt1"/>
+              </a:fontRef>
+            </p:style>
+            <p:txBody>
+              <a:bodyPr rtlCol="0" anchor="ctr"/>
+              <a:lstStyle/>
+              <a:p>
+                <a:pPr algn="ctr"/>
+                <a:endParaRPr kumimoji="1" lang="ja-JP" altLang="en-US"/>
+              </a:p>
+            </p:txBody>
+          </p:sp>
+          <p:sp>
+            <p:nvSpPr>
+              <p:cNvPr id="593" name="平行四辺形 592"/>
+              <p:cNvSpPr/>
+              <p:nvPr/>
+            </p:nvSpPr>
+            <p:spPr>
+              <a:xfrm rot="1800000">
+                <a:off x="3412093" y="3300761"/>
+                <a:ext cx="760983" cy="367107"/>
+              </a:xfrm>
+              <a:prstGeom prst="parallelogram">
+                <a:avLst>
+                  <a:gd name="adj" fmla="val 56906"/>
+                </a:avLst>
+              </a:prstGeom>
+              <a:solidFill>
+                <a:schemeClr val="accent6">
+                  <a:lumMod val="60000"/>
+                  <a:lumOff val="40000"/>
+                </a:schemeClr>
+              </a:solidFill>
+              <a:ln w="38100">
+                <a:solidFill>
+                  <a:schemeClr val="bg1"/>
+                </a:solidFill>
+              </a:ln>
+            </p:spPr>
+            <p:style>
+              <a:lnRef idx="2">
+                <a:schemeClr val="accent1">
+                  <a:shade val="50000"/>
+                </a:schemeClr>
+              </a:lnRef>
+              <a:fillRef idx="1">
+                <a:schemeClr val="accent1"/>
+              </a:fillRef>
+              <a:effectRef idx="0">
+                <a:schemeClr val="accent1"/>
+              </a:effectRef>
+              <a:fontRef idx="minor">
+                <a:schemeClr val="lt1"/>
+              </a:fontRef>
+            </p:style>
+            <p:txBody>
+              <a:bodyPr rtlCol="0" anchor="ctr"/>
+              <a:lstStyle/>
+              <a:p>
+                <a:pPr algn="ctr"/>
+                <a:endParaRPr kumimoji="1" lang="ja-JP" altLang="en-US"/>
+              </a:p>
+            </p:txBody>
+          </p:sp>
+        </p:grpSp>
+        <p:sp>
+          <p:nvSpPr>
+            <p:cNvPr id="540" name="平行四辺形 539"/>
+            <p:cNvSpPr/>
+            <p:nvPr/>
+          </p:nvSpPr>
+          <p:spPr>
+            <a:xfrm rot="16200000">
+              <a:off x="1435594" y="4266885"/>
+              <a:ext cx="275269" cy="195047"/>
+            </a:xfrm>
+            <a:prstGeom prst="parallelogram">
+              <a:avLst>
+                <a:gd name="adj" fmla="val 56906"/>
+              </a:avLst>
+            </a:prstGeom>
+            <a:solidFill>
+              <a:schemeClr val="accent6">
+                <a:lumMod val="75000"/>
+              </a:schemeClr>
+            </a:solidFill>
+            <a:ln w="38100" cap="rnd">
+              <a:solidFill>
+                <a:schemeClr val="bg1"/>
+              </a:solidFill>
+            </a:ln>
+          </p:spPr>
+          <p:style>
+            <a:lnRef idx="2">
+              <a:schemeClr val="accent1">
+                <a:shade val="50000"/>
+              </a:schemeClr>
+            </a:lnRef>
+            <a:fillRef idx="1">
+              <a:schemeClr val="accent1"/>
+            </a:fillRef>
+            <a:effectRef idx="0">
+              <a:schemeClr val="accent1"/>
+            </a:effectRef>
+            <a:fontRef idx="minor">
+              <a:schemeClr val="lt1"/>
+            </a:fontRef>
+          </p:style>
+          <p:txBody>
+            <a:bodyPr rtlCol="0" anchor="ctr"/>
+            <a:lstStyle/>
+            <a:p>
+              <a:pPr algn="ctr"/>
+              <a:endParaRPr kumimoji="1" lang="ja-JP" altLang="en-US"/>
+            </a:p>
+          </p:txBody>
+        </p:sp>
+        <p:sp>
+          <p:nvSpPr>
+            <p:cNvPr id="541" name="平行四辺形 540"/>
+            <p:cNvSpPr/>
+            <p:nvPr/>
+          </p:nvSpPr>
+          <p:spPr>
+            <a:xfrm rot="5400000" flipH="1">
+              <a:off x="1656256" y="4279338"/>
+              <a:ext cx="238155" cy="207256"/>
+            </a:xfrm>
+            <a:prstGeom prst="parallelogram">
+              <a:avLst>
+                <a:gd name="adj" fmla="val 56906"/>
+              </a:avLst>
+            </a:prstGeom>
+            <a:solidFill>
+              <a:schemeClr val="accent6">
+                <a:lumMod val="50000"/>
+              </a:schemeClr>
+            </a:solidFill>
+            <a:ln w="38100" cap="rnd">
+              <a:solidFill>
+                <a:schemeClr val="bg1"/>
+              </a:solidFill>
+            </a:ln>
+          </p:spPr>
+          <p:style>
+            <a:lnRef idx="2">
+              <a:schemeClr val="accent1">
+                <a:shade val="50000"/>
+              </a:schemeClr>
+            </a:lnRef>
+            <a:fillRef idx="1">
+              <a:schemeClr val="accent1"/>
+            </a:fillRef>
+            <a:effectRef idx="0">
+              <a:schemeClr val="accent1"/>
+            </a:effectRef>
+            <a:fontRef idx="minor">
+              <a:schemeClr val="lt1"/>
+            </a:fontRef>
+          </p:style>
+          <p:txBody>
+            <a:bodyPr rtlCol="0" anchor="ctr"/>
+            <a:lstStyle/>
+            <a:p>
+              <a:pPr algn="ctr"/>
+              <a:endParaRPr kumimoji="1" lang="ja-JP" altLang="en-US"/>
+            </a:p>
+          </p:txBody>
+        </p:sp>
+        <p:grpSp>
+          <p:nvGrpSpPr>
+            <p:cNvPr id="542" name="グループ化 541"/>
+            <p:cNvGrpSpPr/>
+            <p:nvPr/>
+          </p:nvGrpSpPr>
+          <p:grpSpPr>
+            <a:xfrm flipH="1">
+              <a:off x="1469513" y="4094804"/>
+              <a:ext cx="486031" cy="275269"/>
+              <a:chOff x="3365889" y="3452324"/>
+              <a:chExt cx="848809" cy="480732"/>
+            </a:xfrm>
+          </p:grpSpPr>
+          <p:sp>
+            <p:nvSpPr>
+              <p:cNvPr id="589" name="平行四辺形 588"/>
+              <p:cNvSpPr/>
+              <p:nvPr/>
+            </p:nvSpPr>
+            <p:spPr>
+              <a:xfrm rot="16200000">
+                <a:off x="3368118" y="3450095"/>
+                <a:ext cx="480732" cy="485190"/>
+              </a:xfrm>
+              <a:prstGeom prst="parallelogram">
+                <a:avLst>
+                  <a:gd name="adj" fmla="val 56906"/>
+                </a:avLst>
+              </a:prstGeom>
+              <a:solidFill>
+                <a:schemeClr val="accent6">
+                  <a:lumMod val="50000"/>
+                </a:schemeClr>
+              </a:solidFill>
+              <a:ln w="38100" cap="rnd">
+                <a:solidFill>
+                  <a:schemeClr val="bg1"/>
+                </a:solidFill>
+              </a:ln>
+            </p:spPr>
+            <p:style>
+              <a:lnRef idx="2">
+                <a:schemeClr val="accent1">
+                  <a:shade val="50000"/>
+                </a:schemeClr>
+              </a:lnRef>
+              <a:fillRef idx="1">
+                <a:schemeClr val="accent1"/>
+              </a:fillRef>
+              <a:effectRef idx="0">
+                <a:schemeClr val="accent1"/>
+              </a:effectRef>
+              <a:fontRef idx="minor">
+                <a:schemeClr val="lt1"/>
+              </a:fontRef>
+            </p:style>
+            <p:txBody>
+              <a:bodyPr rtlCol="0" anchor="ctr"/>
+              <a:lstStyle/>
+              <a:p>
+                <a:pPr algn="ctr"/>
+                <a:endParaRPr kumimoji="1" lang="ja-JP" altLang="en-US"/>
+              </a:p>
+            </p:txBody>
+          </p:sp>
+          <p:sp>
+            <p:nvSpPr>
+              <p:cNvPr id="590" name="平行四辺形 589"/>
+              <p:cNvSpPr/>
+              <p:nvPr/>
+            </p:nvSpPr>
+            <p:spPr>
+              <a:xfrm rot="5400000" flipH="1">
+                <a:off x="3825764" y="3544121"/>
+                <a:ext cx="415915" cy="361953"/>
+              </a:xfrm>
+              <a:prstGeom prst="parallelogram">
+                <a:avLst>
+                  <a:gd name="adj" fmla="val 56906"/>
+                </a:avLst>
+              </a:prstGeom>
+              <a:solidFill>
+                <a:schemeClr val="accent6">
+                  <a:lumMod val="75000"/>
+                </a:schemeClr>
+              </a:solidFill>
+              <a:ln w="38100" cap="rnd">
+                <a:solidFill>
+                  <a:schemeClr val="bg1"/>
+                </a:solidFill>
+              </a:ln>
+            </p:spPr>
+            <p:style>
+              <a:lnRef idx="2">
+                <a:schemeClr val="accent1">
+                  <a:shade val="50000"/>
+                </a:schemeClr>
+              </a:lnRef>
+              <a:fillRef idx="1">
+                <a:schemeClr val="accent1"/>
+              </a:fillRef>
+              <a:effectRef idx="0">
+                <a:schemeClr val="accent1"/>
+              </a:effectRef>
+              <a:fontRef idx="minor">
+                <a:schemeClr val="lt1"/>
+              </a:fontRef>
+            </p:style>
+            <p:txBody>
+              <a:bodyPr rtlCol="0" anchor="ctr"/>
+              <a:lstStyle/>
+              <a:p>
+                <a:pPr algn="ctr"/>
+                <a:endParaRPr kumimoji="1" lang="ja-JP" altLang="en-US"/>
+              </a:p>
+            </p:txBody>
+          </p:sp>
+        </p:grpSp>
+        <p:grpSp>
+          <p:nvGrpSpPr>
+            <p:cNvPr id="543" name="グループ化 542"/>
+            <p:cNvGrpSpPr/>
+            <p:nvPr/>
+          </p:nvGrpSpPr>
+          <p:grpSpPr>
+            <a:xfrm flipH="1">
+              <a:off x="1469044" y="4349880"/>
+              <a:ext cx="486031" cy="275269"/>
+              <a:chOff x="3365889" y="3452324"/>
+              <a:chExt cx="848809" cy="480732"/>
+            </a:xfrm>
+          </p:grpSpPr>
+          <p:sp>
+            <p:nvSpPr>
+              <p:cNvPr id="587" name="平行四辺形 586"/>
+              <p:cNvSpPr/>
+              <p:nvPr/>
+            </p:nvSpPr>
+            <p:spPr>
+              <a:xfrm rot="5400000" flipH="1">
+                <a:off x="3825764" y="3544121"/>
+                <a:ext cx="415915" cy="361953"/>
+              </a:xfrm>
+              <a:prstGeom prst="parallelogram">
+                <a:avLst>
+                  <a:gd name="adj" fmla="val 56906"/>
+                </a:avLst>
+              </a:prstGeom>
+              <a:solidFill>
+                <a:schemeClr val="accent6">
+                  <a:lumMod val="75000"/>
+                </a:schemeClr>
+              </a:solidFill>
+              <a:ln w="38100" cap="rnd">
+                <a:solidFill>
+                  <a:schemeClr val="bg1"/>
+                </a:solidFill>
+              </a:ln>
+            </p:spPr>
+            <p:style>
+              <a:lnRef idx="2">
+                <a:schemeClr val="accent1">
+                  <a:shade val="50000"/>
+                </a:schemeClr>
+              </a:lnRef>
+              <a:fillRef idx="1">
+                <a:schemeClr val="accent1"/>
+              </a:fillRef>
+              <a:effectRef idx="0">
+                <a:schemeClr val="accent1"/>
+              </a:effectRef>
+              <a:fontRef idx="minor">
+                <a:schemeClr val="lt1"/>
+              </a:fontRef>
+            </p:style>
+            <p:txBody>
+              <a:bodyPr rtlCol="0" anchor="ctr"/>
+              <a:lstStyle/>
+              <a:p>
+                <a:pPr algn="ctr"/>
+                <a:endParaRPr kumimoji="1" lang="ja-JP" altLang="en-US"/>
+              </a:p>
+            </p:txBody>
+          </p:sp>
+          <p:sp>
+            <p:nvSpPr>
+              <p:cNvPr id="588" name="平行四辺形 587"/>
+              <p:cNvSpPr/>
+              <p:nvPr/>
+            </p:nvSpPr>
+            <p:spPr>
+              <a:xfrm rot="16200000">
+                <a:off x="3368118" y="3450095"/>
+                <a:ext cx="480732" cy="485190"/>
+              </a:xfrm>
+              <a:prstGeom prst="parallelogram">
+                <a:avLst>
+                  <a:gd name="adj" fmla="val 56906"/>
+                </a:avLst>
+              </a:prstGeom>
+              <a:solidFill>
+                <a:schemeClr val="accent6">
+                  <a:lumMod val="50000"/>
+                </a:schemeClr>
+              </a:solidFill>
+              <a:ln w="38100" cap="rnd">
+                <a:solidFill>
+                  <a:schemeClr val="bg1"/>
+                </a:solidFill>
+              </a:ln>
+            </p:spPr>
+            <p:style>
+              <a:lnRef idx="2">
+                <a:schemeClr val="accent1">
+                  <a:shade val="50000"/>
+                </a:schemeClr>
+              </a:lnRef>
+              <a:fillRef idx="1">
+                <a:schemeClr val="accent1"/>
+              </a:fillRef>
+              <a:effectRef idx="0">
+                <a:schemeClr val="accent1"/>
+              </a:effectRef>
+              <a:fontRef idx="minor">
+                <a:schemeClr val="lt1"/>
+              </a:fontRef>
+            </p:style>
+            <p:txBody>
+              <a:bodyPr rtlCol="0" anchor="ctr"/>
+              <a:lstStyle/>
+              <a:p>
+                <a:pPr algn="ctr"/>
+                <a:endParaRPr kumimoji="1" lang="ja-JP" altLang="en-US"/>
+              </a:p>
+            </p:txBody>
+          </p:sp>
+        </p:grpSp>
+        <p:sp>
+          <p:nvSpPr>
+            <p:cNvPr id="544" name="平行四辺形 543"/>
+            <p:cNvSpPr/>
+            <p:nvPr/>
+          </p:nvSpPr>
+          <p:spPr>
+            <a:xfrm rot="5400000" flipH="1">
+              <a:off x="1968647" y="4186837"/>
+              <a:ext cx="275269" cy="277821"/>
+            </a:xfrm>
+            <a:prstGeom prst="parallelogram">
+              <a:avLst>
+                <a:gd name="adj" fmla="val 56906"/>
+              </a:avLst>
+            </a:prstGeom>
+            <a:solidFill>
+              <a:schemeClr val="accent6">
+                <a:lumMod val="50000"/>
+              </a:schemeClr>
+            </a:solidFill>
+            <a:ln w="38100" cap="rnd">
+              <a:solidFill>
+                <a:schemeClr val="bg1"/>
+              </a:solidFill>
+            </a:ln>
+          </p:spPr>
+          <p:style>
+            <a:lnRef idx="2">
+              <a:schemeClr val="accent1">
+                <a:shade val="50000"/>
+              </a:schemeClr>
+            </a:lnRef>
+            <a:fillRef idx="1">
+              <a:schemeClr val="accent1"/>
+            </a:fillRef>
+            <a:effectRef idx="0">
+              <a:schemeClr val="accent1"/>
+            </a:effectRef>
+            <a:fontRef idx="minor">
+              <a:schemeClr val="lt1"/>
+            </a:fontRef>
+          </p:style>
+          <p:txBody>
+            <a:bodyPr rtlCol="0" anchor="ctr"/>
+            <a:lstStyle/>
+            <a:p>
+              <a:pPr algn="ctr"/>
+              <a:endParaRPr kumimoji="1" lang="ja-JP" altLang="en-US"/>
+            </a:p>
+          </p:txBody>
+        </p:sp>
+        <p:sp>
+          <p:nvSpPr>
+            <p:cNvPr id="545" name="平行四辺形 544"/>
+            <p:cNvSpPr/>
+            <p:nvPr/>
+          </p:nvSpPr>
+          <p:spPr>
+            <a:xfrm rot="5400000" flipH="1">
+              <a:off x="2257944" y="4025070"/>
+              <a:ext cx="275269" cy="277821"/>
+            </a:xfrm>
+            <a:prstGeom prst="parallelogram">
+              <a:avLst>
+                <a:gd name="adj" fmla="val 56906"/>
+              </a:avLst>
+            </a:prstGeom>
+            <a:solidFill>
+              <a:schemeClr val="accent6">
+                <a:lumMod val="50000"/>
+              </a:schemeClr>
+            </a:solidFill>
+            <a:ln w="38100" cap="rnd">
+              <a:solidFill>
+                <a:schemeClr val="bg1"/>
+              </a:solidFill>
+            </a:ln>
+          </p:spPr>
+          <p:style>
+            <a:lnRef idx="2">
+              <a:schemeClr val="accent1">
+                <a:shade val="50000"/>
+              </a:schemeClr>
+            </a:lnRef>
+            <a:fillRef idx="1">
+              <a:schemeClr val="accent1"/>
+            </a:fillRef>
+            <a:effectRef idx="0">
+              <a:schemeClr val="accent1"/>
+            </a:effectRef>
+            <a:fontRef idx="minor">
+              <a:schemeClr val="lt1"/>
+            </a:fontRef>
+          </p:style>
+          <p:txBody>
+            <a:bodyPr rtlCol="0" anchor="ctr"/>
+            <a:lstStyle/>
+            <a:p>
+              <a:pPr algn="ctr"/>
+              <a:endParaRPr kumimoji="1" lang="ja-JP" altLang="en-US"/>
+            </a:p>
+          </p:txBody>
+        </p:sp>
+        <p:sp>
+          <p:nvSpPr>
+            <p:cNvPr id="546" name="平行四辺形 545"/>
+            <p:cNvSpPr/>
+            <p:nvPr/>
+          </p:nvSpPr>
+          <p:spPr>
+            <a:xfrm rot="5400000" flipH="1">
+              <a:off x="1969116" y="3940997"/>
+              <a:ext cx="275269" cy="277821"/>
+            </a:xfrm>
+            <a:prstGeom prst="parallelogram">
+              <a:avLst>
+                <a:gd name="adj" fmla="val 56906"/>
+              </a:avLst>
+            </a:prstGeom>
+            <a:solidFill>
+              <a:schemeClr val="accent6">
+                <a:lumMod val="50000"/>
+              </a:schemeClr>
+            </a:solidFill>
+            <a:ln w="38100" cap="rnd">
+              <a:solidFill>
+                <a:schemeClr val="bg1"/>
+              </a:solidFill>
+            </a:ln>
+          </p:spPr>
+          <p:style>
+            <a:lnRef idx="2">
+              <a:schemeClr val="accent1">
+                <a:shade val="50000"/>
+              </a:schemeClr>
+            </a:lnRef>
+            <a:fillRef idx="1">
+              <a:schemeClr val="accent1"/>
+            </a:fillRef>
+            <a:effectRef idx="0">
+              <a:schemeClr val="accent1"/>
+            </a:effectRef>
+            <a:fontRef idx="minor">
+              <a:schemeClr val="lt1"/>
+            </a:fontRef>
+          </p:style>
+          <p:txBody>
+            <a:bodyPr rtlCol="0" anchor="ctr"/>
+            <a:lstStyle/>
+            <a:p>
+              <a:pPr algn="ctr"/>
+              <a:endParaRPr kumimoji="1" lang="ja-JP" altLang="en-US"/>
+            </a:p>
+          </p:txBody>
+        </p:sp>
+        <p:sp>
+          <p:nvSpPr>
+            <p:cNvPr id="547" name="平行四辺形 546"/>
+            <p:cNvSpPr/>
+            <p:nvPr/>
+          </p:nvSpPr>
+          <p:spPr>
+            <a:xfrm rot="5400000" flipH="1">
+              <a:off x="2258413" y="3788466"/>
+              <a:ext cx="275269" cy="277821"/>
+            </a:xfrm>
+            <a:prstGeom prst="parallelogram">
+              <a:avLst>
+                <a:gd name="adj" fmla="val 56906"/>
+              </a:avLst>
+            </a:prstGeom>
+            <a:solidFill>
+              <a:schemeClr val="accent6">
+                <a:lumMod val="50000"/>
+              </a:schemeClr>
+            </a:solidFill>
+            <a:ln w="38100" cap="rnd">
+              <a:solidFill>
+                <a:schemeClr val="bg1"/>
+              </a:solidFill>
+            </a:ln>
+          </p:spPr>
+          <p:style>
+            <a:lnRef idx="2">
+              <a:schemeClr val="accent1">
+                <a:shade val="50000"/>
+              </a:schemeClr>
+            </a:lnRef>
+            <a:fillRef idx="1">
+              <a:schemeClr val="accent1"/>
+            </a:fillRef>
+            <a:effectRef idx="0">
+              <a:schemeClr val="accent1"/>
+            </a:effectRef>
+            <a:fontRef idx="minor">
+              <a:schemeClr val="lt1"/>
+            </a:fontRef>
+          </p:style>
+          <p:txBody>
+            <a:bodyPr rtlCol="0" anchor="ctr"/>
+            <a:lstStyle/>
+            <a:p>
+              <a:pPr algn="ctr"/>
+              <a:endParaRPr kumimoji="1" lang="ja-JP" altLang="en-US"/>
+            </a:p>
+          </p:txBody>
+        </p:sp>
+        <p:sp>
+          <p:nvSpPr>
+            <p:cNvPr id="548" name="正方形/長方形 547"/>
+            <p:cNvSpPr/>
+            <p:nvPr/>
+          </p:nvSpPr>
+          <p:spPr>
+            <a:xfrm flipH="1">
+              <a:off x="2450162" y="3824092"/>
+              <a:ext cx="67200" cy="384787"/>
+            </a:xfrm>
+            <a:prstGeom prst="rect">
+              <a:avLst/>
+            </a:prstGeom>
+            <a:solidFill>
+              <a:schemeClr val="bg1"/>
+            </a:solidFill>
+            <a:ln>
+              <a:solidFill>
+                <a:schemeClr val="bg1"/>
+              </a:solidFill>
+            </a:ln>
+          </p:spPr>
+          <p:style>
+            <a:lnRef idx="2">
+              <a:schemeClr val="accent1">
+                <a:shade val="50000"/>
+              </a:schemeClr>
+            </a:lnRef>
+            <a:fillRef idx="1">
+              <a:schemeClr val="accent1"/>
+            </a:fillRef>
+            <a:effectRef idx="0">
+              <a:schemeClr val="accent1"/>
+            </a:effectRef>
+            <a:fontRef idx="minor">
+              <a:schemeClr val="lt1"/>
+            </a:fontRef>
+          </p:style>
+          <p:txBody>
+            <a:bodyPr rtlCol="0" anchor="ctr"/>
+            <a:lstStyle/>
+            <a:p>
+              <a:pPr algn="ctr"/>
+              <a:endParaRPr kumimoji="1" lang="ja-JP" altLang="en-US"/>
+            </a:p>
+          </p:txBody>
+        </p:sp>
+        <p:sp>
+          <p:nvSpPr>
+            <p:cNvPr id="549" name="平行四辺形 548"/>
+            <p:cNvSpPr/>
+            <p:nvPr/>
+          </p:nvSpPr>
+          <p:spPr>
+            <a:xfrm rot="19865535" flipH="1">
+              <a:off x="1461187" y="3847693"/>
+              <a:ext cx="1020426" cy="202958"/>
+            </a:xfrm>
+            <a:prstGeom prst="parallelogram">
+              <a:avLst>
+                <a:gd name="adj" fmla="val 56906"/>
+              </a:avLst>
+            </a:prstGeom>
+            <a:solidFill>
+              <a:schemeClr val="bg1">
+                <a:lumMod val="65000"/>
+              </a:schemeClr>
+            </a:solidFill>
+            <a:ln>
+              <a:solidFill>
+                <a:schemeClr val="bg1">
+                  <a:lumMod val="65000"/>
+                </a:schemeClr>
+              </a:solidFill>
+            </a:ln>
+          </p:spPr>
+          <p:style>
+            <a:lnRef idx="2">
+              <a:schemeClr val="accent1">
+                <a:shade val="50000"/>
+              </a:schemeClr>
+            </a:lnRef>
+            <a:fillRef idx="1">
+              <a:schemeClr val="accent1"/>
+            </a:fillRef>
+            <a:effectRef idx="0">
+              <a:schemeClr val="accent1"/>
+            </a:effectRef>
+            <a:fontRef idx="minor">
+              <a:schemeClr val="lt1"/>
+            </a:fontRef>
+          </p:style>
+          <p:txBody>
+            <a:bodyPr rtlCol="0" anchor="ctr"/>
+            <a:lstStyle/>
+            <a:p>
+              <a:pPr algn="ctr"/>
+              <a:endParaRPr kumimoji="1" lang="ja-JP" altLang="en-US"/>
+            </a:p>
+          </p:txBody>
+        </p:sp>
+        <p:sp>
+          <p:nvSpPr>
+            <p:cNvPr id="550" name="平行四辺形 549"/>
+            <p:cNvSpPr/>
+            <p:nvPr/>
+          </p:nvSpPr>
+          <p:spPr>
+            <a:xfrm rot="16200000">
+              <a:off x="1454064" y="4020480"/>
+              <a:ext cx="238155" cy="207256"/>
+            </a:xfrm>
+            <a:prstGeom prst="parallelogram">
+              <a:avLst>
+                <a:gd name="adj" fmla="val 56906"/>
+              </a:avLst>
+            </a:prstGeom>
+            <a:solidFill>
+              <a:schemeClr val="bg1">
+                <a:lumMod val="75000"/>
+              </a:schemeClr>
+            </a:solidFill>
+            <a:ln w="0" cap="rnd">
+              <a:solidFill>
+                <a:schemeClr val="bg1">
+                  <a:lumMod val="75000"/>
+                </a:schemeClr>
+              </a:solidFill>
+            </a:ln>
+          </p:spPr>
+          <p:style>
+            <a:lnRef idx="2">
+              <a:schemeClr val="accent1">
+                <a:shade val="50000"/>
+              </a:schemeClr>
+            </a:lnRef>
+            <a:fillRef idx="1">
+              <a:schemeClr val="accent1"/>
+            </a:fillRef>
+            <a:effectRef idx="0">
+              <a:schemeClr val="accent1"/>
+            </a:effectRef>
+            <a:fontRef idx="minor">
+              <a:schemeClr val="lt1"/>
+            </a:fontRef>
+          </p:style>
+          <p:txBody>
+            <a:bodyPr rtlCol="0" anchor="ctr"/>
+            <a:lstStyle/>
+            <a:p>
+              <a:pPr algn="ctr"/>
+              <a:endParaRPr kumimoji="1" lang="ja-JP" altLang="en-US"/>
+            </a:p>
+          </p:txBody>
+        </p:sp>
+        <p:sp>
+          <p:nvSpPr>
+            <p:cNvPr id="567" name="正方形/長方形 566"/>
+            <p:cNvSpPr/>
+            <p:nvPr/>
+          </p:nvSpPr>
+          <p:spPr>
+            <a:xfrm flipH="1">
+              <a:off x="2422493" y="3723853"/>
+              <a:ext cx="45719" cy="63041"/>
+            </a:xfrm>
+            <a:prstGeom prst="rect">
+              <a:avLst/>
+            </a:prstGeom>
+            <a:solidFill>
+              <a:schemeClr val="bg1">
+                <a:lumMod val="65000"/>
+              </a:schemeClr>
+            </a:solidFill>
+            <a:ln>
+              <a:solidFill>
+                <a:schemeClr val="bg1">
+                  <a:lumMod val="65000"/>
+                </a:schemeClr>
+              </a:solidFill>
+            </a:ln>
+          </p:spPr>
+          <p:style>
+            <a:lnRef idx="2">
+              <a:schemeClr val="accent1">
+                <a:shade val="50000"/>
+              </a:schemeClr>
+            </a:lnRef>
+            <a:fillRef idx="1">
+              <a:schemeClr val="accent1"/>
+            </a:fillRef>
+            <a:effectRef idx="0">
+              <a:schemeClr val="accent1"/>
+            </a:effectRef>
+            <a:fontRef idx="minor">
+              <a:schemeClr val="lt1"/>
+            </a:fontRef>
+          </p:style>
+          <p:txBody>
+            <a:bodyPr rtlCol="0" anchor="ctr"/>
+            <a:lstStyle/>
+            <a:p>
+              <a:pPr algn="ctr"/>
+              <a:endParaRPr kumimoji="1" lang="ja-JP" altLang="en-US"/>
+            </a:p>
+          </p:txBody>
+        </p:sp>
+        <p:sp>
+          <p:nvSpPr>
+            <p:cNvPr id="586" name="平行四辺形 585"/>
+            <p:cNvSpPr/>
+            <p:nvPr/>
+          </p:nvSpPr>
+          <p:spPr>
+            <a:xfrm rot="19865535" flipH="1">
+              <a:off x="1443826" y="3740225"/>
+              <a:ext cx="1052059" cy="241289"/>
+            </a:xfrm>
+            <a:prstGeom prst="parallelogram">
+              <a:avLst>
+                <a:gd name="adj" fmla="val 56906"/>
+              </a:avLst>
+            </a:prstGeom>
+            <a:solidFill>
+              <a:schemeClr val="bg1">
+                <a:lumMod val="85000"/>
+              </a:schemeClr>
+            </a:solidFill>
+            <a:ln w="12700">
+              <a:solidFill>
+                <a:schemeClr val="bg1">
+                  <a:lumMod val="75000"/>
+                </a:schemeClr>
+              </a:solidFill>
+            </a:ln>
+          </p:spPr>
+          <p:style>
+            <a:lnRef idx="2">
+              <a:schemeClr val="accent1">
+                <a:shade val="50000"/>
+              </a:schemeClr>
+            </a:lnRef>
+            <a:fillRef idx="1">
+              <a:schemeClr val="accent1"/>
+            </a:fillRef>
+            <a:effectRef idx="0">
+              <a:schemeClr val="accent1"/>
+            </a:effectRef>
+            <a:fontRef idx="minor">
+              <a:schemeClr val="lt1"/>
+            </a:fontRef>
+          </p:style>
+          <p:txBody>
+            <a:bodyPr rtlCol="0" anchor="ctr"/>
+            <a:lstStyle/>
+            <a:p>
+              <a:pPr algn="ctr"/>
+              <a:endParaRPr kumimoji="1" lang="ja-JP" altLang="en-US"/>
+            </a:p>
+          </p:txBody>
+        </p:sp>
+      </p:grpSp>
+      <p:grpSp>
+        <p:nvGrpSpPr>
+          <p:cNvPr id="23" name="グループ化 22"/>
+          <p:cNvGrpSpPr/>
+          <p:nvPr/>
+        </p:nvGrpSpPr>
+        <p:grpSpPr>
+          <a:xfrm>
+            <a:off x="6090878" y="4918911"/>
+            <a:ext cx="735496" cy="974024"/>
+            <a:chOff x="6090878" y="4918911"/>
+            <a:chExt cx="735496" cy="974024"/>
+          </a:xfrm>
+        </p:grpSpPr>
+        <p:sp>
+          <p:nvSpPr>
+            <p:cNvPr id="626" name="平行四辺形 625"/>
+            <p:cNvSpPr/>
+            <p:nvPr/>
+          </p:nvSpPr>
+          <p:spPr>
+            <a:xfrm rot="5400000" flipH="1">
+              <a:off x="6392382" y="5458942"/>
+              <a:ext cx="447566" cy="420419"/>
+            </a:xfrm>
+            <a:prstGeom prst="parallelogram">
+              <a:avLst>
+                <a:gd name="adj" fmla="val 56906"/>
+              </a:avLst>
+            </a:prstGeom>
+            <a:solidFill>
+              <a:schemeClr val="tx1">
+                <a:lumMod val="75000"/>
+                <a:lumOff val="25000"/>
+              </a:schemeClr>
+            </a:solidFill>
+            <a:ln w="3175" cap="rnd">
+              <a:solidFill>
+                <a:schemeClr val="tx1">
+                  <a:lumMod val="75000"/>
+                  <a:lumOff val="25000"/>
+                </a:schemeClr>
+              </a:solidFill>
+            </a:ln>
+          </p:spPr>
+          <p:style>
+            <a:lnRef idx="2">
+              <a:schemeClr val="accent1">
+                <a:shade val="50000"/>
+              </a:schemeClr>
+            </a:lnRef>
+            <a:fillRef idx="1">
+              <a:schemeClr val="accent1"/>
+            </a:fillRef>
+            <a:effectRef idx="0">
+              <a:schemeClr val="accent1"/>
+            </a:effectRef>
+            <a:fontRef idx="minor">
+              <a:schemeClr val="lt1"/>
+            </a:fontRef>
+          </p:style>
+          <p:txBody>
+            <a:bodyPr rtlCol="0" anchor="ctr"/>
+            <a:lstStyle/>
+            <a:p>
+              <a:pPr algn="ctr"/>
+              <a:endParaRPr kumimoji="1" lang="ja-JP" altLang="en-US"/>
+            </a:p>
+          </p:txBody>
+        </p:sp>
+        <p:sp>
+          <p:nvSpPr>
+            <p:cNvPr id="627" name="平行四辺形 626"/>
+            <p:cNvSpPr/>
+            <p:nvPr/>
+          </p:nvSpPr>
+          <p:spPr>
+            <a:xfrm rot="16200000">
+              <a:off x="6051993" y="5540416"/>
+              <a:ext cx="391403" cy="313634"/>
+            </a:xfrm>
+            <a:prstGeom prst="parallelogram">
+              <a:avLst>
+                <a:gd name="adj" fmla="val 56906"/>
+              </a:avLst>
+            </a:prstGeom>
+            <a:solidFill>
+              <a:schemeClr val="tx1">
+                <a:lumMod val="65000"/>
+                <a:lumOff val="35000"/>
+              </a:schemeClr>
+            </a:solidFill>
+            <a:ln w="3175" cap="rnd">
+              <a:solidFill>
+                <a:schemeClr val="tx1">
+                  <a:lumMod val="65000"/>
+                  <a:lumOff val="35000"/>
+                </a:schemeClr>
+              </a:solidFill>
+            </a:ln>
+          </p:spPr>
+          <p:style>
+            <a:lnRef idx="2">
+              <a:schemeClr val="accent1">
+                <a:shade val="50000"/>
+              </a:schemeClr>
+            </a:lnRef>
+            <a:fillRef idx="1">
+              <a:schemeClr val="accent1"/>
+            </a:fillRef>
+            <a:effectRef idx="0">
+              <a:schemeClr val="accent1"/>
+            </a:effectRef>
+            <a:fontRef idx="minor">
+              <a:schemeClr val="lt1"/>
+            </a:fontRef>
+          </p:style>
+          <p:txBody>
+            <a:bodyPr rtlCol="0" anchor="ctr"/>
+            <a:lstStyle/>
+            <a:p>
+              <a:pPr algn="ctr"/>
+              <a:endParaRPr kumimoji="1" lang="ja-JP" altLang="en-US"/>
+            </a:p>
+          </p:txBody>
+        </p:sp>
+        <p:sp>
+          <p:nvSpPr>
+            <p:cNvPr id="628" name="平行四辺形 627"/>
+            <p:cNvSpPr/>
+            <p:nvPr/>
+          </p:nvSpPr>
+          <p:spPr>
+            <a:xfrm rot="19800000" flipH="1">
+              <a:off x="6126944" y="5314038"/>
+              <a:ext cx="659394" cy="318100"/>
+            </a:xfrm>
+            <a:prstGeom prst="parallelogram">
+              <a:avLst>
+                <a:gd name="adj" fmla="val 56906"/>
+              </a:avLst>
+            </a:prstGeom>
+            <a:solidFill>
+              <a:schemeClr val="tx1">
+                <a:lumMod val="50000"/>
+                <a:lumOff val="50000"/>
+              </a:schemeClr>
+            </a:solidFill>
+            <a:ln w="3175">
+              <a:solidFill>
+                <a:schemeClr val="tx1">
+                  <a:lumMod val="50000"/>
+                  <a:lumOff val="50000"/>
+                </a:schemeClr>
+              </a:solidFill>
+            </a:ln>
+          </p:spPr>
+          <p:style>
+            <a:lnRef idx="2">
+              <a:schemeClr val="accent1">
+                <a:shade val="50000"/>
+              </a:schemeClr>
+            </a:lnRef>
+            <a:fillRef idx="1">
+              <a:schemeClr val="accent1"/>
+            </a:fillRef>
+            <a:effectRef idx="0">
+              <a:schemeClr val="accent1"/>
+            </a:effectRef>
+            <a:fontRef idx="minor">
+              <a:schemeClr val="lt1"/>
+            </a:fontRef>
+          </p:style>
+          <p:txBody>
+            <a:bodyPr rtlCol="0" anchor="ctr"/>
+            <a:lstStyle/>
+            <a:p>
+              <a:pPr algn="ctr"/>
+              <a:endParaRPr kumimoji="1" lang="ja-JP" altLang="en-US"/>
+            </a:p>
+          </p:txBody>
+        </p:sp>
+        <p:sp>
+          <p:nvSpPr>
+            <p:cNvPr id="629" name="円/楕円 628"/>
+            <p:cNvSpPr/>
+            <p:nvPr/>
+          </p:nvSpPr>
+          <p:spPr>
+            <a:xfrm rot="16200000" flipH="1">
+              <a:off x="6431590" y="5683887"/>
+              <a:ext cx="72964" cy="64124"/>
+            </a:xfrm>
+            <a:prstGeom prst="ellipse">
+              <a:avLst/>
+            </a:prstGeom>
+            <a:solidFill>
+              <a:srgbClr val="FF9900"/>
+            </a:solidFill>
+            <a:ln>
+              <a:solidFill>
+                <a:schemeClr val="tx1">
+                  <a:lumMod val="65000"/>
+                  <a:lumOff val="35000"/>
+                </a:schemeClr>
+              </a:solidFill>
+            </a:ln>
+          </p:spPr>
+          <p:style>
+            <a:lnRef idx="2">
+              <a:schemeClr val="accent1">
+                <a:shade val="50000"/>
+              </a:schemeClr>
+            </a:lnRef>
+            <a:fillRef idx="1">
+              <a:schemeClr val="accent1"/>
+            </a:fillRef>
+            <a:effectRef idx="0">
+              <a:schemeClr val="accent1"/>
+            </a:effectRef>
+            <a:fontRef idx="minor">
+              <a:schemeClr val="lt1"/>
+            </a:fontRef>
+          </p:style>
+          <p:txBody>
+            <a:bodyPr rtlCol="0" anchor="ctr"/>
+            <a:lstStyle/>
+            <a:p>
+              <a:pPr algn="ctr"/>
+              <a:endParaRPr kumimoji="1" lang="ja-JP" altLang="en-US"/>
+            </a:p>
+          </p:txBody>
+        </p:sp>
+        <p:sp>
+          <p:nvSpPr>
+            <p:cNvPr id="630" name="円/楕円 629"/>
+            <p:cNvSpPr/>
+            <p:nvPr/>
+          </p:nvSpPr>
+          <p:spPr>
+            <a:xfrm rot="16200000" flipH="1">
+              <a:off x="6433033" y="5756851"/>
+              <a:ext cx="72964" cy="64124"/>
+            </a:xfrm>
+            <a:prstGeom prst="ellipse">
+              <a:avLst/>
+            </a:prstGeom>
+            <a:solidFill>
+              <a:srgbClr val="A6D870"/>
+            </a:solidFill>
+            <a:ln>
+              <a:solidFill>
+                <a:schemeClr val="tx1">
+                  <a:lumMod val="65000"/>
+                  <a:lumOff val="35000"/>
+                </a:schemeClr>
+              </a:solidFill>
+            </a:ln>
+          </p:spPr>
+          <p:style>
+            <a:lnRef idx="2">
+              <a:schemeClr val="accent1">
+                <a:shade val="50000"/>
+              </a:schemeClr>
+            </a:lnRef>
+            <a:fillRef idx="1">
+              <a:schemeClr val="accent1"/>
+            </a:fillRef>
+            <a:effectRef idx="0">
+              <a:schemeClr val="accent1"/>
+            </a:effectRef>
+            <a:fontRef idx="minor">
+              <a:schemeClr val="lt1"/>
+            </a:fontRef>
+          </p:style>
+          <p:txBody>
+            <a:bodyPr rtlCol="0" anchor="ctr"/>
+            <a:lstStyle/>
+            <a:p>
+              <a:pPr algn="ctr"/>
+              <a:endParaRPr kumimoji="1" lang="ja-JP" altLang="en-US"/>
+            </a:p>
+          </p:txBody>
+        </p:sp>
+        <p:sp>
+          <p:nvSpPr>
+            <p:cNvPr id="631" name="平行四辺形 630"/>
+            <p:cNvSpPr/>
+            <p:nvPr/>
+          </p:nvSpPr>
+          <p:spPr>
+            <a:xfrm rot="5400000" flipH="1">
+              <a:off x="6752240" y="5510582"/>
+              <a:ext cx="63094" cy="39616"/>
+            </a:xfrm>
+            <a:prstGeom prst="parallelogram">
+              <a:avLst>
+                <a:gd name="adj" fmla="val 56906"/>
+              </a:avLst>
+            </a:prstGeom>
+            <a:solidFill>
+              <a:schemeClr val="tx1">
+                <a:lumMod val="85000"/>
+                <a:lumOff val="15000"/>
+              </a:schemeClr>
+            </a:solidFill>
+            <a:ln w="3175" cap="rnd">
+              <a:solidFill>
+                <a:schemeClr val="tx1">
+                  <a:lumMod val="85000"/>
+                  <a:lumOff val="15000"/>
+                </a:schemeClr>
+              </a:solidFill>
+            </a:ln>
+          </p:spPr>
+          <p:style>
+            <a:lnRef idx="2">
+              <a:schemeClr val="accent1">
+                <a:shade val="50000"/>
+              </a:schemeClr>
+            </a:lnRef>
+            <a:fillRef idx="1">
+              <a:schemeClr val="accent1"/>
+            </a:fillRef>
+            <a:effectRef idx="0">
+              <a:schemeClr val="accent1"/>
+            </a:effectRef>
+            <a:fontRef idx="minor">
+              <a:schemeClr val="lt1"/>
+            </a:fontRef>
+          </p:style>
+          <p:txBody>
+            <a:bodyPr rtlCol="0" anchor="ctr"/>
+            <a:lstStyle/>
+            <a:p>
+              <a:pPr algn="ctr"/>
+              <a:endParaRPr kumimoji="1" lang="ja-JP" altLang="en-US"/>
+            </a:p>
+          </p:txBody>
+        </p:sp>
+        <p:sp>
+          <p:nvSpPr>
+            <p:cNvPr id="632" name="平行四辺形 631"/>
+            <p:cNvSpPr/>
+            <p:nvPr/>
+          </p:nvSpPr>
+          <p:spPr>
+            <a:xfrm rot="5400000" flipH="1">
+              <a:off x="6578819" y="5613279"/>
+              <a:ext cx="63094" cy="39616"/>
+            </a:xfrm>
+            <a:prstGeom prst="parallelogram">
+              <a:avLst>
+                <a:gd name="adj" fmla="val 56906"/>
+              </a:avLst>
+            </a:prstGeom>
+            <a:solidFill>
+              <a:schemeClr val="tx1">
+                <a:lumMod val="85000"/>
+                <a:lumOff val="15000"/>
+              </a:schemeClr>
+            </a:solidFill>
+            <a:ln w="3175" cap="rnd">
+              <a:solidFill>
+                <a:schemeClr val="tx1">
+                  <a:lumMod val="85000"/>
+                  <a:lumOff val="15000"/>
+                </a:schemeClr>
+              </a:solidFill>
+            </a:ln>
+          </p:spPr>
+          <p:style>
+            <a:lnRef idx="2">
+              <a:schemeClr val="accent1">
+                <a:shade val="50000"/>
+              </a:schemeClr>
+            </a:lnRef>
+            <a:fillRef idx="1">
+              <a:schemeClr val="accent1"/>
+            </a:fillRef>
+            <a:effectRef idx="0">
+              <a:schemeClr val="accent1"/>
+            </a:effectRef>
+            <a:fontRef idx="minor">
+              <a:schemeClr val="lt1"/>
+            </a:fontRef>
+          </p:style>
+          <p:txBody>
+            <a:bodyPr rtlCol="0" anchor="ctr"/>
+            <a:lstStyle/>
+            <a:p>
+              <a:pPr algn="ctr"/>
+              <a:endParaRPr kumimoji="1" lang="ja-JP" altLang="en-US"/>
+            </a:p>
+          </p:txBody>
+        </p:sp>
+        <p:sp>
+          <p:nvSpPr>
+            <p:cNvPr id="633" name="平行四辺形 632"/>
+            <p:cNvSpPr/>
+            <p:nvPr/>
+          </p:nvSpPr>
+          <p:spPr>
+            <a:xfrm rot="5400000" flipH="1">
+              <a:off x="6521012" y="5646138"/>
+              <a:ext cx="63094" cy="39616"/>
+            </a:xfrm>
+            <a:prstGeom prst="parallelogram">
+              <a:avLst>
+                <a:gd name="adj" fmla="val 56906"/>
+              </a:avLst>
+            </a:prstGeom>
+            <a:solidFill>
+              <a:schemeClr val="tx1">
+                <a:lumMod val="85000"/>
+                <a:lumOff val="15000"/>
+              </a:schemeClr>
+            </a:solidFill>
+            <a:ln w="3175" cap="rnd">
+              <a:solidFill>
+                <a:schemeClr val="tx1">
+                  <a:lumMod val="85000"/>
+                  <a:lumOff val="15000"/>
+                </a:schemeClr>
+              </a:solidFill>
+            </a:ln>
+          </p:spPr>
+          <p:style>
+            <a:lnRef idx="2">
+              <a:schemeClr val="accent1">
+                <a:shade val="50000"/>
+              </a:schemeClr>
+            </a:lnRef>
+            <a:fillRef idx="1">
+              <a:schemeClr val="accent1"/>
+            </a:fillRef>
+            <a:effectRef idx="0">
+              <a:schemeClr val="accent1"/>
+            </a:effectRef>
+            <a:fontRef idx="minor">
+              <a:schemeClr val="lt1"/>
+            </a:fontRef>
+          </p:style>
+          <p:txBody>
+            <a:bodyPr rtlCol="0" anchor="ctr"/>
+            <a:lstStyle/>
+            <a:p>
+              <a:pPr algn="ctr"/>
+              <a:endParaRPr kumimoji="1" lang="ja-JP" altLang="en-US"/>
+            </a:p>
+          </p:txBody>
+        </p:sp>
+        <p:sp>
+          <p:nvSpPr>
+            <p:cNvPr id="634" name="平行四辺形 633"/>
+            <p:cNvSpPr/>
+            <p:nvPr/>
+          </p:nvSpPr>
+          <p:spPr>
+            <a:xfrm rot="5400000" flipH="1">
+              <a:off x="6694433" y="5545502"/>
+              <a:ext cx="63094" cy="39616"/>
+            </a:xfrm>
+            <a:prstGeom prst="parallelogram">
+              <a:avLst>
+                <a:gd name="adj" fmla="val 56906"/>
+              </a:avLst>
+            </a:prstGeom>
+            <a:solidFill>
+              <a:schemeClr val="tx1">
+                <a:lumMod val="85000"/>
+                <a:lumOff val="15000"/>
+              </a:schemeClr>
+            </a:solidFill>
+            <a:ln w="3175" cap="rnd">
+              <a:solidFill>
+                <a:schemeClr val="tx1">
+                  <a:lumMod val="85000"/>
+                  <a:lumOff val="15000"/>
+                </a:schemeClr>
+              </a:solidFill>
+            </a:ln>
+          </p:spPr>
+          <p:style>
+            <a:lnRef idx="2">
+              <a:schemeClr val="accent1">
+                <a:shade val="50000"/>
+              </a:schemeClr>
+            </a:lnRef>
+            <a:fillRef idx="1">
+              <a:schemeClr val="accent1"/>
+            </a:fillRef>
+            <a:effectRef idx="0">
+              <a:schemeClr val="accent1"/>
+            </a:effectRef>
+            <a:fontRef idx="minor">
+              <a:schemeClr val="lt1"/>
+            </a:fontRef>
+          </p:style>
+          <p:txBody>
+            <a:bodyPr rtlCol="0" anchor="ctr"/>
+            <a:lstStyle/>
+            <a:p>
+              <a:pPr algn="ctr"/>
+              <a:endParaRPr kumimoji="1" lang="ja-JP" altLang="en-US"/>
+            </a:p>
+          </p:txBody>
+        </p:sp>
+        <p:sp>
+          <p:nvSpPr>
+            <p:cNvPr id="635" name="平行四辺形 634"/>
+            <p:cNvSpPr/>
+            <p:nvPr/>
+          </p:nvSpPr>
+          <p:spPr>
+            <a:xfrm rot="5400000" flipH="1">
+              <a:off x="6636626" y="5578359"/>
+              <a:ext cx="63094" cy="39616"/>
+            </a:xfrm>
+            <a:prstGeom prst="parallelogram">
+              <a:avLst>
+                <a:gd name="adj" fmla="val 56906"/>
+              </a:avLst>
+            </a:prstGeom>
+            <a:solidFill>
+              <a:schemeClr val="tx1">
+                <a:lumMod val="85000"/>
+                <a:lumOff val="15000"/>
+              </a:schemeClr>
+            </a:solidFill>
+            <a:ln w="3175" cap="rnd">
+              <a:solidFill>
+                <a:schemeClr val="tx1">
+                  <a:lumMod val="85000"/>
+                  <a:lumOff val="15000"/>
+                </a:schemeClr>
+              </a:solidFill>
+            </a:ln>
+          </p:spPr>
+          <p:style>
+            <a:lnRef idx="2">
+              <a:schemeClr val="accent1">
+                <a:shade val="50000"/>
+              </a:schemeClr>
+            </a:lnRef>
+            <a:fillRef idx="1">
+              <a:schemeClr val="accent1"/>
+            </a:fillRef>
+            <a:effectRef idx="0">
+              <a:schemeClr val="accent1"/>
+            </a:effectRef>
+            <a:fontRef idx="minor">
+              <a:schemeClr val="lt1"/>
+            </a:fontRef>
+          </p:style>
+          <p:txBody>
+            <a:bodyPr rtlCol="0" anchor="ctr"/>
+            <a:lstStyle/>
+            <a:p>
+              <a:pPr algn="ctr"/>
+              <a:endParaRPr kumimoji="1" lang="ja-JP" altLang="en-US"/>
+            </a:p>
+          </p:txBody>
+        </p:sp>
+        <p:sp>
+          <p:nvSpPr>
+            <p:cNvPr id="636" name="平行四辺形 635"/>
+            <p:cNvSpPr/>
+            <p:nvPr/>
+          </p:nvSpPr>
+          <p:spPr>
+            <a:xfrm rot="5400000" flipH="1">
+              <a:off x="6750261" y="5580318"/>
+              <a:ext cx="63094" cy="39616"/>
+            </a:xfrm>
+            <a:prstGeom prst="parallelogram">
+              <a:avLst>
+                <a:gd name="adj" fmla="val 56906"/>
+              </a:avLst>
+            </a:prstGeom>
+            <a:solidFill>
+              <a:schemeClr val="tx1">
+                <a:lumMod val="85000"/>
+                <a:lumOff val="15000"/>
+              </a:schemeClr>
+            </a:solidFill>
+            <a:ln w="3175" cap="rnd">
+              <a:solidFill>
+                <a:schemeClr val="tx1">
+                  <a:lumMod val="85000"/>
+                  <a:lumOff val="15000"/>
+                </a:schemeClr>
+              </a:solidFill>
+            </a:ln>
+          </p:spPr>
+          <p:style>
+            <a:lnRef idx="2">
+              <a:schemeClr val="accent1">
+                <a:shade val="50000"/>
+              </a:schemeClr>
+            </a:lnRef>
+            <a:fillRef idx="1">
+              <a:schemeClr val="accent1"/>
+            </a:fillRef>
+            <a:effectRef idx="0">
+              <a:schemeClr val="accent1"/>
+            </a:effectRef>
+            <a:fontRef idx="minor">
+              <a:schemeClr val="lt1"/>
+            </a:fontRef>
+          </p:style>
+          <p:txBody>
+            <a:bodyPr rtlCol="0" anchor="ctr"/>
+            <a:lstStyle/>
+            <a:p>
+              <a:pPr algn="ctr"/>
+              <a:endParaRPr kumimoji="1" lang="ja-JP" altLang="en-US"/>
+            </a:p>
+          </p:txBody>
+        </p:sp>
+        <p:sp>
+          <p:nvSpPr>
+            <p:cNvPr id="637" name="平行四辺形 636"/>
+            <p:cNvSpPr/>
+            <p:nvPr/>
+          </p:nvSpPr>
+          <p:spPr>
+            <a:xfrm rot="5400000" flipH="1">
+              <a:off x="6576840" y="5683016"/>
+              <a:ext cx="63094" cy="39616"/>
+            </a:xfrm>
+            <a:prstGeom prst="parallelogram">
+              <a:avLst>
+                <a:gd name="adj" fmla="val 56906"/>
+              </a:avLst>
+            </a:prstGeom>
+            <a:solidFill>
+              <a:schemeClr val="tx1">
+                <a:lumMod val="85000"/>
+                <a:lumOff val="15000"/>
+              </a:schemeClr>
+            </a:solidFill>
+            <a:ln w="3175" cap="rnd">
+              <a:solidFill>
+                <a:schemeClr val="tx1">
+                  <a:lumMod val="85000"/>
+                  <a:lumOff val="15000"/>
+                </a:schemeClr>
+              </a:solidFill>
+            </a:ln>
+          </p:spPr>
+          <p:style>
+            <a:lnRef idx="2">
+              <a:schemeClr val="accent1">
+                <a:shade val="50000"/>
+              </a:schemeClr>
+            </a:lnRef>
+            <a:fillRef idx="1">
+              <a:schemeClr val="accent1"/>
+            </a:fillRef>
+            <a:effectRef idx="0">
+              <a:schemeClr val="accent1"/>
+            </a:effectRef>
+            <a:fontRef idx="minor">
+              <a:schemeClr val="lt1"/>
+            </a:fontRef>
+          </p:style>
+          <p:txBody>
+            <a:bodyPr rtlCol="0" anchor="ctr"/>
+            <a:lstStyle/>
+            <a:p>
+              <a:pPr algn="ctr"/>
+              <a:endParaRPr kumimoji="1" lang="ja-JP" altLang="en-US"/>
+            </a:p>
+          </p:txBody>
+        </p:sp>
+        <p:sp>
+          <p:nvSpPr>
+            <p:cNvPr id="638" name="平行四辺形 637"/>
+            <p:cNvSpPr/>
+            <p:nvPr/>
+          </p:nvSpPr>
+          <p:spPr>
+            <a:xfrm rot="5400000" flipH="1">
+              <a:off x="6519033" y="5715874"/>
+              <a:ext cx="63094" cy="39616"/>
+            </a:xfrm>
+            <a:prstGeom prst="parallelogram">
+              <a:avLst>
+                <a:gd name="adj" fmla="val 56906"/>
+              </a:avLst>
+            </a:prstGeom>
+            <a:solidFill>
+              <a:schemeClr val="tx1">
+                <a:lumMod val="85000"/>
+                <a:lumOff val="15000"/>
+              </a:schemeClr>
+            </a:solidFill>
+            <a:ln w="3175" cap="rnd">
+              <a:solidFill>
+                <a:schemeClr val="tx1">
+                  <a:lumMod val="85000"/>
+                  <a:lumOff val="15000"/>
+                </a:schemeClr>
+              </a:solidFill>
+            </a:ln>
+          </p:spPr>
+          <p:style>
+            <a:lnRef idx="2">
+              <a:schemeClr val="accent1">
+                <a:shade val="50000"/>
+              </a:schemeClr>
+            </a:lnRef>
+            <a:fillRef idx="1">
+              <a:schemeClr val="accent1"/>
+            </a:fillRef>
+            <a:effectRef idx="0">
+              <a:schemeClr val="accent1"/>
+            </a:effectRef>
+            <a:fontRef idx="minor">
+              <a:schemeClr val="lt1"/>
+            </a:fontRef>
+          </p:style>
+          <p:txBody>
+            <a:bodyPr rtlCol="0" anchor="ctr"/>
+            <a:lstStyle/>
+            <a:p>
+              <a:pPr algn="ctr"/>
+              <a:endParaRPr kumimoji="1" lang="ja-JP" altLang="en-US"/>
+            </a:p>
+          </p:txBody>
+        </p:sp>
+        <p:sp>
+          <p:nvSpPr>
+            <p:cNvPr id="639" name="平行四辺形 638"/>
+            <p:cNvSpPr/>
+            <p:nvPr/>
+          </p:nvSpPr>
+          <p:spPr>
+            <a:xfrm rot="5400000" flipH="1">
+              <a:off x="6692454" y="5615238"/>
+              <a:ext cx="63094" cy="39616"/>
+            </a:xfrm>
+            <a:prstGeom prst="parallelogram">
+              <a:avLst>
+                <a:gd name="adj" fmla="val 56906"/>
+              </a:avLst>
+            </a:prstGeom>
+            <a:solidFill>
+              <a:schemeClr val="tx1">
+                <a:lumMod val="85000"/>
+                <a:lumOff val="15000"/>
+              </a:schemeClr>
+            </a:solidFill>
+            <a:ln w="3175" cap="rnd">
+              <a:solidFill>
+                <a:schemeClr val="tx1">
+                  <a:lumMod val="85000"/>
+                  <a:lumOff val="15000"/>
+                </a:schemeClr>
+              </a:solidFill>
+            </a:ln>
+          </p:spPr>
+          <p:style>
+            <a:lnRef idx="2">
+              <a:schemeClr val="accent1">
+                <a:shade val="50000"/>
+              </a:schemeClr>
+            </a:lnRef>
+            <a:fillRef idx="1">
+              <a:schemeClr val="accent1"/>
+            </a:fillRef>
+            <a:effectRef idx="0">
+              <a:schemeClr val="accent1"/>
+            </a:effectRef>
+            <a:fontRef idx="minor">
+              <a:schemeClr val="lt1"/>
+            </a:fontRef>
+          </p:style>
+          <p:txBody>
+            <a:bodyPr rtlCol="0" anchor="ctr"/>
+            <a:lstStyle/>
+            <a:p>
+              <a:pPr algn="ctr"/>
+              <a:endParaRPr kumimoji="1" lang="ja-JP" altLang="en-US"/>
+            </a:p>
+          </p:txBody>
+        </p:sp>
+        <p:sp>
+          <p:nvSpPr>
+            <p:cNvPr id="640" name="平行四辺形 639"/>
+            <p:cNvSpPr/>
+            <p:nvPr/>
+          </p:nvSpPr>
+          <p:spPr>
+            <a:xfrm rot="5400000" flipH="1">
+              <a:off x="6634647" y="5648095"/>
+              <a:ext cx="63094" cy="39616"/>
+            </a:xfrm>
+            <a:prstGeom prst="parallelogram">
+              <a:avLst>
+                <a:gd name="adj" fmla="val 56906"/>
+              </a:avLst>
+            </a:prstGeom>
+            <a:solidFill>
+              <a:schemeClr val="tx1">
+                <a:lumMod val="85000"/>
+                <a:lumOff val="15000"/>
+              </a:schemeClr>
+            </a:solidFill>
+            <a:ln w="3175" cap="rnd">
+              <a:solidFill>
+                <a:schemeClr val="tx1">
+                  <a:lumMod val="85000"/>
+                  <a:lumOff val="15000"/>
+                </a:schemeClr>
+              </a:solidFill>
+            </a:ln>
+          </p:spPr>
+          <p:style>
+            <a:lnRef idx="2">
+              <a:schemeClr val="accent1">
+                <a:shade val="50000"/>
+              </a:schemeClr>
+            </a:lnRef>
+            <a:fillRef idx="1">
+              <a:schemeClr val="accent1"/>
+            </a:fillRef>
+            <a:effectRef idx="0">
+              <a:schemeClr val="accent1"/>
+            </a:effectRef>
+            <a:fontRef idx="minor">
+              <a:schemeClr val="lt1"/>
+            </a:fontRef>
+          </p:style>
+          <p:txBody>
+            <a:bodyPr rtlCol="0" anchor="ctr"/>
+            <a:lstStyle/>
+            <a:p>
+              <a:pPr algn="ctr"/>
+              <a:endParaRPr kumimoji="1" lang="ja-JP" altLang="en-US"/>
+            </a:p>
+          </p:txBody>
+        </p:sp>
+        <p:sp>
+          <p:nvSpPr>
+            <p:cNvPr id="623" name="ドーナツ 622"/>
+            <p:cNvSpPr/>
+            <p:nvPr/>
+          </p:nvSpPr>
+          <p:spPr>
+            <a:xfrm flipH="1">
+              <a:off x="6285762" y="4918911"/>
+              <a:ext cx="190729" cy="190729"/>
+            </a:xfrm>
+            <a:prstGeom prst="donut">
+              <a:avLst/>
+            </a:prstGeom>
+            <a:solidFill>
+              <a:schemeClr val="bg1"/>
+            </a:solidFill>
+            <a:ln>
+              <a:solidFill>
+                <a:schemeClr val="tx1">
+                  <a:lumMod val="50000"/>
+                  <a:lumOff val="50000"/>
+                </a:schemeClr>
+              </a:solidFill>
+            </a:ln>
+          </p:spPr>
+          <p:style>
+            <a:lnRef idx="2">
+              <a:schemeClr val="accent1">
+                <a:shade val="50000"/>
+              </a:schemeClr>
+            </a:lnRef>
+            <a:fillRef idx="1">
+              <a:schemeClr val="accent1"/>
+            </a:fillRef>
+            <a:effectRef idx="0">
+              <a:schemeClr val="accent1"/>
+            </a:effectRef>
+            <a:fontRef idx="minor">
+              <a:schemeClr val="lt1"/>
+            </a:fontRef>
+          </p:style>
+          <p:txBody>
+            <a:bodyPr rtlCol="0" anchor="ctr"/>
+            <a:lstStyle/>
+            <a:p>
+              <a:pPr algn="ctr"/>
+              <a:endParaRPr kumimoji="1" lang="ja-JP" altLang="en-US">
+                <a:solidFill>
+                  <a:schemeClr val="tx1"/>
+                </a:solidFill>
+              </a:endParaRPr>
+            </a:p>
+          </p:txBody>
+        </p:sp>
+        <p:sp>
+          <p:nvSpPr>
+            <p:cNvPr id="624" name="パイ 623"/>
+            <p:cNvSpPr/>
+            <p:nvPr/>
+          </p:nvSpPr>
+          <p:spPr>
+            <a:xfrm rot="2952758" flipH="1">
+              <a:off x="6248333" y="4919444"/>
+              <a:ext cx="249581" cy="249581"/>
+            </a:xfrm>
+            <a:prstGeom prst="pie">
+              <a:avLst/>
+            </a:prstGeom>
+            <a:solidFill>
+              <a:schemeClr val="bg1"/>
+            </a:solidFill>
+            <a:ln>
+              <a:solidFill>
+                <a:schemeClr val="bg1"/>
+              </a:solidFill>
+            </a:ln>
+          </p:spPr>
+          <p:style>
+            <a:lnRef idx="2">
+              <a:schemeClr val="accent1">
+                <a:shade val="50000"/>
+              </a:schemeClr>
+            </a:lnRef>
+            <a:fillRef idx="1">
+              <a:schemeClr val="accent1"/>
+            </a:fillRef>
+            <a:effectRef idx="0">
+              <a:schemeClr val="accent1"/>
+            </a:effectRef>
+            <a:fontRef idx="minor">
+              <a:schemeClr val="lt1"/>
+            </a:fontRef>
+          </p:style>
+          <p:txBody>
+            <a:bodyPr rtlCol="0" anchor="ctr"/>
+            <a:lstStyle/>
+            <a:p>
+              <a:pPr algn="ctr"/>
+              <a:endParaRPr kumimoji="1" lang="ja-JP" altLang="en-US">
+                <a:solidFill>
+                  <a:schemeClr val="tx1"/>
+                </a:solidFill>
+              </a:endParaRPr>
+            </a:p>
+          </p:txBody>
+        </p:sp>
+        <p:cxnSp>
+          <p:nvCxnSpPr>
+            <p:cNvPr id="625" name="カギ線コネクタ 34"/>
+            <p:cNvCxnSpPr/>
+            <p:nvPr/>
+          </p:nvCxnSpPr>
+          <p:spPr>
+            <a:xfrm>
+              <a:off x="6376426" y="5078631"/>
+              <a:ext cx="124046" cy="483289"/>
+            </a:xfrm>
+            <a:prstGeom prst="straightConnector1">
+              <a:avLst/>
+            </a:prstGeom>
+            <a:ln w="41275" cap="rnd">
+              <a:solidFill>
+                <a:schemeClr val="bg1">
+                  <a:lumMod val="50000"/>
+                </a:schemeClr>
+              </a:solidFill>
+              <a:headEnd type="oval"/>
+              <a:tailEnd type="oval"/>
+            </a:ln>
+          </p:spPr>
+          <p:style>
+            <a:lnRef idx="1">
+              <a:schemeClr val="accent1"/>
+            </a:lnRef>
+            <a:fillRef idx="0">
+              <a:schemeClr val="accent1"/>
+            </a:fillRef>
+            <a:effectRef idx="0">
+              <a:schemeClr val="accent1"/>
+            </a:effectRef>
+            <a:fontRef idx="minor">
+              <a:schemeClr val="tx1"/>
+            </a:fontRef>
+          </p:style>
+        </p:cxnSp>
+      </p:grpSp>
+      <p:sp>
+        <p:nvSpPr>
+          <p:cNvPr id="669" name="テキスト ボックス 668"/>
+          <p:cNvSpPr txBox="1"/>
+          <p:nvPr/>
+        </p:nvSpPr>
+        <p:spPr>
+          <a:xfrm>
+            <a:off x="6550695" y="358769"/>
+            <a:ext cx="1904689" cy="461665"/>
+          </a:xfrm>
+          <a:prstGeom prst="rect">
+            <a:avLst/>
+          </a:prstGeom>
+          <a:noFill/>
+        </p:spPr>
+        <p:txBody>
+          <a:bodyPr wrap="none" rtlCol="0">
+            <a:spAutoFit/>
+          </a:bodyPr>
+          <a:lstStyle/>
+          <a:p>
+            <a:r>
+              <a:rPr lang="ja-JP" altLang="en-US" sz="2400">
+                <a:solidFill>
+                  <a:schemeClr val="bg1">
+                    <a:lumMod val="50000"/>
+                  </a:schemeClr>
+                </a:solidFill>
+                <a:latin typeface="アンニャントロマン" panose="02000600000000000000" pitchFamily="2" charset="-128"/>
+                <a:ea typeface="アンニャントロマン" panose="02000600000000000000" pitchFamily="2" charset="-128"/>
+                <a:cs typeface="メイリオ" pitchFamily="50" charset="-128"/>
+              </a:rPr>
+              <a:t>コチャアイコンズ</a:t>
+            </a:r>
+            <a:endParaRPr kumimoji="1" lang="ja-JP" altLang="en-US" sz="2400">
+              <a:solidFill>
+                <a:schemeClr val="bg1">
+                  <a:lumMod val="50000"/>
+                </a:schemeClr>
+              </a:solidFill>
+              <a:latin typeface="アンニャントロマン" panose="02000600000000000000" pitchFamily="2" charset="-128"/>
+              <a:ea typeface="アンニャントロマン" panose="02000600000000000000" pitchFamily="2" charset="-128"/>
+              <a:cs typeface="メイリオ" pitchFamily="50" charset="-128"/>
+            </a:endParaRPr>
+          </a:p>
+        </p:txBody>
+      </p:sp>
+      <p:sp>
+        <p:nvSpPr>
+          <p:cNvPr id="668" name="テキスト ボックス 667"/>
+          <p:cNvSpPr txBox="1"/>
+          <p:nvPr/>
+        </p:nvSpPr>
+        <p:spPr>
+          <a:xfrm>
+            <a:off x="6516216" y="332656"/>
+            <a:ext cx="1895071" cy="461665"/>
+          </a:xfrm>
+          <a:prstGeom prst="rect">
+            <a:avLst/>
+          </a:prstGeom>
+          <a:noFill/>
+        </p:spPr>
+        <p:txBody>
+          <a:bodyPr wrap="none" rtlCol="0">
+            <a:spAutoFit/>
+          </a:bodyPr>
+          <a:lstStyle/>
+          <a:p>
+            <a:r>
+              <a:rPr lang="ja-JP" altLang="en-US" sz="2400" smtClean="0">
+                <a:solidFill>
+                  <a:schemeClr val="accent6">
+                    <a:lumMod val="75000"/>
+                  </a:schemeClr>
+                </a:solidFill>
+                <a:latin typeface="アンニャントロマン" panose="02000600000000000000" pitchFamily="2" charset="-128"/>
+                <a:ea typeface="アンニャントロマン" panose="02000600000000000000" pitchFamily="2" charset="-128"/>
+                <a:cs typeface="メイリオ" pitchFamily="50" charset="-128"/>
+              </a:rPr>
+              <a:t>コチャアイコンズ</a:t>
+            </a:r>
+            <a:endParaRPr kumimoji="1" lang="ja-JP" altLang="en-US" sz="2400">
+              <a:solidFill>
+                <a:schemeClr val="accent6">
+                  <a:lumMod val="75000"/>
+                </a:schemeClr>
+              </a:solidFill>
+              <a:latin typeface="アンニャントロマン" panose="02000600000000000000" pitchFamily="2" charset="-128"/>
+              <a:ea typeface="アンニャントロマン" panose="02000600000000000000" pitchFamily="2" charset="-128"/>
+              <a:cs typeface="メイリオ" pitchFamily="50" charset="-128"/>
+            </a:endParaRPr>
+          </a:p>
+        </p:txBody>
+      </p:sp>
     </p:spTree>
     <p:extLst>
       <p:ext uri="{BB962C8B-B14F-4D97-AF65-F5344CB8AC3E}">

--- a/cocha-icons-source.pptx
+++ b/cocha-icons-source.pptx
@@ -14,22 +14,22 @@
   <p:notesSz cx="6858000" cy="9144000"/>
   <p:embeddedFontLst>
     <p:embeddedFont>
-      <p:font typeface="Calibri" panose="020F0502020204030204" pitchFamily="34" charset="0"/>
+      <p:font typeface="メイリオ" panose="020B0604030504040204" pitchFamily="50" charset="-128"/>
       <p:regular r:id="rId4"/>
       <p:bold r:id="rId5"/>
       <p:italic r:id="rId6"/>
       <p:boldItalic r:id="rId7"/>
     </p:embeddedFont>
     <p:embeddedFont>
-      <p:font typeface="アンニャントロマン" panose="02000600000000000000" pitchFamily="2" charset="-128"/>
+      <p:font typeface="Calibri" panose="020F0502020204030204" pitchFamily="34" charset="0"/>
       <p:regular r:id="rId8"/>
+      <p:bold r:id="rId9"/>
+      <p:italic r:id="rId10"/>
+      <p:boldItalic r:id="rId11"/>
     </p:embeddedFont>
     <p:embeddedFont>
-      <p:font typeface="メイリオ" panose="020B0604030504040204" pitchFamily="50" charset="-128"/>
-      <p:regular r:id="rId9"/>
-      <p:bold r:id="rId10"/>
-      <p:italic r:id="rId11"/>
-      <p:boldItalic r:id="rId12"/>
+      <p:font typeface="アンニャントロマン" panose="02000600000000000000" pitchFamily="2" charset="-128"/>
+      <p:regular r:id="rId12"/>
     </p:embeddedFont>
   </p:embeddedFontLst>
   <p:defaultTextStyle>
@@ -229,7 +229,7 @@
             <a:fld id="{0B3E0B61-2EC1-41A1-85D2-6BE8CC1CB3EF}" type="datetimeFigureOut">
               <a:rPr kumimoji="1" lang="ja-JP" altLang="en-US" smtClean="0"/>
               <a:pPr/>
-              <a:t>2017/11/2</a:t>
+              <a:t>2017/11/6</a:t>
             </a:fld>
             <a:endParaRPr kumimoji="1" lang="ja-JP" altLang="en-US"/>
           </a:p>
@@ -799,7 +799,7 @@
             <a:fld id="{3A117DF5-0C47-4C2D-A52B-28BE7B607343}" type="datetimeFigureOut">
               <a:rPr kumimoji="1" lang="ja-JP" altLang="en-US" smtClean="0"/>
               <a:pPr/>
-              <a:t>2017/11/2</a:t>
+              <a:t>2017/11/6</a:t>
             </a:fld>
             <a:endParaRPr kumimoji="1" lang="ja-JP" altLang="en-US"/>
           </a:p>
@@ -998,7 +998,7 @@
             <a:fld id="{3A117DF5-0C47-4C2D-A52B-28BE7B607343}" type="datetimeFigureOut">
               <a:rPr kumimoji="1" lang="ja-JP" altLang="en-US" smtClean="0"/>
               <a:pPr/>
-              <a:t>2017/11/2</a:t>
+              <a:t>2017/11/6</a:t>
             </a:fld>
             <a:endParaRPr kumimoji="1" lang="ja-JP" altLang="en-US"/>
           </a:p>
@@ -1214,7 +1214,7 @@
             <a:fld id="{3A117DF5-0C47-4C2D-A52B-28BE7B607343}" type="datetimeFigureOut">
               <a:rPr kumimoji="1" lang="ja-JP" altLang="en-US" smtClean="0"/>
               <a:pPr/>
-              <a:t>2017/11/2</a:t>
+              <a:t>2017/11/6</a:t>
             </a:fld>
             <a:endParaRPr kumimoji="1" lang="ja-JP" altLang="en-US"/>
           </a:p>
@@ -1420,7 +1420,7 @@
             <a:fld id="{3A117DF5-0C47-4C2D-A52B-28BE7B607343}" type="datetimeFigureOut">
               <a:rPr kumimoji="1" lang="ja-JP" altLang="en-US" smtClean="0"/>
               <a:pPr/>
-              <a:t>2017/11/2</a:t>
+              <a:t>2017/11/6</a:t>
             </a:fld>
             <a:endParaRPr kumimoji="1" lang="ja-JP" altLang="en-US"/>
           </a:p>
@@ -1670,7 +1670,7 @@
             <a:fld id="{3A117DF5-0C47-4C2D-A52B-28BE7B607343}" type="datetimeFigureOut">
               <a:rPr kumimoji="1" lang="ja-JP" altLang="en-US" smtClean="0"/>
               <a:pPr/>
-              <a:t>2017/11/2</a:t>
+              <a:t>2017/11/6</a:t>
             </a:fld>
             <a:endParaRPr kumimoji="1" lang="ja-JP" altLang="en-US"/>
           </a:p>
@@ -2019,7 +2019,7 @@
             <a:fld id="{3A117DF5-0C47-4C2D-A52B-28BE7B607343}" type="datetimeFigureOut">
               <a:rPr kumimoji="1" lang="ja-JP" altLang="en-US" smtClean="0"/>
               <a:pPr/>
-              <a:t>2017/11/2</a:t>
+              <a:t>2017/11/6</a:t>
             </a:fld>
             <a:endParaRPr kumimoji="1" lang="ja-JP" altLang="en-US"/>
           </a:p>
@@ -2509,7 +2509,7 @@
             <a:fld id="{3A117DF5-0C47-4C2D-A52B-28BE7B607343}" type="datetimeFigureOut">
               <a:rPr kumimoji="1" lang="ja-JP" altLang="en-US" smtClean="0"/>
               <a:pPr/>
-              <a:t>2017/11/2</a:t>
+              <a:t>2017/11/6</a:t>
             </a:fld>
             <a:endParaRPr kumimoji="1" lang="ja-JP" altLang="en-US"/>
           </a:p>
@@ -2631,7 +2631,7 @@
             <a:fld id="{3A117DF5-0C47-4C2D-A52B-28BE7B607343}" type="datetimeFigureOut">
               <a:rPr kumimoji="1" lang="ja-JP" altLang="en-US" smtClean="0"/>
               <a:pPr/>
-              <a:t>2017/11/2</a:t>
+              <a:t>2017/11/6</a:t>
             </a:fld>
             <a:endParaRPr kumimoji="1" lang="ja-JP" altLang="en-US"/>
           </a:p>
@@ -2730,7 +2730,7 @@
             <a:fld id="{3A117DF5-0C47-4C2D-A52B-28BE7B607343}" type="datetimeFigureOut">
               <a:rPr kumimoji="1" lang="ja-JP" altLang="en-US" smtClean="0"/>
               <a:pPr/>
-              <a:t>2017/11/2</a:t>
+              <a:t>2017/11/6</a:t>
             </a:fld>
             <a:endParaRPr kumimoji="1" lang="ja-JP" altLang="en-US"/>
           </a:p>
@@ -3043,7 +3043,7 @@
             <a:fld id="{3A117DF5-0C47-4C2D-A52B-28BE7B607343}" type="datetimeFigureOut">
               <a:rPr kumimoji="1" lang="ja-JP" altLang="en-US" smtClean="0"/>
               <a:pPr/>
-              <a:t>2017/11/2</a:t>
+              <a:t>2017/11/6</a:t>
             </a:fld>
             <a:endParaRPr kumimoji="1" lang="ja-JP" altLang="en-US"/>
           </a:p>
@@ -3293,7 +3293,7 @@
             <a:fld id="{3A117DF5-0C47-4C2D-A52B-28BE7B607343}" type="datetimeFigureOut">
               <a:rPr kumimoji="1" lang="ja-JP" altLang="en-US" smtClean="0"/>
               <a:pPr/>
-              <a:t>2017/11/2</a:t>
+              <a:t>2017/11/6</a:t>
             </a:fld>
             <a:endParaRPr kumimoji="1" lang="ja-JP" altLang="en-US"/>
           </a:p>
@@ -3542,7 +3542,7 @@
             <a:fld id="{3A117DF5-0C47-4C2D-A52B-28BE7B607343}" type="datetimeFigureOut">
               <a:rPr kumimoji="1" lang="ja-JP" altLang="en-US" smtClean="0"/>
               <a:pPr/>
-              <a:t>2017/11/2</a:t>
+              <a:t>2017/11/6</a:t>
             </a:fld>
             <a:endParaRPr kumimoji="1" lang="ja-JP" altLang="en-US"/>
           </a:p>
@@ -3920,58 +3920,6 @@
           <a:chExt cx="0" cy="0"/>
         </a:xfrm>
       </p:grpSpPr>
-      <p:sp>
-        <p:nvSpPr>
-          <p:cNvPr id="33" name="円/楕円 32"/>
-          <p:cNvSpPr/>
-          <p:nvPr/>
-        </p:nvSpPr>
-        <p:spPr>
-          <a:xfrm>
-            <a:off x="6245117" y="4219558"/>
-            <a:ext cx="987303" cy="528260"/>
-          </a:xfrm>
-          <a:prstGeom prst="ellipse">
-            <a:avLst/>
-          </a:prstGeom>
-          <a:solidFill>
-            <a:schemeClr val="bg1">
-              <a:lumMod val="75000"/>
-            </a:schemeClr>
-          </a:solidFill>
-          <a:ln>
-            <a:solidFill>
-              <a:schemeClr val="bg1">
-                <a:lumMod val="75000"/>
-              </a:schemeClr>
-            </a:solidFill>
-          </a:ln>
-        </p:spPr>
-        <p:style>
-          <a:lnRef idx="2">
-            <a:schemeClr val="accent1">
-              <a:shade val="50000"/>
-            </a:schemeClr>
-          </a:lnRef>
-          <a:fillRef idx="1">
-            <a:schemeClr val="accent1"/>
-          </a:fillRef>
-          <a:effectRef idx="0">
-            <a:schemeClr val="accent1"/>
-          </a:effectRef>
-          <a:fontRef idx="minor">
-            <a:schemeClr val="lt1"/>
-          </a:fontRef>
-        </p:style>
-        <p:txBody>
-          <a:bodyPr rtlCol="0" anchor="ctr"/>
-          <a:lstStyle/>
-          <a:p>
-            <a:pPr algn="ctr"/>
-            <a:endParaRPr kumimoji="1" lang="ja-JP" altLang="en-US"/>
-          </a:p>
-        </p:txBody>
-      </p:sp>
       <p:cxnSp>
         <p:nvCxnSpPr>
           <p:cNvPr id="90" name="カギ線コネクタ 34"/>
@@ -7497,645 +7445,6 @@
       </p:grpSp>
       <p:grpSp>
         <p:nvGrpSpPr>
-          <p:cNvPr id="7" name="グループ化 6"/>
-          <p:cNvGrpSpPr/>
-          <p:nvPr/>
-        </p:nvGrpSpPr>
-        <p:grpSpPr>
-          <a:xfrm>
-            <a:off x="3443606" y="5144328"/>
-            <a:ext cx="676569" cy="1018919"/>
-            <a:chOff x="3443606" y="5144328"/>
-            <a:chExt cx="676569" cy="1018919"/>
-          </a:xfrm>
-        </p:grpSpPr>
-        <p:sp>
-          <p:nvSpPr>
-            <p:cNvPr id="174" name="円/楕円 173"/>
-            <p:cNvSpPr/>
-            <p:nvPr/>
-          </p:nvSpPr>
-          <p:spPr>
-            <a:xfrm>
-              <a:off x="3443606" y="5803977"/>
-              <a:ext cx="676569" cy="359270"/>
-            </a:xfrm>
-            <a:prstGeom prst="ellipse">
-              <a:avLst/>
-            </a:prstGeom>
-            <a:solidFill>
-              <a:schemeClr val="bg1">
-                <a:lumMod val="85000"/>
-              </a:schemeClr>
-            </a:solidFill>
-            <a:ln w="6350">
-              <a:solidFill>
-                <a:schemeClr val="bg1">
-                  <a:lumMod val="95000"/>
-                </a:schemeClr>
-              </a:solidFill>
-            </a:ln>
-          </p:spPr>
-          <p:style>
-            <a:lnRef idx="2">
-              <a:schemeClr val="accent1">
-                <a:shade val="50000"/>
-              </a:schemeClr>
-            </a:lnRef>
-            <a:fillRef idx="1">
-              <a:schemeClr val="accent1"/>
-            </a:fillRef>
-            <a:effectRef idx="0">
-              <a:schemeClr val="accent1"/>
-            </a:effectRef>
-            <a:fontRef idx="minor">
-              <a:schemeClr val="lt1"/>
-            </a:fontRef>
-          </p:style>
-          <p:txBody>
-            <a:bodyPr rtlCol="0" anchor="ctr"/>
-            <a:lstStyle/>
-            <a:p>
-              <a:pPr algn="ctr"/>
-              <a:endParaRPr kumimoji="1" lang="ja-JP" altLang="en-US"/>
-            </a:p>
-          </p:txBody>
-        </p:sp>
-        <p:sp>
-          <p:nvSpPr>
-            <p:cNvPr id="175" name="正方形/長方形 174"/>
-            <p:cNvSpPr/>
-            <p:nvPr/>
-          </p:nvSpPr>
-          <p:spPr>
-            <a:xfrm>
-              <a:off x="3452809" y="5797027"/>
-              <a:ext cx="651824" cy="185881"/>
-            </a:xfrm>
-            <a:prstGeom prst="rect">
-              <a:avLst/>
-            </a:prstGeom>
-            <a:solidFill>
-              <a:schemeClr val="bg1">
-                <a:lumMod val="85000"/>
-              </a:schemeClr>
-            </a:solidFill>
-            <a:ln>
-              <a:solidFill>
-                <a:schemeClr val="bg1">
-                  <a:lumMod val="85000"/>
-                </a:schemeClr>
-              </a:solidFill>
-            </a:ln>
-          </p:spPr>
-          <p:style>
-            <a:lnRef idx="2">
-              <a:schemeClr val="accent1">
-                <a:shade val="50000"/>
-              </a:schemeClr>
-            </a:lnRef>
-            <a:fillRef idx="1">
-              <a:schemeClr val="accent1"/>
-            </a:fillRef>
-            <a:effectRef idx="0">
-              <a:schemeClr val="accent1"/>
-            </a:effectRef>
-            <a:fontRef idx="minor">
-              <a:schemeClr val="lt1"/>
-            </a:fontRef>
-          </p:style>
-          <p:txBody>
-            <a:bodyPr rtlCol="0" anchor="ctr"/>
-            <a:lstStyle/>
-            <a:p>
-              <a:pPr algn="ctr"/>
-              <a:endParaRPr kumimoji="1" lang="ja-JP" altLang="en-US"/>
-            </a:p>
-          </p:txBody>
-        </p:sp>
-        <p:sp>
-          <p:nvSpPr>
-            <p:cNvPr id="176" name="円/楕円 175"/>
-            <p:cNvSpPr/>
-            <p:nvPr/>
-          </p:nvSpPr>
-          <p:spPr>
-            <a:xfrm>
-              <a:off x="3443606" y="5620976"/>
-              <a:ext cx="676569" cy="359270"/>
-            </a:xfrm>
-            <a:prstGeom prst="ellipse">
-              <a:avLst/>
-            </a:prstGeom>
-            <a:solidFill>
-              <a:schemeClr val="bg1">
-                <a:lumMod val="85000"/>
-              </a:schemeClr>
-            </a:solidFill>
-            <a:ln w="6350">
-              <a:solidFill>
-                <a:schemeClr val="bg1">
-                  <a:lumMod val="95000"/>
-                </a:schemeClr>
-              </a:solidFill>
-            </a:ln>
-          </p:spPr>
-          <p:style>
-            <a:lnRef idx="2">
-              <a:schemeClr val="accent1">
-                <a:shade val="50000"/>
-              </a:schemeClr>
-            </a:lnRef>
-            <a:fillRef idx="1">
-              <a:schemeClr val="accent1"/>
-            </a:fillRef>
-            <a:effectRef idx="0">
-              <a:schemeClr val="accent1"/>
-            </a:effectRef>
-            <a:fontRef idx="minor">
-              <a:schemeClr val="lt1"/>
-            </a:fontRef>
-          </p:style>
-          <p:txBody>
-            <a:bodyPr rtlCol="0" anchor="ctr"/>
-            <a:lstStyle/>
-            <a:p>
-              <a:pPr algn="ctr"/>
-              <a:endParaRPr kumimoji="1" lang="ja-JP" altLang="en-US"/>
-            </a:p>
-          </p:txBody>
-        </p:sp>
-        <p:sp>
-          <p:nvSpPr>
-            <p:cNvPr id="177" name="円/楕円 176"/>
-            <p:cNvSpPr/>
-            <p:nvPr/>
-          </p:nvSpPr>
-          <p:spPr>
-            <a:xfrm>
-              <a:off x="3512025" y="5663242"/>
-              <a:ext cx="539731" cy="286607"/>
-            </a:xfrm>
-            <a:prstGeom prst="ellipse">
-              <a:avLst/>
-            </a:prstGeom>
-            <a:solidFill>
-              <a:schemeClr val="bg1">
-                <a:lumMod val="85000"/>
-              </a:schemeClr>
-            </a:solidFill>
-            <a:ln w="6350">
-              <a:solidFill>
-                <a:schemeClr val="bg1">
-                  <a:lumMod val="65000"/>
-                </a:schemeClr>
-              </a:solidFill>
-            </a:ln>
-          </p:spPr>
-          <p:style>
-            <a:lnRef idx="2">
-              <a:schemeClr val="accent1">
-                <a:shade val="50000"/>
-              </a:schemeClr>
-            </a:lnRef>
-            <a:fillRef idx="1">
-              <a:schemeClr val="accent1"/>
-            </a:fillRef>
-            <a:effectRef idx="0">
-              <a:schemeClr val="accent1"/>
-            </a:effectRef>
-            <a:fontRef idx="minor">
-              <a:schemeClr val="lt1"/>
-            </a:fontRef>
-          </p:style>
-          <p:txBody>
-            <a:bodyPr rtlCol="0" anchor="ctr"/>
-            <a:lstStyle/>
-            <a:p>
-              <a:pPr algn="ctr"/>
-              <a:endParaRPr kumimoji="1" lang="ja-JP" altLang="en-US"/>
-            </a:p>
-          </p:txBody>
-        </p:sp>
-        <p:sp>
-          <p:nvSpPr>
-            <p:cNvPr id="178" name="円/楕円 177"/>
-            <p:cNvSpPr/>
-            <p:nvPr/>
-          </p:nvSpPr>
-          <p:spPr>
-            <a:xfrm>
-              <a:off x="3443606" y="5565610"/>
-              <a:ext cx="676569" cy="359270"/>
-            </a:xfrm>
-            <a:prstGeom prst="ellipse">
-              <a:avLst/>
-            </a:prstGeom>
-            <a:solidFill>
-              <a:schemeClr val="bg1">
-                <a:lumMod val="85000"/>
-              </a:schemeClr>
-            </a:solidFill>
-            <a:ln w="6350">
-              <a:solidFill>
-                <a:schemeClr val="bg1">
-                  <a:lumMod val="95000"/>
-                </a:schemeClr>
-              </a:solidFill>
-            </a:ln>
-          </p:spPr>
-          <p:style>
-            <a:lnRef idx="2">
-              <a:schemeClr val="accent1">
-                <a:shade val="50000"/>
-              </a:schemeClr>
-            </a:lnRef>
-            <a:fillRef idx="1">
-              <a:schemeClr val="accent1"/>
-            </a:fillRef>
-            <a:effectRef idx="0">
-              <a:schemeClr val="accent1"/>
-            </a:effectRef>
-            <a:fontRef idx="minor">
-              <a:schemeClr val="lt1"/>
-            </a:fontRef>
-          </p:style>
-          <p:txBody>
-            <a:bodyPr rtlCol="0" anchor="ctr"/>
-            <a:lstStyle/>
-            <a:p>
-              <a:pPr algn="ctr"/>
-              <a:endParaRPr kumimoji="1" lang="ja-JP" altLang="en-US"/>
-            </a:p>
-          </p:txBody>
-        </p:sp>
-        <p:sp>
-          <p:nvSpPr>
-            <p:cNvPr id="179" name="正方形/長方形 178"/>
-            <p:cNvSpPr/>
-            <p:nvPr/>
-          </p:nvSpPr>
-          <p:spPr>
-            <a:xfrm>
-              <a:off x="3452809" y="5558660"/>
-              <a:ext cx="651824" cy="185881"/>
-            </a:xfrm>
-            <a:prstGeom prst="rect">
-              <a:avLst/>
-            </a:prstGeom>
-            <a:solidFill>
-              <a:schemeClr val="bg1">
-                <a:lumMod val="85000"/>
-              </a:schemeClr>
-            </a:solidFill>
-            <a:ln>
-              <a:solidFill>
-                <a:schemeClr val="bg1">
-                  <a:lumMod val="85000"/>
-                </a:schemeClr>
-              </a:solidFill>
-            </a:ln>
-          </p:spPr>
-          <p:style>
-            <a:lnRef idx="2">
-              <a:schemeClr val="accent1">
-                <a:shade val="50000"/>
-              </a:schemeClr>
-            </a:lnRef>
-            <a:fillRef idx="1">
-              <a:schemeClr val="accent1"/>
-            </a:fillRef>
-            <a:effectRef idx="0">
-              <a:schemeClr val="accent1"/>
-            </a:effectRef>
-            <a:fontRef idx="minor">
-              <a:schemeClr val="lt1"/>
-            </a:fontRef>
-          </p:style>
-          <p:txBody>
-            <a:bodyPr rtlCol="0" anchor="ctr"/>
-            <a:lstStyle/>
-            <a:p>
-              <a:pPr algn="ctr"/>
-              <a:endParaRPr kumimoji="1" lang="ja-JP" altLang="en-US"/>
-            </a:p>
-          </p:txBody>
-        </p:sp>
-        <p:sp>
-          <p:nvSpPr>
-            <p:cNvPr id="180" name="円/楕円 179"/>
-            <p:cNvSpPr/>
-            <p:nvPr/>
-          </p:nvSpPr>
-          <p:spPr>
-            <a:xfrm>
-              <a:off x="3443606" y="5382609"/>
-              <a:ext cx="676569" cy="359270"/>
-            </a:xfrm>
-            <a:prstGeom prst="ellipse">
-              <a:avLst/>
-            </a:prstGeom>
-            <a:solidFill>
-              <a:schemeClr val="bg1">
-                <a:lumMod val="85000"/>
-              </a:schemeClr>
-            </a:solidFill>
-            <a:ln w="6350">
-              <a:solidFill>
-                <a:schemeClr val="bg1">
-                  <a:lumMod val="95000"/>
-                </a:schemeClr>
-              </a:solidFill>
-            </a:ln>
-          </p:spPr>
-          <p:style>
-            <a:lnRef idx="2">
-              <a:schemeClr val="accent1">
-                <a:shade val="50000"/>
-              </a:schemeClr>
-            </a:lnRef>
-            <a:fillRef idx="1">
-              <a:schemeClr val="accent1"/>
-            </a:fillRef>
-            <a:effectRef idx="0">
-              <a:schemeClr val="accent1"/>
-            </a:effectRef>
-            <a:fontRef idx="minor">
-              <a:schemeClr val="lt1"/>
-            </a:fontRef>
-          </p:style>
-          <p:txBody>
-            <a:bodyPr rtlCol="0" anchor="ctr"/>
-            <a:lstStyle/>
-            <a:p>
-              <a:pPr algn="ctr"/>
-              <a:endParaRPr kumimoji="1" lang="ja-JP" altLang="en-US"/>
-            </a:p>
-          </p:txBody>
-        </p:sp>
-        <p:sp>
-          <p:nvSpPr>
-            <p:cNvPr id="181" name="円/楕円 180"/>
-            <p:cNvSpPr/>
-            <p:nvPr/>
-          </p:nvSpPr>
-          <p:spPr>
-            <a:xfrm>
-              <a:off x="3512025" y="5424875"/>
-              <a:ext cx="539731" cy="286607"/>
-            </a:xfrm>
-            <a:prstGeom prst="ellipse">
-              <a:avLst/>
-            </a:prstGeom>
-            <a:solidFill>
-              <a:schemeClr val="bg1">
-                <a:lumMod val="85000"/>
-              </a:schemeClr>
-            </a:solidFill>
-            <a:ln w="6350">
-              <a:solidFill>
-                <a:schemeClr val="bg1">
-                  <a:lumMod val="65000"/>
-                </a:schemeClr>
-              </a:solidFill>
-            </a:ln>
-          </p:spPr>
-          <p:style>
-            <a:lnRef idx="2">
-              <a:schemeClr val="accent1">
-                <a:shade val="50000"/>
-              </a:schemeClr>
-            </a:lnRef>
-            <a:fillRef idx="1">
-              <a:schemeClr val="accent1"/>
-            </a:fillRef>
-            <a:effectRef idx="0">
-              <a:schemeClr val="accent1"/>
-            </a:effectRef>
-            <a:fontRef idx="minor">
-              <a:schemeClr val="lt1"/>
-            </a:fontRef>
-          </p:style>
-          <p:txBody>
-            <a:bodyPr rtlCol="0" anchor="ctr"/>
-            <a:lstStyle/>
-            <a:p>
-              <a:pPr algn="ctr"/>
-              <a:endParaRPr kumimoji="1" lang="ja-JP" altLang="en-US"/>
-            </a:p>
-          </p:txBody>
-        </p:sp>
-        <p:sp>
-          <p:nvSpPr>
-            <p:cNvPr id="182" name="円/楕円 181"/>
-            <p:cNvSpPr/>
-            <p:nvPr/>
-          </p:nvSpPr>
-          <p:spPr>
-            <a:xfrm>
-              <a:off x="3443606" y="5327329"/>
-              <a:ext cx="676569" cy="359270"/>
-            </a:xfrm>
-            <a:prstGeom prst="ellipse">
-              <a:avLst/>
-            </a:prstGeom>
-            <a:solidFill>
-              <a:schemeClr val="bg1">
-                <a:lumMod val="85000"/>
-              </a:schemeClr>
-            </a:solidFill>
-            <a:ln w="6350">
-              <a:solidFill>
-                <a:schemeClr val="bg1">
-                  <a:lumMod val="95000"/>
-                </a:schemeClr>
-              </a:solidFill>
-            </a:ln>
-          </p:spPr>
-          <p:style>
-            <a:lnRef idx="2">
-              <a:schemeClr val="accent1">
-                <a:shade val="50000"/>
-              </a:schemeClr>
-            </a:lnRef>
-            <a:fillRef idx="1">
-              <a:schemeClr val="accent1"/>
-            </a:fillRef>
-            <a:effectRef idx="0">
-              <a:schemeClr val="accent1"/>
-            </a:effectRef>
-            <a:fontRef idx="minor">
-              <a:schemeClr val="lt1"/>
-            </a:fontRef>
-          </p:style>
-          <p:txBody>
-            <a:bodyPr rtlCol="0" anchor="ctr"/>
-            <a:lstStyle/>
-            <a:p>
-              <a:pPr algn="ctr"/>
-              <a:endParaRPr kumimoji="1" lang="ja-JP" altLang="en-US"/>
-            </a:p>
-          </p:txBody>
-        </p:sp>
-        <p:sp>
-          <p:nvSpPr>
-            <p:cNvPr id="186" name="正方形/長方形 185"/>
-            <p:cNvSpPr/>
-            <p:nvPr/>
-          </p:nvSpPr>
-          <p:spPr>
-            <a:xfrm>
-              <a:off x="3452809" y="5320379"/>
-              <a:ext cx="651824" cy="185881"/>
-            </a:xfrm>
-            <a:prstGeom prst="rect">
-              <a:avLst/>
-            </a:prstGeom>
-            <a:solidFill>
-              <a:schemeClr val="bg1">
-                <a:lumMod val="85000"/>
-              </a:schemeClr>
-            </a:solidFill>
-            <a:ln>
-              <a:solidFill>
-                <a:schemeClr val="bg1">
-                  <a:lumMod val="85000"/>
-                </a:schemeClr>
-              </a:solidFill>
-            </a:ln>
-          </p:spPr>
-          <p:style>
-            <a:lnRef idx="2">
-              <a:schemeClr val="accent1">
-                <a:shade val="50000"/>
-              </a:schemeClr>
-            </a:lnRef>
-            <a:fillRef idx="1">
-              <a:schemeClr val="accent1"/>
-            </a:fillRef>
-            <a:effectRef idx="0">
-              <a:schemeClr val="accent1"/>
-            </a:effectRef>
-            <a:fontRef idx="minor">
-              <a:schemeClr val="lt1"/>
-            </a:fontRef>
-          </p:style>
-          <p:txBody>
-            <a:bodyPr rtlCol="0" anchor="ctr"/>
-            <a:lstStyle/>
-            <a:p>
-              <a:pPr algn="ctr"/>
-              <a:endParaRPr kumimoji="1" lang="ja-JP" altLang="en-US"/>
-            </a:p>
-          </p:txBody>
-        </p:sp>
-        <p:sp>
-          <p:nvSpPr>
-            <p:cNvPr id="188" name="円/楕円 187"/>
-            <p:cNvSpPr/>
-            <p:nvPr/>
-          </p:nvSpPr>
-          <p:spPr>
-            <a:xfrm>
-              <a:off x="3443606" y="5144328"/>
-              <a:ext cx="676569" cy="359270"/>
-            </a:xfrm>
-            <a:prstGeom prst="ellipse">
-              <a:avLst/>
-            </a:prstGeom>
-            <a:solidFill>
-              <a:schemeClr val="bg1">
-                <a:lumMod val="85000"/>
-              </a:schemeClr>
-            </a:solidFill>
-            <a:ln w="6350">
-              <a:solidFill>
-                <a:schemeClr val="bg1">
-                  <a:lumMod val="95000"/>
-                </a:schemeClr>
-              </a:solidFill>
-            </a:ln>
-          </p:spPr>
-          <p:style>
-            <a:lnRef idx="2">
-              <a:schemeClr val="accent1">
-                <a:shade val="50000"/>
-              </a:schemeClr>
-            </a:lnRef>
-            <a:fillRef idx="1">
-              <a:schemeClr val="accent1"/>
-            </a:fillRef>
-            <a:effectRef idx="0">
-              <a:schemeClr val="accent1"/>
-            </a:effectRef>
-            <a:fontRef idx="minor">
-              <a:schemeClr val="lt1"/>
-            </a:fontRef>
-          </p:style>
-          <p:txBody>
-            <a:bodyPr rtlCol="0" anchor="ctr"/>
-            <a:lstStyle/>
-            <a:p>
-              <a:pPr algn="ctr"/>
-              <a:endParaRPr kumimoji="1" lang="ja-JP" altLang="en-US"/>
-            </a:p>
-          </p:txBody>
-        </p:sp>
-        <p:sp>
-          <p:nvSpPr>
-            <p:cNvPr id="189" name="円/楕円 188"/>
-            <p:cNvSpPr/>
-            <p:nvPr/>
-          </p:nvSpPr>
-          <p:spPr>
-            <a:xfrm>
-              <a:off x="3512025" y="5186594"/>
-              <a:ext cx="539731" cy="286607"/>
-            </a:xfrm>
-            <a:prstGeom prst="ellipse">
-              <a:avLst/>
-            </a:prstGeom>
-            <a:solidFill>
-              <a:schemeClr val="bg1">
-                <a:lumMod val="85000"/>
-              </a:schemeClr>
-            </a:solidFill>
-            <a:ln w="6350">
-              <a:solidFill>
-                <a:schemeClr val="bg1">
-                  <a:lumMod val="65000"/>
-                </a:schemeClr>
-              </a:solidFill>
-            </a:ln>
-          </p:spPr>
-          <p:style>
-            <a:lnRef idx="2">
-              <a:schemeClr val="accent1">
-                <a:shade val="50000"/>
-              </a:schemeClr>
-            </a:lnRef>
-            <a:fillRef idx="1">
-              <a:schemeClr val="accent1"/>
-            </a:fillRef>
-            <a:effectRef idx="0">
-              <a:schemeClr val="accent1"/>
-            </a:effectRef>
-            <a:fontRef idx="minor">
-              <a:schemeClr val="lt1"/>
-            </a:fontRef>
-          </p:style>
-          <p:txBody>
-            <a:bodyPr rtlCol="0" anchor="ctr"/>
-            <a:lstStyle/>
-            <a:p>
-              <a:pPr algn="ctr"/>
-              <a:endParaRPr kumimoji="1" lang="ja-JP" altLang="en-US"/>
-            </a:p>
-          </p:txBody>
-        </p:sp>
-      </p:grpSp>
-      <p:grpSp>
-        <p:nvGrpSpPr>
           <p:cNvPr id="20" name="グループ化 19"/>
           <p:cNvGrpSpPr/>
           <p:nvPr/>
@@ -8281,1406 +7590,6 @@
                 <a:schemeClr val="tx1">
                   <a:lumMod val="50000"/>
                   <a:lumOff val="50000"/>
-                </a:schemeClr>
-              </a:solidFill>
-            </a:ln>
-          </p:spPr>
-          <p:style>
-            <a:lnRef idx="2">
-              <a:schemeClr val="accent1">
-                <a:shade val="50000"/>
-              </a:schemeClr>
-            </a:lnRef>
-            <a:fillRef idx="1">
-              <a:schemeClr val="accent1"/>
-            </a:fillRef>
-            <a:effectRef idx="0">
-              <a:schemeClr val="accent1"/>
-            </a:effectRef>
-            <a:fontRef idx="minor">
-              <a:schemeClr val="lt1"/>
-            </a:fontRef>
-          </p:style>
-          <p:txBody>
-            <a:bodyPr rtlCol="0" anchor="ctr"/>
-            <a:lstStyle/>
-            <a:p>
-              <a:pPr algn="ctr"/>
-              <a:endParaRPr kumimoji="1" lang="ja-JP" altLang="en-US"/>
-            </a:p>
-          </p:txBody>
-        </p:sp>
-      </p:grpSp>
-      <p:grpSp>
-        <p:nvGrpSpPr>
-          <p:cNvPr id="427" name="グループ化 426"/>
-          <p:cNvGrpSpPr/>
-          <p:nvPr/>
-        </p:nvGrpSpPr>
-        <p:grpSpPr>
-          <a:xfrm>
-            <a:off x="726508" y="3243083"/>
-            <a:ext cx="1104514" cy="1009121"/>
-            <a:chOff x="3293856" y="3402605"/>
-            <a:chExt cx="1104514" cy="1009121"/>
-          </a:xfrm>
-        </p:grpSpPr>
-        <p:grpSp>
-          <p:nvGrpSpPr>
-            <p:cNvPr id="428" name="グループ化 427"/>
-            <p:cNvGrpSpPr/>
-            <p:nvPr/>
-          </p:nvGrpSpPr>
-          <p:grpSpPr>
-            <a:xfrm>
-              <a:off x="3338114" y="3887632"/>
-              <a:ext cx="1060256" cy="524094"/>
-              <a:chOff x="3328878" y="3933812"/>
-              <a:chExt cx="1060256" cy="524094"/>
-            </a:xfrm>
-          </p:grpSpPr>
-          <p:sp>
-            <p:nvSpPr>
-              <p:cNvPr id="454" name="平行四辺形 453"/>
-              <p:cNvSpPr/>
-              <p:nvPr/>
-            </p:nvSpPr>
-            <p:spPr>
-              <a:xfrm rot="1734465">
-                <a:off x="3337075" y="4074747"/>
-                <a:ext cx="1052059" cy="241289"/>
-              </a:xfrm>
-              <a:prstGeom prst="parallelogram">
-                <a:avLst>
-                  <a:gd name="adj" fmla="val 56906"/>
-                </a:avLst>
-              </a:prstGeom>
-              <a:solidFill>
-                <a:schemeClr val="bg1">
-                  <a:lumMod val="75000"/>
-                </a:schemeClr>
-              </a:solidFill>
-              <a:ln w="12700">
-                <a:solidFill>
-                  <a:schemeClr val="bg1">
-                    <a:lumMod val="65000"/>
-                  </a:schemeClr>
-                </a:solidFill>
-              </a:ln>
-            </p:spPr>
-            <p:style>
-              <a:lnRef idx="2">
-                <a:schemeClr val="accent1">
-                  <a:shade val="50000"/>
-                </a:schemeClr>
-              </a:lnRef>
-              <a:fillRef idx="1">
-                <a:schemeClr val="accent1"/>
-              </a:fillRef>
-              <a:effectRef idx="0">
-                <a:schemeClr val="accent1"/>
-              </a:effectRef>
-              <a:fontRef idx="minor">
-                <a:schemeClr val="lt1"/>
-              </a:fontRef>
-            </p:style>
-            <p:txBody>
-              <a:bodyPr rtlCol="0" anchor="ctr"/>
-              <a:lstStyle/>
-              <a:p>
-                <a:pPr algn="ctr"/>
-                <a:endParaRPr kumimoji="1" lang="ja-JP" altLang="en-US"/>
-              </a:p>
-            </p:txBody>
-          </p:sp>
-          <p:sp>
-            <p:nvSpPr>
-              <p:cNvPr id="455" name="平行四辺形 454"/>
-              <p:cNvSpPr/>
-              <p:nvPr/>
-            </p:nvSpPr>
-            <p:spPr>
-              <a:xfrm rot="5400000" flipH="1">
-                <a:off x="4139514" y="4235201"/>
-                <a:ext cx="238155" cy="207256"/>
-              </a:xfrm>
-              <a:prstGeom prst="parallelogram">
-                <a:avLst>
-                  <a:gd name="adj" fmla="val 56906"/>
-                </a:avLst>
-              </a:prstGeom>
-              <a:solidFill>
-                <a:schemeClr val="bg1">
-                  <a:lumMod val="65000"/>
-                </a:schemeClr>
-              </a:solidFill>
-              <a:ln w="0" cap="rnd">
-                <a:solidFill>
-                  <a:schemeClr val="bg1">
-                    <a:lumMod val="65000"/>
-                  </a:schemeClr>
-                </a:solidFill>
-              </a:ln>
-            </p:spPr>
-            <p:style>
-              <a:lnRef idx="2">
-                <a:schemeClr val="accent1">
-                  <a:shade val="50000"/>
-                </a:schemeClr>
-              </a:lnRef>
-              <a:fillRef idx="1">
-                <a:schemeClr val="accent1"/>
-              </a:fillRef>
-              <a:effectRef idx="0">
-                <a:schemeClr val="accent1"/>
-              </a:effectRef>
-              <a:fontRef idx="minor">
-                <a:schemeClr val="lt1"/>
-              </a:fontRef>
-            </p:style>
-            <p:txBody>
-              <a:bodyPr rtlCol="0" anchor="ctr"/>
-              <a:lstStyle/>
-              <a:p>
-                <a:pPr algn="ctr"/>
-                <a:endParaRPr kumimoji="1" lang="ja-JP" altLang="en-US"/>
-              </a:p>
-            </p:txBody>
-          </p:sp>
-          <p:sp>
-            <p:nvSpPr>
-              <p:cNvPr id="456" name="正方形/長方形 455"/>
-              <p:cNvSpPr/>
-              <p:nvPr/>
-            </p:nvSpPr>
-            <p:spPr>
-              <a:xfrm>
-                <a:off x="3365902" y="3933812"/>
-                <a:ext cx="63702" cy="96970"/>
-              </a:xfrm>
-              <a:prstGeom prst="rect">
-                <a:avLst/>
-              </a:prstGeom>
-              <a:solidFill>
-                <a:schemeClr val="bg1">
-                  <a:lumMod val="75000"/>
-                </a:schemeClr>
-              </a:solidFill>
-              <a:ln>
-                <a:solidFill>
-                  <a:schemeClr val="bg1">
-                    <a:lumMod val="75000"/>
-                  </a:schemeClr>
-                </a:solidFill>
-              </a:ln>
-            </p:spPr>
-            <p:style>
-              <a:lnRef idx="2">
-                <a:schemeClr val="accent1">
-                  <a:shade val="50000"/>
-                </a:schemeClr>
-              </a:lnRef>
-              <a:fillRef idx="1">
-                <a:schemeClr val="accent1"/>
-              </a:fillRef>
-              <a:effectRef idx="0">
-                <a:schemeClr val="accent1"/>
-              </a:effectRef>
-              <a:fontRef idx="minor">
-                <a:schemeClr val="lt1"/>
-              </a:fontRef>
-            </p:style>
-            <p:txBody>
-              <a:bodyPr rtlCol="0" anchor="ctr"/>
-              <a:lstStyle/>
-              <a:p>
-                <a:pPr algn="ctr"/>
-                <a:endParaRPr kumimoji="1" lang="ja-JP" altLang="en-US"/>
-              </a:p>
-            </p:txBody>
-          </p:sp>
-          <p:sp>
-            <p:nvSpPr>
-              <p:cNvPr id="457" name="平行四辺形 456"/>
-              <p:cNvSpPr/>
-              <p:nvPr/>
-            </p:nvSpPr>
-            <p:spPr>
-              <a:xfrm rot="1734465">
-                <a:off x="3328878" y="3981986"/>
-                <a:ext cx="1029189" cy="206557"/>
-              </a:xfrm>
-              <a:prstGeom prst="parallelogram">
-                <a:avLst>
-                  <a:gd name="adj" fmla="val 56906"/>
-                </a:avLst>
-              </a:prstGeom>
-              <a:solidFill>
-                <a:schemeClr val="bg1">
-                  <a:lumMod val="85000"/>
-                </a:schemeClr>
-              </a:solidFill>
-              <a:ln>
-                <a:solidFill>
-                  <a:schemeClr val="bg1">
-                    <a:lumMod val="75000"/>
-                  </a:schemeClr>
-                </a:solidFill>
-              </a:ln>
-            </p:spPr>
-            <p:style>
-              <a:lnRef idx="2">
-                <a:schemeClr val="accent1">
-                  <a:shade val="50000"/>
-                </a:schemeClr>
-              </a:lnRef>
-              <a:fillRef idx="1">
-                <a:schemeClr val="accent1"/>
-              </a:fillRef>
-              <a:effectRef idx="0">
-                <a:schemeClr val="accent1"/>
-              </a:effectRef>
-              <a:fontRef idx="minor">
-                <a:schemeClr val="lt1"/>
-              </a:fontRef>
-            </p:style>
-            <p:txBody>
-              <a:bodyPr rtlCol="0" anchor="ctr"/>
-              <a:lstStyle/>
-              <a:p>
-                <a:pPr algn="ctr"/>
-                <a:endParaRPr kumimoji="1" lang="ja-JP" altLang="en-US"/>
-              </a:p>
-            </p:txBody>
-          </p:sp>
-        </p:grpSp>
-        <p:grpSp>
-          <p:nvGrpSpPr>
-            <p:cNvPr id="429" name="グループ化 428"/>
-            <p:cNvGrpSpPr/>
-            <p:nvPr/>
-          </p:nvGrpSpPr>
-          <p:grpSpPr>
-            <a:xfrm>
-              <a:off x="3367423" y="3547750"/>
-              <a:ext cx="504503" cy="362054"/>
-              <a:chOff x="3333629" y="3300761"/>
-              <a:chExt cx="881069" cy="632294"/>
-            </a:xfrm>
-          </p:grpSpPr>
-          <p:sp>
-            <p:nvSpPr>
-              <p:cNvPr id="451" name="平行四辺形 450"/>
-              <p:cNvSpPr/>
-              <p:nvPr/>
-            </p:nvSpPr>
-            <p:spPr>
-              <a:xfrm rot="16200000">
-                <a:off x="3335858" y="3433966"/>
-                <a:ext cx="480731" cy="485189"/>
-              </a:xfrm>
-              <a:prstGeom prst="parallelogram">
-                <a:avLst>
-                  <a:gd name="adj" fmla="val 56906"/>
-                </a:avLst>
-              </a:prstGeom>
-              <a:solidFill>
-                <a:schemeClr val="accent6">
-                  <a:lumMod val="75000"/>
-                </a:schemeClr>
-              </a:solidFill>
-              <a:ln w="38100" cap="rnd">
-                <a:solidFill>
-                  <a:schemeClr val="bg1"/>
-                </a:solidFill>
-              </a:ln>
-            </p:spPr>
-            <p:style>
-              <a:lnRef idx="2">
-                <a:schemeClr val="accent1">
-                  <a:shade val="50000"/>
-                </a:schemeClr>
-              </a:lnRef>
-              <a:fillRef idx="1">
-                <a:schemeClr val="accent1"/>
-              </a:fillRef>
-              <a:effectRef idx="0">
-                <a:schemeClr val="accent1"/>
-              </a:effectRef>
-              <a:fontRef idx="minor">
-                <a:schemeClr val="lt1"/>
-              </a:fontRef>
-            </p:style>
-            <p:txBody>
-              <a:bodyPr rtlCol="0" anchor="ctr"/>
-              <a:lstStyle/>
-              <a:p>
-                <a:pPr algn="ctr"/>
-                <a:endParaRPr kumimoji="1" lang="ja-JP" altLang="en-US"/>
-              </a:p>
-            </p:txBody>
-          </p:sp>
-          <p:sp>
-            <p:nvSpPr>
-              <p:cNvPr id="452" name="平行四辺形 451"/>
-              <p:cNvSpPr/>
-              <p:nvPr/>
-            </p:nvSpPr>
-            <p:spPr>
-              <a:xfrm rot="5400000" flipH="1">
-                <a:off x="3825764" y="3544121"/>
-                <a:ext cx="415915" cy="361953"/>
-              </a:xfrm>
-              <a:prstGeom prst="parallelogram">
-                <a:avLst>
-                  <a:gd name="adj" fmla="val 56906"/>
-                </a:avLst>
-              </a:prstGeom>
-              <a:solidFill>
-                <a:schemeClr val="accent6">
-                  <a:lumMod val="50000"/>
-                </a:schemeClr>
-              </a:solidFill>
-              <a:ln w="38100" cap="rnd">
-                <a:solidFill>
-                  <a:schemeClr val="bg1"/>
-                </a:solidFill>
-              </a:ln>
-            </p:spPr>
-            <p:style>
-              <a:lnRef idx="2">
-                <a:schemeClr val="accent1">
-                  <a:shade val="50000"/>
-                </a:schemeClr>
-              </a:lnRef>
-              <a:fillRef idx="1">
-                <a:schemeClr val="accent1"/>
-              </a:fillRef>
-              <a:effectRef idx="0">
-                <a:schemeClr val="accent1"/>
-              </a:effectRef>
-              <a:fontRef idx="minor">
-                <a:schemeClr val="lt1"/>
-              </a:fontRef>
-            </p:style>
-            <p:txBody>
-              <a:bodyPr rtlCol="0" anchor="ctr"/>
-              <a:lstStyle/>
-              <a:p>
-                <a:pPr algn="ctr"/>
-                <a:endParaRPr kumimoji="1" lang="ja-JP" altLang="en-US"/>
-              </a:p>
-            </p:txBody>
-          </p:sp>
-          <p:sp>
-            <p:nvSpPr>
-              <p:cNvPr id="453" name="平行四辺形 452"/>
-              <p:cNvSpPr/>
-              <p:nvPr/>
-            </p:nvSpPr>
-            <p:spPr>
-              <a:xfrm rot="1800000">
-                <a:off x="3412093" y="3300761"/>
-                <a:ext cx="760983" cy="367107"/>
-              </a:xfrm>
-              <a:prstGeom prst="parallelogram">
-                <a:avLst>
-                  <a:gd name="adj" fmla="val 56906"/>
-                </a:avLst>
-              </a:prstGeom>
-              <a:solidFill>
-                <a:schemeClr val="accent6">
-                  <a:lumMod val="60000"/>
-                  <a:lumOff val="40000"/>
-                </a:schemeClr>
-              </a:solidFill>
-              <a:ln w="38100">
-                <a:solidFill>
-                  <a:schemeClr val="bg1"/>
-                </a:solidFill>
-              </a:ln>
-            </p:spPr>
-            <p:style>
-              <a:lnRef idx="2">
-                <a:schemeClr val="accent1">
-                  <a:shade val="50000"/>
-                </a:schemeClr>
-              </a:lnRef>
-              <a:fillRef idx="1">
-                <a:schemeClr val="accent1"/>
-              </a:fillRef>
-              <a:effectRef idx="0">
-                <a:schemeClr val="accent1"/>
-              </a:effectRef>
-              <a:fontRef idx="minor">
-                <a:schemeClr val="lt1"/>
-              </a:fontRef>
-            </p:style>
-            <p:txBody>
-              <a:bodyPr rtlCol="0" anchor="ctr"/>
-              <a:lstStyle/>
-              <a:p>
-                <a:pPr algn="ctr"/>
-                <a:endParaRPr kumimoji="1" lang="ja-JP" altLang="en-US"/>
-              </a:p>
-            </p:txBody>
-          </p:sp>
-        </p:grpSp>
-        <p:grpSp>
-          <p:nvGrpSpPr>
-            <p:cNvPr id="430" name="グループ化 429"/>
-            <p:cNvGrpSpPr/>
-            <p:nvPr/>
-          </p:nvGrpSpPr>
-          <p:grpSpPr>
-            <a:xfrm>
-              <a:off x="3665957" y="3681413"/>
-              <a:ext cx="486032" cy="395659"/>
-              <a:chOff x="3365888" y="3300761"/>
-              <a:chExt cx="848810" cy="641901"/>
-            </a:xfrm>
-          </p:grpSpPr>
-          <p:sp>
-            <p:nvSpPr>
-              <p:cNvPr id="448" name="平行四辺形 447"/>
-              <p:cNvSpPr/>
-              <p:nvPr/>
-            </p:nvSpPr>
-            <p:spPr>
-              <a:xfrm rot="16200000">
-                <a:off x="3368118" y="3459702"/>
-                <a:ext cx="480730" cy="485189"/>
-              </a:xfrm>
-              <a:prstGeom prst="parallelogram">
-                <a:avLst>
-                  <a:gd name="adj" fmla="val 56906"/>
-                </a:avLst>
-              </a:prstGeom>
-              <a:solidFill>
-                <a:schemeClr val="accent6">
-                  <a:lumMod val="75000"/>
-                </a:schemeClr>
-              </a:solidFill>
-              <a:ln w="38100" cap="rnd">
-                <a:solidFill>
-                  <a:schemeClr val="bg1"/>
-                </a:solidFill>
-              </a:ln>
-            </p:spPr>
-            <p:style>
-              <a:lnRef idx="2">
-                <a:schemeClr val="accent1">
-                  <a:shade val="50000"/>
-                </a:schemeClr>
-              </a:lnRef>
-              <a:fillRef idx="1">
-                <a:schemeClr val="accent1"/>
-              </a:fillRef>
-              <a:effectRef idx="0">
-                <a:schemeClr val="accent1"/>
-              </a:effectRef>
-              <a:fontRef idx="minor">
-                <a:schemeClr val="lt1"/>
-              </a:fontRef>
-            </p:style>
-            <p:txBody>
-              <a:bodyPr rtlCol="0" anchor="ctr"/>
-              <a:lstStyle/>
-              <a:p>
-                <a:pPr algn="ctr"/>
-                <a:endParaRPr kumimoji="1" lang="ja-JP" altLang="en-US"/>
-              </a:p>
-            </p:txBody>
-          </p:sp>
-          <p:sp>
-            <p:nvSpPr>
-              <p:cNvPr id="449" name="平行四辺形 448"/>
-              <p:cNvSpPr/>
-              <p:nvPr/>
-            </p:nvSpPr>
-            <p:spPr>
-              <a:xfrm rot="5400000" flipH="1">
-                <a:off x="3825764" y="3544121"/>
-                <a:ext cx="415915" cy="361953"/>
-              </a:xfrm>
-              <a:prstGeom prst="parallelogram">
-                <a:avLst>
-                  <a:gd name="adj" fmla="val 56906"/>
-                </a:avLst>
-              </a:prstGeom>
-              <a:solidFill>
-                <a:schemeClr val="accent6">
-                  <a:lumMod val="50000"/>
-                </a:schemeClr>
-              </a:solidFill>
-              <a:ln w="38100" cap="rnd">
-                <a:solidFill>
-                  <a:schemeClr val="bg1"/>
-                </a:solidFill>
-              </a:ln>
-            </p:spPr>
-            <p:style>
-              <a:lnRef idx="2">
-                <a:schemeClr val="accent1">
-                  <a:shade val="50000"/>
-                </a:schemeClr>
-              </a:lnRef>
-              <a:fillRef idx="1">
-                <a:schemeClr val="accent1"/>
-              </a:fillRef>
-              <a:effectRef idx="0">
-                <a:schemeClr val="accent1"/>
-              </a:effectRef>
-              <a:fontRef idx="minor">
-                <a:schemeClr val="lt1"/>
-              </a:fontRef>
-            </p:style>
-            <p:txBody>
-              <a:bodyPr rtlCol="0" anchor="ctr"/>
-              <a:lstStyle/>
-              <a:p>
-                <a:pPr algn="ctr"/>
-                <a:endParaRPr kumimoji="1" lang="ja-JP" altLang="en-US"/>
-              </a:p>
-            </p:txBody>
-          </p:sp>
-          <p:sp>
-            <p:nvSpPr>
-              <p:cNvPr id="450" name="平行四辺形 449"/>
-              <p:cNvSpPr/>
-              <p:nvPr/>
-            </p:nvSpPr>
-            <p:spPr>
-              <a:xfrm rot="1800000">
-                <a:off x="3412093" y="3300761"/>
-                <a:ext cx="760983" cy="367107"/>
-              </a:xfrm>
-              <a:prstGeom prst="parallelogram">
-                <a:avLst>
-                  <a:gd name="adj" fmla="val 56906"/>
-                </a:avLst>
-              </a:prstGeom>
-              <a:solidFill>
-                <a:schemeClr val="accent6">
-                  <a:lumMod val="60000"/>
-                  <a:lumOff val="40000"/>
-                </a:schemeClr>
-              </a:solidFill>
-              <a:ln w="38100">
-                <a:solidFill>
-                  <a:schemeClr val="bg1"/>
-                </a:solidFill>
-              </a:ln>
-            </p:spPr>
-            <p:style>
-              <a:lnRef idx="2">
-                <a:schemeClr val="accent1">
-                  <a:shade val="50000"/>
-                </a:schemeClr>
-              </a:lnRef>
-              <a:fillRef idx="1">
-                <a:schemeClr val="accent1"/>
-              </a:fillRef>
-              <a:effectRef idx="0">
-                <a:schemeClr val="accent1"/>
-              </a:effectRef>
-              <a:fontRef idx="minor">
-                <a:schemeClr val="lt1"/>
-              </a:fontRef>
-            </p:style>
-            <p:txBody>
-              <a:bodyPr rtlCol="0" anchor="ctr"/>
-              <a:lstStyle/>
-              <a:p>
-                <a:pPr algn="ctr"/>
-                <a:endParaRPr kumimoji="1" lang="ja-JP" altLang="en-US"/>
-              </a:p>
-            </p:txBody>
-          </p:sp>
-        </p:grpSp>
-        <p:sp>
-          <p:nvSpPr>
-            <p:cNvPr id="431" name="平行四辺形 430"/>
-            <p:cNvSpPr/>
-            <p:nvPr/>
-          </p:nvSpPr>
-          <p:spPr>
-            <a:xfrm rot="5400000" flipH="1">
-              <a:off x="4117951" y="3945637"/>
-              <a:ext cx="275269" cy="195047"/>
-            </a:xfrm>
-            <a:prstGeom prst="parallelogram">
-              <a:avLst>
-                <a:gd name="adj" fmla="val 56906"/>
-              </a:avLst>
-            </a:prstGeom>
-            <a:solidFill>
-              <a:schemeClr val="accent6">
-                <a:lumMod val="50000"/>
-              </a:schemeClr>
-            </a:solidFill>
-            <a:ln w="38100" cap="rnd">
-              <a:solidFill>
-                <a:schemeClr val="bg1"/>
-              </a:solidFill>
-            </a:ln>
-          </p:spPr>
-          <p:style>
-            <a:lnRef idx="2">
-              <a:schemeClr val="accent1">
-                <a:shade val="50000"/>
-              </a:schemeClr>
-            </a:lnRef>
-            <a:fillRef idx="1">
-              <a:schemeClr val="accent1"/>
-            </a:fillRef>
-            <a:effectRef idx="0">
-              <a:schemeClr val="accent1"/>
-            </a:effectRef>
-            <a:fontRef idx="minor">
-              <a:schemeClr val="lt1"/>
-            </a:fontRef>
-          </p:style>
-          <p:txBody>
-            <a:bodyPr rtlCol="0" anchor="ctr"/>
-            <a:lstStyle/>
-            <a:p>
-              <a:pPr algn="ctr"/>
-              <a:endParaRPr kumimoji="1" lang="ja-JP" altLang="en-US"/>
-            </a:p>
-          </p:txBody>
-        </p:sp>
-        <p:sp>
-          <p:nvSpPr>
-            <p:cNvPr id="432" name="平行四辺形 431"/>
-            <p:cNvSpPr/>
-            <p:nvPr/>
-          </p:nvSpPr>
-          <p:spPr>
-            <a:xfrm rot="16200000">
-              <a:off x="3934403" y="3958090"/>
-              <a:ext cx="238155" cy="207256"/>
-            </a:xfrm>
-            <a:prstGeom prst="parallelogram">
-              <a:avLst>
-                <a:gd name="adj" fmla="val 56906"/>
-              </a:avLst>
-            </a:prstGeom>
-            <a:solidFill>
-              <a:schemeClr val="accent6">
-                <a:lumMod val="75000"/>
-              </a:schemeClr>
-            </a:solidFill>
-            <a:ln w="38100" cap="rnd">
-              <a:solidFill>
-                <a:schemeClr val="bg1"/>
-              </a:solidFill>
-            </a:ln>
-          </p:spPr>
-          <p:style>
-            <a:lnRef idx="2">
-              <a:schemeClr val="accent1">
-                <a:shade val="50000"/>
-              </a:schemeClr>
-            </a:lnRef>
-            <a:fillRef idx="1">
-              <a:schemeClr val="accent1"/>
-            </a:fillRef>
-            <a:effectRef idx="0">
-              <a:schemeClr val="accent1"/>
-            </a:effectRef>
-            <a:fontRef idx="minor">
-              <a:schemeClr val="lt1"/>
-            </a:fontRef>
-          </p:style>
-          <p:txBody>
-            <a:bodyPr rtlCol="0" anchor="ctr"/>
-            <a:lstStyle/>
-            <a:p>
-              <a:pPr algn="ctr"/>
-              <a:endParaRPr kumimoji="1" lang="ja-JP" altLang="en-US"/>
-            </a:p>
-          </p:txBody>
-        </p:sp>
-        <p:grpSp>
-          <p:nvGrpSpPr>
-            <p:cNvPr id="433" name="グループ化 432"/>
-            <p:cNvGrpSpPr/>
-            <p:nvPr/>
-          </p:nvGrpSpPr>
-          <p:grpSpPr>
-            <a:xfrm>
-              <a:off x="3873270" y="3773556"/>
-              <a:ext cx="486031" cy="275269"/>
-              <a:chOff x="3365889" y="3452324"/>
-              <a:chExt cx="848809" cy="480732"/>
-            </a:xfrm>
-          </p:grpSpPr>
-          <p:sp>
-            <p:nvSpPr>
-              <p:cNvPr id="446" name="平行四辺形 445"/>
-              <p:cNvSpPr/>
-              <p:nvPr/>
-            </p:nvSpPr>
-            <p:spPr>
-              <a:xfrm rot="16200000">
-                <a:off x="3368118" y="3450095"/>
-                <a:ext cx="480732" cy="485190"/>
-              </a:xfrm>
-              <a:prstGeom prst="parallelogram">
-                <a:avLst>
-                  <a:gd name="adj" fmla="val 56906"/>
-                </a:avLst>
-              </a:prstGeom>
-              <a:solidFill>
-                <a:schemeClr val="accent6">
-                  <a:lumMod val="75000"/>
-                </a:schemeClr>
-              </a:solidFill>
-              <a:ln w="38100" cap="rnd">
-                <a:solidFill>
-                  <a:schemeClr val="bg1"/>
-                </a:solidFill>
-              </a:ln>
-            </p:spPr>
-            <p:style>
-              <a:lnRef idx="2">
-                <a:schemeClr val="accent1">
-                  <a:shade val="50000"/>
-                </a:schemeClr>
-              </a:lnRef>
-              <a:fillRef idx="1">
-                <a:schemeClr val="accent1"/>
-              </a:fillRef>
-              <a:effectRef idx="0">
-                <a:schemeClr val="accent1"/>
-              </a:effectRef>
-              <a:fontRef idx="minor">
-                <a:schemeClr val="lt1"/>
-              </a:fontRef>
-            </p:style>
-            <p:txBody>
-              <a:bodyPr rtlCol="0" anchor="ctr"/>
-              <a:lstStyle/>
-              <a:p>
-                <a:pPr algn="ctr"/>
-                <a:endParaRPr kumimoji="1" lang="ja-JP" altLang="en-US"/>
-              </a:p>
-            </p:txBody>
-          </p:sp>
-          <p:sp>
-            <p:nvSpPr>
-              <p:cNvPr id="447" name="平行四辺形 446"/>
-              <p:cNvSpPr/>
-              <p:nvPr/>
-            </p:nvSpPr>
-            <p:spPr>
-              <a:xfrm rot="5400000" flipH="1">
-                <a:off x="3825764" y="3544121"/>
-                <a:ext cx="415915" cy="361953"/>
-              </a:xfrm>
-              <a:prstGeom prst="parallelogram">
-                <a:avLst>
-                  <a:gd name="adj" fmla="val 56906"/>
-                </a:avLst>
-              </a:prstGeom>
-              <a:solidFill>
-                <a:schemeClr val="accent6">
-                  <a:lumMod val="50000"/>
-                </a:schemeClr>
-              </a:solidFill>
-              <a:ln w="38100" cap="rnd">
-                <a:solidFill>
-                  <a:schemeClr val="bg1"/>
-                </a:solidFill>
-              </a:ln>
-            </p:spPr>
-            <p:style>
-              <a:lnRef idx="2">
-                <a:schemeClr val="accent1">
-                  <a:shade val="50000"/>
-                </a:schemeClr>
-              </a:lnRef>
-              <a:fillRef idx="1">
-                <a:schemeClr val="accent1"/>
-              </a:fillRef>
-              <a:effectRef idx="0">
-                <a:schemeClr val="accent1"/>
-              </a:effectRef>
-              <a:fontRef idx="minor">
-                <a:schemeClr val="lt1"/>
-              </a:fontRef>
-            </p:style>
-            <p:txBody>
-              <a:bodyPr rtlCol="0" anchor="ctr"/>
-              <a:lstStyle/>
-              <a:p>
-                <a:pPr algn="ctr"/>
-                <a:endParaRPr kumimoji="1" lang="ja-JP" altLang="en-US"/>
-              </a:p>
-            </p:txBody>
-          </p:sp>
-        </p:grpSp>
-        <p:grpSp>
-          <p:nvGrpSpPr>
-            <p:cNvPr id="434" name="グループ化 433"/>
-            <p:cNvGrpSpPr/>
-            <p:nvPr/>
-          </p:nvGrpSpPr>
-          <p:grpSpPr>
-            <a:xfrm>
-              <a:off x="3873739" y="4028632"/>
-              <a:ext cx="486031" cy="275269"/>
-              <a:chOff x="3365889" y="3452324"/>
-              <a:chExt cx="848809" cy="480732"/>
-            </a:xfrm>
-          </p:grpSpPr>
-          <p:sp>
-            <p:nvSpPr>
-              <p:cNvPr id="444" name="平行四辺形 443"/>
-              <p:cNvSpPr/>
-              <p:nvPr/>
-            </p:nvSpPr>
-            <p:spPr>
-              <a:xfrm rot="5400000" flipH="1">
-                <a:off x="3825764" y="3544121"/>
-                <a:ext cx="415915" cy="361953"/>
-              </a:xfrm>
-              <a:prstGeom prst="parallelogram">
-                <a:avLst>
-                  <a:gd name="adj" fmla="val 56906"/>
-                </a:avLst>
-              </a:prstGeom>
-              <a:solidFill>
-                <a:schemeClr val="accent6">
-                  <a:lumMod val="50000"/>
-                </a:schemeClr>
-              </a:solidFill>
-              <a:ln w="38100" cap="rnd">
-                <a:solidFill>
-                  <a:schemeClr val="bg1"/>
-                </a:solidFill>
-              </a:ln>
-            </p:spPr>
-            <p:style>
-              <a:lnRef idx="2">
-                <a:schemeClr val="accent1">
-                  <a:shade val="50000"/>
-                </a:schemeClr>
-              </a:lnRef>
-              <a:fillRef idx="1">
-                <a:schemeClr val="accent1"/>
-              </a:fillRef>
-              <a:effectRef idx="0">
-                <a:schemeClr val="accent1"/>
-              </a:effectRef>
-              <a:fontRef idx="minor">
-                <a:schemeClr val="lt1"/>
-              </a:fontRef>
-            </p:style>
-            <p:txBody>
-              <a:bodyPr rtlCol="0" anchor="ctr"/>
-              <a:lstStyle/>
-              <a:p>
-                <a:pPr algn="ctr"/>
-                <a:endParaRPr kumimoji="1" lang="ja-JP" altLang="en-US"/>
-              </a:p>
-            </p:txBody>
-          </p:sp>
-          <p:sp>
-            <p:nvSpPr>
-              <p:cNvPr id="445" name="平行四辺形 444"/>
-              <p:cNvSpPr/>
-              <p:nvPr/>
-            </p:nvSpPr>
-            <p:spPr>
-              <a:xfrm rot="16200000">
-                <a:off x="3368118" y="3450095"/>
-                <a:ext cx="480732" cy="485190"/>
-              </a:xfrm>
-              <a:prstGeom prst="parallelogram">
-                <a:avLst>
-                  <a:gd name="adj" fmla="val 56906"/>
-                </a:avLst>
-              </a:prstGeom>
-              <a:solidFill>
-                <a:schemeClr val="accent6">
-                  <a:lumMod val="75000"/>
-                </a:schemeClr>
-              </a:solidFill>
-              <a:ln w="38100" cap="rnd">
-                <a:solidFill>
-                  <a:schemeClr val="bg1"/>
-                </a:solidFill>
-              </a:ln>
-            </p:spPr>
-            <p:style>
-              <a:lnRef idx="2">
-                <a:schemeClr val="accent1">
-                  <a:shade val="50000"/>
-                </a:schemeClr>
-              </a:lnRef>
-              <a:fillRef idx="1">
-                <a:schemeClr val="accent1"/>
-              </a:fillRef>
-              <a:effectRef idx="0">
-                <a:schemeClr val="accent1"/>
-              </a:effectRef>
-              <a:fontRef idx="minor">
-                <a:schemeClr val="lt1"/>
-              </a:fontRef>
-            </p:style>
-            <p:txBody>
-              <a:bodyPr rtlCol="0" anchor="ctr"/>
-              <a:lstStyle/>
-              <a:p>
-                <a:pPr algn="ctr"/>
-                <a:endParaRPr kumimoji="1" lang="ja-JP" altLang="en-US"/>
-              </a:p>
-            </p:txBody>
-          </p:sp>
-        </p:grpSp>
-        <p:sp>
-          <p:nvSpPr>
-            <p:cNvPr id="435" name="平行四辺形 434"/>
-            <p:cNvSpPr/>
-            <p:nvPr/>
-          </p:nvSpPr>
-          <p:spPr>
-            <a:xfrm rot="16200000">
-              <a:off x="3584898" y="3865589"/>
-              <a:ext cx="275269" cy="277821"/>
-            </a:xfrm>
-            <a:prstGeom prst="parallelogram">
-              <a:avLst>
-                <a:gd name="adj" fmla="val 56906"/>
-              </a:avLst>
-            </a:prstGeom>
-            <a:solidFill>
-              <a:schemeClr val="accent6">
-                <a:lumMod val="75000"/>
-              </a:schemeClr>
-            </a:solidFill>
-            <a:ln w="38100" cap="rnd">
-              <a:solidFill>
-                <a:schemeClr val="bg1"/>
-              </a:solidFill>
-            </a:ln>
-          </p:spPr>
-          <p:style>
-            <a:lnRef idx="2">
-              <a:schemeClr val="accent1">
-                <a:shade val="50000"/>
-              </a:schemeClr>
-            </a:lnRef>
-            <a:fillRef idx="1">
-              <a:schemeClr val="accent1"/>
-            </a:fillRef>
-            <a:effectRef idx="0">
-              <a:schemeClr val="accent1"/>
-            </a:effectRef>
-            <a:fontRef idx="minor">
-              <a:schemeClr val="lt1"/>
-            </a:fontRef>
-          </p:style>
-          <p:txBody>
-            <a:bodyPr rtlCol="0" anchor="ctr"/>
-            <a:lstStyle/>
-            <a:p>
-              <a:pPr algn="ctr"/>
-              <a:endParaRPr kumimoji="1" lang="ja-JP" altLang="en-US"/>
-            </a:p>
-          </p:txBody>
-        </p:sp>
-        <p:sp>
-          <p:nvSpPr>
-            <p:cNvPr id="436" name="平行四辺形 435"/>
-            <p:cNvSpPr/>
-            <p:nvPr/>
-          </p:nvSpPr>
-          <p:spPr>
-            <a:xfrm rot="16200000">
-              <a:off x="3295601" y="3703822"/>
-              <a:ext cx="275269" cy="277821"/>
-            </a:xfrm>
-            <a:prstGeom prst="parallelogram">
-              <a:avLst>
-                <a:gd name="adj" fmla="val 56906"/>
-              </a:avLst>
-            </a:prstGeom>
-            <a:solidFill>
-              <a:schemeClr val="accent6">
-                <a:lumMod val="75000"/>
-              </a:schemeClr>
-            </a:solidFill>
-            <a:ln w="38100" cap="rnd">
-              <a:solidFill>
-                <a:schemeClr val="bg1"/>
-              </a:solidFill>
-            </a:ln>
-          </p:spPr>
-          <p:style>
-            <a:lnRef idx="2">
-              <a:schemeClr val="accent1">
-                <a:shade val="50000"/>
-              </a:schemeClr>
-            </a:lnRef>
-            <a:fillRef idx="1">
-              <a:schemeClr val="accent1"/>
-            </a:fillRef>
-            <a:effectRef idx="0">
-              <a:schemeClr val="accent1"/>
-            </a:effectRef>
-            <a:fontRef idx="minor">
-              <a:schemeClr val="lt1"/>
-            </a:fontRef>
-          </p:style>
-          <p:txBody>
-            <a:bodyPr rtlCol="0" anchor="ctr"/>
-            <a:lstStyle/>
-            <a:p>
-              <a:pPr algn="ctr"/>
-              <a:endParaRPr kumimoji="1" lang="ja-JP" altLang="en-US"/>
-            </a:p>
-          </p:txBody>
-        </p:sp>
-        <p:sp>
-          <p:nvSpPr>
-            <p:cNvPr id="437" name="平行四辺形 436"/>
-            <p:cNvSpPr/>
-            <p:nvPr/>
-          </p:nvSpPr>
-          <p:spPr>
-            <a:xfrm rot="16200000">
-              <a:off x="3584429" y="3619749"/>
-              <a:ext cx="275269" cy="277821"/>
-            </a:xfrm>
-            <a:prstGeom prst="parallelogram">
-              <a:avLst>
-                <a:gd name="adj" fmla="val 56906"/>
-              </a:avLst>
-            </a:prstGeom>
-            <a:solidFill>
-              <a:schemeClr val="accent6">
-                <a:lumMod val="75000"/>
-              </a:schemeClr>
-            </a:solidFill>
-            <a:ln w="38100" cap="rnd">
-              <a:solidFill>
-                <a:schemeClr val="bg1"/>
-              </a:solidFill>
-            </a:ln>
-          </p:spPr>
-          <p:style>
-            <a:lnRef idx="2">
-              <a:schemeClr val="accent1">
-                <a:shade val="50000"/>
-              </a:schemeClr>
-            </a:lnRef>
-            <a:fillRef idx="1">
-              <a:schemeClr val="accent1"/>
-            </a:fillRef>
-            <a:effectRef idx="0">
-              <a:schemeClr val="accent1"/>
-            </a:effectRef>
-            <a:fontRef idx="minor">
-              <a:schemeClr val="lt1"/>
-            </a:fontRef>
-          </p:style>
-          <p:txBody>
-            <a:bodyPr rtlCol="0" anchor="ctr"/>
-            <a:lstStyle/>
-            <a:p>
-              <a:pPr algn="ctr"/>
-              <a:endParaRPr kumimoji="1" lang="ja-JP" altLang="en-US"/>
-            </a:p>
-          </p:txBody>
-        </p:sp>
-        <p:sp>
-          <p:nvSpPr>
-            <p:cNvPr id="438" name="平行四辺形 437"/>
-            <p:cNvSpPr/>
-            <p:nvPr/>
-          </p:nvSpPr>
-          <p:spPr>
-            <a:xfrm rot="16200000">
-              <a:off x="3295132" y="3467218"/>
-              <a:ext cx="275269" cy="277821"/>
-            </a:xfrm>
-            <a:prstGeom prst="parallelogram">
-              <a:avLst>
-                <a:gd name="adj" fmla="val 56906"/>
-              </a:avLst>
-            </a:prstGeom>
-            <a:solidFill>
-              <a:schemeClr val="accent6">
-                <a:lumMod val="75000"/>
-              </a:schemeClr>
-            </a:solidFill>
-            <a:ln w="38100" cap="rnd">
-              <a:solidFill>
-                <a:schemeClr val="bg1"/>
-              </a:solidFill>
-            </a:ln>
-          </p:spPr>
-          <p:style>
-            <a:lnRef idx="2">
-              <a:schemeClr val="accent1">
-                <a:shade val="50000"/>
-              </a:schemeClr>
-            </a:lnRef>
-            <a:fillRef idx="1">
-              <a:schemeClr val="accent1"/>
-            </a:fillRef>
-            <a:effectRef idx="0">
-              <a:schemeClr val="accent1"/>
-            </a:effectRef>
-            <a:fontRef idx="minor">
-              <a:schemeClr val="lt1"/>
-            </a:fontRef>
-          </p:style>
-          <p:txBody>
-            <a:bodyPr rtlCol="0" anchor="ctr"/>
-            <a:lstStyle/>
-            <a:p>
-              <a:pPr algn="ctr"/>
-              <a:endParaRPr kumimoji="1" lang="ja-JP" altLang="en-US"/>
-            </a:p>
-          </p:txBody>
-        </p:sp>
-        <p:sp>
-          <p:nvSpPr>
-            <p:cNvPr id="439" name="正方形/長方形 438"/>
-            <p:cNvSpPr/>
-            <p:nvPr/>
-          </p:nvSpPr>
-          <p:spPr>
-            <a:xfrm>
-              <a:off x="3311452" y="3502844"/>
-              <a:ext cx="67200" cy="384787"/>
-            </a:xfrm>
-            <a:prstGeom prst="rect">
-              <a:avLst/>
-            </a:prstGeom>
-            <a:solidFill>
-              <a:schemeClr val="bg1"/>
-            </a:solidFill>
-            <a:ln>
-              <a:solidFill>
-                <a:schemeClr val="bg1"/>
-              </a:solidFill>
-            </a:ln>
-          </p:spPr>
-          <p:style>
-            <a:lnRef idx="2">
-              <a:schemeClr val="accent1">
-                <a:shade val="50000"/>
-              </a:schemeClr>
-            </a:lnRef>
-            <a:fillRef idx="1">
-              <a:schemeClr val="accent1"/>
-            </a:fillRef>
-            <a:effectRef idx="0">
-              <a:schemeClr val="accent1"/>
-            </a:effectRef>
-            <a:fontRef idx="minor">
-              <a:schemeClr val="lt1"/>
-            </a:fontRef>
-          </p:style>
-          <p:txBody>
-            <a:bodyPr rtlCol="0" anchor="ctr"/>
-            <a:lstStyle/>
-            <a:p>
-              <a:pPr algn="ctr"/>
-              <a:endParaRPr kumimoji="1" lang="ja-JP" altLang="en-US"/>
-            </a:p>
-          </p:txBody>
-        </p:sp>
-        <p:sp>
-          <p:nvSpPr>
-            <p:cNvPr id="440" name="平行四辺形 439"/>
-            <p:cNvSpPr/>
-            <p:nvPr/>
-          </p:nvSpPr>
-          <p:spPr>
-            <a:xfrm rot="1734465">
-              <a:off x="3347201" y="3526445"/>
-              <a:ext cx="1020426" cy="202958"/>
-            </a:xfrm>
-            <a:prstGeom prst="parallelogram">
-              <a:avLst>
-                <a:gd name="adj" fmla="val 56906"/>
-              </a:avLst>
-            </a:prstGeom>
-            <a:solidFill>
-              <a:schemeClr val="bg1">
-                <a:lumMod val="75000"/>
-              </a:schemeClr>
-            </a:solidFill>
-            <a:ln>
-              <a:solidFill>
-                <a:schemeClr val="bg1">
-                  <a:lumMod val="75000"/>
-                </a:schemeClr>
-              </a:solidFill>
-            </a:ln>
-          </p:spPr>
-          <p:style>
-            <a:lnRef idx="2">
-              <a:schemeClr val="accent1">
-                <a:shade val="50000"/>
-              </a:schemeClr>
-            </a:lnRef>
-            <a:fillRef idx="1">
-              <a:schemeClr val="accent1"/>
-            </a:fillRef>
-            <a:effectRef idx="0">
-              <a:schemeClr val="accent1"/>
-            </a:effectRef>
-            <a:fontRef idx="minor">
-              <a:schemeClr val="lt1"/>
-            </a:fontRef>
-          </p:style>
-          <p:txBody>
-            <a:bodyPr rtlCol="0" anchor="ctr"/>
-            <a:lstStyle/>
-            <a:p>
-              <a:pPr algn="ctr"/>
-              <a:endParaRPr kumimoji="1" lang="ja-JP" altLang="en-US"/>
-            </a:p>
-          </p:txBody>
-        </p:sp>
-        <p:sp>
-          <p:nvSpPr>
-            <p:cNvPr id="441" name="平行四辺形 440"/>
-            <p:cNvSpPr/>
-            <p:nvPr/>
-          </p:nvSpPr>
-          <p:spPr>
-            <a:xfrm rot="5400000" flipH="1">
-              <a:off x="4136595" y="3699232"/>
-              <a:ext cx="238155" cy="207256"/>
-            </a:xfrm>
-            <a:prstGeom prst="parallelogram">
-              <a:avLst>
-                <a:gd name="adj" fmla="val 56906"/>
-              </a:avLst>
-            </a:prstGeom>
-            <a:solidFill>
-              <a:schemeClr val="bg1">
-                <a:lumMod val="65000"/>
-              </a:schemeClr>
-            </a:solidFill>
-            <a:ln w="0" cap="rnd">
-              <a:solidFill>
-                <a:schemeClr val="bg1">
-                  <a:lumMod val="65000"/>
-                </a:schemeClr>
-              </a:solidFill>
-            </a:ln>
-          </p:spPr>
-          <p:style>
-            <a:lnRef idx="2">
-              <a:schemeClr val="accent1">
-                <a:shade val="50000"/>
-              </a:schemeClr>
-            </a:lnRef>
-            <a:fillRef idx="1">
-              <a:schemeClr val="accent1"/>
-            </a:fillRef>
-            <a:effectRef idx="0">
-              <a:schemeClr val="accent1"/>
-            </a:effectRef>
-            <a:fontRef idx="minor">
-              <a:schemeClr val="lt1"/>
-            </a:fontRef>
-          </p:style>
-          <p:txBody>
-            <a:bodyPr rtlCol="0" anchor="ctr"/>
-            <a:lstStyle/>
-            <a:p>
-              <a:pPr algn="ctr"/>
-              <a:endParaRPr kumimoji="1" lang="ja-JP" altLang="en-US"/>
-            </a:p>
-          </p:txBody>
-        </p:sp>
-        <p:sp>
-          <p:nvSpPr>
-            <p:cNvPr id="442" name="正方形/長方形 441"/>
-            <p:cNvSpPr/>
-            <p:nvPr/>
-          </p:nvSpPr>
-          <p:spPr>
-            <a:xfrm>
-              <a:off x="3360602" y="3402605"/>
-              <a:ext cx="45719" cy="63041"/>
-            </a:xfrm>
-            <a:prstGeom prst="rect">
-              <a:avLst/>
-            </a:prstGeom>
-            <a:solidFill>
-              <a:schemeClr val="bg1">
-                <a:lumMod val="75000"/>
-              </a:schemeClr>
-            </a:solidFill>
-            <a:ln>
-              <a:solidFill>
-                <a:schemeClr val="bg1">
-                  <a:lumMod val="75000"/>
-                </a:schemeClr>
-              </a:solidFill>
-            </a:ln>
-          </p:spPr>
-          <p:style>
-            <a:lnRef idx="2">
-              <a:schemeClr val="accent1">
-                <a:shade val="50000"/>
-              </a:schemeClr>
-            </a:lnRef>
-            <a:fillRef idx="1">
-              <a:schemeClr val="accent1"/>
-            </a:fillRef>
-            <a:effectRef idx="0">
-              <a:schemeClr val="accent1"/>
-            </a:effectRef>
-            <a:fontRef idx="minor">
-              <a:schemeClr val="lt1"/>
-            </a:fontRef>
-          </p:style>
-          <p:txBody>
-            <a:bodyPr rtlCol="0" anchor="ctr"/>
-            <a:lstStyle/>
-            <a:p>
-              <a:pPr algn="ctr"/>
-              <a:endParaRPr kumimoji="1" lang="ja-JP" altLang="en-US"/>
-            </a:p>
-          </p:txBody>
-        </p:sp>
-        <p:sp>
-          <p:nvSpPr>
-            <p:cNvPr id="443" name="平行四辺形 442"/>
-            <p:cNvSpPr/>
-            <p:nvPr/>
-          </p:nvSpPr>
-          <p:spPr>
-            <a:xfrm rot="1734465">
-              <a:off x="3332929" y="3418977"/>
-              <a:ext cx="1052059" cy="241289"/>
-            </a:xfrm>
-            <a:prstGeom prst="parallelogram">
-              <a:avLst>
-                <a:gd name="adj" fmla="val 56906"/>
-              </a:avLst>
-            </a:prstGeom>
-            <a:solidFill>
-              <a:schemeClr val="bg1">
-                <a:lumMod val="85000"/>
-              </a:schemeClr>
-            </a:solidFill>
-            <a:ln w="12700">
-              <a:solidFill>
-                <a:schemeClr val="bg1">
-                  <a:lumMod val="75000"/>
                 </a:schemeClr>
               </a:solidFill>
             </a:ln>
@@ -14391,18 +12300,70 @@
       </p:grpSp>
       <p:grpSp>
         <p:nvGrpSpPr>
-          <p:cNvPr id="17" name="グループ化 16"/>
+          <p:cNvPr id="3" name="グループ化 2"/>
           <p:cNvGrpSpPr/>
           <p:nvPr/>
         </p:nvGrpSpPr>
         <p:grpSpPr>
           <a:xfrm>
             <a:off x="6176988" y="3597846"/>
-            <a:ext cx="739819" cy="947795"/>
+            <a:ext cx="1055432" cy="1149972"/>
             <a:chOff x="6176988" y="3597846"/>
-            <a:chExt cx="739819" cy="947795"/>
+            <a:chExt cx="1055432" cy="1149972"/>
           </a:xfrm>
         </p:grpSpPr>
+        <p:sp>
+          <p:nvSpPr>
+            <p:cNvPr id="33" name="円/楕円 32"/>
+            <p:cNvSpPr/>
+            <p:nvPr/>
+          </p:nvSpPr>
+          <p:spPr>
+            <a:xfrm>
+              <a:off x="6245117" y="4219558"/>
+              <a:ext cx="987303" cy="528260"/>
+            </a:xfrm>
+            <a:prstGeom prst="ellipse">
+              <a:avLst/>
+            </a:prstGeom>
+            <a:solidFill>
+              <a:schemeClr val="bg1">
+                <a:lumMod val="75000"/>
+              </a:schemeClr>
+            </a:solidFill>
+            <a:ln>
+              <a:solidFill>
+                <a:schemeClr val="bg1">
+                  <a:lumMod val="75000"/>
+                </a:schemeClr>
+              </a:solidFill>
+            </a:ln>
+          </p:spPr>
+          <p:style>
+            <a:lnRef idx="2">
+              <a:schemeClr val="accent1">
+                <a:shade val="50000"/>
+              </a:schemeClr>
+            </a:lnRef>
+            <a:fillRef idx="1">
+              <a:schemeClr val="accent1"/>
+            </a:fillRef>
+            <a:effectRef idx="0">
+              <a:schemeClr val="accent1"/>
+            </a:effectRef>
+            <a:fontRef idx="minor">
+              <a:schemeClr val="lt1"/>
+            </a:fontRef>
+          </p:style>
+          <p:txBody>
+            <a:bodyPr rtlCol="0" anchor="ctr"/>
+            <a:lstStyle/>
+            <a:p>
+              <a:pPr algn="ctr"/>
+              <a:endParaRPr kumimoji="1" lang="ja-JP" altLang="en-US"/>
+            </a:p>
+          </p:txBody>
+        </p:sp>
         <p:grpSp>
           <p:nvGrpSpPr>
             <p:cNvPr id="350" name="グループ化 349"/>
@@ -14996,7 +12957,7 @@
           </p:nvSpPr>
           <p:spPr>
             <a:xfrm flipH="1">
-              <a:off x="6573560" y="3656281"/>
+              <a:off x="6583084" y="3625328"/>
               <a:ext cx="229703" cy="310173"/>
             </a:xfrm>
             <a:custGeom>
@@ -16132,7 +14093,7 @@
           </p:nvSpPr>
           <p:spPr>
             <a:xfrm>
-              <a:off x="6562247" y="3763090"/>
+              <a:off x="6567009" y="3758328"/>
               <a:ext cx="2381" cy="61941"/>
             </a:xfrm>
             <a:custGeom>
@@ -17919,8 +15880,8 @@
         </p:nvGrpSpPr>
         <p:grpSpPr>
           <a:xfrm>
-            <a:off x="4616307" y="2122514"/>
-            <a:ext cx="1349273" cy="795878"/>
+            <a:off x="4471459" y="1917104"/>
+            <a:ext cx="1787219" cy="1070795"/>
             <a:chOff x="5997437" y="1203725"/>
             <a:chExt cx="1349273" cy="795878"/>
           </a:xfrm>
@@ -24609,1406 +22570,6 @@
       </p:grpSp>
       <p:grpSp>
         <p:nvGrpSpPr>
-          <p:cNvPr id="18" name="グループ化 17"/>
-          <p:cNvGrpSpPr/>
-          <p:nvPr/>
-        </p:nvGrpSpPr>
-        <p:grpSpPr>
-          <a:xfrm>
-            <a:off x="1563253" y="3819223"/>
-            <a:ext cx="1104514" cy="1009121"/>
-            <a:chOff x="1430444" y="3723853"/>
-            <a:chExt cx="1104514" cy="1009121"/>
-          </a:xfrm>
-        </p:grpSpPr>
-        <p:grpSp>
-          <p:nvGrpSpPr>
-            <p:cNvPr id="537" name="グループ化 536"/>
-            <p:cNvGrpSpPr/>
-            <p:nvPr/>
-          </p:nvGrpSpPr>
-          <p:grpSpPr>
-            <a:xfrm flipH="1">
-              <a:off x="1430444" y="4208880"/>
-              <a:ext cx="1060256" cy="524094"/>
-              <a:chOff x="3328878" y="3933812"/>
-              <a:chExt cx="1060256" cy="524094"/>
-            </a:xfrm>
-          </p:grpSpPr>
-          <p:sp>
-            <p:nvSpPr>
-              <p:cNvPr id="597" name="平行四辺形 596"/>
-              <p:cNvSpPr/>
-              <p:nvPr/>
-            </p:nvSpPr>
-            <p:spPr>
-              <a:xfrm rot="1734465">
-                <a:off x="3337075" y="4074747"/>
-                <a:ext cx="1052059" cy="241289"/>
-              </a:xfrm>
-              <a:prstGeom prst="parallelogram">
-                <a:avLst>
-                  <a:gd name="adj" fmla="val 56906"/>
-                </a:avLst>
-              </a:prstGeom>
-              <a:solidFill>
-                <a:schemeClr val="bg1">
-                  <a:lumMod val="65000"/>
-                </a:schemeClr>
-              </a:solidFill>
-              <a:ln w="12700">
-                <a:solidFill>
-                  <a:schemeClr val="bg1">
-                    <a:lumMod val="65000"/>
-                  </a:schemeClr>
-                </a:solidFill>
-              </a:ln>
-            </p:spPr>
-            <p:style>
-              <a:lnRef idx="2">
-                <a:schemeClr val="accent1">
-                  <a:shade val="50000"/>
-                </a:schemeClr>
-              </a:lnRef>
-              <a:fillRef idx="1">
-                <a:schemeClr val="accent1"/>
-              </a:fillRef>
-              <a:effectRef idx="0">
-                <a:schemeClr val="accent1"/>
-              </a:effectRef>
-              <a:fontRef idx="minor">
-                <a:schemeClr val="lt1"/>
-              </a:fontRef>
-            </p:style>
-            <p:txBody>
-              <a:bodyPr rtlCol="0" anchor="ctr"/>
-              <a:lstStyle/>
-              <a:p>
-                <a:pPr algn="ctr"/>
-                <a:endParaRPr kumimoji="1" lang="ja-JP" altLang="en-US"/>
-              </a:p>
-            </p:txBody>
-          </p:sp>
-          <p:sp>
-            <p:nvSpPr>
-              <p:cNvPr id="598" name="平行四辺形 597"/>
-              <p:cNvSpPr/>
-              <p:nvPr/>
-            </p:nvSpPr>
-            <p:spPr>
-              <a:xfrm rot="5400000" flipH="1">
-                <a:off x="4139514" y="4235201"/>
-                <a:ext cx="238155" cy="207256"/>
-              </a:xfrm>
-              <a:prstGeom prst="parallelogram">
-                <a:avLst>
-                  <a:gd name="adj" fmla="val 56906"/>
-                </a:avLst>
-              </a:prstGeom>
-              <a:solidFill>
-                <a:schemeClr val="bg1">
-                  <a:lumMod val="75000"/>
-                </a:schemeClr>
-              </a:solidFill>
-              <a:ln w="0" cap="rnd">
-                <a:solidFill>
-                  <a:schemeClr val="bg1">
-                    <a:lumMod val="75000"/>
-                  </a:schemeClr>
-                </a:solidFill>
-              </a:ln>
-            </p:spPr>
-            <p:style>
-              <a:lnRef idx="2">
-                <a:schemeClr val="accent1">
-                  <a:shade val="50000"/>
-                </a:schemeClr>
-              </a:lnRef>
-              <a:fillRef idx="1">
-                <a:schemeClr val="accent1"/>
-              </a:fillRef>
-              <a:effectRef idx="0">
-                <a:schemeClr val="accent1"/>
-              </a:effectRef>
-              <a:fontRef idx="minor">
-                <a:schemeClr val="lt1"/>
-              </a:fontRef>
-            </p:style>
-            <p:txBody>
-              <a:bodyPr rtlCol="0" anchor="ctr"/>
-              <a:lstStyle/>
-              <a:p>
-                <a:pPr algn="ctr"/>
-                <a:endParaRPr kumimoji="1" lang="ja-JP" altLang="en-US"/>
-              </a:p>
-            </p:txBody>
-          </p:sp>
-          <p:sp>
-            <p:nvSpPr>
-              <p:cNvPr id="599" name="正方形/長方形 598"/>
-              <p:cNvSpPr/>
-              <p:nvPr/>
-            </p:nvSpPr>
-            <p:spPr>
-              <a:xfrm>
-                <a:off x="3365902" y="3933812"/>
-                <a:ext cx="63702" cy="96970"/>
-              </a:xfrm>
-              <a:prstGeom prst="rect">
-                <a:avLst/>
-              </a:prstGeom>
-              <a:solidFill>
-                <a:schemeClr val="bg1">
-                  <a:lumMod val="65000"/>
-                </a:schemeClr>
-              </a:solidFill>
-              <a:ln>
-                <a:solidFill>
-                  <a:schemeClr val="bg1">
-                    <a:lumMod val="65000"/>
-                  </a:schemeClr>
-                </a:solidFill>
-              </a:ln>
-            </p:spPr>
-            <p:style>
-              <a:lnRef idx="2">
-                <a:schemeClr val="accent1">
-                  <a:shade val="50000"/>
-                </a:schemeClr>
-              </a:lnRef>
-              <a:fillRef idx="1">
-                <a:schemeClr val="accent1"/>
-              </a:fillRef>
-              <a:effectRef idx="0">
-                <a:schemeClr val="accent1"/>
-              </a:effectRef>
-              <a:fontRef idx="minor">
-                <a:schemeClr val="lt1"/>
-              </a:fontRef>
-            </p:style>
-            <p:txBody>
-              <a:bodyPr rtlCol="0" anchor="ctr"/>
-              <a:lstStyle/>
-              <a:p>
-                <a:pPr algn="ctr"/>
-                <a:endParaRPr kumimoji="1" lang="ja-JP" altLang="en-US"/>
-              </a:p>
-            </p:txBody>
-          </p:sp>
-          <p:sp>
-            <p:nvSpPr>
-              <p:cNvPr id="600" name="平行四辺形 599"/>
-              <p:cNvSpPr/>
-              <p:nvPr/>
-            </p:nvSpPr>
-            <p:spPr>
-              <a:xfrm rot="1734465">
-                <a:off x="3328878" y="3981986"/>
-                <a:ext cx="1029189" cy="206557"/>
-              </a:xfrm>
-              <a:prstGeom prst="parallelogram">
-                <a:avLst>
-                  <a:gd name="adj" fmla="val 56906"/>
-                </a:avLst>
-              </a:prstGeom>
-              <a:solidFill>
-                <a:schemeClr val="bg1">
-                  <a:lumMod val="85000"/>
-                </a:schemeClr>
-              </a:solidFill>
-              <a:ln>
-                <a:solidFill>
-                  <a:schemeClr val="bg1">
-                    <a:lumMod val="75000"/>
-                  </a:schemeClr>
-                </a:solidFill>
-              </a:ln>
-            </p:spPr>
-            <p:style>
-              <a:lnRef idx="2">
-                <a:schemeClr val="accent1">
-                  <a:shade val="50000"/>
-                </a:schemeClr>
-              </a:lnRef>
-              <a:fillRef idx="1">
-                <a:schemeClr val="accent1"/>
-              </a:fillRef>
-              <a:effectRef idx="0">
-                <a:schemeClr val="accent1"/>
-              </a:effectRef>
-              <a:fontRef idx="minor">
-                <a:schemeClr val="lt1"/>
-              </a:fontRef>
-            </p:style>
-            <p:txBody>
-              <a:bodyPr rtlCol="0" anchor="ctr"/>
-              <a:lstStyle/>
-              <a:p>
-                <a:pPr algn="ctr"/>
-                <a:endParaRPr kumimoji="1" lang="ja-JP" altLang="en-US"/>
-              </a:p>
-            </p:txBody>
-          </p:sp>
-        </p:grpSp>
-        <p:grpSp>
-          <p:nvGrpSpPr>
-            <p:cNvPr id="538" name="グループ化 537"/>
-            <p:cNvGrpSpPr/>
-            <p:nvPr/>
-          </p:nvGrpSpPr>
-          <p:grpSpPr>
-            <a:xfrm flipH="1">
-              <a:off x="1956888" y="3868998"/>
-              <a:ext cx="504503" cy="362054"/>
-              <a:chOff x="3333629" y="3300761"/>
-              <a:chExt cx="881069" cy="632294"/>
-            </a:xfrm>
-          </p:grpSpPr>
-          <p:sp>
-            <p:nvSpPr>
-              <p:cNvPr id="594" name="平行四辺形 593"/>
-              <p:cNvSpPr/>
-              <p:nvPr/>
-            </p:nvSpPr>
-            <p:spPr>
-              <a:xfrm rot="16200000">
-                <a:off x="3335858" y="3433966"/>
-                <a:ext cx="480731" cy="485189"/>
-              </a:xfrm>
-              <a:prstGeom prst="parallelogram">
-                <a:avLst>
-                  <a:gd name="adj" fmla="val 56906"/>
-                </a:avLst>
-              </a:prstGeom>
-              <a:solidFill>
-                <a:schemeClr val="accent6">
-                  <a:lumMod val="50000"/>
-                </a:schemeClr>
-              </a:solidFill>
-              <a:ln w="38100" cap="rnd">
-                <a:solidFill>
-                  <a:schemeClr val="bg1"/>
-                </a:solidFill>
-              </a:ln>
-            </p:spPr>
-            <p:style>
-              <a:lnRef idx="2">
-                <a:schemeClr val="accent1">
-                  <a:shade val="50000"/>
-                </a:schemeClr>
-              </a:lnRef>
-              <a:fillRef idx="1">
-                <a:schemeClr val="accent1"/>
-              </a:fillRef>
-              <a:effectRef idx="0">
-                <a:schemeClr val="accent1"/>
-              </a:effectRef>
-              <a:fontRef idx="minor">
-                <a:schemeClr val="lt1"/>
-              </a:fontRef>
-            </p:style>
-            <p:txBody>
-              <a:bodyPr rtlCol="0" anchor="ctr"/>
-              <a:lstStyle/>
-              <a:p>
-                <a:pPr algn="ctr"/>
-                <a:endParaRPr kumimoji="1" lang="ja-JP" altLang="en-US"/>
-              </a:p>
-            </p:txBody>
-          </p:sp>
-          <p:sp>
-            <p:nvSpPr>
-              <p:cNvPr id="595" name="平行四辺形 594"/>
-              <p:cNvSpPr/>
-              <p:nvPr/>
-            </p:nvSpPr>
-            <p:spPr>
-              <a:xfrm rot="5400000" flipH="1">
-                <a:off x="3825764" y="3544121"/>
-                <a:ext cx="415915" cy="361953"/>
-              </a:xfrm>
-              <a:prstGeom prst="parallelogram">
-                <a:avLst>
-                  <a:gd name="adj" fmla="val 56906"/>
-                </a:avLst>
-              </a:prstGeom>
-              <a:solidFill>
-                <a:schemeClr val="accent6">
-                  <a:lumMod val="50000"/>
-                </a:schemeClr>
-              </a:solidFill>
-              <a:ln w="38100" cap="rnd">
-                <a:solidFill>
-                  <a:schemeClr val="bg1"/>
-                </a:solidFill>
-              </a:ln>
-            </p:spPr>
-            <p:style>
-              <a:lnRef idx="2">
-                <a:schemeClr val="accent1">
-                  <a:shade val="50000"/>
-                </a:schemeClr>
-              </a:lnRef>
-              <a:fillRef idx="1">
-                <a:schemeClr val="accent1"/>
-              </a:fillRef>
-              <a:effectRef idx="0">
-                <a:schemeClr val="accent1"/>
-              </a:effectRef>
-              <a:fontRef idx="minor">
-                <a:schemeClr val="lt1"/>
-              </a:fontRef>
-            </p:style>
-            <p:txBody>
-              <a:bodyPr rtlCol="0" anchor="ctr"/>
-              <a:lstStyle/>
-              <a:p>
-                <a:pPr algn="ctr"/>
-                <a:endParaRPr kumimoji="1" lang="ja-JP" altLang="en-US"/>
-              </a:p>
-            </p:txBody>
-          </p:sp>
-          <p:sp>
-            <p:nvSpPr>
-              <p:cNvPr id="596" name="平行四辺形 595"/>
-              <p:cNvSpPr/>
-              <p:nvPr/>
-            </p:nvSpPr>
-            <p:spPr>
-              <a:xfrm rot="1800000">
-                <a:off x="3412093" y="3300761"/>
-                <a:ext cx="760983" cy="367107"/>
-              </a:xfrm>
-              <a:prstGeom prst="parallelogram">
-                <a:avLst>
-                  <a:gd name="adj" fmla="val 56906"/>
-                </a:avLst>
-              </a:prstGeom>
-              <a:solidFill>
-                <a:schemeClr val="accent6">
-                  <a:lumMod val="60000"/>
-                  <a:lumOff val="40000"/>
-                </a:schemeClr>
-              </a:solidFill>
-              <a:ln w="38100">
-                <a:solidFill>
-                  <a:schemeClr val="bg1"/>
-                </a:solidFill>
-              </a:ln>
-            </p:spPr>
-            <p:style>
-              <a:lnRef idx="2">
-                <a:schemeClr val="accent1">
-                  <a:shade val="50000"/>
-                </a:schemeClr>
-              </a:lnRef>
-              <a:fillRef idx="1">
-                <a:schemeClr val="accent1"/>
-              </a:fillRef>
-              <a:effectRef idx="0">
-                <a:schemeClr val="accent1"/>
-              </a:effectRef>
-              <a:fontRef idx="minor">
-                <a:schemeClr val="lt1"/>
-              </a:fontRef>
-            </p:style>
-            <p:txBody>
-              <a:bodyPr rtlCol="0" anchor="ctr"/>
-              <a:lstStyle/>
-              <a:p>
-                <a:pPr algn="ctr"/>
-                <a:endParaRPr kumimoji="1" lang="ja-JP" altLang="en-US"/>
-              </a:p>
-            </p:txBody>
-          </p:sp>
-        </p:grpSp>
-        <p:grpSp>
-          <p:nvGrpSpPr>
-            <p:cNvPr id="539" name="グループ化 538"/>
-            <p:cNvGrpSpPr/>
-            <p:nvPr/>
-          </p:nvGrpSpPr>
-          <p:grpSpPr>
-            <a:xfrm flipH="1">
-              <a:off x="1676825" y="4002661"/>
-              <a:ext cx="486032" cy="395659"/>
-              <a:chOff x="3365888" y="3300761"/>
-              <a:chExt cx="848810" cy="641901"/>
-            </a:xfrm>
-          </p:grpSpPr>
-          <p:sp>
-            <p:nvSpPr>
-              <p:cNvPr id="591" name="平行四辺形 590"/>
-              <p:cNvSpPr/>
-              <p:nvPr/>
-            </p:nvSpPr>
-            <p:spPr>
-              <a:xfrm rot="16200000">
-                <a:off x="3368118" y="3459702"/>
-                <a:ext cx="480730" cy="485189"/>
-              </a:xfrm>
-              <a:prstGeom prst="parallelogram">
-                <a:avLst>
-                  <a:gd name="adj" fmla="val 56906"/>
-                </a:avLst>
-              </a:prstGeom>
-              <a:solidFill>
-                <a:schemeClr val="accent6">
-                  <a:lumMod val="50000"/>
-                </a:schemeClr>
-              </a:solidFill>
-              <a:ln w="38100" cap="rnd">
-                <a:solidFill>
-                  <a:schemeClr val="bg1"/>
-                </a:solidFill>
-              </a:ln>
-            </p:spPr>
-            <p:style>
-              <a:lnRef idx="2">
-                <a:schemeClr val="accent1">
-                  <a:shade val="50000"/>
-                </a:schemeClr>
-              </a:lnRef>
-              <a:fillRef idx="1">
-                <a:schemeClr val="accent1"/>
-              </a:fillRef>
-              <a:effectRef idx="0">
-                <a:schemeClr val="accent1"/>
-              </a:effectRef>
-              <a:fontRef idx="minor">
-                <a:schemeClr val="lt1"/>
-              </a:fontRef>
-            </p:style>
-            <p:txBody>
-              <a:bodyPr rtlCol="0" anchor="ctr"/>
-              <a:lstStyle/>
-              <a:p>
-                <a:pPr algn="ctr"/>
-                <a:endParaRPr kumimoji="1" lang="ja-JP" altLang="en-US"/>
-              </a:p>
-            </p:txBody>
-          </p:sp>
-          <p:sp>
-            <p:nvSpPr>
-              <p:cNvPr id="592" name="平行四辺形 591"/>
-              <p:cNvSpPr/>
-              <p:nvPr/>
-            </p:nvSpPr>
-            <p:spPr>
-              <a:xfrm rot="5400000" flipH="1">
-                <a:off x="3825764" y="3544121"/>
-                <a:ext cx="415915" cy="361953"/>
-              </a:xfrm>
-              <a:prstGeom prst="parallelogram">
-                <a:avLst>
-                  <a:gd name="adj" fmla="val 56906"/>
-                </a:avLst>
-              </a:prstGeom>
-              <a:solidFill>
-                <a:schemeClr val="accent6">
-                  <a:lumMod val="50000"/>
-                </a:schemeClr>
-              </a:solidFill>
-              <a:ln w="38100" cap="rnd">
-                <a:solidFill>
-                  <a:schemeClr val="bg1"/>
-                </a:solidFill>
-              </a:ln>
-            </p:spPr>
-            <p:style>
-              <a:lnRef idx="2">
-                <a:schemeClr val="accent1">
-                  <a:shade val="50000"/>
-                </a:schemeClr>
-              </a:lnRef>
-              <a:fillRef idx="1">
-                <a:schemeClr val="accent1"/>
-              </a:fillRef>
-              <a:effectRef idx="0">
-                <a:schemeClr val="accent1"/>
-              </a:effectRef>
-              <a:fontRef idx="minor">
-                <a:schemeClr val="lt1"/>
-              </a:fontRef>
-            </p:style>
-            <p:txBody>
-              <a:bodyPr rtlCol="0" anchor="ctr"/>
-              <a:lstStyle/>
-              <a:p>
-                <a:pPr algn="ctr"/>
-                <a:endParaRPr kumimoji="1" lang="ja-JP" altLang="en-US"/>
-              </a:p>
-            </p:txBody>
-          </p:sp>
-          <p:sp>
-            <p:nvSpPr>
-              <p:cNvPr id="593" name="平行四辺形 592"/>
-              <p:cNvSpPr/>
-              <p:nvPr/>
-            </p:nvSpPr>
-            <p:spPr>
-              <a:xfrm rot="1800000">
-                <a:off x="3412093" y="3300761"/>
-                <a:ext cx="760983" cy="367107"/>
-              </a:xfrm>
-              <a:prstGeom prst="parallelogram">
-                <a:avLst>
-                  <a:gd name="adj" fmla="val 56906"/>
-                </a:avLst>
-              </a:prstGeom>
-              <a:solidFill>
-                <a:schemeClr val="accent6">
-                  <a:lumMod val="60000"/>
-                  <a:lumOff val="40000"/>
-                </a:schemeClr>
-              </a:solidFill>
-              <a:ln w="38100">
-                <a:solidFill>
-                  <a:schemeClr val="bg1"/>
-                </a:solidFill>
-              </a:ln>
-            </p:spPr>
-            <p:style>
-              <a:lnRef idx="2">
-                <a:schemeClr val="accent1">
-                  <a:shade val="50000"/>
-                </a:schemeClr>
-              </a:lnRef>
-              <a:fillRef idx="1">
-                <a:schemeClr val="accent1"/>
-              </a:fillRef>
-              <a:effectRef idx="0">
-                <a:schemeClr val="accent1"/>
-              </a:effectRef>
-              <a:fontRef idx="minor">
-                <a:schemeClr val="lt1"/>
-              </a:fontRef>
-            </p:style>
-            <p:txBody>
-              <a:bodyPr rtlCol="0" anchor="ctr"/>
-              <a:lstStyle/>
-              <a:p>
-                <a:pPr algn="ctr"/>
-                <a:endParaRPr kumimoji="1" lang="ja-JP" altLang="en-US"/>
-              </a:p>
-            </p:txBody>
-          </p:sp>
-        </p:grpSp>
-        <p:sp>
-          <p:nvSpPr>
-            <p:cNvPr id="540" name="平行四辺形 539"/>
-            <p:cNvSpPr/>
-            <p:nvPr/>
-          </p:nvSpPr>
-          <p:spPr>
-            <a:xfrm rot="16200000">
-              <a:off x="1435594" y="4266885"/>
-              <a:ext cx="275269" cy="195047"/>
-            </a:xfrm>
-            <a:prstGeom prst="parallelogram">
-              <a:avLst>
-                <a:gd name="adj" fmla="val 56906"/>
-              </a:avLst>
-            </a:prstGeom>
-            <a:solidFill>
-              <a:schemeClr val="accent6">
-                <a:lumMod val="75000"/>
-              </a:schemeClr>
-            </a:solidFill>
-            <a:ln w="38100" cap="rnd">
-              <a:solidFill>
-                <a:schemeClr val="bg1"/>
-              </a:solidFill>
-            </a:ln>
-          </p:spPr>
-          <p:style>
-            <a:lnRef idx="2">
-              <a:schemeClr val="accent1">
-                <a:shade val="50000"/>
-              </a:schemeClr>
-            </a:lnRef>
-            <a:fillRef idx="1">
-              <a:schemeClr val="accent1"/>
-            </a:fillRef>
-            <a:effectRef idx="0">
-              <a:schemeClr val="accent1"/>
-            </a:effectRef>
-            <a:fontRef idx="minor">
-              <a:schemeClr val="lt1"/>
-            </a:fontRef>
-          </p:style>
-          <p:txBody>
-            <a:bodyPr rtlCol="0" anchor="ctr"/>
-            <a:lstStyle/>
-            <a:p>
-              <a:pPr algn="ctr"/>
-              <a:endParaRPr kumimoji="1" lang="ja-JP" altLang="en-US"/>
-            </a:p>
-          </p:txBody>
-        </p:sp>
-        <p:sp>
-          <p:nvSpPr>
-            <p:cNvPr id="541" name="平行四辺形 540"/>
-            <p:cNvSpPr/>
-            <p:nvPr/>
-          </p:nvSpPr>
-          <p:spPr>
-            <a:xfrm rot="5400000" flipH="1">
-              <a:off x="1656256" y="4279338"/>
-              <a:ext cx="238155" cy="207256"/>
-            </a:xfrm>
-            <a:prstGeom prst="parallelogram">
-              <a:avLst>
-                <a:gd name="adj" fmla="val 56906"/>
-              </a:avLst>
-            </a:prstGeom>
-            <a:solidFill>
-              <a:schemeClr val="accent6">
-                <a:lumMod val="50000"/>
-              </a:schemeClr>
-            </a:solidFill>
-            <a:ln w="38100" cap="rnd">
-              <a:solidFill>
-                <a:schemeClr val="bg1"/>
-              </a:solidFill>
-            </a:ln>
-          </p:spPr>
-          <p:style>
-            <a:lnRef idx="2">
-              <a:schemeClr val="accent1">
-                <a:shade val="50000"/>
-              </a:schemeClr>
-            </a:lnRef>
-            <a:fillRef idx="1">
-              <a:schemeClr val="accent1"/>
-            </a:fillRef>
-            <a:effectRef idx="0">
-              <a:schemeClr val="accent1"/>
-            </a:effectRef>
-            <a:fontRef idx="minor">
-              <a:schemeClr val="lt1"/>
-            </a:fontRef>
-          </p:style>
-          <p:txBody>
-            <a:bodyPr rtlCol="0" anchor="ctr"/>
-            <a:lstStyle/>
-            <a:p>
-              <a:pPr algn="ctr"/>
-              <a:endParaRPr kumimoji="1" lang="ja-JP" altLang="en-US"/>
-            </a:p>
-          </p:txBody>
-        </p:sp>
-        <p:grpSp>
-          <p:nvGrpSpPr>
-            <p:cNvPr id="542" name="グループ化 541"/>
-            <p:cNvGrpSpPr/>
-            <p:nvPr/>
-          </p:nvGrpSpPr>
-          <p:grpSpPr>
-            <a:xfrm flipH="1">
-              <a:off x="1469513" y="4094804"/>
-              <a:ext cx="486031" cy="275269"/>
-              <a:chOff x="3365889" y="3452324"/>
-              <a:chExt cx="848809" cy="480732"/>
-            </a:xfrm>
-          </p:grpSpPr>
-          <p:sp>
-            <p:nvSpPr>
-              <p:cNvPr id="589" name="平行四辺形 588"/>
-              <p:cNvSpPr/>
-              <p:nvPr/>
-            </p:nvSpPr>
-            <p:spPr>
-              <a:xfrm rot="16200000">
-                <a:off x="3368118" y="3450095"/>
-                <a:ext cx="480732" cy="485190"/>
-              </a:xfrm>
-              <a:prstGeom prst="parallelogram">
-                <a:avLst>
-                  <a:gd name="adj" fmla="val 56906"/>
-                </a:avLst>
-              </a:prstGeom>
-              <a:solidFill>
-                <a:schemeClr val="accent6">
-                  <a:lumMod val="50000"/>
-                </a:schemeClr>
-              </a:solidFill>
-              <a:ln w="38100" cap="rnd">
-                <a:solidFill>
-                  <a:schemeClr val="bg1"/>
-                </a:solidFill>
-              </a:ln>
-            </p:spPr>
-            <p:style>
-              <a:lnRef idx="2">
-                <a:schemeClr val="accent1">
-                  <a:shade val="50000"/>
-                </a:schemeClr>
-              </a:lnRef>
-              <a:fillRef idx="1">
-                <a:schemeClr val="accent1"/>
-              </a:fillRef>
-              <a:effectRef idx="0">
-                <a:schemeClr val="accent1"/>
-              </a:effectRef>
-              <a:fontRef idx="minor">
-                <a:schemeClr val="lt1"/>
-              </a:fontRef>
-            </p:style>
-            <p:txBody>
-              <a:bodyPr rtlCol="0" anchor="ctr"/>
-              <a:lstStyle/>
-              <a:p>
-                <a:pPr algn="ctr"/>
-                <a:endParaRPr kumimoji="1" lang="ja-JP" altLang="en-US"/>
-              </a:p>
-            </p:txBody>
-          </p:sp>
-          <p:sp>
-            <p:nvSpPr>
-              <p:cNvPr id="590" name="平行四辺形 589"/>
-              <p:cNvSpPr/>
-              <p:nvPr/>
-            </p:nvSpPr>
-            <p:spPr>
-              <a:xfrm rot="5400000" flipH="1">
-                <a:off x="3825764" y="3544121"/>
-                <a:ext cx="415915" cy="361953"/>
-              </a:xfrm>
-              <a:prstGeom prst="parallelogram">
-                <a:avLst>
-                  <a:gd name="adj" fmla="val 56906"/>
-                </a:avLst>
-              </a:prstGeom>
-              <a:solidFill>
-                <a:schemeClr val="accent6">
-                  <a:lumMod val="75000"/>
-                </a:schemeClr>
-              </a:solidFill>
-              <a:ln w="38100" cap="rnd">
-                <a:solidFill>
-                  <a:schemeClr val="bg1"/>
-                </a:solidFill>
-              </a:ln>
-            </p:spPr>
-            <p:style>
-              <a:lnRef idx="2">
-                <a:schemeClr val="accent1">
-                  <a:shade val="50000"/>
-                </a:schemeClr>
-              </a:lnRef>
-              <a:fillRef idx="1">
-                <a:schemeClr val="accent1"/>
-              </a:fillRef>
-              <a:effectRef idx="0">
-                <a:schemeClr val="accent1"/>
-              </a:effectRef>
-              <a:fontRef idx="minor">
-                <a:schemeClr val="lt1"/>
-              </a:fontRef>
-            </p:style>
-            <p:txBody>
-              <a:bodyPr rtlCol="0" anchor="ctr"/>
-              <a:lstStyle/>
-              <a:p>
-                <a:pPr algn="ctr"/>
-                <a:endParaRPr kumimoji="1" lang="ja-JP" altLang="en-US"/>
-              </a:p>
-            </p:txBody>
-          </p:sp>
-        </p:grpSp>
-        <p:grpSp>
-          <p:nvGrpSpPr>
-            <p:cNvPr id="543" name="グループ化 542"/>
-            <p:cNvGrpSpPr/>
-            <p:nvPr/>
-          </p:nvGrpSpPr>
-          <p:grpSpPr>
-            <a:xfrm flipH="1">
-              <a:off x="1469044" y="4349880"/>
-              <a:ext cx="486031" cy="275269"/>
-              <a:chOff x="3365889" y="3452324"/>
-              <a:chExt cx="848809" cy="480732"/>
-            </a:xfrm>
-          </p:grpSpPr>
-          <p:sp>
-            <p:nvSpPr>
-              <p:cNvPr id="587" name="平行四辺形 586"/>
-              <p:cNvSpPr/>
-              <p:nvPr/>
-            </p:nvSpPr>
-            <p:spPr>
-              <a:xfrm rot="5400000" flipH="1">
-                <a:off x="3825764" y="3544121"/>
-                <a:ext cx="415915" cy="361953"/>
-              </a:xfrm>
-              <a:prstGeom prst="parallelogram">
-                <a:avLst>
-                  <a:gd name="adj" fmla="val 56906"/>
-                </a:avLst>
-              </a:prstGeom>
-              <a:solidFill>
-                <a:schemeClr val="accent6">
-                  <a:lumMod val="75000"/>
-                </a:schemeClr>
-              </a:solidFill>
-              <a:ln w="38100" cap="rnd">
-                <a:solidFill>
-                  <a:schemeClr val="bg1"/>
-                </a:solidFill>
-              </a:ln>
-            </p:spPr>
-            <p:style>
-              <a:lnRef idx="2">
-                <a:schemeClr val="accent1">
-                  <a:shade val="50000"/>
-                </a:schemeClr>
-              </a:lnRef>
-              <a:fillRef idx="1">
-                <a:schemeClr val="accent1"/>
-              </a:fillRef>
-              <a:effectRef idx="0">
-                <a:schemeClr val="accent1"/>
-              </a:effectRef>
-              <a:fontRef idx="minor">
-                <a:schemeClr val="lt1"/>
-              </a:fontRef>
-            </p:style>
-            <p:txBody>
-              <a:bodyPr rtlCol="0" anchor="ctr"/>
-              <a:lstStyle/>
-              <a:p>
-                <a:pPr algn="ctr"/>
-                <a:endParaRPr kumimoji="1" lang="ja-JP" altLang="en-US"/>
-              </a:p>
-            </p:txBody>
-          </p:sp>
-          <p:sp>
-            <p:nvSpPr>
-              <p:cNvPr id="588" name="平行四辺形 587"/>
-              <p:cNvSpPr/>
-              <p:nvPr/>
-            </p:nvSpPr>
-            <p:spPr>
-              <a:xfrm rot="16200000">
-                <a:off x="3368118" y="3450095"/>
-                <a:ext cx="480732" cy="485190"/>
-              </a:xfrm>
-              <a:prstGeom prst="parallelogram">
-                <a:avLst>
-                  <a:gd name="adj" fmla="val 56906"/>
-                </a:avLst>
-              </a:prstGeom>
-              <a:solidFill>
-                <a:schemeClr val="accent6">
-                  <a:lumMod val="50000"/>
-                </a:schemeClr>
-              </a:solidFill>
-              <a:ln w="38100" cap="rnd">
-                <a:solidFill>
-                  <a:schemeClr val="bg1"/>
-                </a:solidFill>
-              </a:ln>
-            </p:spPr>
-            <p:style>
-              <a:lnRef idx="2">
-                <a:schemeClr val="accent1">
-                  <a:shade val="50000"/>
-                </a:schemeClr>
-              </a:lnRef>
-              <a:fillRef idx="1">
-                <a:schemeClr val="accent1"/>
-              </a:fillRef>
-              <a:effectRef idx="0">
-                <a:schemeClr val="accent1"/>
-              </a:effectRef>
-              <a:fontRef idx="minor">
-                <a:schemeClr val="lt1"/>
-              </a:fontRef>
-            </p:style>
-            <p:txBody>
-              <a:bodyPr rtlCol="0" anchor="ctr"/>
-              <a:lstStyle/>
-              <a:p>
-                <a:pPr algn="ctr"/>
-                <a:endParaRPr kumimoji="1" lang="ja-JP" altLang="en-US"/>
-              </a:p>
-            </p:txBody>
-          </p:sp>
-        </p:grpSp>
-        <p:sp>
-          <p:nvSpPr>
-            <p:cNvPr id="544" name="平行四辺形 543"/>
-            <p:cNvSpPr/>
-            <p:nvPr/>
-          </p:nvSpPr>
-          <p:spPr>
-            <a:xfrm rot="5400000" flipH="1">
-              <a:off x="1968647" y="4186837"/>
-              <a:ext cx="275269" cy="277821"/>
-            </a:xfrm>
-            <a:prstGeom prst="parallelogram">
-              <a:avLst>
-                <a:gd name="adj" fmla="val 56906"/>
-              </a:avLst>
-            </a:prstGeom>
-            <a:solidFill>
-              <a:schemeClr val="accent6">
-                <a:lumMod val="50000"/>
-              </a:schemeClr>
-            </a:solidFill>
-            <a:ln w="38100" cap="rnd">
-              <a:solidFill>
-                <a:schemeClr val="bg1"/>
-              </a:solidFill>
-            </a:ln>
-          </p:spPr>
-          <p:style>
-            <a:lnRef idx="2">
-              <a:schemeClr val="accent1">
-                <a:shade val="50000"/>
-              </a:schemeClr>
-            </a:lnRef>
-            <a:fillRef idx="1">
-              <a:schemeClr val="accent1"/>
-            </a:fillRef>
-            <a:effectRef idx="0">
-              <a:schemeClr val="accent1"/>
-            </a:effectRef>
-            <a:fontRef idx="minor">
-              <a:schemeClr val="lt1"/>
-            </a:fontRef>
-          </p:style>
-          <p:txBody>
-            <a:bodyPr rtlCol="0" anchor="ctr"/>
-            <a:lstStyle/>
-            <a:p>
-              <a:pPr algn="ctr"/>
-              <a:endParaRPr kumimoji="1" lang="ja-JP" altLang="en-US"/>
-            </a:p>
-          </p:txBody>
-        </p:sp>
-        <p:sp>
-          <p:nvSpPr>
-            <p:cNvPr id="545" name="平行四辺形 544"/>
-            <p:cNvSpPr/>
-            <p:nvPr/>
-          </p:nvSpPr>
-          <p:spPr>
-            <a:xfrm rot="5400000" flipH="1">
-              <a:off x="2257944" y="4025070"/>
-              <a:ext cx="275269" cy="277821"/>
-            </a:xfrm>
-            <a:prstGeom prst="parallelogram">
-              <a:avLst>
-                <a:gd name="adj" fmla="val 56906"/>
-              </a:avLst>
-            </a:prstGeom>
-            <a:solidFill>
-              <a:schemeClr val="accent6">
-                <a:lumMod val="50000"/>
-              </a:schemeClr>
-            </a:solidFill>
-            <a:ln w="38100" cap="rnd">
-              <a:solidFill>
-                <a:schemeClr val="bg1"/>
-              </a:solidFill>
-            </a:ln>
-          </p:spPr>
-          <p:style>
-            <a:lnRef idx="2">
-              <a:schemeClr val="accent1">
-                <a:shade val="50000"/>
-              </a:schemeClr>
-            </a:lnRef>
-            <a:fillRef idx="1">
-              <a:schemeClr val="accent1"/>
-            </a:fillRef>
-            <a:effectRef idx="0">
-              <a:schemeClr val="accent1"/>
-            </a:effectRef>
-            <a:fontRef idx="minor">
-              <a:schemeClr val="lt1"/>
-            </a:fontRef>
-          </p:style>
-          <p:txBody>
-            <a:bodyPr rtlCol="0" anchor="ctr"/>
-            <a:lstStyle/>
-            <a:p>
-              <a:pPr algn="ctr"/>
-              <a:endParaRPr kumimoji="1" lang="ja-JP" altLang="en-US"/>
-            </a:p>
-          </p:txBody>
-        </p:sp>
-        <p:sp>
-          <p:nvSpPr>
-            <p:cNvPr id="546" name="平行四辺形 545"/>
-            <p:cNvSpPr/>
-            <p:nvPr/>
-          </p:nvSpPr>
-          <p:spPr>
-            <a:xfrm rot="5400000" flipH="1">
-              <a:off x="1969116" y="3940997"/>
-              <a:ext cx="275269" cy="277821"/>
-            </a:xfrm>
-            <a:prstGeom prst="parallelogram">
-              <a:avLst>
-                <a:gd name="adj" fmla="val 56906"/>
-              </a:avLst>
-            </a:prstGeom>
-            <a:solidFill>
-              <a:schemeClr val="accent6">
-                <a:lumMod val="50000"/>
-              </a:schemeClr>
-            </a:solidFill>
-            <a:ln w="38100" cap="rnd">
-              <a:solidFill>
-                <a:schemeClr val="bg1"/>
-              </a:solidFill>
-            </a:ln>
-          </p:spPr>
-          <p:style>
-            <a:lnRef idx="2">
-              <a:schemeClr val="accent1">
-                <a:shade val="50000"/>
-              </a:schemeClr>
-            </a:lnRef>
-            <a:fillRef idx="1">
-              <a:schemeClr val="accent1"/>
-            </a:fillRef>
-            <a:effectRef idx="0">
-              <a:schemeClr val="accent1"/>
-            </a:effectRef>
-            <a:fontRef idx="minor">
-              <a:schemeClr val="lt1"/>
-            </a:fontRef>
-          </p:style>
-          <p:txBody>
-            <a:bodyPr rtlCol="0" anchor="ctr"/>
-            <a:lstStyle/>
-            <a:p>
-              <a:pPr algn="ctr"/>
-              <a:endParaRPr kumimoji="1" lang="ja-JP" altLang="en-US"/>
-            </a:p>
-          </p:txBody>
-        </p:sp>
-        <p:sp>
-          <p:nvSpPr>
-            <p:cNvPr id="547" name="平行四辺形 546"/>
-            <p:cNvSpPr/>
-            <p:nvPr/>
-          </p:nvSpPr>
-          <p:spPr>
-            <a:xfrm rot="5400000" flipH="1">
-              <a:off x="2258413" y="3788466"/>
-              <a:ext cx="275269" cy="277821"/>
-            </a:xfrm>
-            <a:prstGeom prst="parallelogram">
-              <a:avLst>
-                <a:gd name="adj" fmla="val 56906"/>
-              </a:avLst>
-            </a:prstGeom>
-            <a:solidFill>
-              <a:schemeClr val="accent6">
-                <a:lumMod val="50000"/>
-              </a:schemeClr>
-            </a:solidFill>
-            <a:ln w="38100" cap="rnd">
-              <a:solidFill>
-                <a:schemeClr val="bg1"/>
-              </a:solidFill>
-            </a:ln>
-          </p:spPr>
-          <p:style>
-            <a:lnRef idx="2">
-              <a:schemeClr val="accent1">
-                <a:shade val="50000"/>
-              </a:schemeClr>
-            </a:lnRef>
-            <a:fillRef idx="1">
-              <a:schemeClr val="accent1"/>
-            </a:fillRef>
-            <a:effectRef idx="0">
-              <a:schemeClr val="accent1"/>
-            </a:effectRef>
-            <a:fontRef idx="minor">
-              <a:schemeClr val="lt1"/>
-            </a:fontRef>
-          </p:style>
-          <p:txBody>
-            <a:bodyPr rtlCol="0" anchor="ctr"/>
-            <a:lstStyle/>
-            <a:p>
-              <a:pPr algn="ctr"/>
-              <a:endParaRPr kumimoji="1" lang="ja-JP" altLang="en-US"/>
-            </a:p>
-          </p:txBody>
-        </p:sp>
-        <p:sp>
-          <p:nvSpPr>
-            <p:cNvPr id="548" name="正方形/長方形 547"/>
-            <p:cNvSpPr/>
-            <p:nvPr/>
-          </p:nvSpPr>
-          <p:spPr>
-            <a:xfrm flipH="1">
-              <a:off x="2450162" y="3824092"/>
-              <a:ext cx="67200" cy="384787"/>
-            </a:xfrm>
-            <a:prstGeom prst="rect">
-              <a:avLst/>
-            </a:prstGeom>
-            <a:solidFill>
-              <a:schemeClr val="bg1"/>
-            </a:solidFill>
-            <a:ln>
-              <a:solidFill>
-                <a:schemeClr val="bg1"/>
-              </a:solidFill>
-            </a:ln>
-          </p:spPr>
-          <p:style>
-            <a:lnRef idx="2">
-              <a:schemeClr val="accent1">
-                <a:shade val="50000"/>
-              </a:schemeClr>
-            </a:lnRef>
-            <a:fillRef idx="1">
-              <a:schemeClr val="accent1"/>
-            </a:fillRef>
-            <a:effectRef idx="0">
-              <a:schemeClr val="accent1"/>
-            </a:effectRef>
-            <a:fontRef idx="minor">
-              <a:schemeClr val="lt1"/>
-            </a:fontRef>
-          </p:style>
-          <p:txBody>
-            <a:bodyPr rtlCol="0" anchor="ctr"/>
-            <a:lstStyle/>
-            <a:p>
-              <a:pPr algn="ctr"/>
-              <a:endParaRPr kumimoji="1" lang="ja-JP" altLang="en-US"/>
-            </a:p>
-          </p:txBody>
-        </p:sp>
-        <p:sp>
-          <p:nvSpPr>
-            <p:cNvPr id="549" name="平行四辺形 548"/>
-            <p:cNvSpPr/>
-            <p:nvPr/>
-          </p:nvSpPr>
-          <p:spPr>
-            <a:xfrm rot="19865535" flipH="1">
-              <a:off x="1461187" y="3847693"/>
-              <a:ext cx="1020426" cy="202958"/>
-            </a:xfrm>
-            <a:prstGeom prst="parallelogram">
-              <a:avLst>
-                <a:gd name="adj" fmla="val 56906"/>
-              </a:avLst>
-            </a:prstGeom>
-            <a:solidFill>
-              <a:schemeClr val="bg1">
-                <a:lumMod val="65000"/>
-              </a:schemeClr>
-            </a:solidFill>
-            <a:ln>
-              <a:solidFill>
-                <a:schemeClr val="bg1">
-                  <a:lumMod val="65000"/>
-                </a:schemeClr>
-              </a:solidFill>
-            </a:ln>
-          </p:spPr>
-          <p:style>
-            <a:lnRef idx="2">
-              <a:schemeClr val="accent1">
-                <a:shade val="50000"/>
-              </a:schemeClr>
-            </a:lnRef>
-            <a:fillRef idx="1">
-              <a:schemeClr val="accent1"/>
-            </a:fillRef>
-            <a:effectRef idx="0">
-              <a:schemeClr val="accent1"/>
-            </a:effectRef>
-            <a:fontRef idx="minor">
-              <a:schemeClr val="lt1"/>
-            </a:fontRef>
-          </p:style>
-          <p:txBody>
-            <a:bodyPr rtlCol="0" anchor="ctr"/>
-            <a:lstStyle/>
-            <a:p>
-              <a:pPr algn="ctr"/>
-              <a:endParaRPr kumimoji="1" lang="ja-JP" altLang="en-US"/>
-            </a:p>
-          </p:txBody>
-        </p:sp>
-        <p:sp>
-          <p:nvSpPr>
-            <p:cNvPr id="550" name="平行四辺形 549"/>
-            <p:cNvSpPr/>
-            <p:nvPr/>
-          </p:nvSpPr>
-          <p:spPr>
-            <a:xfrm rot="16200000">
-              <a:off x="1454064" y="4020480"/>
-              <a:ext cx="238155" cy="207256"/>
-            </a:xfrm>
-            <a:prstGeom prst="parallelogram">
-              <a:avLst>
-                <a:gd name="adj" fmla="val 56906"/>
-              </a:avLst>
-            </a:prstGeom>
-            <a:solidFill>
-              <a:schemeClr val="bg1">
-                <a:lumMod val="75000"/>
-              </a:schemeClr>
-            </a:solidFill>
-            <a:ln w="0" cap="rnd">
-              <a:solidFill>
-                <a:schemeClr val="bg1">
-                  <a:lumMod val="75000"/>
-                </a:schemeClr>
-              </a:solidFill>
-            </a:ln>
-          </p:spPr>
-          <p:style>
-            <a:lnRef idx="2">
-              <a:schemeClr val="accent1">
-                <a:shade val="50000"/>
-              </a:schemeClr>
-            </a:lnRef>
-            <a:fillRef idx="1">
-              <a:schemeClr val="accent1"/>
-            </a:fillRef>
-            <a:effectRef idx="0">
-              <a:schemeClr val="accent1"/>
-            </a:effectRef>
-            <a:fontRef idx="minor">
-              <a:schemeClr val="lt1"/>
-            </a:fontRef>
-          </p:style>
-          <p:txBody>
-            <a:bodyPr rtlCol="0" anchor="ctr"/>
-            <a:lstStyle/>
-            <a:p>
-              <a:pPr algn="ctr"/>
-              <a:endParaRPr kumimoji="1" lang="ja-JP" altLang="en-US"/>
-            </a:p>
-          </p:txBody>
-        </p:sp>
-        <p:sp>
-          <p:nvSpPr>
-            <p:cNvPr id="567" name="正方形/長方形 566"/>
-            <p:cNvSpPr/>
-            <p:nvPr/>
-          </p:nvSpPr>
-          <p:spPr>
-            <a:xfrm flipH="1">
-              <a:off x="2422493" y="3723853"/>
-              <a:ext cx="45719" cy="63041"/>
-            </a:xfrm>
-            <a:prstGeom prst="rect">
-              <a:avLst/>
-            </a:prstGeom>
-            <a:solidFill>
-              <a:schemeClr val="bg1">
-                <a:lumMod val="65000"/>
-              </a:schemeClr>
-            </a:solidFill>
-            <a:ln>
-              <a:solidFill>
-                <a:schemeClr val="bg1">
-                  <a:lumMod val="65000"/>
-                </a:schemeClr>
-              </a:solidFill>
-            </a:ln>
-          </p:spPr>
-          <p:style>
-            <a:lnRef idx="2">
-              <a:schemeClr val="accent1">
-                <a:shade val="50000"/>
-              </a:schemeClr>
-            </a:lnRef>
-            <a:fillRef idx="1">
-              <a:schemeClr val="accent1"/>
-            </a:fillRef>
-            <a:effectRef idx="0">
-              <a:schemeClr val="accent1"/>
-            </a:effectRef>
-            <a:fontRef idx="minor">
-              <a:schemeClr val="lt1"/>
-            </a:fontRef>
-          </p:style>
-          <p:txBody>
-            <a:bodyPr rtlCol="0" anchor="ctr"/>
-            <a:lstStyle/>
-            <a:p>
-              <a:pPr algn="ctr"/>
-              <a:endParaRPr kumimoji="1" lang="ja-JP" altLang="en-US"/>
-            </a:p>
-          </p:txBody>
-        </p:sp>
-        <p:sp>
-          <p:nvSpPr>
-            <p:cNvPr id="586" name="平行四辺形 585"/>
-            <p:cNvSpPr/>
-            <p:nvPr/>
-          </p:nvSpPr>
-          <p:spPr>
-            <a:xfrm rot="19865535" flipH="1">
-              <a:off x="1443826" y="3740225"/>
-              <a:ext cx="1052059" cy="241289"/>
-            </a:xfrm>
-            <a:prstGeom prst="parallelogram">
-              <a:avLst>
-                <a:gd name="adj" fmla="val 56906"/>
-              </a:avLst>
-            </a:prstGeom>
-            <a:solidFill>
-              <a:schemeClr val="bg1">
-                <a:lumMod val="85000"/>
-              </a:schemeClr>
-            </a:solidFill>
-            <a:ln w="12700">
-              <a:solidFill>
-                <a:schemeClr val="bg1">
-                  <a:lumMod val="75000"/>
-                </a:schemeClr>
-              </a:solidFill>
-            </a:ln>
-          </p:spPr>
-          <p:style>
-            <a:lnRef idx="2">
-              <a:schemeClr val="accent1">
-                <a:shade val="50000"/>
-              </a:schemeClr>
-            </a:lnRef>
-            <a:fillRef idx="1">
-              <a:schemeClr val="accent1"/>
-            </a:fillRef>
-            <a:effectRef idx="0">
-              <a:schemeClr val="accent1"/>
-            </a:effectRef>
-            <a:fontRef idx="minor">
-              <a:schemeClr val="lt1"/>
-            </a:fontRef>
-          </p:style>
-          <p:txBody>
-            <a:bodyPr rtlCol="0" anchor="ctr"/>
-            <a:lstStyle/>
-            <a:p>
-              <a:pPr algn="ctr"/>
-              <a:endParaRPr kumimoji="1" lang="ja-JP" altLang="en-US"/>
-            </a:p>
-          </p:txBody>
-        </p:sp>
-      </p:grpSp>
-      <p:grpSp>
-        <p:nvGrpSpPr>
           <p:cNvPr id="23" name="グループ化 22"/>
           <p:cNvGrpSpPr/>
           <p:nvPr/>
@@ -27094,6 +23655,4775 @@
           </a:p>
         </p:txBody>
       </p:sp>
+      <p:grpSp>
+        <p:nvGrpSpPr>
+          <p:cNvPr id="501" name="グループ化 500"/>
+          <p:cNvGrpSpPr/>
+          <p:nvPr/>
+        </p:nvGrpSpPr>
+        <p:grpSpPr>
+          <a:xfrm>
+            <a:off x="539755" y="3315798"/>
+            <a:ext cx="1064095" cy="1119781"/>
+            <a:chOff x="766927" y="3152762"/>
+            <a:chExt cx="1064095" cy="1119781"/>
+          </a:xfrm>
+        </p:grpSpPr>
+        <p:grpSp>
+          <p:nvGrpSpPr>
+            <p:cNvPr id="536" name="グループ化 535"/>
+            <p:cNvGrpSpPr/>
+            <p:nvPr/>
+          </p:nvGrpSpPr>
+          <p:grpSpPr>
+            <a:xfrm rot="60000">
+              <a:off x="778963" y="3728183"/>
+              <a:ext cx="1052059" cy="524094"/>
+              <a:chOff x="3337075" y="3933812"/>
+              <a:chExt cx="1052059" cy="524094"/>
+            </a:xfrm>
+          </p:grpSpPr>
+          <p:sp>
+            <p:nvSpPr>
+              <p:cNvPr id="645" name="平行四辺形 644"/>
+              <p:cNvSpPr/>
+              <p:nvPr/>
+            </p:nvSpPr>
+            <p:spPr>
+              <a:xfrm rot="1734465">
+                <a:off x="3337075" y="4074747"/>
+                <a:ext cx="1052059" cy="241289"/>
+              </a:xfrm>
+              <a:prstGeom prst="parallelogram">
+                <a:avLst>
+                  <a:gd name="adj" fmla="val 56906"/>
+                </a:avLst>
+              </a:prstGeom>
+              <a:solidFill>
+                <a:schemeClr val="bg1">
+                  <a:lumMod val="75000"/>
+                </a:schemeClr>
+              </a:solidFill>
+              <a:ln w="3175">
+                <a:solidFill>
+                  <a:schemeClr val="bg1">
+                    <a:lumMod val="65000"/>
+                  </a:schemeClr>
+                </a:solidFill>
+              </a:ln>
+            </p:spPr>
+            <p:style>
+              <a:lnRef idx="2">
+                <a:schemeClr val="accent1">
+                  <a:shade val="50000"/>
+                </a:schemeClr>
+              </a:lnRef>
+              <a:fillRef idx="1">
+                <a:schemeClr val="accent1"/>
+              </a:fillRef>
+              <a:effectRef idx="0">
+                <a:schemeClr val="accent1"/>
+              </a:effectRef>
+              <a:fontRef idx="minor">
+                <a:schemeClr val="lt1"/>
+              </a:fontRef>
+            </p:style>
+            <p:txBody>
+              <a:bodyPr rtlCol="0" anchor="ctr"/>
+              <a:lstStyle/>
+              <a:p>
+                <a:pPr algn="ctr"/>
+                <a:endParaRPr kumimoji="1" lang="ja-JP" altLang="en-US"/>
+              </a:p>
+            </p:txBody>
+          </p:sp>
+          <p:sp>
+            <p:nvSpPr>
+              <p:cNvPr id="646" name="平行四辺形 645"/>
+              <p:cNvSpPr/>
+              <p:nvPr/>
+            </p:nvSpPr>
+            <p:spPr>
+              <a:xfrm rot="5400000" flipH="1">
+                <a:off x="4139514" y="4235201"/>
+                <a:ext cx="238155" cy="207256"/>
+              </a:xfrm>
+              <a:prstGeom prst="parallelogram">
+                <a:avLst>
+                  <a:gd name="adj" fmla="val 56906"/>
+                </a:avLst>
+              </a:prstGeom>
+              <a:solidFill>
+                <a:schemeClr val="bg1">
+                  <a:lumMod val="65000"/>
+                </a:schemeClr>
+              </a:solidFill>
+              <a:ln w="0" cap="rnd">
+                <a:solidFill>
+                  <a:schemeClr val="bg1">
+                    <a:lumMod val="65000"/>
+                  </a:schemeClr>
+                </a:solidFill>
+              </a:ln>
+            </p:spPr>
+            <p:style>
+              <a:lnRef idx="2">
+                <a:schemeClr val="accent1">
+                  <a:shade val="50000"/>
+                </a:schemeClr>
+              </a:lnRef>
+              <a:fillRef idx="1">
+                <a:schemeClr val="accent1"/>
+              </a:fillRef>
+              <a:effectRef idx="0">
+                <a:schemeClr val="accent1"/>
+              </a:effectRef>
+              <a:fontRef idx="minor">
+                <a:schemeClr val="lt1"/>
+              </a:fontRef>
+            </p:style>
+            <p:txBody>
+              <a:bodyPr rtlCol="0" anchor="ctr"/>
+              <a:lstStyle/>
+              <a:p>
+                <a:pPr algn="ctr"/>
+                <a:endParaRPr kumimoji="1" lang="ja-JP" altLang="en-US"/>
+              </a:p>
+            </p:txBody>
+          </p:sp>
+          <p:sp>
+            <p:nvSpPr>
+              <p:cNvPr id="647" name="正方形/長方形 646"/>
+              <p:cNvSpPr/>
+              <p:nvPr/>
+            </p:nvSpPr>
+            <p:spPr>
+              <a:xfrm>
+                <a:off x="3365901" y="3933812"/>
+                <a:ext cx="95625" cy="96970"/>
+              </a:xfrm>
+              <a:prstGeom prst="rect">
+                <a:avLst/>
+              </a:prstGeom>
+              <a:solidFill>
+                <a:schemeClr val="bg1">
+                  <a:lumMod val="75000"/>
+                </a:schemeClr>
+              </a:solidFill>
+              <a:ln>
+                <a:solidFill>
+                  <a:schemeClr val="bg1">
+                    <a:lumMod val="75000"/>
+                  </a:schemeClr>
+                </a:solidFill>
+              </a:ln>
+            </p:spPr>
+            <p:style>
+              <a:lnRef idx="2">
+                <a:schemeClr val="accent1">
+                  <a:shade val="50000"/>
+                </a:schemeClr>
+              </a:lnRef>
+              <a:fillRef idx="1">
+                <a:schemeClr val="accent1"/>
+              </a:fillRef>
+              <a:effectRef idx="0">
+                <a:schemeClr val="accent1"/>
+              </a:effectRef>
+              <a:fontRef idx="minor">
+                <a:schemeClr val="lt1"/>
+              </a:fontRef>
+            </p:style>
+            <p:txBody>
+              <a:bodyPr rtlCol="0" anchor="ctr"/>
+              <a:lstStyle/>
+              <a:p>
+                <a:pPr algn="ctr"/>
+                <a:endParaRPr kumimoji="1" lang="ja-JP" altLang="en-US"/>
+              </a:p>
+            </p:txBody>
+          </p:sp>
+          <p:sp>
+            <p:nvSpPr>
+              <p:cNvPr id="648" name="平行四辺形 647"/>
+              <p:cNvSpPr/>
+              <p:nvPr/>
+            </p:nvSpPr>
+            <p:spPr>
+              <a:xfrm rot="1734465">
+                <a:off x="3347285" y="3948919"/>
+                <a:ext cx="1029189" cy="233985"/>
+              </a:xfrm>
+              <a:prstGeom prst="parallelogram">
+                <a:avLst>
+                  <a:gd name="adj" fmla="val 56906"/>
+                </a:avLst>
+              </a:prstGeom>
+              <a:solidFill>
+                <a:schemeClr val="bg1">
+                  <a:lumMod val="85000"/>
+                </a:schemeClr>
+              </a:solidFill>
+              <a:ln w="3175">
+                <a:solidFill>
+                  <a:schemeClr val="bg1">
+                    <a:lumMod val="75000"/>
+                  </a:schemeClr>
+                </a:solidFill>
+              </a:ln>
+            </p:spPr>
+            <p:style>
+              <a:lnRef idx="2">
+                <a:schemeClr val="accent1">
+                  <a:shade val="50000"/>
+                </a:schemeClr>
+              </a:lnRef>
+              <a:fillRef idx="1">
+                <a:schemeClr val="accent1"/>
+              </a:fillRef>
+              <a:effectRef idx="0">
+                <a:schemeClr val="accent1"/>
+              </a:effectRef>
+              <a:fontRef idx="minor">
+                <a:schemeClr val="lt1"/>
+              </a:fontRef>
+            </p:style>
+            <p:txBody>
+              <a:bodyPr rtlCol="0" anchor="ctr"/>
+              <a:lstStyle/>
+              <a:p>
+                <a:pPr algn="ctr"/>
+                <a:endParaRPr kumimoji="1" lang="ja-JP" altLang="en-US"/>
+              </a:p>
+            </p:txBody>
+          </p:sp>
+        </p:grpSp>
+        <p:sp>
+          <p:nvSpPr>
+            <p:cNvPr id="551" name="平行四辺形 550"/>
+            <p:cNvSpPr/>
+            <p:nvPr/>
+          </p:nvSpPr>
+          <p:spPr>
+            <a:xfrm rot="5400000" flipH="1">
+              <a:off x="1561509" y="3757623"/>
+              <a:ext cx="233167" cy="195047"/>
+            </a:xfrm>
+            <a:prstGeom prst="parallelogram">
+              <a:avLst>
+                <a:gd name="adj" fmla="val 56906"/>
+              </a:avLst>
+            </a:prstGeom>
+            <a:solidFill>
+              <a:schemeClr val="accent6">
+                <a:lumMod val="50000"/>
+              </a:schemeClr>
+            </a:solidFill>
+            <a:ln w="38100" cap="rnd">
+              <a:solidFill>
+                <a:schemeClr val="bg1"/>
+              </a:solidFill>
+            </a:ln>
+          </p:spPr>
+          <p:style>
+            <a:lnRef idx="2">
+              <a:schemeClr val="accent1">
+                <a:shade val="50000"/>
+              </a:schemeClr>
+            </a:lnRef>
+            <a:fillRef idx="1">
+              <a:schemeClr val="accent1"/>
+            </a:fillRef>
+            <a:effectRef idx="0">
+              <a:schemeClr val="accent1"/>
+            </a:effectRef>
+            <a:fontRef idx="minor">
+              <a:schemeClr val="lt1"/>
+            </a:fontRef>
+          </p:style>
+          <p:txBody>
+            <a:bodyPr rtlCol="0" anchor="ctr"/>
+            <a:lstStyle/>
+            <a:p>
+              <a:pPr algn="ctr"/>
+              <a:endParaRPr kumimoji="1" lang="ja-JP" altLang="en-US"/>
+            </a:p>
+          </p:txBody>
+        </p:sp>
+        <p:sp>
+          <p:nvSpPr>
+            <p:cNvPr id="601" name="平行四辺形 600"/>
+            <p:cNvSpPr/>
+            <p:nvPr/>
+          </p:nvSpPr>
+          <p:spPr>
+            <a:xfrm rot="16200000">
+              <a:off x="799087" y="3568221"/>
+              <a:ext cx="248878" cy="215202"/>
+            </a:xfrm>
+            <a:prstGeom prst="parallelogram">
+              <a:avLst>
+                <a:gd name="adj" fmla="val 56906"/>
+              </a:avLst>
+            </a:prstGeom>
+            <a:solidFill>
+              <a:schemeClr val="accent6">
+                <a:lumMod val="75000"/>
+              </a:schemeClr>
+            </a:solidFill>
+            <a:ln w="38100" cap="rnd">
+              <a:solidFill>
+                <a:schemeClr val="bg1"/>
+              </a:solidFill>
+            </a:ln>
+          </p:spPr>
+          <p:style>
+            <a:lnRef idx="2">
+              <a:schemeClr val="accent1">
+                <a:shade val="50000"/>
+              </a:schemeClr>
+            </a:lnRef>
+            <a:fillRef idx="1">
+              <a:schemeClr val="accent1"/>
+            </a:fillRef>
+            <a:effectRef idx="0">
+              <a:schemeClr val="accent1"/>
+            </a:effectRef>
+            <a:fontRef idx="minor">
+              <a:schemeClr val="lt1"/>
+            </a:fontRef>
+          </p:style>
+          <p:txBody>
+            <a:bodyPr rtlCol="0" anchor="ctr"/>
+            <a:lstStyle/>
+            <a:p>
+              <a:pPr algn="ctr"/>
+              <a:endParaRPr kumimoji="1" lang="ja-JP" altLang="en-US"/>
+            </a:p>
+          </p:txBody>
+        </p:sp>
+        <p:sp>
+          <p:nvSpPr>
+            <p:cNvPr id="602" name="平行四辺形 601"/>
+            <p:cNvSpPr/>
+            <p:nvPr/>
+          </p:nvSpPr>
+          <p:spPr>
+            <a:xfrm rot="5340000" flipH="1">
+              <a:off x="1570298" y="4049838"/>
+              <a:ext cx="238155" cy="207256"/>
+            </a:xfrm>
+            <a:prstGeom prst="parallelogram">
+              <a:avLst>
+                <a:gd name="adj" fmla="val 56906"/>
+              </a:avLst>
+            </a:prstGeom>
+            <a:solidFill>
+              <a:schemeClr val="bg1">
+                <a:lumMod val="65000"/>
+              </a:schemeClr>
+            </a:solidFill>
+            <a:ln w="0" cap="rnd">
+              <a:solidFill>
+                <a:schemeClr val="bg1">
+                  <a:lumMod val="65000"/>
+                </a:schemeClr>
+              </a:solidFill>
+            </a:ln>
+          </p:spPr>
+          <p:style>
+            <a:lnRef idx="2">
+              <a:schemeClr val="accent1">
+                <a:shade val="50000"/>
+              </a:schemeClr>
+            </a:lnRef>
+            <a:fillRef idx="1">
+              <a:schemeClr val="accent1"/>
+            </a:fillRef>
+            <a:effectRef idx="0">
+              <a:schemeClr val="accent1"/>
+            </a:effectRef>
+            <a:fontRef idx="minor">
+              <a:schemeClr val="lt1"/>
+            </a:fontRef>
+          </p:style>
+          <p:txBody>
+            <a:bodyPr rtlCol="0" anchor="ctr"/>
+            <a:lstStyle/>
+            <a:p>
+              <a:pPr algn="ctr"/>
+              <a:endParaRPr kumimoji="1" lang="ja-JP" altLang="en-US"/>
+            </a:p>
+          </p:txBody>
+        </p:sp>
+        <p:grpSp>
+          <p:nvGrpSpPr>
+            <p:cNvPr id="603" name="グループ化 602"/>
+            <p:cNvGrpSpPr/>
+            <p:nvPr/>
+          </p:nvGrpSpPr>
+          <p:grpSpPr>
+            <a:xfrm>
+              <a:off x="1042364" y="3682217"/>
+              <a:ext cx="459843" cy="275269"/>
+              <a:chOff x="3365889" y="3452324"/>
+              <a:chExt cx="848809" cy="480732"/>
+            </a:xfrm>
+          </p:grpSpPr>
+          <p:sp>
+            <p:nvSpPr>
+              <p:cNvPr id="643" name="平行四辺形 642"/>
+              <p:cNvSpPr/>
+              <p:nvPr/>
+            </p:nvSpPr>
+            <p:spPr>
+              <a:xfrm rot="16200000">
+                <a:off x="3368118" y="3450095"/>
+                <a:ext cx="480732" cy="485190"/>
+              </a:xfrm>
+              <a:prstGeom prst="parallelogram">
+                <a:avLst>
+                  <a:gd name="adj" fmla="val 56906"/>
+                </a:avLst>
+              </a:prstGeom>
+              <a:solidFill>
+                <a:schemeClr val="accent6">
+                  <a:lumMod val="75000"/>
+                </a:schemeClr>
+              </a:solidFill>
+              <a:ln w="38100" cap="rnd">
+                <a:solidFill>
+                  <a:schemeClr val="bg1"/>
+                </a:solidFill>
+              </a:ln>
+            </p:spPr>
+            <p:style>
+              <a:lnRef idx="2">
+                <a:schemeClr val="accent1">
+                  <a:shade val="50000"/>
+                </a:schemeClr>
+              </a:lnRef>
+              <a:fillRef idx="1">
+                <a:schemeClr val="accent1"/>
+              </a:fillRef>
+              <a:effectRef idx="0">
+                <a:schemeClr val="accent1"/>
+              </a:effectRef>
+              <a:fontRef idx="minor">
+                <a:schemeClr val="lt1"/>
+              </a:fontRef>
+            </p:style>
+            <p:txBody>
+              <a:bodyPr rtlCol="0" anchor="ctr"/>
+              <a:lstStyle/>
+              <a:p>
+                <a:pPr algn="ctr"/>
+                <a:endParaRPr kumimoji="1" lang="ja-JP" altLang="en-US"/>
+              </a:p>
+            </p:txBody>
+          </p:sp>
+          <p:sp>
+            <p:nvSpPr>
+              <p:cNvPr id="644" name="平行四辺形 643"/>
+              <p:cNvSpPr/>
+              <p:nvPr/>
+            </p:nvSpPr>
+            <p:spPr>
+              <a:xfrm rot="5400000" flipH="1">
+                <a:off x="3825764" y="3544121"/>
+                <a:ext cx="415915" cy="361953"/>
+              </a:xfrm>
+              <a:prstGeom prst="parallelogram">
+                <a:avLst>
+                  <a:gd name="adj" fmla="val 56906"/>
+                </a:avLst>
+              </a:prstGeom>
+              <a:solidFill>
+                <a:schemeClr val="accent6">
+                  <a:lumMod val="50000"/>
+                </a:schemeClr>
+              </a:solidFill>
+              <a:ln w="38100" cap="rnd">
+                <a:solidFill>
+                  <a:schemeClr val="bg1"/>
+                </a:solidFill>
+              </a:ln>
+            </p:spPr>
+            <p:style>
+              <a:lnRef idx="2">
+                <a:schemeClr val="accent1">
+                  <a:shade val="50000"/>
+                </a:schemeClr>
+              </a:lnRef>
+              <a:fillRef idx="1">
+                <a:schemeClr val="accent1"/>
+              </a:fillRef>
+              <a:effectRef idx="0">
+                <a:schemeClr val="accent1"/>
+              </a:effectRef>
+              <a:fontRef idx="minor">
+                <a:schemeClr val="lt1"/>
+              </a:fontRef>
+            </p:style>
+            <p:txBody>
+              <a:bodyPr rtlCol="0" anchor="ctr"/>
+              <a:lstStyle/>
+              <a:p>
+                <a:pPr algn="ctr"/>
+                <a:endParaRPr kumimoji="1" lang="ja-JP" altLang="en-US"/>
+              </a:p>
+            </p:txBody>
+          </p:sp>
+        </p:grpSp>
+        <p:grpSp>
+          <p:nvGrpSpPr>
+            <p:cNvPr id="604" name="グループ化 603"/>
+            <p:cNvGrpSpPr/>
+            <p:nvPr/>
+          </p:nvGrpSpPr>
+          <p:grpSpPr>
+            <a:xfrm>
+              <a:off x="1316139" y="3838825"/>
+              <a:ext cx="459843" cy="275269"/>
+              <a:chOff x="3365889" y="3452324"/>
+              <a:chExt cx="848809" cy="480732"/>
+            </a:xfrm>
+          </p:grpSpPr>
+          <p:sp>
+            <p:nvSpPr>
+              <p:cNvPr id="641" name="平行四辺形 640"/>
+              <p:cNvSpPr/>
+              <p:nvPr/>
+            </p:nvSpPr>
+            <p:spPr>
+              <a:xfrm rot="16200000">
+                <a:off x="3368118" y="3450095"/>
+                <a:ext cx="480732" cy="485190"/>
+              </a:xfrm>
+              <a:prstGeom prst="parallelogram">
+                <a:avLst>
+                  <a:gd name="adj" fmla="val 56906"/>
+                </a:avLst>
+              </a:prstGeom>
+              <a:solidFill>
+                <a:schemeClr val="accent6">
+                  <a:lumMod val="75000"/>
+                </a:schemeClr>
+              </a:solidFill>
+              <a:ln w="38100" cap="rnd">
+                <a:solidFill>
+                  <a:schemeClr val="bg1"/>
+                </a:solidFill>
+              </a:ln>
+            </p:spPr>
+            <p:style>
+              <a:lnRef idx="2">
+                <a:schemeClr val="accent1">
+                  <a:shade val="50000"/>
+                </a:schemeClr>
+              </a:lnRef>
+              <a:fillRef idx="1">
+                <a:schemeClr val="accent1"/>
+              </a:fillRef>
+              <a:effectRef idx="0">
+                <a:schemeClr val="accent1"/>
+              </a:effectRef>
+              <a:fontRef idx="minor">
+                <a:schemeClr val="lt1"/>
+              </a:fontRef>
+            </p:style>
+            <p:txBody>
+              <a:bodyPr rtlCol="0" anchor="ctr"/>
+              <a:lstStyle/>
+              <a:p>
+                <a:pPr algn="ctr"/>
+                <a:endParaRPr kumimoji="1" lang="ja-JP" altLang="en-US"/>
+              </a:p>
+            </p:txBody>
+          </p:sp>
+          <p:sp>
+            <p:nvSpPr>
+              <p:cNvPr id="642" name="平行四辺形 641"/>
+              <p:cNvSpPr/>
+              <p:nvPr/>
+            </p:nvSpPr>
+            <p:spPr>
+              <a:xfrm rot="5400000" flipH="1">
+                <a:off x="3825764" y="3544121"/>
+                <a:ext cx="415915" cy="361953"/>
+              </a:xfrm>
+              <a:prstGeom prst="parallelogram">
+                <a:avLst>
+                  <a:gd name="adj" fmla="val 56906"/>
+                </a:avLst>
+              </a:prstGeom>
+              <a:solidFill>
+                <a:schemeClr val="accent6">
+                  <a:lumMod val="50000"/>
+                </a:schemeClr>
+              </a:solidFill>
+              <a:ln w="38100" cap="rnd">
+                <a:solidFill>
+                  <a:schemeClr val="bg1"/>
+                </a:solidFill>
+              </a:ln>
+            </p:spPr>
+            <p:style>
+              <a:lnRef idx="2">
+                <a:schemeClr val="accent1">
+                  <a:shade val="50000"/>
+                </a:schemeClr>
+              </a:lnRef>
+              <a:fillRef idx="1">
+                <a:schemeClr val="accent1"/>
+              </a:fillRef>
+              <a:effectRef idx="0">
+                <a:schemeClr val="accent1"/>
+              </a:effectRef>
+              <a:fontRef idx="minor">
+                <a:schemeClr val="lt1"/>
+              </a:fontRef>
+            </p:style>
+            <p:txBody>
+              <a:bodyPr rtlCol="0" anchor="ctr"/>
+              <a:lstStyle/>
+              <a:p>
+                <a:pPr algn="ctr"/>
+                <a:endParaRPr kumimoji="1" lang="ja-JP" altLang="en-US"/>
+              </a:p>
+            </p:txBody>
+          </p:sp>
+        </p:grpSp>
+        <p:grpSp>
+          <p:nvGrpSpPr>
+            <p:cNvPr id="605" name="グループ化 604"/>
+            <p:cNvGrpSpPr/>
+            <p:nvPr/>
+          </p:nvGrpSpPr>
+          <p:grpSpPr>
+            <a:xfrm>
+              <a:off x="822606" y="3413194"/>
+              <a:ext cx="459843" cy="275269"/>
+              <a:chOff x="3365889" y="3452324"/>
+              <a:chExt cx="848809" cy="480732"/>
+            </a:xfrm>
+          </p:grpSpPr>
+          <p:sp>
+            <p:nvSpPr>
+              <p:cNvPr id="621" name="平行四辺形 620"/>
+              <p:cNvSpPr/>
+              <p:nvPr/>
+            </p:nvSpPr>
+            <p:spPr>
+              <a:xfrm rot="16200000">
+                <a:off x="3368118" y="3450095"/>
+                <a:ext cx="480732" cy="485190"/>
+              </a:xfrm>
+              <a:prstGeom prst="parallelogram">
+                <a:avLst>
+                  <a:gd name="adj" fmla="val 56906"/>
+                </a:avLst>
+              </a:prstGeom>
+              <a:solidFill>
+                <a:schemeClr val="accent6">
+                  <a:lumMod val="75000"/>
+                </a:schemeClr>
+              </a:solidFill>
+              <a:ln w="38100" cap="rnd">
+                <a:solidFill>
+                  <a:schemeClr val="bg1"/>
+                </a:solidFill>
+              </a:ln>
+            </p:spPr>
+            <p:style>
+              <a:lnRef idx="2">
+                <a:schemeClr val="accent1">
+                  <a:shade val="50000"/>
+                </a:schemeClr>
+              </a:lnRef>
+              <a:fillRef idx="1">
+                <a:schemeClr val="accent1"/>
+              </a:fillRef>
+              <a:effectRef idx="0">
+                <a:schemeClr val="accent1"/>
+              </a:effectRef>
+              <a:fontRef idx="minor">
+                <a:schemeClr val="lt1"/>
+              </a:fontRef>
+            </p:style>
+            <p:txBody>
+              <a:bodyPr rtlCol="0" anchor="ctr"/>
+              <a:lstStyle/>
+              <a:p>
+                <a:pPr algn="ctr"/>
+                <a:endParaRPr kumimoji="1" lang="ja-JP" altLang="en-US"/>
+              </a:p>
+            </p:txBody>
+          </p:sp>
+          <p:sp>
+            <p:nvSpPr>
+              <p:cNvPr id="622" name="平行四辺形 621"/>
+              <p:cNvSpPr/>
+              <p:nvPr/>
+            </p:nvSpPr>
+            <p:spPr>
+              <a:xfrm rot="5400000" flipH="1">
+                <a:off x="3825764" y="3544121"/>
+                <a:ext cx="415915" cy="361953"/>
+              </a:xfrm>
+              <a:prstGeom prst="parallelogram">
+                <a:avLst>
+                  <a:gd name="adj" fmla="val 56906"/>
+                </a:avLst>
+              </a:prstGeom>
+              <a:solidFill>
+                <a:schemeClr val="accent6">
+                  <a:lumMod val="50000"/>
+                </a:schemeClr>
+              </a:solidFill>
+              <a:ln w="38100" cap="rnd">
+                <a:solidFill>
+                  <a:schemeClr val="bg1"/>
+                </a:solidFill>
+              </a:ln>
+            </p:spPr>
+            <p:style>
+              <a:lnRef idx="2">
+                <a:schemeClr val="accent1">
+                  <a:shade val="50000"/>
+                </a:schemeClr>
+              </a:lnRef>
+              <a:fillRef idx="1">
+                <a:schemeClr val="accent1"/>
+              </a:fillRef>
+              <a:effectRef idx="0">
+                <a:schemeClr val="accent1"/>
+              </a:effectRef>
+              <a:fontRef idx="minor">
+                <a:schemeClr val="lt1"/>
+              </a:fontRef>
+            </p:style>
+            <p:txBody>
+              <a:bodyPr rtlCol="0" anchor="ctr"/>
+              <a:lstStyle/>
+              <a:p>
+                <a:pPr algn="ctr"/>
+                <a:endParaRPr kumimoji="1" lang="ja-JP" altLang="en-US"/>
+              </a:p>
+            </p:txBody>
+          </p:sp>
+        </p:grpSp>
+        <p:grpSp>
+          <p:nvGrpSpPr>
+            <p:cNvPr id="606" name="グループ化 605"/>
+            <p:cNvGrpSpPr/>
+            <p:nvPr/>
+          </p:nvGrpSpPr>
+          <p:grpSpPr>
+            <a:xfrm>
+              <a:off x="1102872" y="3574446"/>
+              <a:ext cx="459843" cy="275269"/>
+              <a:chOff x="3365889" y="3452324"/>
+              <a:chExt cx="848809" cy="480732"/>
+            </a:xfrm>
+          </p:grpSpPr>
+          <p:sp>
+            <p:nvSpPr>
+              <p:cNvPr id="619" name="平行四辺形 618"/>
+              <p:cNvSpPr/>
+              <p:nvPr/>
+            </p:nvSpPr>
+            <p:spPr>
+              <a:xfrm rot="16200000">
+                <a:off x="3368118" y="3450095"/>
+                <a:ext cx="480732" cy="485190"/>
+              </a:xfrm>
+              <a:prstGeom prst="parallelogram">
+                <a:avLst>
+                  <a:gd name="adj" fmla="val 56906"/>
+                </a:avLst>
+              </a:prstGeom>
+              <a:solidFill>
+                <a:schemeClr val="accent6">
+                  <a:lumMod val="75000"/>
+                </a:schemeClr>
+              </a:solidFill>
+              <a:ln w="38100" cap="rnd">
+                <a:solidFill>
+                  <a:schemeClr val="bg1"/>
+                </a:solidFill>
+              </a:ln>
+            </p:spPr>
+            <p:style>
+              <a:lnRef idx="2">
+                <a:schemeClr val="accent1">
+                  <a:shade val="50000"/>
+                </a:schemeClr>
+              </a:lnRef>
+              <a:fillRef idx="1">
+                <a:schemeClr val="accent1"/>
+              </a:fillRef>
+              <a:effectRef idx="0">
+                <a:schemeClr val="accent1"/>
+              </a:effectRef>
+              <a:fontRef idx="minor">
+                <a:schemeClr val="lt1"/>
+              </a:fontRef>
+            </p:style>
+            <p:txBody>
+              <a:bodyPr rtlCol="0" anchor="ctr"/>
+              <a:lstStyle/>
+              <a:p>
+                <a:pPr algn="ctr"/>
+                <a:endParaRPr kumimoji="1" lang="ja-JP" altLang="en-US"/>
+              </a:p>
+            </p:txBody>
+          </p:sp>
+          <p:sp>
+            <p:nvSpPr>
+              <p:cNvPr id="620" name="平行四辺形 619"/>
+              <p:cNvSpPr/>
+              <p:nvPr/>
+            </p:nvSpPr>
+            <p:spPr>
+              <a:xfrm rot="5400000" flipH="1">
+                <a:off x="3825764" y="3544121"/>
+                <a:ext cx="415915" cy="361953"/>
+              </a:xfrm>
+              <a:prstGeom prst="parallelogram">
+                <a:avLst>
+                  <a:gd name="adj" fmla="val 56906"/>
+                </a:avLst>
+              </a:prstGeom>
+              <a:solidFill>
+                <a:schemeClr val="accent6">
+                  <a:lumMod val="50000"/>
+                </a:schemeClr>
+              </a:solidFill>
+              <a:ln w="38100" cap="rnd">
+                <a:solidFill>
+                  <a:schemeClr val="bg1"/>
+                </a:solidFill>
+              </a:ln>
+            </p:spPr>
+            <p:style>
+              <a:lnRef idx="2">
+                <a:schemeClr val="accent1">
+                  <a:shade val="50000"/>
+                </a:schemeClr>
+              </a:lnRef>
+              <a:fillRef idx="1">
+                <a:schemeClr val="accent1"/>
+              </a:fillRef>
+              <a:effectRef idx="0">
+                <a:schemeClr val="accent1"/>
+              </a:effectRef>
+              <a:fontRef idx="minor">
+                <a:schemeClr val="lt1"/>
+              </a:fontRef>
+            </p:style>
+            <p:txBody>
+              <a:bodyPr rtlCol="0" anchor="ctr"/>
+              <a:lstStyle/>
+              <a:p>
+                <a:pPr algn="ctr"/>
+                <a:endParaRPr kumimoji="1" lang="ja-JP" altLang="en-US"/>
+              </a:p>
+            </p:txBody>
+          </p:sp>
+        </p:grpSp>
+        <p:sp>
+          <p:nvSpPr>
+            <p:cNvPr id="607" name="平行四辺形 606"/>
+            <p:cNvSpPr/>
+            <p:nvPr/>
+          </p:nvSpPr>
+          <p:spPr>
+            <a:xfrm rot="16200000">
+              <a:off x="1355154" y="3747575"/>
+              <a:ext cx="246288" cy="207256"/>
+            </a:xfrm>
+            <a:prstGeom prst="parallelogram">
+              <a:avLst>
+                <a:gd name="adj" fmla="val 56906"/>
+              </a:avLst>
+            </a:prstGeom>
+            <a:solidFill>
+              <a:schemeClr val="accent6">
+                <a:lumMod val="75000"/>
+              </a:schemeClr>
+            </a:solidFill>
+            <a:ln w="38100" cap="rnd">
+              <a:solidFill>
+                <a:schemeClr val="bg1"/>
+              </a:solidFill>
+            </a:ln>
+          </p:spPr>
+          <p:style>
+            <a:lnRef idx="2">
+              <a:schemeClr val="accent1">
+                <a:shade val="50000"/>
+              </a:schemeClr>
+            </a:lnRef>
+            <a:fillRef idx="1">
+              <a:schemeClr val="accent1"/>
+            </a:fillRef>
+            <a:effectRef idx="0">
+              <a:schemeClr val="accent1"/>
+            </a:effectRef>
+            <a:fontRef idx="minor">
+              <a:schemeClr val="lt1"/>
+            </a:fontRef>
+          </p:style>
+          <p:txBody>
+            <a:bodyPr rtlCol="0" anchor="ctr"/>
+            <a:lstStyle/>
+            <a:p>
+              <a:pPr algn="ctr"/>
+              <a:endParaRPr kumimoji="1" lang="ja-JP" altLang="en-US"/>
+            </a:p>
+          </p:txBody>
+        </p:sp>
+        <p:sp>
+          <p:nvSpPr>
+            <p:cNvPr id="608" name="平行四辺形 607"/>
+            <p:cNvSpPr/>
+            <p:nvPr/>
+          </p:nvSpPr>
+          <p:spPr>
+            <a:xfrm rot="16200000">
+              <a:off x="801468" y="3287298"/>
+              <a:ext cx="248878" cy="215202"/>
+            </a:xfrm>
+            <a:prstGeom prst="parallelogram">
+              <a:avLst>
+                <a:gd name="adj" fmla="val 56906"/>
+              </a:avLst>
+            </a:prstGeom>
+            <a:solidFill>
+              <a:schemeClr val="accent6">
+                <a:lumMod val="75000"/>
+              </a:schemeClr>
+            </a:solidFill>
+            <a:ln w="38100" cap="rnd">
+              <a:solidFill>
+                <a:schemeClr val="bg1"/>
+              </a:solidFill>
+            </a:ln>
+          </p:spPr>
+          <p:style>
+            <a:lnRef idx="2">
+              <a:schemeClr val="accent1">
+                <a:shade val="50000"/>
+              </a:schemeClr>
+            </a:lnRef>
+            <a:fillRef idx="1">
+              <a:schemeClr val="accent1"/>
+            </a:fillRef>
+            <a:effectRef idx="0">
+              <a:schemeClr val="accent1"/>
+            </a:effectRef>
+            <a:fontRef idx="minor">
+              <a:schemeClr val="lt1"/>
+            </a:fontRef>
+          </p:style>
+          <p:txBody>
+            <a:bodyPr rtlCol="0" anchor="ctr"/>
+            <a:lstStyle/>
+            <a:p>
+              <a:pPr algn="ctr"/>
+              <a:endParaRPr kumimoji="1" lang="ja-JP" altLang="en-US"/>
+            </a:p>
+          </p:txBody>
+        </p:sp>
+        <p:grpSp>
+          <p:nvGrpSpPr>
+            <p:cNvPr id="609" name="グループ化 608"/>
+            <p:cNvGrpSpPr/>
+            <p:nvPr/>
+          </p:nvGrpSpPr>
+          <p:grpSpPr>
+            <a:xfrm>
+              <a:off x="1044745" y="3401294"/>
+              <a:ext cx="459843" cy="275269"/>
+              <a:chOff x="3365889" y="3452324"/>
+              <a:chExt cx="848809" cy="480732"/>
+            </a:xfrm>
+          </p:grpSpPr>
+          <p:sp>
+            <p:nvSpPr>
+              <p:cNvPr id="617" name="平行四辺形 616"/>
+              <p:cNvSpPr/>
+              <p:nvPr/>
+            </p:nvSpPr>
+            <p:spPr>
+              <a:xfrm rot="16200000">
+                <a:off x="3368118" y="3450095"/>
+                <a:ext cx="480732" cy="485190"/>
+              </a:xfrm>
+              <a:prstGeom prst="parallelogram">
+                <a:avLst>
+                  <a:gd name="adj" fmla="val 56906"/>
+                </a:avLst>
+              </a:prstGeom>
+              <a:solidFill>
+                <a:schemeClr val="accent6">
+                  <a:lumMod val="75000"/>
+                </a:schemeClr>
+              </a:solidFill>
+              <a:ln w="38100" cap="rnd">
+                <a:solidFill>
+                  <a:schemeClr val="bg1"/>
+                </a:solidFill>
+              </a:ln>
+            </p:spPr>
+            <p:style>
+              <a:lnRef idx="2">
+                <a:schemeClr val="accent1">
+                  <a:shade val="50000"/>
+                </a:schemeClr>
+              </a:lnRef>
+              <a:fillRef idx="1">
+                <a:schemeClr val="accent1"/>
+              </a:fillRef>
+              <a:effectRef idx="0">
+                <a:schemeClr val="accent1"/>
+              </a:effectRef>
+              <a:fontRef idx="minor">
+                <a:schemeClr val="lt1"/>
+              </a:fontRef>
+            </p:style>
+            <p:txBody>
+              <a:bodyPr rtlCol="0" anchor="ctr"/>
+              <a:lstStyle/>
+              <a:p>
+                <a:pPr algn="ctr"/>
+                <a:endParaRPr kumimoji="1" lang="ja-JP" altLang="en-US"/>
+              </a:p>
+            </p:txBody>
+          </p:sp>
+          <p:sp>
+            <p:nvSpPr>
+              <p:cNvPr id="618" name="平行四辺形 617"/>
+              <p:cNvSpPr/>
+              <p:nvPr/>
+            </p:nvSpPr>
+            <p:spPr>
+              <a:xfrm rot="5400000" flipH="1">
+                <a:off x="3825764" y="3544121"/>
+                <a:ext cx="415915" cy="361953"/>
+              </a:xfrm>
+              <a:prstGeom prst="parallelogram">
+                <a:avLst>
+                  <a:gd name="adj" fmla="val 56906"/>
+                </a:avLst>
+              </a:prstGeom>
+              <a:solidFill>
+                <a:schemeClr val="accent6">
+                  <a:lumMod val="50000"/>
+                </a:schemeClr>
+              </a:solidFill>
+              <a:ln w="38100" cap="rnd">
+                <a:solidFill>
+                  <a:schemeClr val="bg1"/>
+                </a:solidFill>
+              </a:ln>
+            </p:spPr>
+            <p:style>
+              <a:lnRef idx="2">
+                <a:schemeClr val="accent1">
+                  <a:shade val="50000"/>
+                </a:schemeClr>
+              </a:lnRef>
+              <a:fillRef idx="1">
+                <a:schemeClr val="accent1"/>
+              </a:fillRef>
+              <a:effectRef idx="0">
+                <a:schemeClr val="accent1"/>
+              </a:effectRef>
+              <a:fontRef idx="minor">
+                <a:schemeClr val="lt1"/>
+              </a:fontRef>
+            </p:style>
+            <p:txBody>
+              <a:bodyPr rtlCol="0" anchor="ctr"/>
+              <a:lstStyle/>
+              <a:p>
+                <a:pPr algn="ctr"/>
+                <a:endParaRPr kumimoji="1" lang="ja-JP" altLang="en-US"/>
+              </a:p>
+            </p:txBody>
+          </p:sp>
+        </p:grpSp>
+        <p:grpSp>
+          <p:nvGrpSpPr>
+            <p:cNvPr id="610" name="グループ化 609"/>
+            <p:cNvGrpSpPr/>
+            <p:nvPr/>
+          </p:nvGrpSpPr>
+          <p:grpSpPr>
+            <a:xfrm>
+              <a:off x="1318520" y="3557902"/>
+              <a:ext cx="459843" cy="275269"/>
+              <a:chOff x="3365889" y="3452324"/>
+              <a:chExt cx="848809" cy="480732"/>
+            </a:xfrm>
+          </p:grpSpPr>
+          <p:sp>
+            <p:nvSpPr>
+              <p:cNvPr id="615" name="平行四辺形 614"/>
+              <p:cNvSpPr/>
+              <p:nvPr/>
+            </p:nvSpPr>
+            <p:spPr>
+              <a:xfrm rot="16200000">
+                <a:off x="3368118" y="3450095"/>
+                <a:ext cx="480732" cy="485190"/>
+              </a:xfrm>
+              <a:prstGeom prst="parallelogram">
+                <a:avLst>
+                  <a:gd name="adj" fmla="val 56906"/>
+                </a:avLst>
+              </a:prstGeom>
+              <a:solidFill>
+                <a:schemeClr val="accent6">
+                  <a:lumMod val="75000"/>
+                </a:schemeClr>
+              </a:solidFill>
+              <a:ln w="38100" cap="rnd">
+                <a:solidFill>
+                  <a:schemeClr val="bg1"/>
+                </a:solidFill>
+              </a:ln>
+            </p:spPr>
+            <p:style>
+              <a:lnRef idx="2">
+                <a:schemeClr val="accent1">
+                  <a:shade val="50000"/>
+                </a:schemeClr>
+              </a:lnRef>
+              <a:fillRef idx="1">
+                <a:schemeClr val="accent1"/>
+              </a:fillRef>
+              <a:effectRef idx="0">
+                <a:schemeClr val="accent1"/>
+              </a:effectRef>
+              <a:fontRef idx="minor">
+                <a:schemeClr val="lt1"/>
+              </a:fontRef>
+            </p:style>
+            <p:txBody>
+              <a:bodyPr rtlCol="0" anchor="ctr"/>
+              <a:lstStyle/>
+              <a:p>
+                <a:pPr algn="ctr"/>
+                <a:endParaRPr kumimoji="1" lang="ja-JP" altLang="en-US"/>
+              </a:p>
+            </p:txBody>
+          </p:sp>
+          <p:sp>
+            <p:nvSpPr>
+              <p:cNvPr id="616" name="平行四辺形 615"/>
+              <p:cNvSpPr/>
+              <p:nvPr/>
+            </p:nvSpPr>
+            <p:spPr>
+              <a:xfrm rot="5400000" flipH="1">
+                <a:off x="3825764" y="3544121"/>
+                <a:ext cx="415915" cy="361953"/>
+              </a:xfrm>
+              <a:prstGeom prst="parallelogram">
+                <a:avLst>
+                  <a:gd name="adj" fmla="val 56906"/>
+                </a:avLst>
+              </a:prstGeom>
+              <a:solidFill>
+                <a:schemeClr val="accent6">
+                  <a:lumMod val="50000"/>
+                </a:schemeClr>
+              </a:solidFill>
+              <a:ln w="38100" cap="rnd">
+                <a:solidFill>
+                  <a:schemeClr val="bg1"/>
+                </a:solidFill>
+              </a:ln>
+            </p:spPr>
+            <p:style>
+              <a:lnRef idx="2">
+                <a:schemeClr val="accent1">
+                  <a:shade val="50000"/>
+                </a:schemeClr>
+              </a:lnRef>
+              <a:fillRef idx="1">
+                <a:schemeClr val="accent1"/>
+              </a:fillRef>
+              <a:effectRef idx="0">
+                <a:schemeClr val="accent1"/>
+              </a:effectRef>
+              <a:fontRef idx="minor">
+                <a:schemeClr val="lt1"/>
+              </a:fontRef>
+            </p:style>
+            <p:txBody>
+              <a:bodyPr rtlCol="0" anchor="ctr"/>
+              <a:lstStyle/>
+              <a:p>
+                <a:pPr algn="ctr"/>
+                <a:endParaRPr kumimoji="1" lang="ja-JP" altLang="en-US"/>
+              </a:p>
+            </p:txBody>
+          </p:sp>
+        </p:grpSp>
+        <p:sp>
+          <p:nvSpPr>
+            <p:cNvPr id="611" name="平行四辺形 610"/>
+            <p:cNvSpPr/>
+            <p:nvPr/>
+          </p:nvSpPr>
+          <p:spPr>
+            <a:xfrm rot="1804447">
+              <a:off x="777445" y="3297178"/>
+              <a:ext cx="1018256" cy="202135"/>
+            </a:xfrm>
+            <a:prstGeom prst="parallelogram">
+              <a:avLst>
+                <a:gd name="adj" fmla="val 56906"/>
+              </a:avLst>
+            </a:prstGeom>
+            <a:solidFill>
+              <a:schemeClr val="bg1">
+                <a:lumMod val="75000"/>
+              </a:schemeClr>
+            </a:solidFill>
+            <a:ln>
+              <a:solidFill>
+                <a:schemeClr val="bg1">
+                  <a:lumMod val="75000"/>
+                </a:schemeClr>
+              </a:solidFill>
+            </a:ln>
+          </p:spPr>
+          <p:style>
+            <a:lnRef idx="2">
+              <a:schemeClr val="accent1">
+                <a:shade val="50000"/>
+              </a:schemeClr>
+            </a:lnRef>
+            <a:fillRef idx="1">
+              <a:schemeClr val="accent1"/>
+            </a:fillRef>
+            <a:effectRef idx="0">
+              <a:schemeClr val="accent1"/>
+            </a:effectRef>
+            <a:fontRef idx="minor">
+              <a:schemeClr val="lt1"/>
+            </a:fontRef>
+          </p:style>
+          <p:txBody>
+            <a:bodyPr rtlCol="0" anchor="ctr"/>
+            <a:lstStyle/>
+            <a:p>
+              <a:pPr algn="ctr"/>
+              <a:endParaRPr kumimoji="1" lang="ja-JP" altLang="en-US"/>
+            </a:p>
+          </p:txBody>
+        </p:sp>
+        <p:sp>
+          <p:nvSpPr>
+            <p:cNvPr id="612" name="平行四辺形 611"/>
+            <p:cNvSpPr/>
+            <p:nvPr/>
+          </p:nvSpPr>
+          <p:spPr>
+            <a:xfrm rot="5400000" flipH="1">
+              <a:off x="1559723" y="3463387"/>
+              <a:ext cx="238155" cy="207256"/>
+            </a:xfrm>
+            <a:prstGeom prst="parallelogram">
+              <a:avLst>
+                <a:gd name="adj" fmla="val 56906"/>
+              </a:avLst>
+            </a:prstGeom>
+            <a:solidFill>
+              <a:schemeClr val="bg1">
+                <a:lumMod val="65000"/>
+              </a:schemeClr>
+            </a:solidFill>
+            <a:ln w="0" cap="rnd">
+              <a:solidFill>
+                <a:schemeClr val="bg1">
+                  <a:lumMod val="65000"/>
+                </a:schemeClr>
+              </a:solidFill>
+            </a:ln>
+          </p:spPr>
+          <p:style>
+            <a:lnRef idx="2">
+              <a:schemeClr val="accent1">
+                <a:shade val="50000"/>
+              </a:schemeClr>
+            </a:lnRef>
+            <a:fillRef idx="1">
+              <a:schemeClr val="accent1"/>
+            </a:fillRef>
+            <a:effectRef idx="0">
+              <a:schemeClr val="accent1"/>
+            </a:effectRef>
+            <a:fontRef idx="minor">
+              <a:schemeClr val="lt1"/>
+            </a:fontRef>
+          </p:style>
+          <p:txBody>
+            <a:bodyPr rtlCol="0" anchor="ctr"/>
+            <a:lstStyle/>
+            <a:p>
+              <a:pPr algn="ctr"/>
+              <a:endParaRPr kumimoji="1" lang="ja-JP" altLang="en-US"/>
+            </a:p>
+          </p:txBody>
+        </p:sp>
+        <p:sp>
+          <p:nvSpPr>
+            <p:cNvPr id="613" name="正方形/長方形 612"/>
+            <p:cNvSpPr/>
+            <p:nvPr/>
+          </p:nvSpPr>
+          <p:spPr>
+            <a:xfrm>
+              <a:off x="800397" y="3152762"/>
+              <a:ext cx="45719" cy="63041"/>
+            </a:xfrm>
+            <a:prstGeom prst="rect">
+              <a:avLst/>
+            </a:prstGeom>
+            <a:solidFill>
+              <a:schemeClr val="bg1">
+                <a:lumMod val="75000"/>
+              </a:schemeClr>
+            </a:solidFill>
+            <a:ln>
+              <a:solidFill>
+                <a:schemeClr val="bg1">
+                  <a:lumMod val="75000"/>
+                </a:schemeClr>
+              </a:solidFill>
+            </a:ln>
+          </p:spPr>
+          <p:style>
+            <a:lnRef idx="2">
+              <a:schemeClr val="accent1">
+                <a:shade val="50000"/>
+              </a:schemeClr>
+            </a:lnRef>
+            <a:fillRef idx="1">
+              <a:schemeClr val="accent1"/>
+            </a:fillRef>
+            <a:effectRef idx="0">
+              <a:schemeClr val="accent1"/>
+            </a:effectRef>
+            <a:fontRef idx="minor">
+              <a:schemeClr val="lt1"/>
+            </a:fontRef>
+          </p:style>
+          <p:txBody>
+            <a:bodyPr rtlCol="0" anchor="ctr"/>
+            <a:lstStyle/>
+            <a:p>
+              <a:pPr algn="ctr"/>
+              <a:endParaRPr kumimoji="1" lang="ja-JP" altLang="en-US"/>
+            </a:p>
+          </p:txBody>
+        </p:sp>
+        <p:sp>
+          <p:nvSpPr>
+            <p:cNvPr id="614" name="平行四辺形 613"/>
+            <p:cNvSpPr/>
+            <p:nvPr/>
+          </p:nvSpPr>
+          <p:spPr>
+            <a:xfrm rot="1790419">
+              <a:off x="766927" y="3182487"/>
+              <a:ext cx="1052059" cy="241289"/>
+            </a:xfrm>
+            <a:prstGeom prst="parallelogram">
+              <a:avLst>
+                <a:gd name="adj" fmla="val 56906"/>
+              </a:avLst>
+            </a:prstGeom>
+            <a:solidFill>
+              <a:schemeClr val="bg1">
+                <a:lumMod val="85000"/>
+              </a:schemeClr>
+            </a:solidFill>
+            <a:ln w="3175">
+              <a:solidFill>
+                <a:schemeClr val="bg1">
+                  <a:lumMod val="75000"/>
+                </a:schemeClr>
+              </a:solidFill>
+            </a:ln>
+          </p:spPr>
+          <p:style>
+            <a:lnRef idx="2">
+              <a:schemeClr val="accent1">
+                <a:shade val="50000"/>
+              </a:schemeClr>
+            </a:lnRef>
+            <a:fillRef idx="1">
+              <a:schemeClr val="accent1"/>
+            </a:fillRef>
+            <a:effectRef idx="0">
+              <a:schemeClr val="accent1"/>
+            </a:effectRef>
+            <a:fontRef idx="minor">
+              <a:schemeClr val="lt1"/>
+            </a:fontRef>
+          </p:style>
+          <p:txBody>
+            <a:bodyPr rtlCol="0" anchor="ctr"/>
+            <a:lstStyle/>
+            <a:p>
+              <a:pPr algn="ctr"/>
+              <a:endParaRPr kumimoji="1" lang="ja-JP" altLang="en-US"/>
+            </a:p>
+          </p:txBody>
+        </p:sp>
+      </p:grpSp>
+      <p:grpSp>
+        <p:nvGrpSpPr>
+          <p:cNvPr id="649" name="グループ化 648"/>
+          <p:cNvGrpSpPr/>
+          <p:nvPr/>
+        </p:nvGrpSpPr>
+        <p:grpSpPr>
+          <a:xfrm>
+            <a:off x="1512927" y="3597880"/>
+            <a:ext cx="1064095" cy="1119781"/>
+            <a:chOff x="2626875" y="3239597"/>
+            <a:chExt cx="1064095" cy="1119781"/>
+          </a:xfrm>
+        </p:grpSpPr>
+        <p:grpSp>
+          <p:nvGrpSpPr>
+            <p:cNvPr id="650" name="グループ化 649"/>
+            <p:cNvGrpSpPr/>
+            <p:nvPr/>
+          </p:nvGrpSpPr>
+          <p:grpSpPr>
+            <a:xfrm rot="21540000" flipH="1">
+              <a:off x="2626875" y="3815018"/>
+              <a:ext cx="1052059" cy="524094"/>
+              <a:chOff x="3337075" y="3933812"/>
+              <a:chExt cx="1052059" cy="524094"/>
+            </a:xfrm>
+          </p:grpSpPr>
+          <p:sp>
+            <p:nvSpPr>
+              <p:cNvPr id="718" name="平行四辺形 717"/>
+              <p:cNvSpPr/>
+              <p:nvPr/>
+            </p:nvSpPr>
+            <p:spPr>
+              <a:xfrm rot="1734465">
+                <a:off x="3337075" y="4074747"/>
+                <a:ext cx="1052059" cy="241289"/>
+              </a:xfrm>
+              <a:prstGeom prst="parallelogram">
+                <a:avLst>
+                  <a:gd name="adj" fmla="val 56906"/>
+                </a:avLst>
+              </a:prstGeom>
+              <a:solidFill>
+                <a:schemeClr val="bg1">
+                  <a:lumMod val="75000"/>
+                </a:schemeClr>
+              </a:solidFill>
+              <a:ln w="3175">
+                <a:solidFill>
+                  <a:schemeClr val="bg1">
+                    <a:lumMod val="65000"/>
+                  </a:schemeClr>
+                </a:solidFill>
+              </a:ln>
+            </p:spPr>
+            <p:style>
+              <a:lnRef idx="2">
+                <a:schemeClr val="accent1">
+                  <a:shade val="50000"/>
+                </a:schemeClr>
+              </a:lnRef>
+              <a:fillRef idx="1">
+                <a:schemeClr val="accent1"/>
+              </a:fillRef>
+              <a:effectRef idx="0">
+                <a:schemeClr val="accent1"/>
+              </a:effectRef>
+              <a:fontRef idx="minor">
+                <a:schemeClr val="lt1"/>
+              </a:fontRef>
+            </p:style>
+            <p:txBody>
+              <a:bodyPr rtlCol="0" anchor="ctr"/>
+              <a:lstStyle/>
+              <a:p>
+                <a:pPr algn="ctr"/>
+                <a:endParaRPr kumimoji="1" lang="ja-JP" altLang="en-US"/>
+              </a:p>
+            </p:txBody>
+          </p:sp>
+          <p:sp>
+            <p:nvSpPr>
+              <p:cNvPr id="719" name="平行四辺形 718"/>
+              <p:cNvSpPr/>
+              <p:nvPr/>
+            </p:nvSpPr>
+            <p:spPr>
+              <a:xfrm rot="5400000" flipH="1">
+                <a:off x="4139514" y="4235201"/>
+                <a:ext cx="238155" cy="207256"/>
+              </a:xfrm>
+              <a:prstGeom prst="parallelogram">
+                <a:avLst>
+                  <a:gd name="adj" fmla="val 56906"/>
+                </a:avLst>
+              </a:prstGeom>
+              <a:solidFill>
+                <a:schemeClr val="bg1">
+                  <a:lumMod val="65000"/>
+                </a:schemeClr>
+              </a:solidFill>
+              <a:ln w="0" cap="rnd">
+                <a:solidFill>
+                  <a:schemeClr val="bg1">
+                    <a:lumMod val="65000"/>
+                  </a:schemeClr>
+                </a:solidFill>
+              </a:ln>
+            </p:spPr>
+            <p:style>
+              <a:lnRef idx="2">
+                <a:schemeClr val="accent1">
+                  <a:shade val="50000"/>
+                </a:schemeClr>
+              </a:lnRef>
+              <a:fillRef idx="1">
+                <a:schemeClr val="accent1"/>
+              </a:fillRef>
+              <a:effectRef idx="0">
+                <a:schemeClr val="accent1"/>
+              </a:effectRef>
+              <a:fontRef idx="minor">
+                <a:schemeClr val="lt1"/>
+              </a:fontRef>
+            </p:style>
+            <p:txBody>
+              <a:bodyPr rtlCol="0" anchor="ctr"/>
+              <a:lstStyle/>
+              <a:p>
+                <a:pPr algn="ctr"/>
+                <a:endParaRPr kumimoji="1" lang="ja-JP" altLang="en-US"/>
+              </a:p>
+            </p:txBody>
+          </p:sp>
+          <p:sp>
+            <p:nvSpPr>
+              <p:cNvPr id="720" name="正方形/長方形 719"/>
+              <p:cNvSpPr/>
+              <p:nvPr/>
+            </p:nvSpPr>
+            <p:spPr>
+              <a:xfrm>
+                <a:off x="3365901" y="3933812"/>
+                <a:ext cx="95625" cy="96970"/>
+              </a:xfrm>
+              <a:prstGeom prst="rect">
+                <a:avLst/>
+              </a:prstGeom>
+              <a:solidFill>
+                <a:schemeClr val="bg1">
+                  <a:lumMod val="75000"/>
+                </a:schemeClr>
+              </a:solidFill>
+              <a:ln>
+                <a:solidFill>
+                  <a:schemeClr val="bg1">
+                    <a:lumMod val="75000"/>
+                  </a:schemeClr>
+                </a:solidFill>
+              </a:ln>
+            </p:spPr>
+            <p:style>
+              <a:lnRef idx="2">
+                <a:schemeClr val="accent1">
+                  <a:shade val="50000"/>
+                </a:schemeClr>
+              </a:lnRef>
+              <a:fillRef idx="1">
+                <a:schemeClr val="accent1"/>
+              </a:fillRef>
+              <a:effectRef idx="0">
+                <a:schemeClr val="accent1"/>
+              </a:effectRef>
+              <a:fontRef idx="minor">
+                <a:schemeClr val="lt1"/>
+              </a:fontRef>
+            </p:style>
+            <p:txBody>
+              <a:bodyPr rtlCol="0" anchor="ctr"/>
+              <a:lstStyle/>
+              <a:p>
+                <a:pPr algn="ctr"/>
+                <a:endParaRPr kumimoji="1" lang="ja-JP" altLang="en-US"/>
+              </a:p>
+            </p:txBody>
+          </p:sp>
+          <p:sp>
+            <p:nvSpPr>
+              <p:cNvPr id="721" name="平行四辺形 720"/>
+              <p:cNvSpPr/>
+              <p:nvPr/>
+            </p:nvSpPr>
+            <p:spPr>
+              <a:xfrm rot="1734465">
+                <a:off x="3347285" y="3948919"/>
+                <a:ext cx="1029189" cy="233985"/>
+              </a:xfrm>
+              <a:prstGeom prst="parallelogram">
+                <a:avLst>
+                  <a:gd name="adj" fmla="val 56906"/>
+                </a:avLst>
+              </a:prstGeom>
+              <a:solidFill>
+                <a:schemeClr val="bg1">
+                  <a:lumMod val="85000"/>
+                </a:schemeClr>
+              </a:solidFill>
+              <a:ln w="3175">
+                <a:solidFill>
+                  <a:schemeClr val="bg1">
+                    <a:lumMod val="75000"/>
+                  </a:schemeClr>
+                </a:solidFill>
+              </a:ln>
+            </p:spPr>
+            <p:style>
+              <a:lnRef idx="2">
+                <a:schemeClr val="accent1">
+                  <a:shade val="50000"/>
+                </a:schemeClr>
+              </a:lnRef>
+              <a:fillRef idx="1">
+                <a:schemeClr val="accent1"/>
+              </a:fillRef>
+              <a:effectRef idx="0">
+                <a:schemeClr val="accent1"/>
+              </a:effectRef>
+              <a:fontRef idx="minor">
+                <a:schemeClr val="lt1"/>
+              </a:fontRef>
+            </p:style>
+            <p:txBody>
+              <a:bodyPr rtlCol="0" anchor="ctr"/>
+              <a:lstStyle/>
+              <a:p>
+                <a:pPr algn="ctr"/>
+                <a:endParaRPr kumimoji="1" lang="ja-JP" altLang="en-US"/>
+              </a:p>
+            </p:txBody>
+          </p:sp>
+        </p:grpSp>
+        <p:sp>
+          <p:nvSpPr>
+            <p:cNvPr id="651" name="平行四辺形 650"/>
+            <p:cNvSpPr/>
+            <p:nvPr/>
+          </p:nvSpPr>
+          <p:spPr>
+            <a:xfrm rot="16200000">
+              <a:off x="2663221" y="3844458"/>
+              <a:ext cx="233167" cy="195047"/>
+            </a:xfrm>
+            <a:prstGeom prst="parallelogram">
+              <a:avLst>
+                <a:gd name="adj" fmla="val 56906"/>
+              </a:avLst>
+            </a:prstGeom>
+            <a:solidFill>
+              <a:schemeClr val="accent6">
+                <a:lumMod val="75000"/>
+              </a:schemeClr>
+            </a:solidFill>
+            <a:ln w="38100" cap="rnd">
+              <a:solidFill>
+                <a:schemeClr val="bg1"/>
+              </a:solidFill>
+            </a:ln>
+          </p:spPr>
+          <p:style>
+            <a:lnRef idx="2">
+              <a:schemeClr val="accent1">
+                <a:shade val="50000"/>
+              </a:schemeClr>
+            </a:lnRef>
+            <a:fillRef idx="1">
+              <a:schemeClr val="accent1"/>
+            </a:fillRef>
+            <a:effectRef idx="0">
+              <a:schemeClr val="accent1"/>
+            </a:effectRef>
+            <a:fontRef idx="minor">
+              <a:schemeClr val="lt1"/>
+            </a:fontRef>
+          </p:style>
+          <p:txBody>
+            <a:bodyPr rtlCol="0" anchor="ctr"/>
+            <a:lstStyle/>
+            <a:p>
+              <a:pPr algn="ctr"/>
+              <a:endParaRPr kumimoji="1" lang="ja-JP" altLang="en-US"/>
+            </a:p>
+          </p:txBody>
+        </p:sp>
+        <p:sp>
+          <p:nvSpPr>
+            <p:cNvPr id="652" name="平行四辺形 651"/>
+            <p:cNvSpPr/>
+            <p:nvPr/>
+          </p:nvSpPr>
+          <p:spPr>
+            <a:xfrm rot="5400000" flipH="1">
+              <a:off x="3409932" y="3655056"/>
+              <a:ext cx="248878" cy="215202"/>
+            </a:xfrm>
+            <a:prstGeom prst="parallelogram">
+              <a:avLst>
+                <a:gd name="adj" fmla="val 56906"/>
+              </a:avLst>
+            </a:prstGeom>
+            <a:solidFill>
+              <a:schemeClr val="accent6">
+                <a:lumMod val="50000"/>
+              </a:schemeClr>
+            </a:solidFill>
+            <a:ln w="38100" cap="rnd">
+              <a:solidFill>
+                <a:schemeClr val="bg1"/>
+              </a:solidFill>
+            </a:ln>
+          </p:spPr>
+          <p:style>
+            <a:lnRef idx="2">
+              <a:schemeClr val="accent1">
+                <a:shade val="50000"/>
+              </a:schemeClr>
+            </a:lnRef>
+            <a:fillRef idx="1">
+              <a:schemeClr val="accent1"/>
+            </a:fillRef>
+            <a:effectRef idx="0">
+              <a:schemeClr val="accent1"/>
+            </a:effectRef>
+            <a:fontRef idx="minor">
+              <a:schemeClr val="lt1"/>
+            </a:fontRef>
+          </p:style>
+          <p:txBody>
+            <a:bodyPr rtlCol="0" anchor="ctr"/>
+            <a:lstStyle/>
+            <a:p>
+              <a:pPr algn="ctr"/>
+              <a:endParaRPr kumimoji="1" lang="ja-JP" altLang="en-US"/>
+            </a:p>
+          </p:txBody>
+        </p:sp>
+        <p:sp>
+          <p:nvSpPr>
+            <p:cNvPr id="653" name="平行四辺形 652"/>
+            <p:cNvSpPr/>
+            <p:nvPr/>
+          </p:nvSpPr>
+          <p:spPr>
+            <a:xfrm rot="16260000">
+              <a:off x="2649444" y="4136673"/>
+              <a:ext cx="238155" cy="207256"/>
+            </a:xfrm>
+            <a:prstGeom prst="parallelogram">
+              <a:avLst>
+                <a:gd name="adj" fmla="val 56906"/>
+              </a:avLst>
+            </a:prstGeom>
+            <a:solidFill>
+              <a:schemeClr val="bg1">
+                <a:lumMod val="65000"/>
+              </a:schemeClr>
+            </a:solidFill>
+            <a:ln w="0" cap="rnd">
+              <a:solidFill>
+                <a:schemeClr val="bg1">
+                  <a:lumMod val="65000"/>
+                </a:schemeClr>
+              </a:solidFill>
+            </a:ln>
+          </p:spPr>
+          <p:style>
+            <a:lnRef idx="2">
+              <a:schemeClr val="accent1">
+                <a:shade val="50000"/>
+              </a:schemeClr>
+            </a:lnRef>
+            <a:fillRef idx="1">
+              <a:schemeClr val="accent1"/>
+            </a:fillRef>
+            <a:effectRef idx="0">
+              <a:schemeClr val="accent1"/>
+            </a:effectRef>
+            <a:fontRef idx="minor">
+              <a:schemeClr val="lt1"/>
+            </a:fontRef>
+          </p:style>
+          <p:txBody>
+            <a:bodyPr rtlCol="0" anchor="ctr"/>
+            <a:lstStyle/>
+            <a:p>
+              <a:pPr algn="ctr"/>
+              <a:endParaRPr kumimoji="1" lang="ja-JP" altLang="en-US"/>
+            </a:p>
+          </p:txBody>
+        </p:sp>
+        <p:grpSp>
+          <p:nvGrpSpPr>
+            <p:cNvPr id="654" name="グループ化 653"/>
+            <p:cNvGrpSpPr/>
+            <p:nvPr/>
+          </p:nvGrpSpPr>
+          <p:grpSpPr>
+            <a:xfrm flipH="1">
+              <a:off x="2955690" y="3769052"/>
+              <a:ext cx="459843" cy="275269"/>
+              <a:chOff x="3365889" y="3452324"/>
+              <a:chExt cx="848809" cy="480732"/>
+            </a:xfrm>
+            <a:solidFill>
+              <a:schemeClr val="accent6">
+                <a:lumMod val="50000"/>
+              </a:schemeClr>
+            </a:solidFill>
+          </p:grpSpPr>
+          <p:sp>
+            <p:nvSpPr>
+              <p:cNvPr id="716" name="平行四辺形 715"/>
+              <p:cNvSpPr/>
+              <p:nvPr/>
+            </p:nvSpPr>
+            <p:spPr>
+              <a:xfrm rot="16200000">
+                <a:off x="3368118" y="3450095"/>
+                <a:ext cx="480732" cy="485190"/>
+              </a:xfrm>
+              <a:prstGeom prst="parallelogram">
+                <a:avLst>
+                  <a:gd name="adj" fmla="val 56906"/>
+                </a:avLst>
+              </a:prstGeom>
+              <a:grpFill/>
+              <a:ln w="38100" cap="rnd">
+                <a:solidFill>
+                  <a:schemeClr val="bg1"/>
+                </a:solidFill>
+              </a:ln>
+            </p:spPr>
+            <p:style>
+              <a:lnRef idx="2">
+                <a:schemeClr val="accent1">
+                  <a:shade val="50000"/>
+                </a:schemeClr>
+              </a:lnRef>
+              <a:fillRef idx="1">
+                <a:schemeClr val="accent1"/>
+              </a:fillRef>
+              <a:effectRef idx="0">
+                <a:schemeClr val="accent1"/>
+              </a:effectRef>
+              <a:fontRef idx="minor">
+                <a:schemeClr val="lt1"/>
+              </a:fontRef>
+            </p:style>
+            <p:txBody>
+              <a:bodyPr rtlCol="0" anchor="ctr"/>
+              <a:lstStyle/>
+              <a:p>
+                <a:pPr algn="ctr"/>
+                <a:endParaRPr kumimoji="1" lang="ja-JP" altLang="en-US"/>
+              </a:p>
+            </p:txBody>
+          </p:sp>
+          <p:sp>
+            <p:nvSpPr>
+              <p:cNvPr id="717" name="平行四辺形 716"/>
+              <p:cNvSpPr/>
+              <p:nvPr/>
+            </p:nvSpPr>
+            <p:spPr>
+              <a:xfrm rot="5400000" flipH="1">
+                <a:off x="3825764" y="3544121"/>
+                <a:ext cx="415915" cy="361953"/>
+              </a:xfrm>
+              <a:prstGeom prst="parallelogram">
+                <a:avLst>
+                  <a:gd name="adj" fmla="val 56906"/>
+                </a:avLst>
+              </a:prstGeom>
+              <a:grpFill/>
+              <a:ln w="38100" cap="rnd">
+                <a:solidFill>
+                  <a:schemeClr val="bg1"/>
+                </a:solidFill>
+              </a:ln>
+            </p:spPr>
+            <p:style>
+              <a:lnRef idx="2">
+                <a:schemeClr val="accent1">
+                  <a:shade val="50000"/>
+                </a:schemeClr>
+              </a:lnRef>
+              <a:fillRef idx="1">
+                <a:schemeClr val="accent1"/>
+              </a:fillRef>
+              <a:effectRef idx="0">
+                <a:schemeClr val="accent1"/>
+              </a:effectRef>
+              <a:fontRef idx="minor">
+                <a:schemeClr val="lt1"/>
+              </a:fontRef>
+            </p:style>
+            <p:txBody>
+              <a:bodyPr rtlCol="0" anchor="ctr"/>
+              <a:lstStyle/>
+              <a:p>
+                <a:pPr algn="ctr"/>
+                <a:endParaRPr kumimoji="1" lang="ja-JP" altLang="en-US"/>
+              </a:p>
+            </p:txBody>
+          </p:sp>
+        </p:grpSp>
+        <p:sp>
+          <p:nvSpPr>
+            <p:cNvPr id="655" name="平行四辺形 654"/>
+            <p:cNvSpPr/>
+            <p:nvPr/>
+          </p:nvSpPr>
+          <p:spPr>
+            <a:xfrm rot="5400000" flipH="1">
+              <a:off x="2872697" y="3931868"/>
+              <a:ext cx="275269" cy="262852"/>
+            </a:xfrm>
+            <a:prstGeom prst="parallelogram">
+              <a:avLst>
+                <a:gd name="adj" fmla="val 56906"/>
+              </a:avLst>
+            </a:prstGeom>
+            <a:solidFill>
+              <a:schemeClr val="accent6">
+                <a:lumMod val="50000"/>
+              </a:schemeClr>
+            </a:solidFill>
+            <a:ln w="38100" cap="rnd">
+              <a:solidFill>
+                <a:schemeClr val="bg1"/>
+              </a:solidFill>
+            </a:ln>
+          </p:spPr>
+          <p:style>
+            <a:lnRef idx="2">
+              <a:schemeClr val="accent1">
+                <a:shade val="50000"/>
+              </a:schemeClr>
+            </a:lnRef>
+            <a:fillRef idx="1">
+              <a:schemeClr val="accent1"/>
+            </a:fillRef>
+            <a:effectRef idx="0">
+              <a:schemeClr val="accent1"/>
+            </a:effectRef>
+            <a:fontRef idx="minor">
+              <a:schemeClr val="lt1"/>
+            </a:fontRef>
+          </p:style>
+          <p:txBody>
+            <a:bodyPr rtlCol="0" anchor="ctr"/>
+            <a:lstStyle/>
+            <a:p>
+              <a:pPr algn="ctr"/>
+              <a:endParaRPr kumimoji="1" lang="ja-JP" altLang="en-US"/>
+            </a:p>
+          </p:txBody>
+        </p:sp>
+        <p:sp>
+          <p:nvSpPr>
+            <p:cNvPr id="656" name="平行四辺形 655"/>
+            <p:cNvSpPr/>
+            <p:nvPr/>
+          </p:nvSpPr>
+          <p:spPr>
+            <a:xfrm rot="16200000">
+              <a:off x="2660882" y="3983807"/>
+              <a:ext cx="238155" cy="196088"/>
+            </a:xfrm>
+            <a:prstGeom prst="parallelogram">
+              <a:avLst>
+                <a:gd name="adj" fmla="val 56906"/>
+              </a:avLst>
+            </a:prstGeom>
+            <a:solidFill>
+              <a:schemeClr val="accent6">
+                <a:lumMod val="75000"/>
+              </a:schemeClr>
+            </a:solidFill>
+            <a:ln w="38100" cap="rnd">
+              <a:solidFill>
+                <a:schemeClr val="bg1"/>
+              </a:solidFill>
+            </a:ln>
+          </p:spPr>
+          <p:style>
+            <a:lnRef idx="2">
+              <a:schemeClr val="accent1">
+                <a:shade val="50000"/>
+              </a:schemeClr>
+            </a:lnRef>
+            <a:fillRef idx="1">
+              <a:schemeClr val="accent1"/>
+            </a:fillRef>
+            <a:effectRef idx="0">
+              <a:schemeClr val="accent1"/>
+            </a:effectRef>
+            <a:fontRef idx="minor">
+              <a:schemeClr val="lt1"/>
+            </a:fontRef>
+          </p:style>
+          <p:txBody>
+            <a:bodyPr rtlCol="0" anchor="ctr"/>
+            <a:lstStyle/>
+            <a:p>
+              <a:pPr algn="ctr"/>
+              <a:endParaRPr kumimoji="1" lang="ja-JP" altLang="en-US"/>
+            </a:p>
+          </p:txBody>
+        </p:sp>
+        <p:grpSp>
+          <p:nvGrpSpPr>
+            <p:cNvPr id="657" name="グループ化 656"/>
+            <p:cNvGrpSpPr/>
+            <p:nvPr/>
+          </p:nvGrpSpPr>
+          <p:grpSpPr>
+            <a:xfrm flipH="1">
+              <a:off x="3175448" y="3500029"/>
+              <a:ext cx="459843" cy="275269"/>
+              <a:chOff x="3365889" y="3452324"/>
+              <a:chExt cx="848809" cy="480732"/>
+            </a:xfrm>
+            <a:solidFill>
+              <a:schemeClr val="accent6">
+                <a:lumMod val="50000"/>
+              </a:schemeClr>
+            </a:solidFill>
+          </p:grpSpPr>
+          <p:sp>
+            <p:nvSpPr>
+              <p:cNvPr id="714" name="平行四辺形 713"/>
+              <p:cNvSpPr/>
+              <p:nvPr/>
+            </p:nvSpPr>
+            <p:spPr>
+              <a:xfrm rot="16200000">
+                <a:off x="3368118" y="3450095"/>
+                <a:ext cx="480732" cy="485190"/>
+              </a:xfrm>
+              <a:prstGeom prst="parallelogram">
+                <a:avLst>
+                  <a:gd name="adj" fmla="val 56906"/>
+                </a:avLst>
+              </a:prstGeom>
+              <a:grpFill/>
+              <a:ln w="38100" cap="rnd">
+                <a:solidFill>
+                  <a:schemeClr val="bg1"/>
+                </a:solidFill>
+              </a:ln>
+            </p:spPr>
+            <p:style>
+              <a:lnRef idx="2">
+                <a:schemeClr val="accent1">
+                  <a:shade val="50000"/>
+                </a:schemeClr>
+              </a:lnRef>
+              <a:fillRef idx="1">
+                <a:schemeClr val="accent1"/>
+              </a:fillRef>
+              <a:effectRef idx="0">
+                <a:schemeClr val="accent1"/>
+              </a:effectRef>
+              <a:fontRef idx="minor">
+                <a:schemeClr val="lt1"/>
+              </a:fontRef>
+            </p:style>
+            <p:txBody>
+              <a:bodyPr rtlCol="0" anchor="ctr"/>
+              <a:lstStyle/>
+              <a:p>
+                <a:pPr algn="ctr"/>
+                <a:endParaRPr kumimoji="1" lang="ja-JP" altLang="en-US"/>
+              </a:p>
+            </p:txBody>
+          </p:sp>
+          <p:sp>
+            <p:nvSpPr>
+              <p:cNvPr id="715" name="平行四辺形 714"/>
+              <p:cNvSpPr/>
+              <p:nvPr/>
+            </p:nvSpPr>
+            <p:spPr>
+              <a:xfrm rot="5400000" flipH="1">
+                <a:off x="3825764" y="3544121"/>
+                <a:ext cx="415915" cy="361953"/>
+              </a:xfrm>
+              <a:prstGeom prst="parallelogram">
+                <a:avLst>
+                  <a:gd name="adj" fmla="val 56906"/>
+                </a:avLst>
+              </a:prstGeom>
+              <a:grpFill/>
+              <a:ln w="38100" cap="rnd">
+                <a:solidFill>
+                  <a:schemeClr val="bg1"/>
+                </a:solidFill>
+              </a:ln>
+            </p:spPr>
+            <p:style>
+              <a:lnRef idx="2">
+                <a:schemeClr val="accent1">
+                  <a:shade val="50000"/>
+                </a:schemeClr>
+              </a:lnRef>
+              <a:fillRef idx="1">
+                <a:schemeClr val="accent1"/>
+              </a:fillRef>
+              <a:effectRef idx="0">
+                <a:schemeClr val="accent1"/>
+              </a:effectRef>
+              <a:fontRef idx="minor">
+                <a:schemeClr val="lt1"/>
+              </a:fontRef>
+            </p:style>
+            <p:txBody>
+              <a:bodyPr rtlCol="0" anchor="ctr"/>
+              <a:lstStyle/>
+              <a:p>
+                <a:pPr algn="ctr"/>
+                <a:endParaRPr kumimoji="1" lang="ja-JP" altLang="en-US"/>
+              </a:p>
+            </p:txBody>
+          </p:sp>
+        </p:grpSp>
+        <p:grpSp>
+          <p:nvGrpSpPr>
+            <p:cNvPr id="658" name="グループ化 657"/>
+            <p:cNvGrpSpPr/>
+            <p:nvPr/>
+          </p:nvGrpSpPr>
+          <p:grpSpPr>
+            <a:xfrm flipH="1">
+              <a:off x="2895182" y="3661281"/>
+              <a:ext cx="459843" cy="275269"/>
+              <a:chOff x="3365889" y="3452324"/>
+              <a:chExt cx="848809" cy="480732"/>
+            </a:xfrm>
+            <a:solidFill>
+              <a:schemeClr val="accent6">
+                <a:lumMod val="50000"/>
+              </a:schemeClr>
+            </a:solidFill>
+          </p:grpSpPr>
+          <p:sp>
+            <p:nvSpPr>
+              <p:cNvPr id="712" name="平行四辺形 711"/>
+              <p:cNvSpPr/>
+              <p:nvPr/>
+            </p:nvSpPr>
+            <p:spPr>
+              <a:xfrm rot="16200000">
+                <a:off x="3368118" y="3450095"/>
+                <a:ext cx="480732" cy="485190"/>
+              </a:xfrm>
+              <a:prstGeom prst="parallelogram">
+                <a:avLst>
+                  <a:gd name="adj" fmla="val 56906"/>
+                </a:avLst>
+              </a:prstGeom>
+              <a:grpFill/>
+              <a:ln w="38100" cap="rnd">
+                <a:solidFill>
+                  <a:schemeClr val="bg1"/>
+                </a:solidFill>
+              </a:ln>
+            </p:spPr>
+            <p:style>
+              <a:lnRef idx="2">
+                <a:schemeClr val="accent1">
+                  <a:shade val="50000"/>
+                </a:schemeClr>
+              </a:lnRef>
+              <a:fillRef idx="1">
+                <a:schemeClr val="accent1"/>
+              </a:fillRef>
+              <a:effectRef idx="0">
+                <a:schemeClr val="accent1"/>
+              </a:effectRef>
+              <a:fontRef idx="minor">
+                <a:schemeClr val="lt1"/>
+              </a:fontRef>
+            </p:style>
+            <p:txBody>
+              <a:bodyPr rtlCol="0" anchor="ctr"/>
+              <a:lstStyle/>
+              <a:p>
+                <a:pPr algn="ctr"/>
+                <a:endParaRPr kumimoji="1" lang="ja-JP" altLang="en-US"/>
+              </a:p>
+            </p:txBody>
+          </p:sp>
+          <p:sp>
+            <p:nvSpPr>
+              <p:cNvPr id="713" name="平行四辺形 712"/>
+              <p:cNvSpPr/>
+              <p:nvPr/>
+            </p:nvSpPr>
+            <p:spPr>
+              <a:xfrm rot="5400000" flipH="1">
+                <a:off x="3825764" y="3544121"/>
+                <a:ext cx="415915" cy="361953"/>
+              </a:xfrm>
+              <a:prstGeom prst="parallelogram">
+                <a:avLst>
+                  <a:gd name="adj" fmla="val 56906"/>
+                </a:avLst>
+              </a:prstGeom>
+              <a:grpFill/>
+              <a:ln w="38100" cap="rnd">
+                <a:solidFill>
+                  <a:schemeClr val="bg1"/>
+                </a:solidFill>
+              </a:ln>
+            </p:spPr>
+            <p:style>
+              <a:lnRef idx="2">
+                <a:schemeClr val="accent1">
+                  <a:shade val="50000"/>
+                </a:schemeClr>
+              </a:lnRef>
+              <a:fillRef idx="1">
+                <a:schemeClr val="accent1"/>
+              </a:fillRef>
+              <a:effectRef idx="0">
+                <a:schemeClr val="accent1"/>
+              </a:effectRef>
+              <a:fontRef idx="minor">
+                <a:schemeClr val="lt1"/>
+              </a:fontRef>
+            </p:style>
+            <p:txBody>
+              <a:bodyPr rtlCol="0" anchor="ctr"/>
+              <a:lstStyle/>
+              <a:p>
+                <a:pPr algn="ctr"/>
+                <a:endParaRPr kumimoji="1" lang="ja-JP" altLang="en-US"/>
+              </a:p>
+            </p:txBody>
+          </p:sp>
+        </p:grpSp>
+        <p:sp>
+          <p:nvSpPr>
+            <p:cNvPr id="659" name="平行四辺形 658"/>
+            <p:cNvSpPr/>
+            <p:nvPr/>
+          </p:nvSpPr>
+          <p:spPr>
+            <a:xfrm rot="5400000" flipH="1">
+              <a:off x="2856455" y="3834410"/>
+              <a:ext cx="246288" cy="207256"/>
+            </a:xfrm>
+            <a:prstGeom prst="parallelogram">
+              <a:avLst>
+                <a:gd name="adj" fmla="val 56906"/>
+              </a:avLst>
+            </a:prstGeom>
+            <a:solidFill>
+              <a:schemeClr val="accent6">
+                <a:lumMod val="50000"/>
+              </a:schemeClr>
+            </a:solidFill>
+            <a:ln w="38100" cap="rnd">
+              <a:solidFill>
+                <a:schemeClr val="bg1"/>
+              </a:solidFill>
+            </a:ln>
+          </p:spPr>
+          <p:style>
+            <a:lnRef idx="2">
+              <a:schemeClr val="accent1">
+                <a:shade val="50000"/>
+              </a:schemeClr>
+            </a:lnRef>
+            <a:fillRef idx="1">
+              <a:schemeClr val="accent1"/>
+            </a:fillRef>
+            <a:effectRef idx="0">
+              <a:schemeClr val="accent1"/>
+            </a:effectRef>
+            <a:fontRef idx="minor">
+              <a:schemeClr val="lt1"/>
+            </a:fontRef>
+          </p:style>
+          <p:txBody>
+            <a:bodyPr rtlCol="0" anchor="ctr"/>
+            <a:lstStyle/>
+            <a:p>
+              <a:pPr algn="ctr"/>
+              <a:endParaRPr kumimoji="1" lang="ja-JP" altLang="en-US"/>
+            </a:p>
+          </p:txBody>
+        </p:sp>
+        <p:sp>
+          <p:nvSpPr>
+            <p:cNvPr id="660" name="平行四辺形 659"/>
+            <p:cNvSpPr/>
+            <p:nvPr/>
+          </p:nvSpPr>
+          <p:spPr>
+            <a:xfrm rot="5400000" flipH="1">
+              <a:off x="3407551" y="3374133"/>
+              <a:ext cx="248878" cy="215202"/>
+            </a:xfrm>
+            <a:prstGeom prst="parallelogram">
+              <a:avLst>
+                <a:gd name="adj" fmla="val 56906"/>
+              </a:avLst>
+            </a:prstGeom>
+            <a:solidFill>
+              <a:schemeClr val="accent6">
+                <a:lumMod val="50000"/>
+              </a:schemeClr>
+            </a:solidFill>
+            <a:ln w="38100" cap="rnd">
+              <a:solidFill>
+                <a:schemeClr val="bg1"/>
+              </a:solidFill>
+            </a:ln>
+          </p:spPr>
+          <p:style>
+            <a:lnRef idx="2">
+              <a:schemeClr val="accent1">
+                <a:shade val="50000"/>
+              </a:schemeClr>
+            </a:lnRef>
+            <a:fillRef idx="1">
+              <a:schemeClr val="accent1"/>
+            </a:fillRef>
+            <a:effectRef idx="0">
+              <a:schemeClr val="accent1"/>
+            </a:effectRef>
+            <a:fontRef idx="minor">
+              <a:schemeClr val="lt1"/>
+            </a:fontRef>
+          </p:style>
+          <p:txBody>
+            <a:bodyPr rtlCol="0" anchor="ctr"/>
+            <a:lstStyle/>
+            <a:p>
+              <a:pPr algn="ctr"/>
+              <a:endParaRPr kumimoji="1" lang="ja-JP" altLang="en-US"/>
+            </a:p>
+          </p:txBody>
+        </p:sp>
+        <p:grpSp>
+          <p:nvGrpSpPr>
+            <p:cNvPr id="661" name="グループ化 660"/>
+            <p:cNvGrpSpPr/>
+            <p:nvPr/>
+          </p:nvGrpSpPr>
+          <p:grpSpPr>
+            <a:xfrm flipH="1">
+              <a:off x="2953309" y="3488129"/>
+              <a:ext cx="459843" cy="275269"/>
+              <a:chOff x="3365889" y="3452324"/>
+              <a:chExt cx="848809" cy="480732"/>
+            </a:xfrm>
+            <a:solidFill>
+              <a:schemeClr val="accent6">
+                <a:lumMod val="50000"/>
+              </a:schemeClr>
+            </a:solidFill>
+          </p:grpSpPr>
+          <p:sp>
+            <p:nvSpPr>
+              <p:cNvPr id="694" name="平行四辺形 693"/>
+              <p:cNvSpPr/>
+              <p:nvPr/>
+            </p:nvSpPr>
+            <p:spPr>
+              <a:xfrm rot="16200000">
+                <a:off x="3368118" y="3450095"/>
+                <a:ext cx="480732" cy="485190"/>
+              </a:xfrm>
+              <a:prstGeom prst="parallelogram">
+                <a:avLst>
+                  <a:gd name="adj" fmla="val 56906"/>
+                </a:avLst>
+              </a:prstGeom>
+              <a:grpFill/>
+              <a:ln w="38100" cap="rnd">
+                <a:solidFill>
+                  <a:schemeClr val="bg1"/>
+                </a:solidFill>
+              </a:ln>
+            </p:spPr>
+            <p:style>
+              <a:lnRef idx="2">
+                <a:schemeClr val="accent1">
+                  <a:shade val="50000"/>
+                </a:schemeClr>
+              </a:lnRef>
+              <a:fillRef idx="1">
+                <a:schemeClr val="accent1"/>
+              </a:fillRef>
+              <a:effectRef idx="0">
+                <a:schemeClr val="accent1"/>
+              </a:effectRef>
+              <a:fontRef idx="minor">
+                <a:schemeClr val="lt1"/>
+              </a:fontRef>
+            </p:style>
+            <p:txBody>
+              <a:bodyPr rtlCol="0" anchor="ctr"/>
+              <a:lstStyle/>
+              <a:p>
+                <a:pPr algn="ctr"/>
+                <a:endParaRPr kumimoji="1" lang="ja-JP" altLang="en-US"/>
+              </a:p>
+            </p:txBody>
+          </p:sp>
+          <p:sp>
+            <p:nvSpPr>
+              <p:cNvPr id="695" name="平行四辺形 694"/>
+              <p:cNvSpPr/>
+              <p:nvPr/>
+            </p:nvSpPr>
+            <p:spPr>
+              <a:xfrm rot="5400000" flipH="1">
+                <a:off x="3825764" y="3544121"/>
+                <a:ext cx="415915" cy="361953"/>
+              </a:xfrm>
+              <a:prstGeom prst="parallelogram">
+                <a:avLst>
+                  <a:gd name="adj" fmla="val 56906"/>
+                </a:avLst>
+              </a:prstGeom>
+              <a:grpFill/>
+              <a:ln w="38100" cap="rnd">
+                <a:solidFill>
+                  <a:schemeClr val="bg1"/>
+                </a:solidFill>
+              </a:ln>
+            </p:spPr>
+            <p:style>
+              <a:lnRef idx="2">
+                <a:schemeClr val="accent1">
+                  <a:shade val="50000"/>
+                </a:schemeClr>
+              </a:lnRef>
+              <a:fillRef idx="1">
+                <a:schemeClr val="accent1"/>
+              </a:fillRef>
+              <a:effectRef idx="0">
+                <a:schemeClr val="accent1"/>
+              </a:effectRef>
+              <a:fontRef idx="minor">
+                <a:schemeClr val="lt1"/>
+              </a:fontRef>
+            </p:style>
+            <p:txBody>
+              <a:bodyPr rtlCol="0" anchor="ctr"/>
+              <a:lstStyle/>
+              <a:p>
+                <a:pPr algn="ctr"/>
+                <a:endParaRPr kumimoji="1" lang="ja-JP" altLang="en-US"/>
+              </a:p>
+            </p:txBody>
+          </p:sp>
+        </p:grpSp>
+        <p:sp>
+          <p:nvSpPr>
+            <p:cNvPr id="662" name="平行四辺形 661"/>
+            <p:cNvSpPr/>
+            <p:nvPr/>
+          </p:nvSpPr>
+          <p:spPr>
+            <a:xfrm rot="5400000" flipH="1">
+              <a:off x="2870316" y="3650945"/>
+              <a:ext cx="275269" cy="262852"/>
+            </a:xfrm>
+            <a:prstGeom prst="parallelogram">
+              <a:avLst>
+                <a:gd name="adj" fmla="val 56906"/>
+              </a:avLst>
+            </a:prstGeom>
+            <a:solidFill>
+              <a:schemeClr val="accent6">
+                <a:lumMod val="50000"/>
+              </a:schemeClr>
+            </a:solidFill>
+            <a:ln w="38100" cap="rnd">
+              <a:solidFill>
+                <a:schemeClr val="bg1"/>
+              </a:solidFill>
+            </a:ln>
+          </p:spPr>
+          <p:style>
+            <a:lnRef idx="2">
+              <a:schemeClr val="accent1">
+                <a:shade val="50000"/>
+              </a:schemeClr>
+            </a:lnRef>
+            <a:fillRef idx="1">
+              <a:schemeClr val="accent1"/>
+            </a:fillRef>
+            <a:effectRef idx="0">
+              <a:schemeClr val="accent1"/>
+            </a:effectRef>
+            <a:fontRef idx="minor">
+              <a:schemeClr val="lt1"/>
+            </a:fontRef>
+          </p:style>
+          <p:txBody>
+            <a:bodyPr rtlCol="0" anchor="ctr"/>
+            <a:lstStyle/>
+            <a:p>
+              <a:pPr algn="ctr"/>
+              <a:endParaRPr kumimoji="1" lang="ja-JP" altLang="en-US"/>
+            </a:p>
+          </p:txBody>
+        </p:sp>
+        <p:sp>
+          <p:nvSpPr>
+            <p:cNvPr id="663" name="平行四辺形 662"/>
+            <p:cNvSpPr/>
+            <p:nvPr/>
+          </p:nvSpPr>
+          <p:spPr>
+            <a:xfrm rot="16200000">
+              <a:off x="2658501" y="3702884"/>
+              <a:ext cx="238155" cy="196088"/>
+            </a:xfrm>
+            <a:prstGeom prst="parallelogram">
+              <a:avLst>
+                <a:gd name="adj" fmla="val 56906"/>
+              </a:avLst>
+            </a:prstGeom>
+            <a:solidFill>
+              <a:schemeClr val="accent6">
+                <a:lumMod val="75000"/>
+              </a:schemeClr>
+            </a:solidFill>
+            <a:ln w="38100" cap="rnd">
+              <a:solidFill>
+                <a:schemeClr val="bg1"/>
+              </a:solidFill>
+            </a:ln>
+          </p:spPr>
+          <p:style>
+            <a:lnRef idx="2">
+              <a:schemeClr val="accent1">
+                <a:shade val="50000"/>
+              </a:schemeClr>
+            </a:lnRef>
+            <a:fillRef idx="1">
+              <a:schemeClr val="accent1"/>
+            </a:fillRef>
+            <a:effectRef idx="0">
+              <a:schemeClr val="accent1"/>
+            </a:effectRef>
+            <a:fontRef idx="minor">
+              <a:schemeClr val="lt1"/>
+            </a:fontRef>
+          </p:style>
+          <p:txBody>
+            <a:bodyPr rtlCol="0" anchor="ctr"/>
+            <a:lstStyle/>
+            <a:p>
+              <a:pPr algn="ctr"/>
+              <a:endParaRPr kumimoji="1" lang="ja-JP" altLang="en-US"/>
+            </a:p>
+          </p:txBody>
+        </p:sp>
+        <p:sp>
+          <p:nvSpPr>
+            <p:cNvPr id="664" name="平行四辺形 663"/>
+            <p:cNvSpPr/>
+            <p:nvPr/>
+          </p:nvSpPr>
+          <p:spPr>
+            <a:xfrm rot="19795553" flipH="1">
+              <a:off x="2662196" y="3384013"/>
+              <a:ext cx="1018256" cy="202135"/>
+            </a:xfrm>
+            <a:prstGeom prst="parallelogram">
+              <a:avLst>
+                <a:gd name="adj" fmla="val 56906"/>
+              </a:avLst>
+            </a:prstGeom>
+            <a:solidFill>
+              <a:schemeClr val="bg1">
+                <a:lumMod val="75000"/>
+              </a:schemeClr>
+            </a:solidFill>
+            <a:ln>
+              <a:solidFill>
+                <a:schemeClr val="bg1">
+                  <a:lumMod val="75000"/>
+                </a:schemeClr>
+              </a:solidFill>
+            </a:ln>
+          </p:spPr>
+          <p:style>
+            <a:lnRef idx="2">
+              <a:schemeClr val="accent1">
+                <a:shade val="50000"/>
+              </a:schemeClr>
+            </a:lnRef>
+            <a:fillRef idx="1">
+              <a:schemeClr val="accent1"/>
+            </a:fillRef>
+            <a:effectRef idx="0">
+              <a:schemeClr val="accent1"/>
+            </a:effectRef>
+            <a:fontRef idx="minor">
+              <a:schemeClr val="lt1"/>
+            </a:fontRef>
+          </p:style>
+          <p:txBody>
+            <a:bodyPr rtlCol="0" anchor="ctr"/>
+            <a:lstStyle/>
+            <a:p>
+              <a:pPr algn="ctr"/>
+              <a:endParaRPr kumimoji="1" lang="ja-JP" altLang="en-US"/>
+            </a:p>
+          </p:txBody>
+        </p:sp>
+        <p:sp>
+          <p:nvSpPr>
+            <p:cNvPr id="665" name="平行四辺形 664"/>
+            <p:cNvSpPr/>
+            <p:nvPr/>
+          </p:nvSpPr>
+          <p:spPr>
+            <a:xfrm rot="16200000">
+              <a:off x="2660019" y="3550222"/>
+              <a:ext cx="238155" cy="207256"/>
+            </a:xfrm>
+            <a:prstGeom prst="parallelogram">
+              <a:avLst>
+                <a:gd name="adj" fmla="val 56906"/>
+              </a:avLst>
+            </a:prstGeom>
+            <a:solidFill>
+              <a:schemeClr val="bg1">
+                <a:lumMod val="65000"/>
+              </a:schemeClr>
+            </a:solidFill>
+            <a:ln w="0" cap="rnd">
+              <a:solidFill>
+                <a:schemeClr val="bg1">
+                  <a:lumMod val="65000"/>
+                </a:schemeClr>
+              </a:solidFill>
+            </a:ln>
+          </p:spPr>
+          <p:style>
+            <a:lnRef idx="2">
+              <a:schemeClr val="accent1">
+                <a:shade val="50000"/>
+              </a:schemeClr>
+            </a:lnRef>
+            <a:fillRef idx="1">
+              <a:schemeClr val="accent1"/>
+            </a:fillRef>
+            <a:effectRef idx="0">
+              <a:schemeClr val="accent1"/>
+            </a:effectRef>
+            <a:fontRef idx="minor">
+              <a:schemeClr val="lt1"/>
+            </a:fontRef>
+          </p:style>
+          <p:txBody>
+            <a:bodyPr rtlCol="0" anchor="ctr"/>
+            <a:lstStyle/>
+            <a:p>
+              <a:pPr algn="ctr"/>
+              <a:endParaRPr kumimoji="1" lang="ja-JP" altLang="en-US"/>
+            </a:p>
+          </p:txBody>
+        </p:sp>
+        <p:sp>
+          <p:nvSpPr>
+            <p:cNvPr id="666" name="正方形/長方形 665"/>
+            <p:cNvSpPr/>
+            <p:nvPr/>
+          </p:nvSpPr>
+          <p:spPr>
+            <a:xfrm flipH="1">
+              <a:off x="3611781" y="3239597"/>
+              <a:ext cx="45719" cy="63041"/>
+            </a:xfrm>
+            <a:prstGeom prst="rect">
+              <a:avLst/>
+            </a:prstGeom>
+            <a:solidFill>
+              <a:schemeClr val="bg1">
+                <a:lumMod val="75000"/>
+              </a:schemeClr>
+            </a:solidFill>
+            <a:ln>
+              <a:solidFill>
+                <a:schemeClr val="bg1">
+                  <a:lumMod val="75000"/>
+                </a:schemeClr>
+              </a:solidFill>
+            </a:ln>
+          </p:spPr>
+          <p:style>
+            <a:lnRef idx="2">
+              <a:schemeClr val="accent1">
+                <a:shade val="50000"/>
+              </a:schemeClr>
+            </a:lnRef>
+            <a:fillRef idx="1">
+              <a:schemeClr val="accent1"/>
+            </a:fillRef>
+            <a:effectRef idx="0">
+              <a:schemeClr val="accent1"/>
+            </a:effectRef>
+            <a:fontRef idx="minor">
+              <a:schemeClr val="lt1"/>
+            </a:fontRef>
+          </p:style>
+          <p:txBody>
+            <a:bodyPr rtlCol="0" anchor="ctr"/>
+            <a:lstStyle/>
+            <a:p>
+              <a:pPr algn="ctr"/>
+              <a:endParaRPr kumimoji="1" lang="ja-JP" altLang="en-US"/>
+            </a:p>
+          </p:txBody>
+        </p:sp>
+        <p:sp>
+          <p:nvSpPr>
+            <p:cNvPr id="667" name="平行四辺形 666"/>
+            <p:cNvSpPr/>
+            <p:nvPr/>
+          </p:nvSpPr>
+          <p:spPr>
+            <a:xfrm rot="19809581" flipH="1">
+              <a:off x="2638911" y="3269322"/>
+              <a:ext cx="1052059" cy="241289"/>
+            </a:xfrm>
+            <a:prstGeom prst="parallelogram">
+              <a:avLst>
+                <a:gd name="adj" fmla="val 56906"/>
+              </a:avLst>
+            </a:prstGeom>
+            <a:solidFill>
+              <a:schemeClr val="bg1">
+                <a:lumMod val="85000"/>
+              </a:schemeClr>
+            </a:solidFill>
+            <a:ln w="3175">
+              <a:solidFill>
+                <a:schemeClr val="bg1">
+                  <a:lumMod val="75000"/>
+                </a:schemeClr>
+              </a:solidFill>
+            </a:ln>
+          </p:spPr>
+          <p:style>
+            <a:lnRef idx="2">
+              <a:schemeClr val="accent1">
+                <a:shade val="50000"/>
+              </a:schemeClr>
+            </a:lnRef>
+            <a:fillRef idx="1">
+              <a:schemeClr val="accent1"/>
+            </a:fillRef>
+            <a:effectRef idx="0">
+              <a:schemeClr val="accent1"/>
+            </a:effectRef>
+            <a:fontRef idx="minor">
+              <a:schemeClr val="lt1"/>
+            </a:fontRef>
+          </p:style>
+          <p:txBody>
+            <a:bodyPr rtlCol="0" anchor="ctr"/>
+            <a:lstStyle/>
+            <a:p>
+              <a:pPr algn="ctr"/>
+              <a:endParaRPr kumimoji="1" lang="ja-JP" altLang="en-US"/>
+            </a:p>
+          </p:txBody>
+        </p:sp>
+      </p:grpSp>
+      <p:grpSp>
+        <p:nvGrpSpPr>
+          <p:cNvPr id="722" name="グループ化 721"/>
+          <p:cNvGrpSpPr/>
+          <p:nvPr/>
+        </p:nvGrpSpPr>
+        <p:grpSpPr>
+          <a:xfrm>
+            <a:off x="3454966" y="4990455"/>
+            <a:ext cx="677975" cy="1018919"/>
+            <a:chOff x="3428883" y="5359440"/>
+            <a:chExt cx="677975" cy="1018919"/>
+          </a:xfrm>
+        </p:grpSpPr>
+        <p:sp>
+          <p:nvSpPr>
+            <p:cNvPr id="723" name="円/楕円 722"/>
+            <p:cNvSpPr/>
+            <p:nvPr/>
+          </p:nvSpPr>
+          <p:spPr>
+            <a:xfrm>
+              <a:off x="3430289" y="6019089"/>
+              <a:ext cx="676569" cy="359270"/>
+            </a:xfrm>
+            <a:prstGeom prst="ellipse">
+              <a:avLst/>
+            </a:prstGeom>
+            <a:solidFill>
+              <a:schemeClr val="bg1">
+                <a:lumMod val="75000"/>
+              </a:schemeClr>
+            </a:solidFill>
+            <a:ln w="6350">
+              <a:solidFill>
+                <a:schemeClr val="bg1">
+                  <a:lumMod val="95000"/>
+                </a:schemeClr>
+              </a:solidFill>
+            </a:ln>
+          </p:spPr>
+          <p:style>
+            <a:lnRef idx="2">
+              <a:schemeClr val="accent1">
+                <a:shade val="50000"/>
+              </a:schemeClr>
+            </a:lnRef>
+            <a:fillRef idx="1">
+              <a:schemeClr val="accent1"/>
+            </a:fillRef>
+            <a:effectRef idx="0">
+              <a:schemeClr val="accent1"/>
+            </a:effectRef>
+            <a:fontRef idx="minor">
+              <a:schemeClr val="lt1"/>
+            </a:fontRef>
+          </p:style>
+          <p:txBody>
+            <a:bodyPr rtlCol="0" anchor="ctr"/>
+            <a:lstStyle/>
+            <a:p>
+              <a:pPr algn="ctr"/>
+              <a:endParaRPr kumimoji="1" lang="ja-JP" altLang="en-US"/>
+            </a:p>
+          </p:txBody>
+        </p:sp>
+        <p:sp>
+          <p:nvSpPr>
+            <p:cNvPr id="724" name="正方形/長方形 723"/>
+            <p:cNvSpPr/>
+            <p:nvPr/>
+          </p:nvSpPr>
+          <p:spPr>
+            <a:xfrm>
+              <a:off x="3442661" y="6012139"/>
+              <a:ext cx="651824" cy="185881"/>
+            </a:xfrm>
+            <a:prstGeom prst="rect">
+              <a:avLst/>
+            </a:prstGeom>
+            <a:solidFill>
+              <a:schemeClr val="bg1">
+                <a:lumMod val="75000"/>
+              </a:schemeClr>
+            </a:solidFill>
+            <a:ln>
+              <a:solidFill>
+                <a:schemeClr val="bg1">
+                  <a:lumMod val="75000"/>
+                </a:schemeClr>
+              </a:solidFill>
+            </a:ln>
+          </p:spPr>
+          <p:style>
+            <a:lnRef idx="2">
+              <a:schemeClr val="accent1">
+                <a:shade val="50000"/>
+              </a:schemeClr>
+            </a:lnRef>
+            <a:fillRef idx="1">
+              <a:schemeClr val="accent1"/>
+            </a:fillRef>
+            <a:effectRef idx="0">
+              <a:schemeClr val="accent1"/>
+            </a:effectRef>
+            <a:fontRef idx="minor">
+              <a:schemeClr val="lt1"/>
+            </a:fontRef>
+          </p:style>
+          <p:txBody>
+            <a:bodyPr rtlCol="0" anchor="ctr"/>
+            <a:lstStyle/>
+            <a:p>
+              <a:pPr algn="ctr"/>
+              <a:endParaRPr kumimoji="1" lang="ja-JP" altLang="en-US"/>
+            </a:p>
+          </p:txBody>
+        </p:sp>
+        <p:sp>
+          <p:nvSpPr>
+            <p:cNvPr id="725" name="円/楕円 724"/>
+            <p:cNvSpPr/>
+            <p:nvPr/>
+          </p:nvSpPr>
+          <p:spPr>
+            <a:xfrm>
+              <a:off x="3430289" y="5836088"/>
+              <a:ext cx="676569" cy="359270"/>
+            </a:xfrm>
+            <a:prstGeom prst="ellipse">
+              <a:avLst/>
+            </a:prstGeom>
+            <a:solidFill>
+              <a:schemeClr val="bg1">
+                <a:lumMod val="75000"/>
+              </a:schemeClr>
+            </a:solidFill>
+            <a:ln w="6350">
+              <a:solidFill>
+                <a:schemeClr val="bg1">
+                  <a:lumMod val="95000"/>
+                </a:schemeClr>
+              </a:solidFill>
+            </a:ln>
+          </p:spPr>
+          <p:style>
+            <a:lnRef idx="2">
+              <a:schemeClr val="accent1">
+                <a:shade val="50000"/>
+              </a:schemeClr>
+            </a:lnRef>
+            <a:fillRef idx="1">
+              <a:schemeClr val="accent1"/>
+            </a:fillRef>
+            <a:effectRef idx="0">
+              <a:schemeClr val="accent1"/>
+            </a:effectRef>
+            <a:fontRef idx="minor">
+              <a:schemeClr val="lt1"/>
+            </a:fontRef>
+          </p:style>
+          <p:txBody>
+            <a:bodyPr rtlCol="0" anchor="ctr"/>
+            <a:lstStyle/>
+            <a:p>
+              <a:pPr algn="ctr"/>
+              <a:endParaRPr kumimoji="1" lang="ja-JP" altLang="en-US"/>
+            </a:p>
+          </p:txBody>
+        </p:sp>
+        <p:sp>
+          <p:nvSpPr>
+            <p:cNvPr id="726" name="円/楕円 725"/>
+            <p:cNvSpPr/>
+            <p:nvPr/>
+          </p:nvSpPr>
+          <p:spPr>
+            <a:xfrm>
+              <a:off x="3498708" y="5878354"/>
+              <a:ext cx="539731" cy="286607"/>
+            </a:xfrm>
+            <a:prstGeom prst="ellipse">
+              <a:avLst/>
+            </a:prstGeom>
+            <a:solidFill>
+              <a:schemeClr val="bg1">
+                <a:lumMod val="75000"/>
+              </a:schemeClr>
+            </a:solidFill>
+            <a:ln w="6350">
+              <a:solidFill>
+                <a:schemeClr val="bg1">
+                  <a:lumMod val="65000"/>
+                </a:schemeClr>
+              </a:solidFill>
+            </a:ln>
+          </p:spPr>
+          <p:style>
+            <a:lnRef idx="2">
+              <a:schemeClr val="accent1">
+                <a:shade val="50000"/>
+              </a:schemeClr>
+            </a:lnRef>
+            <a:fillRef idx="1">
+              <a:schemeClr val="accent1"/>
+            </a:fillRef>
+            <a:effectRef idx="0">
+              <a:schemeClr val="accent1"/>
+            </a:effectRef>
+            <a:fontRef idx="minor">
+              <a:schemeClr val="lt1"/>
+            </a:fontRef>
+          </p:style>
+          <p:txBody>
+            <a:bodyPr rtlCol="0" anchor="ctr"/>
+            <a:lstStyle/>
+            <a:p>
+              <a:pPr algn="ctr"/>
+              <a:endParaRPr kumimoji="1" lang="ja-JP" altLang="en-US"/>
+            </a:p>
+          </p:txBody>
+        </p:sp>
+        <p:sp>
+          <p:nvSpPr>
+            <p:cNvPr id="727" name="円/楕円 726"/>
+            <p:cNvSpPr/>
+            <p:nvPr/>
+          </p:nvSpPr>
+          <p:spPr>
+            <a:xfrm>
+              <a:off x="3430289" y="5780722"/>
+              <a:ext cx="676569" cy="359270"/>
+            </a:xfrm>
+            <a:prstGeom prst="ellipse">
+              <a:avLst/>
+            </a:prstGeom>
+            <a:solidFill>
+              <a:schemeClr val="bg1">
+                <a:lumMod val="75000"/>
+              </a:schemeClr>
+            </a:solidFill>
+            <a:ln w="6350">
+              <a:solidFill>
+                <a:schemeClr val="bg1">
+                  <a:lumMod val="95000"/>
+                </a:schemeClr>
+              </a:solidFill>
+            </a:ln>
+          </p:spPr>
+          <p:style>
+            <a:lnRef idx="2">
+              <a:schemeClr val="accent1">
+                <a:shade val="50000"/>
+              </a:schemeClr>
+            </a:lnRef>
+            <a:fillRef idx="1">
+              <a:schemeClr val="accent1"/>
+            </a:fillRef>
+            <a:effectRef idx="0">
+              <a:schemeClr val="accent1"/>
+            </a:effectRef>
+            <a:fontRef idx="minor">
+              <a:schemeClr val="lt1"/>
+            </a:fontRef>
+          </p:style>
+          <p:txBody>
+            <a:bodyPr rtlCol="0" anchor="ctr"/>
+            <a:lstStyle/>
+            <a:p>
+              <a:pPr algn="ctr"/>
+              <a:endParaRPr kumimoji="1" lang="ja-JP" altLang="en-US"/>
+            </a:p>
+          </p:txBody>
+        </p:sp>
+        <p:sp>
+          <p:nvSpPr>
+            <p:cNvPr id="728" name="正方形/長方形 727"/>
+            <p:cNvSpPr/>
+            <p:nvPr/>
+          </p:nvSpPr>
+          <p:spPr>
+            <a:xfrm>
+              <a:off x="3442661" y="5773772"/>
+              <a:ext cx="651824" cy="185881"/>
+            </a:xfrm>
+            <a:prstGeom prst="rect">
+              <a:avLst/>
+            </a:prstGeom>
+            <a:solidFill>
+              <a:schemeClr val="bg1">
+                <a:lumMod val="75000"/>
+              </a:schemeClr>
+            </a:solidFill>
+            <a:ln>
+              <a:solidFill>
+                <a:schemeClr val="bg1">
+                  <a:lumMod val="75000"/>
+                </a:schemeClr>
+              </a:solidFill>
+            </a:ln>
+          </p:spPr>
+          <p:style>
+            <a:lnRef idx="2">
+              <a:schemeClr val="accent1">
+                <a:shade val="50000"/>
+              </a:schemeClr>
+            </a:lnRef>
+            <a:fillRef idx="1">
+              <a:schemeClr val="accent1"/>
+            </a:fillRef>
+            <a:effectRef idx="0">
+              <a:schemeClr val="accent1"/>
+            </a:effectRef>
+            <a:fontRef idx="minor">
+              <a:schemeClr val="lt1"/>
+            </a:fontRef>
+          </p:style>
+          <p:txBody>
+            <a:bodyPr rtlCol="0" anchor="ctr"/>
+            <a:lstStyle/>
+            <a:p>
+              <a:pPr algn="ctr"/>
+              <a:endParaRPr kumimoji="1" lang="ja-JP" altLang="en-US"/>
+            </a:p>
+          </p:txBody>
+        </p:sp>
+        <p:sp>
+          <p:nvSpPr>
+            <p:cNvPr id="729" name="円/楕円 728"/>
+            <p:cNvSpPr/>
+            <p:nvPr/>
+          </p:nvSpPr>
+          <p:spPr>
+            <a:xfrm>
+              <a:off x="3430289" y="5597721"/>
+              <a:ext cx="676569" cy="359270"/>
+            </a:xfrm>
+            <a:prstGeom prst="ellipse">
+              <a:avLst/>
+            </a:prstGeom>
+            <a:solidFill>
+              <a:schemeClr val="bg1">
+                <a:lumMod val="75000"/>
+              </a:schemeClr>
+            </a:solidFill>
+            <a:ln w="6350">
+              <a:solidFill>
+                <a:schemeClr val="bg1">
+                  <a:lumMod val="95000"/>
+                </a:schemeClr>
+              </a:solidFill>
+            </a:ln>
+          </p:spPr>
+          <p:style>
+            <a:lnRef idx="2">
+              <a:schemeClr val="accent1">
+                <a:shade val="50000"/>
+              </a:schemeClr>
+            </a:lnRef>
+            <a:fillRef idx="1">
+              <a:schemeClr val="accent1"/>
+            </a:fillRef>
+            <a:effectRef idx="0">
+              <a:schemeClr val="accent1"/>
+            </a:effectRef>
+            <a:fontRef idx="minor">
+              <a:schemeClr val="lt1"/>
+            </a:fontRef>
+          </p:style>
+          <p:txBody>
+            <a:bodyPr rtlCol="0" anchor="ctr"/>
+            <a:lstStyle/>
+            <a:p>
+              <a:pPr algn="ctr"/>
+              <a:endParaRPr kumimoji="1" lang="ja-JP" altLang="en-US"/>
+            </a:p>
+          </p:txBody>
+        </p:sp>
+        <p:sp>
+          <p:nvSpPr>
+            <p:cNvPr id="730" name="円/楕円 729"/>
+            <p:cNvSpPr/>
+            <p:nvPr/>
+          </p:nvSpPr>
+          <p:spPr>
+            <a:xfrm>
+              <a:off x="3498708" y="5639987"/>
+              <a:ext cx="539731" cy="286607"/>
+            </a:xfrm>
+            <a:prstGeom prst="ellipse">
+              <a:avLst/>
+            </a:prstGeom>
+            <a:solidFill>
+              <a:schemeClr val="bg1">
+                <a:lumMod val="75000"/>
+              </a:schemeClr>
+            </a:solidFill>
+            <a:ln w="6350">
+              <a:solidFill>
+                <a:schemeClr val="bg1">
+                  <a:lumMod val="65000"/>
+                </a:schemeClr>
+              </a:solidFill>
+            </a:ln>
+          </p:spPr>
+          <p:style>
+            <a:lnRef idx="2">
+              <a:schemeClr val="accent1">
+                <a:shade val="50000"/>
+              </a:schemeClr>
+            </a:lnRef>
+            <a:fillRef idx="1">
+              <a:schemeClr val="accent1"/>
+            </a:fillRef>
+            <a:effectRef idx="0">
+              <a:schemeClr val="accent1"/>
+            </a:effectRef>
+            <a:fontRef idx="minor">
+              <a:schemeClr val="lt1"/>
+            </a:fontRef>
+          </p:style>
+          <p:txBody>
+            <a:bodyPr rtlCol="0" anchor="ctr"/>
+            <a:lstStyle/>
+            <a:p>
+              <a:pPr algn="ctr"/>
+              <a:endParaRPr kumimoji="1" lang="ja-JP" altLang="en-US"/>
+            </a:p>
+          </p:txBody>
+        </p:sp>
+        <p:sp>
+          <p:nvSpPr>
+            <p:cNvPr id="731" name="円/楕円 730"/>
+            <p:cNvSpPr/>
+            <p:nvPr/>
+          </p:nvSpPr>
+          <p:spPr>
+            <a:xfrm>
+              <a:off x="3430289" y="5542441"/>
+              <a:ext cx="676569" cy="359270"/>
+            </a:xfrm>
+            <a:prstGeom prst="ellipse">
+              <a:avLst/>
+            </a:prstGeom>
+            <a:solidFill>
+              <a:schemeClr val="bg1">
+                <a:lumMod val="75000"/>
+              </a:schemeClr>
+            </a:solidFill>
+            <a:ln w="6350">
+              <a:solidFill>
+                <a:schemeClr val="bg1">
+                  <a:lumMod val="95000"/>
+                </a:schemeClr>
+              </a:solidFill>
+            </a:ln>
+          </p:spPr>
+          <p:style>
+            <a:lnRef idx="2">
+              <a:schemeClr val="accent1">
+                <a:shade val="50000"/>
+              </a:schemeClr>
+            </a:lnRef>
+            <a:fillRef idx="1">
+              <a:schemeClr val="accent1"/>
+            </a:fillRef>
+            <a:effectRef idx="0">
+              <a:schemeClr val="accent1"/>
+            </a:effectRef>
+            <a:fontRef idx="minor">
+              <a:schemeClr val="lt1"/>
+            </a:fontRef>
+          </p:style>
+          <p:txBody>
+            <a:bodyPr rtlCol="0" anchor="ctr"/>
+            <a:lstStyle/>
+            <a:p>
+              <a:pPr algn="ctr"/>
+              <a:endParaRPr kumimoji="1" lang="ja-JP" altLang="en-US"/>
+            </a:p>
+          </p:txBody>
+        </p:sp>
+        <p:sp>
+          <p:nvSpPr>
+            <p:cNvPr id="732" name="正方形/長方形 731"/>
+            <p:cNvSpPr/>
+            <p:nvPr/>
+          </p:nvSpPr>
+          <p:spPr>
+            <a:xfrm>
+              <a:off x="3442661" y="5535491"/>
+              <a:ext cx="651824" cy="185881"/>
+            </a:xfrm>
+            <a:prstGeom prst="rect">
+              <a:avLst/>
+            </a:prstGeom>
+            <a:solidFill>
+              <a:schemeClr val="bg1">
+                <a:lumMod val="75000"/>
+              </a:schemeClr>
+            </a:solidFill>
+            <a:ln>
+              <a:solidFill>
+                <a:schemeClr val="bg1">
+                  <a:lumMod val="75000"/>
+                </a:schemeClr>
+              </a:solidFill>
+            </a:ln>
+          </p:spPr>
+          <p:style>
+            <a:lnRef idx="2">
+              <a:schemeClr val="accent1">
+                <a:shade val="50000"/>
+              </a:schemeClr>
+            </a:lnRef>
+            <a:fillRef idx="1">
+              <a:schemeClr val="accent1"/>
+            </a:fillRef>
+            <a:effectRef idx="0">
+              <a:schemeClr val="accent1"/>
+            </a:effectRef>
+            <a:fontRef idx="minor">
+              <a:schemeClr val="lt1"/>
+            </a:fontRef>
+          </p:style>
+          <p:txBody>
+            <a:bodyPr rtlCol="0" anchor="ctr"/>
+            <a:lstStyle/>
+            <a:p>
+              <a:pPr algn="ctr"/>
+              <a:endParaRPr kumimoji="1" lang="ja-JP" altLang="en-US"/>
+            </a:p>
+          </p:txBody>
+        </p:sp>
+        <p:sp>
+          <p:nvSpPr>
+            <p:cNvPr id="733" name="正方形/長方形 732"/>
+            <p:cNvSpPr/>
+            <p:nvPr/>
+          </p:nvSpPr>
+          <p:spPr>
+            <a:xfrm>
+              <a:off x="3428883" y="5533274"/>
+              <a:ext cx="350409" cy="839739"/>
+            </a:xfrm>
+            <a:prstGeom prst="rect">
+              <a:avLst/>
+            </a:prstGeom>
+            <a:solidFill>
+              <a:schemeClr val="bg1">
+                <a:alpha val="25000"/>
+              </a:schemeClr>
+            </a:solidFill>
+            <a:ln w="0">
+              <a:noFill/>
+            </a:ln>
+          </p:spPr>
+          <p:style>
+            <a:lnRef idx="2">
+              <a:schemeClr val="accent1">
+                <a:shade val="50000"/>
+              </a:schemeClr>
+            </a:lnRef>
+            <a:fillRef idx="1">
+              <a:schemeClr val="accent1"/>
+            </a:fillRef>
+            <a:effectRef idx="0">
+              <a:schemeClr val="accent1"/>
+            </a:effectRef>
+            <a:fontRef idx="minor">
+              <a:schemeClr val="lt1"/>
+            </a:fontRef>
+          </p:style>
+          <p:txBody>
+            <a:bodyPr rtlCol="0" anchor="ctr"/>
+            <a:lstStyle/>
+            <a:p>
+              <a:pPr algn="ctr"/>
+              <a:endParaRPr kumimoji="1" lang="ja-JP" altLang="en-US"/>
+            </a:p>
+          </p:txBody>
+        </p:sp>
+        <p:sp>
+          <p:nvSpPr>
+            <p:cNvPr id="734" name="円/楕円 733"/>
+            <p:cNvSpPr/>
+            <p:nvPr/>
+          </p:nvSpPr>
+          <p:spPr>
+            <a:xfrm>
+              <a:off x="3430289" y="5359440"/>
+              <a:ext cx="676569" cy="359270"/>
+            </a:xfrm>
+            <a:prstGeom prst="ellipse">
+              <a:avLst/>
+            </a:prstGeom>
+            <a:solidFill>
+              <a:schemeClr val="bg1">
+                <a:lumMod val="85000"/>
+              </a:schemeClr>
+            </a:solidFill>
+            <a:ln w="6350">
+              <a:solidFill>
+                <a:schemeClr val="bg1">
+                  <a:lumMod val="95000"/>
+                </a:schemeClr>
+              </a:solidFill>
+            </a:ln>
+          </p:spPr>
+          <p:style>
+            <a:lnRef idx="2">
+              <a:schemeClr val="accent1">
+                <a:shade val="50000"/>
+              </a:schemeClr>
+            </a:lnRef>
+            <a:fillRef idx="1">
+              <a:schemeClr val="accent1"/>
+            </a:fillRef>
+            <a:effectRef idx="0">
+              <a:schemeClr val="accent1"/>
+            </a:effectRef>
+            <a:fontRef idx="minor">
+              <a:schemeClr val="lt1"/>
+            </a:fontRef>
+          </p:style>
+          <p:txBody>
+            <a:bodyPr rtlCol="0" anchor="ctr"/>
+            <a:lstStyle/>
+            <a:p>
+              <a:pPr algn="ctr"/>
+              <a:endParaRPr kumimoji="1" lang="ja-JP" altLang="en-US"/>
+            </a:p>
+          </p:txBody>
+        </p:sp>
+        <p:sp>
+          <p:nvSpPr>
+            <p:cNvPr id="735" name="円/楕円 734"/>
+            <p:cNvSpPr/>
+            <p:nvPr/>
+          </p:nvSpPr>
+          <p:spPr>
+            <a:xfrm>
+              <a:off x="3498708" y="5401706"/>
+              <a:ext cx="539731" cy="286607"/>
+            </a:xfrm>
+            <a:prstGeom prst="ellipse">
+              <a:avLst/>
+            </a:prstGeom>
+            <a:solidFill>
+              <a:schemeClr val="bg1">
+                <a:lumMod val="85000"/>
+              </a:schemeClr>
+            </a:solidFill>
+            <a:ln w="6350">
+              <a:solidFill>
+                <a:schemeClr val="bg1">
+                  <a:lumMod val="65000"/>
+                </a:schemeClr>
+              </a:solidFill>
+            </a:ln>
+          </p:spPr>
+          <p:style>
+            <a:lnRef idx="2">
+              <a:schemeClr val="accent1">
+                <a:shade val="50000"/>
+              </a:schemeClr>
+            </a:lnRef>
+            <a:fillRef idx="1">
+              <a:schemeClr val="accent1"/>
+            </a:fillRef>
+            <a:effectRef idx="0">
+              <a:schemeClr val="accent1"/>
+            </a:effectRef>
+            <a:fontRef idx="minor">
+              <a:schemeClr val="lt1"/>
+            </a:fontRef>
+          </p:style>
+          <p:txBody>
+            <a:bodyPr rtlCol="0" anchor="ctr"/>
+            <a:lstStyle/>
+            <a:p>
+              <a:pPr algn="ctr"/>
+              <a:endParaRPr kumimoji="1" lang="ja-JP" altLang="en-US"/>
+            </a:p>
+          </p:txBody>
+        </p:sp>
+      </p:grpSp>
+      <p:grpSp>
+        <p:nvGrpSpPr>
+          <p:cNvPr id="746" name="グループ化 745"/>
+          <p:cNvGrpSpPr/>
+          <p:nvPr/>
+        </p:nvGrpSpPr>
+        <p:grpSpPr>
+          <a:xfrm>
+            <a:off x="6003165" y="2365154"/>
+            <a:ext cx="180170" cy="109636"/>
+            <a:chOff x="4559331" y="3362289"/>
+            <a:chExt cx="272710" cy="196441"/>
+          </a:xfrm>
+        </p:grpSpPr>
+        <p:sp>
+          <p:nvSpPr>
+            <p:cNvPr id="747" name="円/楕円 746"/>
+            <p:cNvSpPr/>
+            <p:nvPr/>
+          </p:nvSpPr>
+          <p:spPr>
+            <a:xfrm>
+              <a:off x="4768110" y="3489027"/>
+              <a:ext cx="45719" cy="45719"/>
+            </a:xfrm>
+            <a:prstGeom prst="ellipse">
+              <a:avLst/>
+            </a:prstGeom>
+            <a:solidFill>
+              <a:schemeClr val="bg2">
+                <a:lumMod val="75000"/>
+              </a:schemeClr>
+            </a:solidFill>
+            <a:ln>
+              <a:solidFill>
+                <a:schemeClr val="bg2">
+                  <a:lumMod val="75000"/>
+                </a:schemeClr>
+              </a:solidFill>
+            </a:ln>
+          </p:spPr>
+          <p:style>
+            <a:lnRef idx="2">
+              <a:schemeClr val="accent1">
+                <a:shade val="50000"/>
+              </a:schemeClr>
+            </a:lnRef>
+            <a:fillRef idx="1">
+              <a:schemeClr val="accent1"/>
+            </a:fillRef>
+            <a:effectRef idx="0">
+              <a:schemeClr val="accent1"/>
+            </a:effectRef>
+            <a:fontRef idx="minor">
+              <a:schemeClr val="lt1"/>
+            </a:fontRef>
+          </p:style>
+          <p:txBody>
+            <a:bodyPr rtlCol="0" anchor="ctr"/>
+            <a:lstStyle/>
+            <a:p>
+              <a:pPr algn="ctr"/>
+              <a:endParaRPr kumimoji="1" lang="ja-JP" altLang="en-US"/>
+            </a:p>
+          </p:txBody>
+        </p:sp>
+        <p:sp>
+          <p:nvSpPr>
+            <p:cNvPr id="748" name="平行四辺形 747"/>
+            <p:cNvSpPr/>
+            <p:nvPr/>
+          </p:nvSpPr>
+          <p:spPr>
+            <a:xfrm rot="19800000" flipH="1">
+              <a:off x="4760197" y="3505121"/>
+              <a:ext cx="45719" cy="50996"/>
+            </a:xfrm>
+            <a:prstGeom prst="parallelogram">
+              <a:avLst>
+                <a:gd name="adj" fmla="val 56906"/>
+              </a:avLst>
+            </a:prstGeom>
+            <a:solidFill>
+              <a:schemeClr val="bg2">
+                <a:lumMod val="75000"/>
+              </a:schemeClr>
+            </a:solidFill>
+            <a:ln w="3175">
+              <a:solidFill>
+                <a:schemeClr val="bg2">
+                  <a:lumMod val="75000"/>
+                </a:schemeClr>
+              </a:solidFill>
+            </a:ln>
+          </p:spPr>
+          <p:style>
+            <a:lnRef idx="2">
+              <a:schemeClr val="accent1">
+                <a:shade val="50000"/>
+              </a:schemeClr>
+            </a:lnRef>
+            <a:fillRef idx="1">
+              <a:schemeClr val="accent1"/>
+            </a:fillRef>
+            <a:effectRef idx="0">
+              <a:schemeClr val="accent1"/>
+            </a:effectRef>
+            <a:fontRef idx="minor">
+              <a:schemeClr val="lt1"/>
+            </a:fontRef>
+          </p:style>
+          <p:txBody>
+            <a:bodyPr rtlCol="0" anchor="ctr"/>
+            <a:lstStyle/>
+            <a:p>
+              <a:pPr algn="ctr"/>
+              <a:endParaRPr kumimoji="1" lang="ja-JP" altLang="en-US"/>
+            </a:p>
+          </p:txBody>
+        </p:sp>
+        <p:grpSp>
+          <p:nvGrpSpPr>
+            <p:cNvPr id="749" name="グループ化 748"/>
+            <p:cNvGrpSpPr/>
+            <p:nvPr/>
+          </p:nvGrpSpPr>
+          <p:grpSpPr>
+            <a:xfrm>
+              <a:off x="4559331" y="3362289"/>
+              <a:ext cx="272710" cy="196441"/>
+              <a:chOff x="4556950" y="3362289"/>
+              <a:chExt cx="272710" cy="196441"/>
+            </a:xfrm>
+          </p:grpSpPr>
+          <p:sp>
+            <p:nvSpPr>
+              <p:cNvPr id="751" name="フリーフォーム 750"/>
+              <p:cNvSpPr/>
+              <p:nvPr/>
+            </p:nvSpPr>
+            <p:spPr>
+              <a:xfrm>
+                <a:off x="4556950" y="3381236"/>
+                <a:ext cx="272710" cy="177494"/>
+              </a:xfrm>
+              <a:custGeom>
+                <a:avLst/>
+                <a:gdLst>
+                  <a:gd name="connsiteX0" fmla="*/ 126969 w 272710"/>
+                  <a:gd name="connsiteY0" fmla="*/ 166724 h 177494"/>
+                  <a:gd name="connsiteX1" fmla="*/ 15050 w 272710"/>
+                  <a:gd name="connsiteY1" fmla="*/ 95286 h 177494"/>
+                  <a:gd name="connsiteX2" fmla="*/ 3144 w 272710"/>
+                  <a:gd name="connsiteY2" fmla="*/ 42899 h 177494"/>
+                  <a:gd name="connsiteX3" fmla="*/ 34100 w 272710"/>
+                  <a:gd name="connsiteY3" fmla="*/ 9561 h 177494"/>
+                  <a:gd name="connsiteX4" fmla="*/ 67438 w 272710"/>
+                  <a:gd name="connsiteY4" fmla="*/ 36 h 177494"/>
+                  <a:gd name="connsiteX5" fmla="*/ 153163 w 272710"/>
+                  <a:gd name="connsiteY5" fmla="*/ 11942 h 177494"/>
+                  <a:gd name="connsiteX6" fmla="*/ 229363 w 272710"/>
+                  <a:gd name="connsiteY6" fmla="*/ 47661 h 177494"/>
+                  <a:gd name="connsiteX7" fmla="*/ 272225 w 272710"/>
+                  <a:gd name="connsiteY7" fmla="*/ 114336 h 177494"/>
+                  <a:gd name="connsiteX8" fmla="*/ 250794 w 272710"/>
+                  <a:gd name="connsiteY8" fmla="*/ 154817 h 177494"/>
+                  <a:gd name="connsiteX9" fmla="*/ 224600 w 272710"/>
+                  <a:gd name="connsiteY9" fmla="*/ 176249 h 177494"/>
+                  <a:gd name="connsiteX10" fmla="*/ 126969 w 272710"/>
+                  <a:gd name="connsiteY10" fmla="*/ 166724 h 177494"/>
+                </a:gdLst>
+                <a:ahLst/>
+                <a:cxnLst>
+                  <a:cxn ang="0">
+                    <a:pos x="connsiteX0" y="connsiteY0"/>
+                  </a:cxn>
+                  <a:cxn ang="0">
+                    <a:pos x="connsiteX1" y="connsiteY1"/>
+                  </a:cxn>
+                  <a:cxn ang="0">
+                    <a:pos x="connsiteX2" y="connsiteY2"/>
+                  </a:cxn>
+                  <a:cxn ang="0">
+                    <a:pos x="connsiteX3" y="connsiteY3"/>
+                  </a:cxn>
+                  <a:cxn ang="0">
+                    <a:pos x="connsiteX4" y="connsiteY4"/>
+                  </a:cxn>
+                  <a:cxn ang="0">
+                    <a:pos x="connsiteX5" y="connsiteY5"/>
+                  </a:cxn>
+                  <a:cxn ang="0">
+                    <a:pos x="connsiteX6" y="connsiteY6"/>
+                  </a:cxn>
+                  <a:cxn ang="0">
+                    <a:pos x="connsiteX7" y="connsiteY7"/>
+                  </a:cxn>
+                  <a:cxn ang="0">
+                    <a:pos x="connsiteX8" y="connsiteY8"/>
+                  </a:cxn>
+                  <a:cxn ang="0">
+                    <a:pos x="connsiteX9" y="connsiteY9"/>
+                  </a:cxn>
+                  <a:cxn ang="0">
+                    <a:pos x="connsiteX10" y="connsiteY10"/>
+                  </a:cxn>
+                </a:cxnLst>
+                <a:rect l="l" t="t" r="r" b="b"/>
+                <a:pathLst>
+                  <a:path w="272710" h="177494">
+                    <a:moveTo>
+                      <a:pt x="126969" y="166724"/>
+                    </a:moveTo>
+                    <a:cubicBezTo>
+                      <a:pt x="92044" y="153230"/>
+                      <a:pt x="35687" y="115923"/>
+                      <a:pt x="15050" y="95286"/>
+                    </a:cubicBezTo>
+                    <a:cubicBezTo>
+                      <a:pt x="-5587" y="74649"/>
+                      <a:pt x="-31" y="57186"/>
+                      <a:pt x="3144" y="42899"/>
+                    </a:cubicBezTo>
+                    <a:cubicBezTo>
+                      <a:pt x="6319" y="28612"/>
+                      <a:pt x="23384" y="16705"/>
+                      <a:pt x="34100" y="9561"/>
+                    </a:cubicBezTo>
+                    <a:cubicBezTo>
+                      <a:pt x="44816" y="2417"/>
+                      <a:pt x="47594" y="-361"/>
+                      <a:pt x="67438" y="36"/>
+                    </a:cubicBezTo>
+                    <a:cubicBezTo>
+                      <a:pt x="87282" y="433"/>
+                      <a:pt x="126176" y="4005"/>
+                      <a:pt x="153163" y="11942"/>
+                    </a:cubicBezTo>
+                    <a:cubicBezTo>
+                      <a:pt x="180150" y="19879"/>
+                      <a:pt x="209519" y="30595"/>
+                      <a:pt x="229363" y="47661"/>
+                    </a:cubicBezTo>
+                    <a:cubicBezTo>
+                      <a:pt x="249207" y="64727"/>
+                      <a:pt x="268653" y="96477"/>
+                      <a:pt x="272225" y="114336"/>
+                    </a:cubicBezTo>
+                    <a:cubicBezTo>
+                      <a:pt x="275797" y="132195"/>
+                      <a:pt x="258731" y="144498"/>
+                      <a:pt x="250794" y="154817"/>
+                    </a:cubicBezTo>
+                    <a:cubicBezTo>
+                      <a:pt x="242857" y="165136"/>
+                      <a:pt x="244841" y="174662"/>
+                      <a:pt x="224600" y="176249"/>
+                    </a:cubicBezTo>
+                    <a:cubicBezTo>
+                      <a:pt x="204359" y="177836"/>
+                      <a:pt x="161894" y="180218"/>
+                      <a:pt x="126969" y="166724"/>
+                    </a:cubicBezTo>
+                    <a:close/>
+                  </a:path>
+                </a:pathLst>
+              </a:custGeom>
+              <a:solidFill>
+                <a:schemeClr val="bg2">
+                  <a:lumMod val="75000"/>
+                </a:schemeClr>
+              </a:solidFill>
+              <a:ln w="3175">
+                <a:solidFill>
+                  <a:schemeClr val="bg2">
+                    <a:lumMod val="75000"/>
+                  </a:schemeClr>
+                </a:solidFill>
+              </a:ln>
+            </p:spPr>
+            <p:style>
+              <a:lnRef idx="2">
+                <a:schemeClr val="accent1">
+                  <a:shade val="50000"/>
+                </a:schemeClr>
+              </a:lnRef>
+              <a:fillRef idx="1">
+                <a:schemeClr val="accent1"/>
+              </a:fillRef>
+              <a:effectRef idx="0">
+                <a:schemeClr val="accent1"/>
+              </a:effectRef>
+              <a:fontRef idx="minor">
+                <a:schemeClr val="lt1"/>
+              </a:fontRef>
+            </p:style>
+            <p:txBody>
+              <a:bodyPr rtlCol="0" anchor="ctr"/>
+              <a:lstStyle/>
+              <a:p>
+                <a:pPr algn="ctr"/>
+                <a:endParaRPr kumimoji="1" lang="ja-JP" altLang="en-US"/>
+              </a:p>
+            </p:txBody>
+          </p:sp>
+          <p:sp>
+            <p:nvSpPr>
+              <p:cNvPr id="752" name="フリーフォーム 751"/>
+              <p:cNvSpPr/>
+              <p:nvPr/>
+            </p:nvSpPr>
+            <p:spPr>
+              <a:xfrm>
+                <a:off x="4556950" y="3362289"/>
+                <a:ext cx="272710" cy="177494"/>
+              </a:xfrm>
+              <a:custGeom>
+                <a:avLst/>
+                <a:gdLst>
+                  <a:gd name="connsiteX0" fmla="*/ 126969 w 272710"/>
+                  <a:gd name="connsiteY0" fmla="*/ 166724 h 177494"/>
+                  <a:gd name="connsiteX1" fmla="*/ 15050 w 272710"/>
+                  <a:gd name="connsiteY1" fmla="*/ 95286 h 177494"/>
+                  <a:gd name="connsiteX2" fmla="*/ 3144 w 272710"/>
+                  <a:gd name="connsiteY2" fmla="*/ 42899 h 177494"/>
+                  <a:gd name="connsiteX3" fmla="*/ 34100 w 272710"/>
+                  <a:gd name="connsiteY3" fmla="*/ 9561 h 177494"/>
+                  <a:gd name="connsiteX4" fmla="*/ 67438 w 272710"/>
+                  <a:gd name="connsiteY4" fmla="*/ 36 h 177494"/>
+                  <a:gd name="connsiteX5" fmla="*/ 153163 w 272710"/>
+                  <a:gd name="connsiteY5" fmla="*/ 11942 h 177494"/>
+                  <a:gd name="connsiteX6" fmla="*/ 229363 w 272710"/>
+                  <a:gd name="connsiteY6" fmla="*/ 47661 h 177494"/>
+                  <a:gd name="connsiteX7" fmla="*/ 272225 w 272710"/>
+                  <a:gd name="connsiteY7" fmla="*/ 114336 h 177494"/>
+                  <a:gd name="connsiteX8" fmla="*/ 250794 w 272710"/>
+                  <a:gd name="connsiteY8" fmla="*/ 154817 h 177494"/>
+                  <a:gd name="connsiteX9" fmla="*/ 224600 w 272710"/>
+                  <a:gd name="connsiteY9" fmla="*/ 176249 h 177494"/>
+                  <a:gd name="connsiteX10" fmla="*/ 126969 w 272710"/>
+                  <a:gd name="connsiteY10" fmla="*/ 166724 h 177494"/>
+                </a:gdLst>
+                <a:ahLst/>
+                <a:cxnLst>
+                  <a:cxn ang="0">
+                    <a:pos x="connsiteX0" y="connsiteY0"/>
+                  </a:cxn>
+                  <a:cxn ang="0">
+                    <a:pos x="connsiteX1" y="connsiteY1"/>
+                  </a:cxn>
+                  <a:cxn ang="0">
+                    <a:pos x="connsiteX2" y="connsiteY2"/>
+                  </a:cxn>
+                  <a:cxn ang="0">
+                    <a:pos x="connsiteX3" y="connsiteY3"/>
+                  </a:cxn>
+                  <a:cxn ang="0">
+                    <a:pos x="connsiteX4" y="connsiteY4"/>
+                  </a:cxn>
+                  <a:cxn ang="0">
+                    <a:pos x="connsiteX5" y="connsiteY5"/>
+                  </a:cxn>
+                  <a:cxn ang="0">
+                    <a:pos x="connsiteX6" y="connsiteY6"/>
+                  </a:cxn>
+                  <a:cxn ang="0">
+                    <a:pos x="connsiteX7" y="connsiteY7"/>
+                  </a:cxn>
+                  <a:cxn ang="0">
+                    <a:pos x="connsiteX8" y="connsiteY8"/>
+                  </a:cxn>
+                  <a:cxn ang="0">
+                    <a:pos x="connsiteX9" y="connsiteY9"/>
+                  </a:cxn>
+                  <a:cxn ang="0">
+                    <a:pos x="connsiteX10" y="connsiteY10"/>
+                  </a:cxn>
+                </a:cxnLst>
+                <a:rect l="l" t="t" r="r" b="b"/>
+                <a:pathLst>
+                  <a:path w="272710" h="177494">
+                    <a:moveTo>
+                      <a:pt x="126969" y="166724"/>
+                    </a:moveTo>
+                    <a:cubicBezTo>
+                      <a:pt x="92044" y="153230"/>
+                      <a:pt x="35687" y="115923"/>
+                      <a:pt x="15050" y="95286"/>
+                    </a:cubicBezTo>
+                    <a:cubicBezTo>
+                      <a:pt x="-5587" y="74649"/>
+                      <a:pt x="-31" y="57186"/>
+                      <a:pt x="3144" y="42899"/>
+                    </a:cubicBezTo>
+                    <a:cubicBezTo>
+                      <a:pt x="6319" y="28612"/>
+                      <a:pt x="23384" y="16705"/>
+                      <a:pt x="34100" y="9561"/>
+                    </a:cubicBezTo>
+                    <a:cubicBezTo>
+                      <a:pt x="44816" y="2417"/>
+                      <a:pt x="47594" y="-361"/>
+                      <a:pt x="67438" y="36"/>
+                    </a:cubicBezTo>
+                    <a:cubicBezTo>
+                      <a:pt x="87282" y="433"/>
+                      <a:pt x="126176" y="4005"/>
+                      <a:pt x="153163" y="11942"/>
+                    </a:cubicBezTo>
+                    <a:cubicBezTo>
+                      <a:pt x="180150" y="19879"/>
+                      <a:pt x="209519" y="30595"/>
+                      <a:pt x="229363" y="47661"/>
+                    </a:cubicBezTo>
+                    <a:cubicBezTo>
+                      <a:pt x="249207" y="64727"/>
+                      <a:pt x="268653" y="96477"/>
+                      <a:pt x="272225" y="114336"/>
+                    </a:cubicBezTo>
+                    <a:cubicBezTo>
+                      <a:pt x="275797" y="132195"/>
+                      <a:pt x="258731" y="144498"/>
+                      <a:pt x="250794" y="154817"/>
+                    </a:cubicBezTo>
+                    <a:cubicBezTo>
+                      <a:pt x="242857" y="165136"/>
+                      <a:pt x="244841" y="174662"/>
+                      <a:pt x="224600" y="176249"/>
+                    </a:cubicBezTo>
+                    <a:cubicBezTo>
+                      <a:pt x="204359" y="177836"/>
+                      <a:pt x="161894" y="180218"/>
+                      <a:pt x="126969" y="166724"/>
+                    </a:cubicBezTo>
+                    <a:close/>
+                  </a:path>
+                </a:pathLst>
+              </a:custGeom>
+              <a:solidFill>
+                <a:schemeClr val="bg2">
+                  <a:lumMod val="90000"/>
+                </a:schemeClr>
+              </a:solidFill>
+              <a:ln w="3175">
+                <a:solidFill>
+                  <a:schemeClr val="bg2">
+                    <a:lumMod val="75000"/>
+                  </a:schemeClr>
+                </a:solidFill>
+              </a:ln>
+            </p:spPr>
+            <p:style>
+              <a:lnRef idx="2">
+                <a:schemeClr val="accent1">
+                  <a:shade val="50000"/>
+                </a:schemeClr>
+              </a:lnRef>
+              <a:fillRef idx="1">
+                <a:schemeClr val="accent1"/>
+              </a:fillRef>
+              <a:effectRef idx="0">
+                <a:schemeClr val="accent1"/>
+              </a:effectRef>
+              <a:fontRef idx="minor">
+                <a:schemeClr val="lt1"/>
+              </a:fontRef>
+            </p:style>
+            <p:txBody>
+              <a:bodyPr rtlCol="0" anchor="ctr"/>
+              <a:lstStyle/>
+              <a:p>
+                <a:pPr algn="ctr"/>
+                <a:endParaRPr kumimoji="1" lang="ja-JP" altLang="en-US"/>
+              </a:p>
+            </p:txBody>
+          </p:sp>
+          <p:sp>
+            <p:nvSpPr>
+              <p:cNvPr id="753" name="フリーフォーム 752"/>
+              <p:cNvSpPr/>
+              <p:nvPr/>
+            </p:nvSpPr>
+            <p:spPr>
+              <a:xfrm>
+                <a:off x="4587571" y="3369286"/>
+                <a:ext cx="84492" cy="26673"/>
+              </a:xfrm>
+              <a:custGeom>
+                <a:avLst/>
+                <a:gdLst>
+                  <a:gd name="connsiteX0" fmla="*/ 84442 w 84492"/>
+                  <a:gd name="connsiteY0" fmla="*/ 26377 h 26673"/>
+                  <a:gd name="connsiteX1" fmla="*/ 15385 w 84492"/>
+                  <a:gd name="connsiteY1" fmla="*/ 183 h 26673"/>
+                  <a:gd name="connsiteX2" fmla="*/ 3479 w 84492"/>
+                  <a:gd name="connsiteY2" fmla="*/ 14470 h 26673"/>
+                  <a:gd name="connsiteX3" fmla="*/ 84442 w 84492"/>
+                  <a:gd name="connsiteY3" fmla="*/ 26377 h 26673"/>
+                </a:gdLst>
+                <a:ahLst/>
+                <a:cxnLst>
+                  <a:cxn ang="0">
+                    <a:pos x="connsiteX0" y="connsiteY0"/>
+                  </a:cxn>
+                  <a:cxn ang="0">
+                    <a:pos x="connsiteX1" y="connsiteY1"/>
+                  </a:cxn>
+                  <a:cxn ang="0">
+                    <a:pos x="connsiteX2" y="connsiteY2"/>
+                  </a:cxn>
+                  <a:cxn ang="0">
+                    <a:pos x="connsiteX3" y="connsiteY3"/>
+                  </a:cxn>
+                </a:cxnLst>
+                <a:rect l="l" t="t" r="r" b="b"/>
+                <a:pathLst>
+                  <a:path w="84492" h="26673">
+                    <a:moveTo>
+                      <a:pt x="84442" y="26377"/>
+                    </a:moveTo>
+                    <a:cubicBezTo>
+                      <a:pt x="86426" y="23996"/>
+                      <a:pt x="28879" y="2167"/>
+                      <a:pt x="15385" y="183"/>
+                    </a:cubicBezTo>
+                    <a:cubicBezTo>
+                      <a:pt x="1891" y="-1801"/>
+                      <a:pt x="-4459" y="12882"/>
+                      <a:pt x="3479" y="14470"/>
+                    </a:cubicBezTo>
+                    <a:cubicBezTo>
+                      <a:pt x="11417" y="16058"/>
+                      <a:pt x="82458" y="28758"/>
+                      <a:pt x="84442" y="26377"/>
+                    </a:cubicBezTo>
+                    <a:close/>
+                  </a:path>
+                </a:pathLst>
+              </a:custGeom>
+              <a:ln>
+                <a:solidFill>
+                  <a:schemeClr val="bg2">
+                    <a:lumMod val="50000"/>
+                  </a:schemeClr>
+                </a:solidFill>
+              </a:ln>
+            </p:spPr>
+            <p:style>
+              <a:lnRef idx="2">
+                <a:schemeClr val="accent1">
+                  <a:shade val="50000"/>
+                </a:schemeClr>
+              </a:lnRef>
+              <a:fillRef idx="1">
+                <a:schemeClr val="accent1"/>
+              </a:fillRef>
+              <a:effectRef idx="0">
+                <a:schemeClr val="accent1"/>
+              </a:effectRef>
+              <a:fontRef idx="minor">
+                <a:schemeClr val="lt1"/>
+              </a:fontRef>
+            </p:style>
+            <p:txBody>
+              <a:bodyPr rtlCol="0" anchor="ctr"/>
+              <a:lstStyle/>
+              <a:p>
+                <a:pPr algn="ctr"/>
+                <a:endParaRPr kumimoji="1" lang="ja-JP" altLang="en-US"/>
+              </a:p>
+            </p:txBody>
+          </p:sp>
+        </p:grpSp>
+        <p:sp>
+          <p:nvSpPr>
+            <p:cNvPr id="750" name="平行四辺形 749"/>
+            <p:cNvSpPr/>
+            <p:nvPr/>
+          </p:nvSpPr>
+          <p:spPr>
+            <a:xfrm rot="5400000" flipH="1">
+              <a:off x="4775020" y="3510760"/>
+              <a:ext cx="45719" cy="45719"/>
+            </a:xfrm>
+            <a:prstGeom prst="parallelogram">
+              <a:avLst>
+                <a:gd name="adj" fmla="val 56906"/>
+              </a:avLst>
+            </a:prstGeom>
+            <a:solidFill>
+              <a:schemeClr val="bg2">
+                <a:lumMod val="75000"/>
+              </a:schemeClr>
+            </a:solidFill>
+            <a:ln w="3175" cap="rnd">
+              <a:solidFill>
+                <a:schemeClr val="bg2">
+                  <a:lumMod val="75000"/>
+                </a:schemeClr>
+              </a:solidFill>
+            </a:ln>
+          </p:spPr>
+          <p:style>
+            <a:lnRef idx="2">
+              <a:schemeClr val="accent1">
+                <a:shade val="50000"/>
+              </a:schemeClr>
+            </a:lnRef>
+            <a:fillRef idx="1">
+              <a:schemeClr val="accent1"/>
+            </a:fillRef>
+            <a:effectRef idx="0">
+              <a:schemeClr val="accent1"/>
+            </a:effectRef>
+            <a:fontRef idx="minor">
+              <a:schemeClr val="lt1"/>
+            </a:fontRef>
+          </p:style>
+          <p:txBody>
+            <a:bodyPr rtlCol="0" anchor="ctr"/>
+            <a:lstStyle/>
+            <a:p>
+              <a:pPr algn="ctr"/>
+              <a:endParaRPr kumimoji="1" lang="ja-JP" altLang="en-US"/>
+            </a:p>
+          </p:txBody>
+        </p:sp>
+      </p:grpSp>
+      <p:grpSp>
+        <p:nvGrpSpPr>
+          <p:cNvPr id="754" name="グループ化 753"/>
+          <p:cNvGrpSpPr/>
+          <p:nvPr/>
+        </p:nvGrpSpPr>
+        <p:grpSpPr>
+          <a:xfrm flipH="1">
+            <a:off x="8306415" y="5128060"/>
+            <a:ext cx="180170" cy="109636"/>
+            <a:chOff x="4559331" y="3362289"/>
+            <a:chExt cx="272710" cy="196441"/>
+          </a:xfrm>
+        </p:grpSpPr>
+        <p:sp>
+          <p:nvSpPr>
+            <p:cNvPr id="755" name="円/楕円 754"/>
+            <p:cNvSpPr/>
+            <p:nvPr/>
+          </p:nvSpPr>
+          <p:spPr>
+            <a:xfrm>
+              <a:off x="4768110" y="3489027"/>
+              <a:ext cx="45719" cy="45719"/>
+            </a:xfrm>
+            <a:prstGeom prst="ellipse">
+              <a:avLst/>
+            </a:prstGeom>
+            <a:solidFill>
+              <a:schemeClr val="bg2">
+                <a:lumMod val="75000"/>
+              </a:schemeClr>
+            </a:solidFill>
+            <a:ln>
+              <a:solidFill>
+                <a:schemeClr val="bg2">
+                  <a:lumMod val="75000"/>
+                </a:schemeClr>
+              </a:solidFill>
+            </a:ln>
+          </p:spPr>
+          <p:style>
+            <a:lnRef idx="2">
+              <a:schemeClr val="accent1">
+                <a:shade val="50000"/>
+              </a:schemeClr>
+            </a:lnRef>
+            <a:fillRef idx="1">
+              <a:schemeClr val="accent1"/>
+            </a:fillRef>
+            <a:effectRef idx="0">
+              <a:schemeClr val="accent1"/>
+            </a:effectRef>
+            <a:fontRef idx="minor">
+              <a:schemeClr val="lt1"/>
+            </a:fontRef>
+          </p:style>
+          <p:txBody>
+            <a:bodyPr rtlCol="0" anchor="ctr"/>
+            <a:lstStyle/>
+            <a:p>
+              <a:pPr algn="ctr"/>
+              <a:endParaRPr kumimoji="1" lang="ja-JP" altLang="en-US"/>
+            </a:p>
+          </p:txBody>
+        </p:sp>
+        <p:sp>
+          <p:nvSpPr>
+            <p:cNvPr id="756" name="平行四辺形 755"/>
+            <p:cNvSpPr/>
+            <p:nvPr/>
+          </p:nvSpPr>
+          <p:spPr>
+            <a:xfrm rot="19800000" flipH="1">
+              <a:off x="4760197" y="3505121"/>
+              <a:ext cx="45719" cy="50996"/>
+            </a:xfrm>
+            <a:prstGeom prst="parallelogram">
+              <a:avLst>
+                <a:gd name="adj" fmla="val 56906"/>
+              </a:avLst>
+            </a:prstGeom>
+            <a:solidFill>
+              <a:schemeClr val="bg2">
+                <a:lumMod val="75000"/>
+              </a:schemeClr>
+            </a:solidFill>
+            <a:ln w="3175">
+              <a:solidFill>
+                <a:schemeClr val="bg2">
+                  <a:lumMod val="75000"/>
+                </a:schemeClr>
+              </a:solidFill>
+            </a:ln>
+          </p:spPr>
+          <p:style>
+            <a:lnRef idx="2">
+              <a:schemeClr val="accent1">
+                <a:shade val="50000"/>
+              </a:schemeClr>
+            </a:lnRef>
+            <a:fillRef idx="1">
+              <a:schemeClr val="accent1"/>
+            </a:fillRef>
+            <a:effectRef idx="0">
+              <a:schemeClr val="accent1"/>
+            </a:effectRef>
+            <a:fontRef idx="minor">
+              <a:schemeClr val="lt1"/>
+            </a:fontRef>
+          </p:style>
+          <p:txBody>
+            <a:bodyPr rtlCol="0" anchor="ctr"/>
+            <a:lstStyle/>
+            <a:p>
+              <a:pPr algn="ctr"/>
+              <a:endParaRPr kumimoji="1" lang="ja-JP" altLang="en-US"/>
+            </a:p>
+          </p:txBody>
+        </p:sp>
+        <p:grpSp>
+          <p:nvGrpSpPr>
+            <p:cNvPr id="757" name="グループ化 756"/>
+            <p:cNvGrpSpPr/>
+            <p:nvPr/>
+          </p:nvGrpSpPr>
+          <p:grpSpPr>
+            <a:xfrm>
+              <a:off x="4559331" y="3362289"/>
+              <a:ext cx="272710" cy="196441"/>
+              <a:chOff x="4556950" y="3362289"/>
+              <a:chExt cx="272710" cy="196441"/>
+            </a:xfrm>
+          </p:grpSpPr>
+          <p:sp>
+            <p:nvSpPr>
+              <p:cNvPr id="759" name="フリーフォーム 758"/>
+              <p:cNvSpPr/>
+              <p:nvPr/>
+            </p:nvSpPr>
+            <p:spPr>
+              <a:xfrm>
+                <a:off x="4556950" y="3381236"/>
+                <a:ext cx="272710" cy="177494"/>
+              </a:xfrm>
+              <a:custGeom>
+                <a:avLst/>
+                <a:gdLst>
+                  <a:gd name="connsiteX0" fmla="*/ 126969 w 272710"/>
+                  <a:gd name="connsiteY0" fmla="*/ 166724 h 177494"/>
+                  <a:gd name="connsiteX1" fmla="*/ 15050 w 272710"/>
+                  <a:gd name="connsiteY1" fmla="*/ 95286 h 177494"/>
+                  <a:gd name="connsiteX2" fmla="*/ 3144 w 272710"/>
+                  <a:gd name="connsiteY2" fmla="*/ 42899 h 177494"/>
+                  <a:gd name="connsiteX3" fmla="*/ 34100 w 272710"/>
+                  <a:gd name="connsiteY3" fmla="*/ 9561 h 177494"/>
+                  <a:gd name="connsiteX4" fmla="*/ 67438 w 272710"/>
+                  <a:gd name="connsiteY4" fmla="*/ 36 h 177494"/>
+                  <a:gd name="connsiteX5" fmla="*/ 153163 w 272710"/>
+                  <a:gd name="connsiteY5" fmla="*/ 11942 h 177494"/>
+                  <a:gd name="connsiteX6" fmla="*/ 229363 w 272710"/>
+                  <a:gd name="connsiteY6" fmla="*/ 47661 h 177494"/>
+                  <a:gd name="connsiteX7" fmla="*/ 272225 w 272710"/>
+                  <a:gd name="connsiteY7" fmla="*/ 114336 h 177494"/>
+                  <a:gd name="connsiteX8" fmla="*/ 250794 w 272710"/>
+                  <a:gd name="connsiteY8" fmla="*/ 154817 h 177494"/>
+                  <a:gd name="connsiteX9" fmla="*/ 224600 w 272710"/>
+                  <a:gd name="connsiteY9" fmla="*/ 176249 h 177494"/>
+                  <a:gd name="connsiteX10" fmla="*/ 126969 w 272710"/>
+                  <a:gd name="connsiteY10" fmla="*/ 166724 h 177494"/>
+                </a:gdLst>
+                <a:ahLst/>
+                <a:cxnLst>
+                  <a:cxn ang="0">
+                    <a:pos x="connsiteX0" y="connsiteY0"/>
+                  </a:cxn>
+                  <a:cxn ang="0">
+                    <a:pos x="connsiteX1" y="connsiteY1"/>
+                  </a:cxn>
+                  <a:cxn ang="0">
+                    <a:pos x="connsiteX2" y="connsiteY2"/>
+                  </a:cxn>
+                  <a:cxn ang="0">
+                    <a:pos x="connsiteX3" y="connsiteY3"/>
+                  </a:cxn>
+                  <a:cxn ang="0">
+                    <a:pos x="connsiteX4" y="connsiteY4"/>
+                  </a:cxn>
+                  <a:cxn ang="0">
+                    <a:pos x="connsiteX5" y="connsiteY5"/>
+                  </a:cxn>
+                  <a:cxn ang="0">
+                    <a:pos x="connsiteX6" y="connsiteY6"/>
+                  </a:cxn>
+                  <a:cxn ang="0">
+                    <a:pos x="connsiteX7" y="connsiteY7"/>
+                  </a:cxn>
+                  <a:cxn ang="0">
+                    <a:pos x="connsiteX8" y="connsiteY8"/>
+                  </a:cxn>
+                  <a:cxn ang="0">
+                    <a:pos x="connsiteX9" y="connsiteY9"/>
+                  </a:cxn>
+                  <a:cxn ang="0">
+                    <a:pos x="connsiteX10" y="connsiteY10"/>
+                  </a:cxn>
+                </a:cxnLst>
+                <a:rect l="l" t="t" r="r" b="b"/>
+                <a:pathLst>
+                  <a:path w="272710" h="177494">
+                    <a:moveTo>
+                      <a:pt x="126969" y="166724"/>
+                    </a:moveTo>
+                    <a:cubicBezTo>
+                      <a:pt x="92044" y="153230"/>
+                      <a:pt x="35687" y="115923"/>
+                      <a:pt x="15050" y="95286"/>
+                    </a:cubicBezTo>
+                    <a:cubicBezTo>
+                      <a:pt x="-5587" y="74649"/>
+                      <a:pt x="-31" y="57186"/>
+                      <a:pt x="3144" y="42899"/>
+                    </a:cubicBezTo>
+                    <a:cubicBezTo>
+                      <a:pt x="6319" y="28612"/>
+                      <a:pt x="23384" y="16705"/>
+                      <a:pt x="34100" y="9561"/>
+                    </a:cubicBezTo>
+                    <a:cubicBezTo>
+                      <a:pt x="44816" y="2417"/>
+                      <a:pt x="47594" y="-361"/>
+                      <a:pt x="67438" y="36"/>
+                    </a:cubicBezTo>
+                    <a:cubicBezTo>
+                      <a:pt x="87282" y="433"/>
+                      <a:pt x="126176" y="4005"/>
+                      <a:pt x="153163" y="11942"/>
+                    </a:cubicBezTo>
+                    <a:cubicBezTo>
+                      <a:pt x="180150" y="19879"/>
+                      <a:pt x="209519" y="30595"/>
+                      <a:pt x="229363" y="47661"/>
+                    </a:cubicBezTo>
+                    <a:cubicBezTo>
+                      <a:pt x="249207" y="64727"/>
+                      <a:pt x="268653" y="96477"/>
+                      <a:pt x="272225" y="114336"/>
+                    </a:cubicBezTo>
+                    <a:cubicBezTo>
+                      <a:pt x="275797" y="132195"/>
+                      <a:pt x="258731" y="144498"/>
+                      <a:pt x="250794" y="154817"/>
+                    </a:cubicBezTo>
+                    <a:cubicBezTo>
+                      <a:pt x="242857" y="165136"/>
+                      <a:pt x="244841" y="174662"/>
+                      <a:pt x="224600" y="176249"/>
+                    </a:cubicBezTo>
+                    <a:cubicBezTo>
+                      <a:pt x="204359" y="177836"/>
+                      <a:pt x="161894" y="180218"/>
+                      <a:pt x="126969" y="166724"/>
+                    </a:cubicBezTo>
+                    <a:close/>
+                  </a:path>
+                </a:pathLst>
+              </a:custGeom>
+              <a:solidFill>
+                <a:schemeClr val="bg2">
+                  <a:lumMod val="75000"/>
+                </a:schemeClr>
+              </a:solidFill>
+              <a:ln w="3175">
+                <a:solidFill>
+                  <a:schemeClr val="bg2">
+                    <a:lumMod val="75000"/>
+                  </a:schemeClr>
+                </a:solidFill>
+              </a:ln>
+            </p:spPr>
+            <p:style>
+              <a:lnRef idx="2">
+                <a:schemeClr val="accent1">
+                  <a:shade val="50000"/>
+                </a:schemeClr>
+              </a:lnRef>
+              <a:fillRef idx="1">
+                <a:schemeClr val="accent1"/>
+              </a:fillRef>
+              <a:effectRef idx="0">
+                <a:schemeClr val="accent1"/>
+              </a:effectRef>
+              <a:fontRef idx="minor">
+                <a:schemeClr val="lt1"/>
+              </a:fontRef>
+            </p:style>
+            <p:txBody>
+              <a:bodyPr rtlCol="0" anchor="ctr"/>
+              <a:lstStyle/>
+              <a:p>
+                <a:pPr algn="ctr"/>
+                <a:endParaRPr kumimoji="1" lang="ja-JP" altLang="en-US"/>
+              </a:p>
+            </p:txBody>
+          </p:sp>
+          <p:sp>
+            <p:nvSpPr>
+              <p:cNvPr id="760" name="フリーフォーム 759"/>
+              <p:cNvSpPr/>
+              <p:nvPr/>
+            </p:nvSpPr>
+            <p:spPr>
+              <a:xfrm>
+                <a:off x="4556950" y="3362289"/>
+                <a:ext cx="272710" cy="177494"/>
+              </a:xfrm>
+              <a:custGeom>
+                <a:avLst/>
+                <a:gdLst>
+                  <a:gd name="connsiteX0" fmla="*/ 126969 w 272710"/>
+                  <a:gd name="connsiteY0" fmla="*/ 166724 h 177494"/>
+                  <a:gd name="connsiteX1" fmla="*/ 15050 w 272710"/>
+                  <a:gd name="connsiteY1" fmla="*/ 95286 h 177494"/>
+                  <a:gd name="connsiteX2" fmla="*/ 3144 w 272710"/>
+                  <a:gd name="connsiteY2" fmla="*/ 42899 h 177494"/>
+                  <a:gd name="connsiteX3" fmla="*/ 34100 w 272710"/>
+                  <a:gd name="connsiteY3" fmla="*/ 9561 h 177494"/>
+                  <a:gd name="connsiteX4" fmla="*/ 67438 w 272710"/>
+                  <a:gd name="connsiteY4" fmla="*/ 36 h 177494"/>
+                  <a:gd name="connsiteX5" fmla="*/ 153163 w 272710"/>
+                  <a:gd name="connsiteY5" fmla="*/ 11942 h 177494"/>
+                  <a:gd name="connsiteX6" fmla="*/ 229363 w 272710"/>
+                  <a:gd name="connsiteY6" fmla="*/ 47661 h 177494"/>
+                  <a:gd name="connsiteX7" fmla="*/ 272225 w 272710"/>
+                  <a:gd name="connsiteY7" fmla="*/ 114336 h 177494"/>
+                  <a:gd name="connsiteX8" fmla="*/ 250794 w 272710"/>
+                  <a:gd name="connsiteY8" fmla="*/ 154817 h 177494"/>
+                  <a:gd name="connsiteX9" fmla="*/ 224600 w 272710"/>
+                  <a:gd name="connsiteY9" fmla="*/ 176249 h 177494"/>
+                  <a:gd name="connsiteX10" fmla="*/ 126969 w 272710"/>
+                  <a:gd name="connsiteY10" fmla="*/ 166724 h 177494"/>
+                </a:gdLst>
+                <a:ahLst/>
+                <a:cxnLst>
+                  <a:cxn ang="0">
+                    <a:pos x="connsiteX0" y="connsiteY0"/>
+                  </a:cxn>
+                  <a:cxn ang="0">
+                    <a:pos x="connsiteX1" y="connsiteY1"/>
+                  </a:cxn>
+                  <a:cxn ang="0">
+                    <a:pos x="connsiteX2" y="connsiteY2"/>
+                  </a:cxn>
+                  <a:cxn ang="0">
+                    <a:pos x="connsiteX3" y="connsiteY3"/>
+                  </a:cxn>
+                  <a:cxn ang="0">
+                    <a:pos x="connsiteX4" y="connsiteY4"/>
+                  </a:cxn>
+                  <a:cxn ang="0">
+                    <a:pos x="connsiteX5" y="connsiteY5"/>
+                  </a:cxn>
+                  <a:cxn ang="0">
+                    <a:pos x="connsiteX6" y="connsiteY6"/>
+                  </a:cxn>
+                  <a:cxn ang="0">
+                    <a:pos x="connsiteX7" y="connsiteY7"/>
+                  </a:cxn>
+                  <a:cxn ang="0">
+                    <a:pos x="connsiteX8" y="connsiteY8"/>
+                  </a:cxn>
+                  <a:cxn ang="0">
+                    <a:pos x="connsiteX9" y="connsiteY9"/>
+                  </a:cxn>
+                  <a:cxn ang="0">
+                    <a:pos x="connsiteX10" y="connsiteY10"/>
+                  </a:cxn>
+                </a:cxnLst>
+                <a:rect l="l" t="t" r="r" b="b"/>
+                <a:pathLst>
+                  <a:path w="272710" h="177494">
+                    <a:moveTo>
+                      <a:pt x="126969" y="166724"/>
+                    </a:moveTo>
+                    <a:cubicBezTo>
+                      <a:pt x="92044" y="153230"/>
+                      <a:pt x="35687" y="115923"/>
+                      <a:pt x="15050" y="95286"/>
+                    </a:cubicBezTo>
+                    <a:cubicBezTo>
+                      <a:pt x="-5587" y="74649"/>
+                      <a:pt x="-31" y="57186"/>
+                      <a:pt x="3144" y="42899"/>
+                    </a:cubicBezTo>
+                    <a:cubicBezTo>
+                      <a:pt x="6319" y="28612"/>
+                      <a:pt x="23384" y="16705"/>
+                      <a:pt x="34100" y="9561"/>
+                    </a:cubicBezTo>
+                    <a:cubicBezTo>
+                      <a:pt x="44816" y="2417"/>
+                      <a:pt x="47594" y="-361"/>
+                      <a:pt x="67438" y="36"/>
+                    </a:cubicBezTo>
+                    <a:cubicBezTo>
+                      <a:pt x="87282" y="433"/>
+                      <a:pt x="126176" y="4005"/>
+                      <a:pt x="153163" y="11942"/>
+                    </a:cubicBezTo>
+                    <a:cubicBezTo>
+                      <a:pt x="180150" y="19879"/>
+                      <a:pt x="209519" y="30595"/>
+                      <a:pt x="229363" y="47661"/>
+                    </a:cubicBezTo>
+                    <a:cubicBezTo>
+                      <a:pt x="249207" y="64727"/>
+                      <a:pt x="268653" y="96477"/>
+                      <a:pt x="272225" y="114336"/>
+                    </a:cubicBezTo>
+                    <a:cubicBezTo>
+                      <a:pt x="275797" y="132195"/>
+                      <a:pt x="258731" y="144498"/>
+                      <a:pt x="250794" y="154817"/>
+                    </a:cubicBezTo>
+                    <a:cubicBezTo>
+                      <a:pt x="242857" y="165136"/>
+                      <a:pt x="244841" y="174662"/>
+                      <a:pt x="224600" y="176249"/>
+                    </a:cubicBezTo>
+                    <a:cubicBezTo>
+                      <a:pt x="204359" y="177836"/>
+                      <a:pt x="161894" y="180218"/>
+                      <a:pt x="126969" y="166724"/>
+                    </a:cubicBezTo>
+                    <a:close/>
+                  </a:path>
+                </a:pathLst>
+              </a:custGeom>
+              <a:solidFill>
+                <a:schemeClr val="bg2">
+                  <a:lumMod val="90000"/>
+                </a:schemeClr>
+              </a:solidFill>
+              <a:ln w="3175">
+                <a:solidFill>
+                  <a:schemeClr val="bg2">
+                    <a:lumMod val="75000"/>
+                  </a:schemeClr>
+                </a:solidFill>
+              </a:ln>
+            </p:spPr>
+            <p:style>
+              <a:lnRef idx="2">
+                <a:schemeClr val="accent1">
+                  <a:shade val="50000"/>
+                </a:schemeClr>
+              </a:lnRef>
+              <a:fillRef idx="1">
+                <a:schemeClr val="accent1"/>
+              </a:fillRef>
+              <a:effectRef idx="0">
+                <a:schemeClr val="accent1"/>
+              </a:effectRef>
+              <a:fontRef idx="minor">
+                <a:schemeClr val="lt1"/>
+              </a:fontRef>
+            </p:style>
+            <p:txBody>
+              <a:bodyPr rtlCol="0" anchor="ctr"/>
+              <a:lstStyle/>
+              <a:p>
+                <a:pPr algn="ctr"/>
+                <a:endParaRPr kumimoji="1" lang="ja-JP" altLang="en-US"/>
+              </a:p>
+            </p:txBody>
+          </p:sp>
+          <p:sp>
+            <p:nvSpPr>
+              <p:cNvPr id="761" name="フリーフォーム 760"/>
+              <p:cNvSpPr/>
+              <p:nvPr/>
+            </p:nvSpPr>
+            <p:spPr>
+              <a:xfrm>
+                <a:off x="4587571" y="3369286"/>
+                <a:ext cx="84492" cy="26673"/>
+              </a:xfrm>
+              <a:custGeom>
+                <a:avLst/>
+                <a:gdLst>
+                  <a:gd name="connsiteX0" fmla="*/ 84442 w 84492"/>
+                  <a:gd name="connsiteY0" fmla="*/ 26377 h 26673"/>
+                  <a:gd name="connsiteX1" fmla="*/ 15385 w 84492"/>
+                  <a:gd name="connsiteY1" fmla="*/ 183 h 26673"/>
+                  <a:gd name="connsiteX2" fmla="*/ 3479 w 84492"/>
+                  <a:gd name="connsiteY2" fmla="*/ 14470 h 26673"/>
+                  <a:gd name="connsiteX3" fmla="*/ 84442 w 84492"/>
+                  <a:gd name="connsiteY3" fmla="*/ 26377 h 26673"/>
+                </a:gdLst>
+                <a:ahLst/>
+                <a:cxnLst>
+                  <a:cxn ang="0">
+                    <a:pos x="connsiteX0" y="connsiteY0"/>
+                  </a:cxn>
+                  <a:cxn ang="0">
+                    <a:pos x="connsiteX1" y="connsiteY1"/>
+                  </a:cxn>
+                  <a:cxn ang="0">
+                    <a:pos x="connsiteX2" y="connsiteY2"/>
+                  </a:cxn>
+                  <a:cxn ang="0">
+                    <a:pos x="connsiteX3" y="connsiteY3"/>
+                  </a:cxn>
+                </a:cxnLst>
+                <a:rect l="l" t="t" r="r" b="b"/>
+                <a:pathLst>
+                  <a:path w="84492" h="26673">
+                    <a:moveTo>
+                      <a:pt x="84442" y="26377"/>
+                    </a:moveTo>
+                    <a:cubicBezTo>
+                      <a:pt x="86426" y="23996"/>
+                      <a:pt x="28879" y="2167"/>
+                      <a:pt x="15385" y="183"/>
+                    </a:cubicBezTo>
+                    <a:cubicBezTo>
+                      <a:pt x="1891" y="-1801"/>
+                      <a:pt x="-4459" y="12882"/>
+                      <a:pt x="3479" y="14470"/>
+                    </a:cubicBezTo>
+                    <a:cubicBezTo>
+                      <a:pt x="11417" y="16058"/>
+                      <a:pt x="82458" y="28758"/>
+                      <a:pt x="84442" y="26377"/>
+                    </a:cubicBezTo>
+                    <a:close/>
+                  </a:path>
+                </a:pathLst>
+              </a:custGeom>
+              <a:ln>
+                <a:solidFill>
+                  <a:schemeClr val="bg2">
+                    <a:lumMod val="50000"/>
+                  </a:schemeClr>
+                </a:solidFill>
+              </a:ln>
+            </p:spPr>
+            <p:style>
+              <a:lnRef idx="2">
+                <a:schemeClr val="accent1">
+                  <a:shade val="50000"/>
+                </a:schemeClr>
+              </a:lnRef>
+              <a:fillRef idx="1">
+                <a:schemeClr val="accent1"/>
+              </a:fillRef>
+              <a:effectRef idx="0">
+                <a:schemeClr val="accent1"/>
+              </a:effectRef>
+              <a:fontRef idx="minor">
+                <a:schemeClr val="lt1"/>
+              </a:fontRef>
+            </p:style>
+            <p:txBody>
+              <a:bodyPr rtlCol="0" anchor="ctr"/>
+              <a:lstStyle/>
+              <a:p>
+                <a:pPr algn="ctr"/>
+                <a:endParaRPr kumimoji="1" lang="ja-JP" altLang="en-US"/>
+              </a:p>
+            </p:txBody>
+          </p:sp>
+        </p:grpSp>
+        <p:sp>
+          <p:nvSpPr>
+            <p:cNvPr id="758" name="平行四辺形 757"/>
+            <p:cNvSpPr/>
+            <p:nvPr/>
+          </p:nvSpPr>
+          <p:spPr>
+            <a:xfrm rot="5400000" flipH="1">
+              <a:off x="4775020" y="3510760"/>
+              <a:ext cx="45719" cy="45719"/>
+            </a:xfrm>
+            <a:prstGeom prst="parallelogram">
+              <a:avLst>
+                <a:gd name="adj" fmla="val 56906"/>
+              </a:avLst>
+            </a:prstGeom>
+            <a:solidFill>
+              <a:schemeClr val="bg2">
+                <a:lumMod val="75000"/>
+              </a:schemeClr>
+            </a:solidFill>
+            <a:ln w="3175" cap="rnd">
+              <a:solidFill>
+                <a:schemeClr val="bg2">
+                  <a:lumMod val="75000"/>
+                </a:schemeClr>
+              </a:solidFill>
+            </a:ln>
+          </p:spPr>
+          <p:style>
+            <a:lnRef idx="2">
+              <a:schemeClr val="accent1">
+                <a:shade val="50000"/>
+              </a:schemeClr>
+            </a:lnRef>
+            <a:fillRef idx="1">
+              <a:schemeClr val="accent1"/>
+            </a:fillRef>
+            <a:effectRef idx="0">
+              <a:schemeClr val="accent1"/>
+            </a:effectRef>
+            <a:fontRef idx="minor">
+              <a:schemeClr val="lt1"/>
+            </a:fontRef>
+          </p:style>
+          <p:txBody>
+            <a:bodyPr rtlCol="0" anchor="ctr"/>
+            <a:lstStyle/>
+            <a:p>
+              <a:pPr algn="ctr"/>
+              <a:endParaRPr kumimoji="1" lang="ja-JP" altLang="en-US"/>
+            </a:p>
+          </p:txBody>
+        </p:sp>
+      </p:grpSp>
     </p:spTree>
     <p:extLst>
       <p:ext uri="{BB962C8B-B14F-4D97-AF65-F5344CB8AC3E}">
